--- a/中期.pptx
+++ b/中期.pptx
@@ -5,11 +5,19 @@
     <p:sldMasterId id="2147483648" r:id="rId1"/>
   </p:sldMasterIdLst>
   <p:notesMasterIdLst>
-    <p:notesMasterId r:id="rId4"/>
+    <p:notesMasterId r:id="rId12"/>
   </p:notesMasterIdLst>
   <p:sldIdLst>
     <p:sldId id="256" r:id="rId2"/>
     <p:sldId id="257" r:id="rId3"/>
+    <p:sldId id="258" r:id="rId4"/>
+    <p:sldId id="259" r:id="rId5"/>
+    <p:sldId id="260" r:id="rId6"/>
+    <p:sldId id="261" r:id="rId7"/>
+    <p:sldId id="262" r:id="rId8"/>
+    <p:sldId id="263" r:id="rId9"/>
+    <p:sldId id="264" r:id="rId10"/>
+    <p:sldId id="265" r:id="rId11"/>
   </p:sldIdLst>
   <p:sldSz cx="12192000" cy="6858000"/>
   <p:notesSz cx="6858000" cy="9144000"/>
@@ -108,6 +116,11 @@
       </a:defRPr>
     </a:lvl9pPr>
   </p:defaultTextStyle>
+  <p:extLst>
+    <p:ext uri="{EFAFB233-063F-42B5-8137-9DF3F51BA10A}">
+      <p15:sldGuideLst xmlns:p15="http://schemas.microsoft.com/office/powerpoint/2012/main"/>
+    </p:ext>
+  </p:extLst>
 </p:presentation>
 </file>
 
@@ -193,7 +206,7 @@
           <a:p>
             <a:fld id="{6A95CE0B-8EC2-498B-8266-4712FFFA85A5}" type="datetimeFigureOut">
               <a:rPr lang="zh-CN" altLang="en-US" smtClean="0"/>
-              <a:t>2024/8/23</a:t>
+              <a:t>2024/8/27</a:t>
             </a:fld>
             <a:endParaRPr lang="zh-CN" altLang="en-US"/>
           </a:p>
@@ -607,7 +620,7 @@
           <a:p>
             <a:fld id="{0D121C38-DC67-40B6-916F-9E6198090CA5}" type="datetimeFigureOut">
               <a:rPr lang="zh-CN" altLang="en-US" smtClean="0"/>
-              <a:t>2024/8/23</a:t>
+              <a:t>2024/8/27</a:t>
             </a:fld>
             <a:endParaRPr lang="zh-CN" altLang="en-US"/>
           </a:p>
@@ -805,7 +818,7 @@
           <a:p>
             <a:fld id="{0D121C38-DC67-40B6-916F-9E6198090CA5}" type="datetimeFigureOut">
               <a:rPr lang="zh-CN" altLang="en-US" smtClean="0"/>
-              <a:t>2024/8/23</a:t>
+              <a:t>2024/8/27</a:t>
             </a:fld>
             <a:endParaRPr lang="zh-CN" altLang="en-US"/>
           </a:p>
@@ -1013,7 +1026,7 @@
           <a:p>
             <a:fld id="{0D121C38-DC67-40B6-916F-9E6198090CA5}" type="datetimeFigureOut">
               <a:rPr lang="zh-CN" altLang="en-US" smtClean="0"/>
-              <a:t>2024/8/23</a:t>
+              <a:t>2024/8/27</a:t>
             </a:fld>
             <a:endParaRPr lang="zh-CN" altLang="en-US"/>
           </a:p>
@@ -1211,7 +1224,7 @@
           <a:p>
             <a:fld id="{0D121C38-DC67-40B6-916F-9E6198090CA5}" type="datetimeFigureOut">
               <a:rPr lang="zh-CN" altLang="en-US" smtClean="0"/>
-              <a:t>2024/8/23</a:t>
+              <a:t>2024/8/27</a:t>
             </a:fld>
             <a:endParaRPr lang="zh-CN" altLang="en-US"/>
           </a:p>
@@ -1486,7 +1499,7 @@
           <a:p>
             <a:fld id="{0D121C38-DC67-40B6-916F-9E6198090CA5}" type="datetimeFigureOut">
               <a:rPr lang="zh-CN" altLang="en-US" smtClean="0"/>
-              <a:t>2024/8/23</a:t>
+              <a:t>2024/8/27</a:t>
             </a:fld>
             <a:endParaRPr lang="zh-CN" altLang="en-US"/>
           </a:p>
@@ -1751,7 +1764,7 @@
           <a:p>
             <a:fld id="{0D121C38-DC67-40B6-916F-9E6198090CA5}" type="datetimeFigureOut">
               <a:rPr lang="zh-CN" altLang="en-US" smtClean="0"/>
-              <a:t>2024/8/23</a:t>
+              <a:t>2024/8/27</a:t>
             </a:fld>
             <a:endParaRPr lang="zh-CN" altLang="en-US"/>
           </a:p>
@@ -2163,7 +2176,7 @@
           <a:p>
             <a:fld id="{0D121C38-DC67-40B6-916F-9E6198090CA5}" type="datetimeFigureOut">
               <a:rPr lang="zh-CN" altLang="en-US" smtClean="0"/>
-              <a:t>2024/8/23</a:t>
+              <a:t>2024/8/27</a:t>
             </a:fld>
             <a:endParaRPr lang="zh-CN" altLang="en-US"/>
           </a:p>
@@ -2304,7 +2317,7 @@
           <a:p>
             <a:fld id="{0D121C38-DC67-40B6-916F-9E6198090CA5}" type="datetimeFigureOut">
               <a:rPr lang="zh-CN" altLang="en-US" smtClean="0"/>
-              <a:t>2024/8/23</a:t>
+              <a:t>2024/8/27</a:t>
             </a:fld>
             <a:endParaRPr lang="zh-CN" altLang="en-US"/>
           </a:p>
@@ -2417,7 +2430,7 @@
           <a:p>
             <a:fld id="{0D121C38-DC67-40B6-916F-9E6198090CA5}" type="datetimeFigureOut">
               <a:rPr lang="zh-CN" altLang="en-US" smtClean="0"/>
-              <a:t>2024/8/23</a:t>
+              <a:t>2024/8/27</a:t>
             </a:fld>
             <a:endParaRPr lang="zh-CN" altLang="en-US"/>
           </a:p>
@@ -2728,7 +2741,7 @@
           <a:p>
             <a:fld id="{0D121C38-DC67-40B6-916F-9E6198090CA5}" type="datetimeFigureOut">
               <a:rPr lang="zh-CN" altLang="en-US" smtClean="0"/>
-              <a:t>2024/8/23</a:t>
+              <a:t>2024/8/27</a:t>
             </a:fld>
             <a:endParaRPr lang="zh-CN" altLang="en-US"/>
           </a:p>
@@ -3016,7 +3029,7 @@
           <a:p>
             <a:fld id="{0D121C38-DC67-40B6-916F-9E6198090CA5}" type="datetimeFigureOut">
               <a:rPr lang="zh-CN" altLang="en-US" smtClean="0"/>
-              <a:t>2024/8/23</a:t>
+              <a:t>2024/8/27</a:t>
             </a:fld>
             <a:endParaRPr lang="zh-CN" altLang="en-US"/>
           </a:p>
@@ -3257,7 +3270,7 @@
           <a:p>
             <a:fld id="{0D121C38-DC67-40B6-916F-9E6198090CA5}" type="datetimeFigureOut">
               <a:rPr lang="zh-CN" altLang="en-US" smtClean="0"/>
-              <a:t>2024/8/23</a:t>
+              <a:t>2024/8/27</a:t>
             </a:fld>
             <a:endParaRPr lang="zh-CN" altLang="en-US"/>
           </a:p>
@@ -4909,10 +4922,28 @@
           <a:p>
             <a:pPr algn="ctr"/>
             <a:r>
-              <a:rPr lang="ja-JP" altLang="en-US" sz="2000" dirty="0"/>
+              <a:rPr lang="ja-JP" altLang="en-US" sz="2000" dirty="0">
+                <a:solidFill>
+                  <a:srgbClr val="000000"/>
+                </a:solidFill>
+                <a:highlight>
+                  <a:srgbClr val="FFFFFF"/>
+                </a:highlight>
+                <a:latin typeface="Microsoft YaHei" panose="020B0503020204020204" pitchFamily="34" charset="-122"/>
+                <a:ea typeface="Microsoft YaHei" panose="020B0503020204020204" pitchFamily="34" charset="-122"/>
+              </a:rPr>
               <a:t>劉　崇玖</a:t>
             </a:r>
-            <a:endParaRPr lang="zh-CN" altLang="en-US" sz="2000" dirty="0"/>
+            <a:endParaRPr lang="zh-CN" altLang="en-US" sz="2000" dirty="0">
+              <a:solidFill>
+                <a:srgbClr val="000000"/>
+              </a:solidFill>
+              <a:highlight>
+                <a:srgbClr val="FFFFFF"/>
+              </a:highlight>
+              <a:latin typeface="Microsoft YaHei" panose="020B0503020204020204" pitchFamily="34" charset="-122"/>
+              <a:ea typeface="Microsoft YaHei" panose="020B0503020204020204" pitchFamily="34" charset="-122"/>
+            </a:endParaRPr>
           </a:p>
         </p:txBody>
       </p:sp>
@@ -4920,6 +4951,118 @@
     <p:extLst>
       <p:ext uri="{BB962C8B-B14F-4D97-AF65-F5344CB8AC3E}">
         <p14:creationId xmlns:p14="http://schemas.microsoft.com/office/powerpoint/2010/main" val="1830505222"/>
+      </p:ext>
+    </p:extLst>
+  </p:cSld>
+  <p:clrMapOvr>
+    <a:masterClrMapping/>
+  </p:clrMapOvr>
+</p:sld>
+</file>
+
+<file path=ppt/slides/slide10.xml><?xml version="1.0" encoding="utf-8"?>
+<p:sld xmlns:a="http://schemas.openxmlformats.org/drawingml/2006/main" xmlns:r="http://schemas.openxmlformats.org/officeDocument/2006/relationships" xmlns:p="http://schemas.openxmlformats.org/presentationml/2006/main">
+  <p:cSld>
+    <p:spTree>
+      <p:nvGrpSpPr>
+        <p:cNvPr id="1" name=""/>
+        <p:cNvGrpSpPr/>
+        <p:nvPr/>
+      </p:nvGrpSpPr>
+      <p:grpSpPr>
+        <a:xfrm>
+          <a:off x="0" y="0"/>
+          <a:ext cx="0" cy="0"/>
+          <a:chOff x="0" y="0"/>
+          <a:chExt cx="0" cy="0"/>
+        </a:xfrm>
+      </p:grpSpPr>
+      <p:sp>
+        <p:nvSpPr>
+          <p:cNvPr id="2" name="文本框 1">
+            <a:extLst>
+              <a:ext uri="{FF2B5EF4-FFF2-40B4-BE49-F238E27FC236}">
+                <a16:creationId xmlns:a16="http://schemas.microsoft.com/office/drawing/2014/main" id="{D69CDDDF-2E93-AD40-6D62-0DF626A8F71F}"/>
+              </a:ext>
+            </a:extLst>
+          </p:cNvPr>
+          <p:cNvSpPr txBox="1"/>
+          <p:nvPr/>
+        </p:nvSpPr>
+        <p:spPr>
+          <a:xfrm>
+            <a:off x="301086" y="241382"/>
+            <a:ext cx="2236510" cy="584775"/>
+          </a:xfrm>
+          <a:prstGeom prst="rect">
+            <a:avLst/>
+          </a:prstGeom>
+          <a:noFill/>
+        </p:spPr>
+        <p:txBody>
+          <a:bodyPr wrap="none" rtlCol="0">
+            <a:spAutoFit/>
+          </a:bodyPr>
+          <a:lstStyle/>
+          <a:p>
+            <a:r>
+              <a:rPr lang="ja-JP" altLang="en-US" sz="3200" b="1" dirty="0"/>
+              <a:t>研究の概要</a:t>
+            </a:r>
+            <a:endParaRPr lang="zh-CN" altLang="en-US" sz="3200" b="1" dirty="0"/>
+          </a:p>
+        </p:txBody>
+      </p:sp>
+      <p:sp>
+        <p:nvSpPr>
+          <p:cNvPr id="3" name="矩形: 圆角 2">
+            <a:extLst>
+              <a:ext uri="{FF2B5EF4-FFF2-40B4-BE49-F238E27FC236}">
+                <a16:creationId xmlns:a16="http://schemas.microsoft.com/office/drawing/2014/main" id="{2CBA0A6C-80CA-A3CE-AAAD-A62116F6E5C9}"/>
+              </a:ext>
+            </a:extLst>
+          </p:cNvPr>
+          <p:cNvSpPr/>
+          <p:nvPr/>
+        </p:nvSpPr>
+        <p:spPr>
+          <a:xfrm>
+            <a:off x="337127" y="964765"/>
+            <a:ext cx="11517745" cy="72000"/>
+          </a:xfrm>
+          <a:prstGeom prst="roundRect">
+            <a:avLst/>
+          </a:prstGeom>
+        </p:spPr>
+        <p:style>
+          <a:lnRef idx="2">
+            <a:schemeClr val="accent1">
+              <a:shade val="15000"/>
+            </a:schemeClr>
+          </a:lnRef>
+          <a:fillRef idx="1">
+            <a:schemeClr val="accent1"/>
+          </a:fillRef>
+          <a:effectRef idx="0">
+            <a:schemeClr val="accent1"/>
+          </a:effectRef>
+          <a:fontRef idx="minor">
+            <a:schemeClr val="lt1"/>
+          </a:fontRef>
+        </p:style>
+        <p:txBody>
+          <a:bodyPr rtlCol="0" anchor="ctr"/>
+          <a:lstStyle/>
+          <a:p>
+            <a:pPr algn="ctr"/>
+            <a:endParaRPr lang="zh-CN" altLang="en-US"/>
+          </a:p>
+        </p:txBody>
+      </p:sp>
+    </p:spTree>
+    <p:extLst>
+      <p:ext uri="{BB962C8B-B14F-4D97-AF65-F5344CB8AC3E}">
+        <p14:creationId xmlns:p14="http://schemas.microsoft.com/office/powerpoint/2010/main" val="1388692904"/>
       </p:ext>
     </p:extLst>
   </p:cSld>
@@ -4946,1099 +5089,6 @@
           <a:chExt cx="0" cy="0"/>
         </a:xfrm>
       </p:grpSpPr>
-      <p:grpSp>
-        <p:nvGrpSpPr>
-          <p:cNvPr id="4" name="グループ化 3">
-            <a:extLst>
-              <a:ext uri="{FF2B5EF4-FFF2-40B4-BE49-F238E27FC236}">
-                <a16:creationId xmlns:a16="http://schemas.microsoft.com/office/drawing/2014/main" id="{1E40D7C5-CC16-DC91-ECF2-7E6306AAA81B}"/>
-              </a:ext>
-            </a:extLst>
-          </p:cNvPr>
-          <p:cNvGrpSpPr/>
-          <p:nvPr/>
-        </p:nvGrpSpPr>
-        <p:grpSpPr>
-          <a:xfrm>
-            <a:off x="8622016" y="0"/>
-            <a:ext cx="3569984" cy="731502"/>
-            <a:chOff x="12360099" y="93748"/>
-            <a:chExt cx="11813516" cy="1414012"/>
-          </a:xfrm>
-        </p:grpSpPr>
-        <p:sp>
-          <p:nvSpPr>
-            <p:cNvPr id="5" name="AutoShape 47">
-              <a:extLst>
-                <a:ext uri="{FF2B5EF4-FFF2-40B4-BE49-F238E27FC236}">
-                  <a16:creationId xmlns:a16="http://schemas.microsoft.com/office/drawing/2014/main" id="{C978A0D1-6E46-17C5-C0F9-304C1860DD8F}"/>
-                </a:ext>
-              </a:extLst>
-            </p:cNvPr>
-            <p:cNvSpPr>
-              <a:spLocks noChangeArrowheads="1"/>
-            </p:cNvSpPr>
-            <p:nvPr/>
-          </p:nvSpPr>
-          <p:spPr bwMode="auto">
-            <a:xfrm>
-              <a:off x="17918191" y="99149"/>
-              <a:ext cx="6255424" cy="1297530"/>
-            </a:xfrm>
-            <a:prstGeom prst="parallelogram">
-              <a:avLst>
-                <a:gd name="adj" fmla="val 51874"/>
-              </a:avLst>
-            </a:prstGeom>
-            <a:solidFill>
-              <a:srgbClr val="70AD47"/>
-            </a:solidFill>
-            <a:ln>
-              <a:noFill/>
-            </a:ln>
-            <a:effectLst/>
-          </p:spPr>
-          <p:txBody>
-            <a:bodyPr vert="horz" wrap="square" lIns="36576" tIns="36576" rIns="36576" bIns="36576" numCol="1" anchor="t" anchorCtr="0" compatLnSpc="1">
-              <a:prstTxWarp prst="textNoShape">
-                <a:avLst/>
-              </a:prstTxWarp>
-            </a:bodyPr>
-            <a:lstStyle>
-              <a:defPPr>
-                <a:defRPr lang="en-US"/>
-              </a:defPPr>
-              <a:lvl1pPr marL="0" algn="l" defTabSz="457200" rtl="0" eaLnBrk="1" latinLnBrk="0" hangingPunct="1">
-                <a:defRPr sz="1800" kern="1200">
-                  <a:solidFill>
-                    <a:schemeClr val="tx1"/>
-                  </a:solidFill>
-                  <a:latin typeface="+mn-lt"/>
-                  <a:ea typeface="+mn-ea"/>
-                  <a:cs typeface="+mn-cs"/>
-                </a:defRPr>
-              </a:lvl1pPr>
-              <a:lvl2pPr marL="457200" algn="l" defTabSz="457200" rtl="0" eaLnBrk="1" latinLnBrk="0" hangingPunct="1">
-                <a:defRPr sz="1800" kern="1200">
-                  <a:solidFill>
-                    <a:schemeClr val="tx1"/>
-                  </a:solidFill>
-                  <a:latin typeface="+mn-lt"/>
-                  <a:ea typeface="+mn-ea"/>
-                  <a:cs typeface="+mn-cs"/>
-                </a:defRPr>
-              </a:lvl2pPr>
-              <a:lvl3pPr marL="914400" algn="l" defTabSz="457200" rtl="0" eaLnBrk="1" latinLnBrk="0" hangingPunct="1">
-                <a:defRPr sz="1800" kern="1200">
-                  <a:solidFill>
-                    <a:schemeClr val="tx1"/>
-                  </a:solidFill>
-                  <a:latin typeface="+mn-lt"/>
-                  <a:ea typeface="+mn-ea"/>
-                  <a:cs typeface="+mn-cs"/>
-                </a:defRPr>
-              </a:lvl3pPr>
-              <a:lvl4pPr marL="1371600" algn="l" defTabSz="457200" rtl="0" eaLnBrk="1" latinLnBrk="0" hangingPunct="1">
-                <a:defRPr sz="1800" kern="1200">
-                  <a:solidFill>
-                    <a:schemeClr val="tx1"/>
-                  </a:solidFill>
-                  <a:latin typeface="+mn-lt"/>
-                  <a:ea typeface="+mn-ea"/>
-                  <a:cs typeface="+mn-cs"/>
-                </a:defRPr>
-              </a:lvl4pPr>
-              <a:lvl5pPr marL="1828800" algn="l" defTabSz="457200" rtl="0" eaLnBrk="1" latinLnBrk="0" hangingPunct="1">
-                <a:defRPr sz="1800" kern="1200">
-                  <a:solidFill>
-                    <a:schemeClr val="tx1"/>
-                  </a:solidFill>
-                  <a:latin typeface="+mn-lt"/>
-                  <a:ea typeface="+mn-ea"/>
-                  <a:cs typeface="+mn-cs"/>
-                </a:defRPr>
-              </a:lvl5pPr>
-              <a:lvl6pPr marL="2286000" algn="l" defTabSz="457200" rtl="0" eaLnBrk="1" latinLnBrk="0" hangingPunct="1">
-                <a:defRPr sz="1800" kern="1200">
-                  <a:solidFill>
-                    <a:schemeClr val="tx1"/>
-                  </a:solidFill>
-                  <a:latin typeface="+mn-lt"/>
-                  <a:ea typeface="+mn-ea"/>
-                  <a:cs typeface="+mn-cs"/>
-                </a:defRPr>
-              </a:lvl6pPr>
-              <a:lvl7pPr marL="2743200" algn="l" defTabSz="457200" rtl="0" eaLnBrk="1" latinLnBrk="0" hangingPunct="1">
-                <a:defRPr sz="1800" kern="1200">
-                  <a:solidFill>
-                    <a:schemeClr val="tx1"/>
-                  </a:solidFill>
-                  <a:latin typeface="+mn-lt"/>
-                  <a:ea typeface="+mn-ea"/>
-                  <a:cs typeface="+mn-cs"/>
-                </a:defRPr>
-              </a:lvl7pPr>
-              <a:lvl8pPr marL="3200400" algn="l" defTabSz="457200" rtl="0" eaLnBrk="1" latinLnBrk="0" hangingPunct="1">
-                <a:defRPr sz="1800" kern="1200">
-                  <a:solidFill>
-                    <a:schemeClr val="tx1"/>
-                  </a:solidFill>
-                  <a:latin typeface="+mn-lt"/>
-                  <a:ea typeface="+mn-ea"/>
-                  <a:cs typeface="+mn-cs"/>
-                </a:defRPr>
-              </a:lvl8pPr>
-              <a:lvl9pPr marL="3657600" algn="l" defTabSz="457200" rtl="0" eaLnBrk="1" latinLnBrk="0" hangingPunct="1">
-                <a:defRPr sz="1800" kern="1200">
-                  <a:solidFill>
-                    <a:schemeClr val="tx1"/>
-                  </a:solidFill>
-                  <a:latin typeface="+mn-lt"/>
-                  <a:ea typeface="+mn-ea"/>
-                  <a:cs typeface="+mn-cs"/>
-                </a:defRPr>
-              </a:lvl9pPr>
-            </a:lstStyle>
-            <a:p>
-              <a:pPr marL="0" marR="0" lvl="0" indent="0" algn="l" defTabSz="914400" rtl="0" eaLnBrk="0" fontAlgn="base" latinLnBrk="0" hangingPunct="0">
-                <a:lnSpc>
-                  <a:spcPct val="100000"/>
-                </a:lnSpc>
-                <a:spcBef>
-                  <a:spcPct val="0"/>
-                </a:spcBef>
-                <a:spcAft>
-                  <a:spcPct val="0"/>
-                </a:spcAft>
-                <a:buClrTx/>
-                <a:buSzTx/>
-                <a:buFontTx/>
-                <a:buNone/>
-                <a:tabLst/>
-              </a:pPr>
-              <a:endParaRPr kumimoji="0" lang="ja-JP" altLang="ja-JP" sz="600" b="0" i="0" u="none" strike="noStrike" cap="none" normalizeH="0" baseline="0">
-                <a:ln>
-                  <a:noFill/>
-                </a:ln>
-                <a:solidFill>
-                  <a:schemeClr val="tx1"/>
-                </a:solidFill>
-                <a:effectLst/>
-                <a:latin typeface="Arial" panose="020B0604020202020204" pitchFamily="34" charset="0"/>
-              </a:endParaRPr>
-            </a:p>
-          </p:txBody>
-        </p:sp>
-        <p:sp>
-          <p:nvSpPr>
-            <p:cNvPr id="6" name="Text Box 49">
-              <a:extLst>
-                <a:ext uri="{FF2B5EF4-FFF2-40B4-BE49-F238E27FC236}">
-                  <a16:creationId xmlns:a16="http://schemas.microsoft.com/office/drawing/2014/main" id="{3DE0E1D0-5633-64C1-9E3E-5438602A8921}"/>
-                </a:ext>
-              </a:extLst>
-            </p:cNvPr>
-            <p:cNvSpPr txBox="1">
-              <a:spLocks noChangeArrowheads="1"/>
-            </p:cNvSpPr>
-            <p:nvPr/>
-          </p:nvSpPr>
-          <p:spPr bwMode="auto">
-            <a:xfrm>
-              <a:off x="20441292" y="374837"/>
-              <a:ext cx="3460819" cy="1022640"/>
-            </a:xfrm>
-            <a:prstGeom prst="rect">
-              <a:avLst/>
-            </a:prstGeom>
-            <a:noFill/>
-            <a:ln>
-              <a:noFill/>
-            </a:ln>
-            <a:effectLst/>
-            <a:extLst>
-              <a:ext uri="{909E8E84-426E-40DD-AFC4-6F175D3DCCD1}">
-                <a14:hiddenFill xmlns:a14="http://schemas.microsoft.com/office/drawing/2010/main">
-                  <a:solidFill>
-                    <a:srgbClr val="04617B"/>
-                  </a:solidFill>
-                </a14:hiddenFill>
-              </a:ext>
-              <a:ext uri="{91240B29-F687-4F45-9708-019B960494DF}">
-                <a14:hiddenLine xmlns:a14="http://schemas.microsoft.com/office/drawing/2010/main" w="25400" algn="ctr">
-                  <a:solidFill>
-                    <a:srgbClr val="000000"/>
-                  </a:solidFill>
-                  <a:miter lim="800000"/>
-                  <a:headEnd/>
-                  <a:tailEnd/>
-                </a14:hiddenLine>
-              </a:ext>
-              <a:ext uri="{AF507438-7753-43E0-B8FC-AC1667EBCBE1}">
-                <a14:hiddenEffects xmlns:a14="http://schemas.microsoft.com/office/drawing/2010/main">
-                  <a:effectLst>
-                    <a:outerShdw dist="35921" dir="2700000" algn="ctr" rotWithShape="0">
-                      <a:srgbClr val="000000"/>
-                    </a:outerShdw>
-                  </a:effectLst>
-                </a14:hiddenEffects>
-              </a:ext>
-            </a:extLst>
-          </p:spPr>
-          <p:txBody>
-            <a:bodyPr vert="horz" wrap="square" lIns="36576" tIns="36576" rIns="36576" bIns="36576" numCol="1" anchor="t" anchorCtr="0" compatLnSpc="1">
-              <a:prstTxWarp prst="textNoShape">
-                <a:avLst/>
-              </a:prstTxWarp>
-            </a:bodyPr>
-            <a:lstStyle>
-              <a:defPPr>
-                <a:defRPr lang="en-US"/>
-              </a:defPPr>
-              <a:lvl1pPr marL="0" algn="l" defTabSz="457200" rtl="0" eaLnBrk="1" latinLnBrk="0" hangingPunct="1">
-                <a:defRPr sz="1800" kern="1200">
-                  <a:solidFill>
-                    <a:schemeClr val="tx1"/>
-                  </a:solidFill>
-                  <a:latin typeface="+mn-lt"/>
-                  <a:ea typeface="+mn-ea"/>
-                  <a:cs typeface="+mn-cs"/>
-                </a:defRPr>
-              </a:lvl1pPr>
-              <a:lvl2pPr marL="457200" algn="l" defTabSz="457200" rtl="0" eaLnBrk="1" latinLnBrk="0" hangingPunct="1">
-                <a:defRPr sz="1800" kern="1200">
-                  <a:solidFill>
-                    <a:schemeClr val="tx1"/>
-                  </a:solidFill>
-                  <a:latin typeface="+mn-lt"/>
-                  <a:ea typeface="+mn-ea"/>
-                  <a:cs typeface="+mn-cs"/>
-                </a:defRPr>
-              </a:lvl2pPr>
-              <a:lvl3pPr marL="914400" algn="l" defTabSz="457200" rtl="0" eaLnBrk="1" latinLnBrk="0" hangingPunct="1">
-                <a:defRPr sz="1800" kern="1200">
-                  <a:solidFill>
-                    <a:schemeClr val="tx1"/>
-                  </a:solidFill>
-                  <a:latin typeface="+mn-lt"/>
-                  <a:ea typeface="+mn-ea"/>
-                  <a:cs typeface="+mn-cs"/>
-                </a:defRPr>
-              </a:lvl3pPr>
-              <a:lvl4pPr marL="1371600" algn="l" defTabSz="457200" rtl="0" eaLnBrk="1" latinLnBrk="0" hangingPunct="1">
-                <a:defRPr sz="1800" kern="1200">
-                  <a:solidFill>
-                    <a:schemeClr val="tx1"/>
-                  </a:solidFill>
-                  <a:latin typeface="+mn-lt"/>
-                  <a:ea typeface="+mn-ea"/>
-                  <a:cs typeface="+mn-cs"/>
-                </a:defRPr>
-              </a:lvl4pPr>
-              <a:lvl5pPr marL="1828800" algn="l" defTabSz="457200" rtl="0" eaLnBrk="1" latinLnBrk="0" hangingPunct="1">
-                <a:defRPr sz="1800" kern="1200">
-                  <a:solidFill>
-                    <a:schemeClr val="tx1"/>
-                  </a:solidFill>
-                  <a:latin typeface="+mn-lt"/>
-                  <a:ea typeface="+mn-ea"/>
-                  <a:cs typeface="+mn-cs"/>
-                </a:defRPr>
-              </a:lvl5pPr>
-              <a:lvl6pPr marL="2286000" algn="l" defTabSz="457200" rtl="0" eaLnBrk="1" latinLnBrk="0" hangingPunct="1">
-                <a:defRPr sz="1800" kern="1200">
-                  <a:solidFill>
-                    <a:schemeClr val="tx1"/>
-                  </a:solidFill>
-                  <a:latin typeface="+mn-lt"/>
-                  <a:ea typeface="+mn-ea"/>
-                  <a:cs typeface="+mn-cs"/>
-                </a:defRPr>
-              </a:lvl6pPr>
-              <a:lvl7pPr marL="2743200" algn="l" defTabSz="457200" rtl="0" eaLnBrk="1" latinLnBrk="0" hangingPunct="1">
-                <a:defRPr sz="1800" kern="1200">
-                  <a:solidFill>
-                    <a:schemeClr val="tx1"/>
-                  </a:solidFill>
-                  <a:latin typeface="+mn-lt"/>
-                  <a:ea typeface="+mn-ea"/>
-                  <a:cs typeface="+mn-cs"/>
-                </a:defRPr>
-              </a:lvl7pPr>
-              <a:lvl8pPr marL="3200400" algn="l" defTabSz="457200" rtl="0" eaLnBrk="1" latinLnBrk="0" hangingPunct="1">
-                <a:defRPr sz="1800" kern="1200">
-                  <a:solidFill>
-                    <a:schemeClr val="tx1"/>
-                  </a:solidFill>
-                  <a:latin typeface="+mn-lt"/>
-                  <a:ea typeface="+mn-ea"/>
-                  <a:cs typeface="+mn-cs"/>
-                </a:defRPr>
-              </a:lvl8pPr>
-              <a:lvl9pPr marL="3657600" algn="l" defTabSz="457200" rtl="0" eaLnBrk="1" latinLnBrk="0" hangingPunct="1">
-                <a:defRPr sz="1800" kern="1200">
-                  <a:solidFill>
-                    <a:schemeClr val="tx1"/>
-                  </a:solidFill>
-                  <a:latin typeface="+mn-lt"/>
-                  <a:ea typeface="+mn-ea"/>
-                  <a:cs typeface="+mn-cs"/>
-                </a:defRPr>
-              </a:lvl9pPr>
-            </a:lstStyle>
-            <a:p>
-              <a:pPr marL="0" marR="0" lvl="0" indent="0" algn="l" defTabSz="914400" rtl="0" eaLnBrk="0" fontAlgn="base" latinLnBrk="0" hangingPunct="0">
-                <a:lnSpc>
-                  <a:spcPct val="100000"/>
-                </a:lnSpc>
-                <a:spcBef>
-                  <a:spcPct val="0"/>
-                </a:spcBef>
-                <a:spcAft>
-                  <a:spcPct val="0"/>
-                </a:spcAft>
-                <a:buClrTx/>
-                <a:buSzTx/>
-                <a:buFontTx/>
-                <a:buNone/>
-                <a:tabLst/>
-              </a:pPr>
-              <a:r>
-                <a:rPr kumimoji="0" lang="en-US" altLang="ja-JP" sz="1400" b="0" i="0" u="none" strike="noStrike" cap="none" normalizeH="0" baseline="0">
-                  <a:ln>
-                    <a:noFill/>
-                  </a:ln>
-                  <a:solidFill>
-                    <a:srgbClr val="FFFFFF"/>
-                  </a:solidFill>
-                  <a:effectLst/>
-                  <a:latin typeface="Arial" panose="020B0604020202020204" pitchFamily="34" charset="0"/>
-                  <a:ea typeface="ＭＳ 明朝" panose="02020609040205080304" pitchFamily="17" charset="-128"/>
-                </a:rPr>
-                <a:t>Hiroshima</a:t>
-              </a:r>
-              <a:endParaRPr kumimoji="0" lang="en-US" altLang="ja-JP" sz="500" b="0" i="0" u="none" strike="noStrike" cap="none" normalizeH="0" baseline="0">
-                <a:ln>
-                  <a:noFill/>
-                </a:ln>
-                <a:solidFill>
-                  <a:srgbClr val="FFFFFF"/>
-                </a:solidFill>
-                <a:effectLst/>
-                <a:latin typeface="Arial" panose="020B0604020202020204" pitchFamily="34" charset="0"/>
-                <a:ea typeface="ＭＳ 明朝" panose="02020609040205080304" pitchFamily="17" charset="-128"/>
-              </a:endParaRPr>
-            </a:p>
-            <a:p>
-              <a:pPr marL="0" marR="0" lvl="0" indent="0" algn="l" defTabSz="914400" rtl="0" eaLnBrk="0" fontAlgn="base" latinLnBrk="0" hangingPunct="0">
-                <a:lnSpc>
-                  <a:spcPct val="100000"/>
-                </a:lnSpc>
-                <a:spcBef>
-                  <a:spcPct val="0"/>
-                </a:spcBef>
-                <a:spcAft>
-                  <a:spcPct val="0"/>
-                </a:spcAft>
-                <a:buClrTx/>
-                <a:buSzTx/>
-                <a:buFontTx/>
-                <a:buNone/>
-                <a:tabLst/>
-              </a:pPr>
-              <a:r>
-                <a:rPr kumimoji="0" lang="en-US" altLang="ja-JP" sz="1400" b="0" i="0" u="none" strike="noStrike" cap="none" normalizeH="0" baseline="0">
-                  <a:ln>
-                    <a:noFill/>
-                  </a:ln>
-                  <a:solidFill>
-                    <a:srgbClr val="FFFFFF"/>
-                  </a:solidFill>
-                  <a:effectLst/>
-                  <a:latin typeface="Arial" panose="020B0604020202020204" pitchFamily="34" charset="0"/>
-                  <a:ea typeface="ＭＳ 明朝" panose="02020609040205080304" pitchFamily="17" charset="-128"/>
-                </a:rPr>
-                <a:t>University</a:t>
-              </a:r>
-              <a:endParaRPr kumimoji="0" lang="ja-JP" altLang="ja-JP" sz="600" b="0" i="0" u="none" strike="noStrike" cap="none" normalizeH="0" baseline="0">
-                <a:ln>
-                  <a:noFill/>
-                </a:ln>
-                <a:solidFill>
-                  <a:schemeClr val="tx1"/>
-                </a:solidFill>
-                <a:effectLst/>
-                <a:latin typeface="Arial" panose="020B0604020202020204" pitchFamily="34" charset="0"/>
-              </a:endParaRPr>
-            </a:p>
-          </p:txBody>
-        </p:sp>
-        <p:sp>
-          <p:nvSpPr>
-            <p:cNvPr id="7" name="AutoShape 47">
-              <a:extLst>
-                <a:ext uri="{FF2B5EF4-FFF2-40B4-BE49-F238E27FC236}">
-                  <a16:creationId xmlns:a16="http://schemas.microsoft.com/office/drawing/2014/main" id="{6F483726-81F1-8716-257A-3A88A39A1C50}"/>
-                </a:ext>
-              </a:extLst>
-            </p:cNvPr>
-            <p:cNvSpPr>
-              <a:spLocks noChangeArrowheads="1"/>
-            </p:cNvSpPr>
-            <p:nvPr/>
-          </p:nvSpPr>
-          <p:spPr bwMode="auto">
-            <a:xfrm>
-              <a:off x="12360099" y="93748"/>
-              <a:ext cx="6745286" cy="1302931"/>
-            </a:xfrm>
-            <a:prstGeom prst="parallelogram">
-              <a:avLst>
-                <a:gd name="adj" fmla="val 51874"/>
-              </a:avLst>
-            </a:prstGeom>
-            <a:solidFill>
-              <a:srgbClr val="00B0F0"/>
-            </a:solidFill>
-            <a:ln>
-              <a:noFill/>
-            </a:ln>
-            <a:effectLst/>
-          </p:spPr>
-          <p:txBody>
-            <a:bodyPr vert="horz" wrap="square" lIns="36576" tIns="36576" rIns="36576" bIns="36576" numCol="1" anchor="t" anchorCtr="0" compatLnSpc="1">
-              <a:prstTxWarp prst="textNoShape">
-                <a:avLst/>
-              </a:prstTxWarp>
-            </a:bodyPr>
-            <a:lstStyle>
-              <a:defPPr>
-                <a:defRPr lang="en-US"/>
-              </a:defPPr>
-              <a:lvl1pPr marL="0" algn="l" defTabSz="457200" rtl="0" eaLnBrk="1" latinLnBrk="0" hangingPunct="1">
-                <a:defRPr sz="1800" kern="1200">
-                  <a:solidFill>
-                    <a:schemeClr val="tx1"/>
-                  </a:solidFill>
-                  <a:latin typeface="+mn-lt"/>
-                  <a:ea typeface="+mn-ea"/>
-                  <a:cs typeface="+mn-cs"/>
-                </a:defRPr>
-              </a:lvl1pPr>
-              <a:lvl2pPr marL="457200" algn="l" defTabSz="457200" rtl="0" eaLnBrk="1" latinLnBrk="0" hangingPunct="1">
-                <a:defRPr sz="1800" kern="1200">
-                  <a:solidFill>
-                    <a:schemeClr val="tx1"/>
-                  </a:solidFill>
-                  <a:latin typeface="+mn-lt"/>
-                  <a:ea typeface="+mn-ea"/>
-                  <a:cs typeface="+mn-cs"/>
-                </a:defRPr>
-              </a:lvl2pPr>
-              <a:lvl3pPr marL="914400" algn="l" defTabSz="457200" rtl="0" eaLnBrk="1" latinLnBrk="0" hangingPunct="1">
-                <a:defRPr sz="1800" kern="1200">
-                  <a:solidFill>
-                    <a:schemeClr val="tx1"/>
-                  </a:solidFill>
-                  <a:latin typeface="+mn-lt"/>
-                  <a:ea typeface="+mn-ea"/>
-                  <a:cs typeface="+mn-cs"/>
-                </a:defRPr>
-              </a:lvl3pPr>
-              <a:lvl4pPr marL="1371600" algn="l" defTabSz="457200" rtl="0" eaLnBrk="1" latinLnBrk="0" hangingPunct="1">
-                <a:defRPr sz="1800" kern="1200">
-                  <a:solidFill>
-                    <a:schemeClr val="tx1"/>
-                  </a:solidFill>
-                  <a:latin typeface="+mn-lt"/>
-                  <a:ea typeface="+mn-ea"/>
-                  <a:cs typeface="+mn-cs"/>
-                </a:defRPr>
-              </a:lvl4pPr>
-              <a:lvl5pPr marL="1828800" algn="l" defTabSz="457200" rtl="0" eaLnBrk="1" latinLnBrk="0" hangingPunct="1">
-                <a:defRPr sz="1800" kern="1200">
-                  <a:solidFill>
-                    <a:schemeClr val="tx1"/>
-                  </a:solidFill>
-                  <a:latin typeface="+mn-lt"/>
-                  <a:ea typeface="+mn-ea"/>
-                  <a:cs typeface="+mn-cs"/>
-                </a:defRPr>
-              </a:lvl5pPr>
-              <a:lvl6pPr marL="2286000" algn="l" defTabSz="457200" rtl="0" eaLnBrk="1" latinLnBrk="0" hangingPunct="1">
-                <a:defRPr sz="1800" kern="1200">
-                  <a:solidFill>
-                    <a:schemeClr val="tx1"/>
-                  </a:solidFill>
-                  <a:latin typeface="+mn-lt"/>
-                  <a:ea typeface="+mn-ea"/>
-                  <a:cs typeface="+mn-cs"/>
-                </a:defRPr>
-              </a:lvl6pPr>
-              <a:lvl7pPr marL="2743200" algn="l" defTabSz="457200" rtl="0" eaLnBrk="1" latinLnBrk="0" hangingPunct="1">
-                <a:defRPr sz="1800" kern="1200">
-                  <a:solidFill>
-                    <a:schemeClr val="tx1"/>
-                  </a:solidFill>
-                  <a:latin typeface="+mn-lt"/>
-                  <a:ea typeface="+mn-ea"/>
-                  <a:cs typeface="+mn-cs"/>
-                </a:defRPr>
-              </a:lvl7pPr>
-              <a:lvl8pPr marL="3200400" algn="l" defTabSz="457200" rtl="0" eaLnBrk="1" latinLnBrk="0" hangingPunct="1">
-                <a:defRPr sz="1800" kern="1200">
-                  <a:solidFill>
-                    <a:schemeClr val="tx1"/>
-                  </a:solidFill>
-                  <a:latin typeface="+mn-lt"/>
-                  <a:ea typeface="+mn-ea"/>
-                  <a:cs typeface="+mn-cs"/>
-                </a:defRPr>
-              </a:lvl8pPr>
-              <a:lvl9pPr marL="3657600" algn="l" defTabSz="457200" rtl="0" eaLnBrk="1" latinLnBrk="0" hangingPunct="1">
-                <a:defRPr sz="1800" kern="1200">
-                  <a:solidFill>
-                    <a:schemeClr val="tx1"/>
-                  </a:solidFill>
-                  <a:latin typeface="+mn-lt"/>
-                  <a:ea typeface="+mn-ea"/>
-                  <a:cs typeface="+mn-cs"/>
-                </a:defRPr>
-              </a:lvl9pPr>
-            </a:lstStyle>
-            <a:p>
-              <a:pPr marL="0" marR="0" lvl="0" indent="0" algn="l" defTabSz="914400" rtl="0" eaLnBrk="0" fontAlgn="base" latinLnBrk="0" hangingPunct="0">
-                <a:lnSpc>
-                  <a:spcPct val="100000"/>
-                </a:lnSpc>
-                <a:spcBef>
-                  <a:spcPct val="0"/>
-                </a:spcBef>
-                <a:spcAft>
-                  <a:spcPct val="0"/>
-                </a:spcAft>
-                <a:buClrTx/>
-                <a:buSzTx/>
-                <a:buFontTx/>
-                <a:buNone/>
-                <a:tabLst/>
-              </a:pPr>
-              <a:endParaRPr kumimoji="0" lang="ja-JP" altLang="ja-JP" sz="600" b="0" i="0" u="none" strike="noStrike" cap="none" normalizeH="0" baseline="0">
-                <a:ln>
-                  <a:noFill/>
-                </a:ln>
-                <a:solidFill>
-                  <a:schemeClr val="tx1"/>
-                </a:solidFill>
-                <a:effectLst/>
-                <a:latin typeface="Arial" panose="020B0604020202020204" pitchFamily="34" charset="0"/>
-              </a:endParaRPr>
-            </a:p>
-          </p:txBody>
-        </p:sp>
-        <p:sp>
-          <p:nvSpPr>
-            <p:cNvPr id="8" name="Text Box 48">
-              <a:extLst>
-                <a:ext uri="{FF2B5EF4-FFF2-40B4-BE49-F238E27FC236}">
-                  <a16:creationId xmlns:a16="http://schemas.microsoft.com/office/drawing/2014/main" id="{0310407E-5614-D816-6CF1-8B3684955823}"/>
-                </a:ext>
-              </a:extLst>
-            </p:cNvPr>
-            <p:cNvSpPr txBox="1">
-              <a:spLocks noChangeArrowheads="1"/>
-            </p:cNvSpPr>
-            <p:nvPr/>
-          </p:nvSpPr>
-          <p:spPr bwMode="auto">
-            <a:xfrm>
-              <a:off x="12904622" y="161628"/>
-              <a:ext cx="2008353" cy="1346132"/>
-            </a:xfrm>
-            <a:prstGeom prst="rect">
-              <a:avLst/>
-            </a:prstGeom>
-            <a:noFill/>
-            <a:ln>
-              <a:noFill/>
-            </a:ln>
-            <a:effectLst/>
-            <a:extLst>
-              <a:ext uri="{909E8E84-426E-40DD-AFC4-6F175D3DCCD1}">
-                <a14:hiddenFill xmlns:a14="http://schemas.microsoft.com/office/drawing/2010/main">
-                  <a:solidFill>
-                    <a:srgbClr val="04617B"/>
-                  </a:solidFill>
-                </a14:hiddenFill>
-              </a:ext>
-              <a:ext uri="{91240B29-F687-4F45-9708-019B960494DF}">
-                <a14:hiddenLine xmlns:a14="http://schemas.microsoft.com/office/drawing/2010/main" w="25400" algn="ctr">
-                  <a:solidFill>
-                    <a:srgbClr val="000000"/>
-                  </a:solidFill>
-                  <a:miter lim="800000"/>
-                  <a:headEnd/>
-                  <a:tailEnd/>
-                </a14:hiddenLine>
-              </a:ext>
-              <a:ext uri="{AF507438-7753-43E0-B8FC-AC1667EBCBE1}">
-                <a14:hiddenEffects xmlns:a14="http://schemas.microsoft.com/office/drawing/2010/main">
-                  <a:effectLst>
-                    <a:outerShdw dist="35921" dir="2700000" algn="ctr" rotWithShape="0">
-                      <a:srgbClr val="000000"/>
-                    </a:outerShdw>
-                  </a:effectLst>
-                </a14:hiddenEffects>
-              </a:ext>
-            </a:extLst>
-          </p:spPr>
-          <p:txBody>
-            <a:bodyPr vert="horz" wrap="square" lIns="36576" tIns="36576" rIns="36576" bIns="36576" numCol="1" anchor="t" anchorCtr="0" compatLnSpc="1">
-              <a:prstTxWarp prst="textNoShape">
-                <a:avLst/>
-              </a:prstTxWarp>
-            </a:bodyPr>
-            <a:lstStyle>
-              <a:defPPr>
-                <a:defRPr lang="en-US"/>
-              </a:defPPr>
-              <a:lvl1pPr marL="0" algn="l" defTabSz="457200" rtl="0" eaLnBrk="1" latinLnBrk="0" hangingPunct="1">
-                <a:defRPr sz="1800" kern="1200">
-                  <a:solidFill>
-                    <a:schemeClr val="tx1"/>
-                  </a:solidFill>
-                  <a:latin typeface="+mn-lt"/>
-                  <a:ea typeface="+mn-ea"/>
-                  <a:cs typeface="+mn-cs"/>
-                </a:defRPr>
-              </a:lvl1pPr>
-              <a:lvl2pPr marL="457200" algn="l" defTabSz="457200" rtl="0" eaLnBrk="1" latinLnBrk="0" hangingPunct="1">
-                <a:defRPr sz="1800" kern="1200">
-                  <a:solidFill>
-                    <a:schemeClr val="tx1"/>
-                  </a:solidFill>
-                  <a:latin typeface="+mn-lt"/>
-                  <a:ea typeface="+mn-ea"/>
-                  <a:cs typeface="+mn-cs"/>
-                </a:defRPr>
-              </a:lvl2pPr>
-              <a:lvl3pPr marL="914400" algn="l" defTabSz="457200" rtl="0" eaLnBrk="1" latinLnBrk="0" hangingPunct="1">
-                <a:defRPr sz="1800" kern="1200">
-                  <a:solidFill>
-                    <a:schemeClr val="tx1"/>
-                  </a:solidFill>
-                  <a:latin typeface="+mn-lt"/>
-                  <a:ea typeface="+mn-ea"/>
-                  <a:cs typeface="+mn-cs"/>
-                </a:defRPr>
-              </a:lvl3pPr>
-              <a:lvl4pPr marL="1371600" algn="l" defTabSz="457200" rtl="0" eaLnBrk="1" latinLnBrk="0" hangingPunct="1">
-                <a:defRPr sz="1800" kern="1200">
-                  <a:solidFill>
-                    <a:schemeClr val="tx1"/>
-                  </a:solidFill>
-                  <a:latin typeface="+mn-lt"/>
-                  <a:ea typeface="+mn-ea"/>
-                  <a:cs typeface="+mn-cs"/>
-                </a:defRPr>
-              </a:lvl4pPr>
-              <a:lvl5pPr marL="1828800" algn="l" defTabSz="457200" rtl="0" eaLnBrk="1" latinLnBrk="0" hangingPunct="1">
-                <a:defRPr sz="1800" kern="1200">
-                  <a:solidFill>
-                    <a:schemeClr val="tx1"/>
-                  </a:solidFill>
-                  <a:latin typeface="+mn-lt"/>
-                  <a:ea typeface="+mn-ea"/>
-                  <a:cs typeface="+mn-cs"/>
-                </a:defRPr>
-              </a:lvl5pPr>
-              <a:lvl6pPr marL="2286000" algn="l" defTabSz="457200" rtl="0" eaLnBrk="1" latinLnBrk="0" hangingPunct="1">
-                <a:defRPr sz="1800" kern="1200">
-                  <a:solidFill>
-                    <a:schemeClr val="tx1"/>
-                  </a:solidFill>
-                  <a:latin typeface="+mn-lt"/>
-                  <a:ea typeface="+mn-ea"/>
-                  <a:cs typeface="+mn-cs"/>
-                </a:defRPr>
-              </a:lvl6pPr>
-              <a:lvl7pPr marL="2743200" algn="l" defTabSz="457200" rtl="0" eaLnBrk="1" latinLnBrk="0" hangingPunct="1">
-                <a:defRPr sz="1800" kern="1200">
-                  <a:solidFill>
-                    <a:schemeClr val="tx1"/>
-                  </a:solidFill>
-                  <a:latin typeface="+mn-lt"/>
-                  <a:ea typeface="+mn-ea"/>
-                  <a:cs typeface="+mn-cs"/>
-                </a:defRPr>
-              </a:lvl7pPr>
-              <a:lvl8pPr marL="3200400" algn="l" defTabSz="457200" rtl="0" eaLnBrk="1" latinLnBrk="0" hangingPunct="1">
-                <a:defRPr sz="1800" kern="1200">
-                  <a:solidFill>
-                    <a:schemeClr val="tx1"/>
-                  </a:solidFill>
-                  <a:latin typeface="+mn-lt"/>
-                  <a:ea typeface="+mn-ea"/>
-                  <a:cs typeface="+mn-cs"/>
-                </a:defRPr>
-              </a:lvl8pPr>
-              <a:lvl9pPr marL="3657600" algn="l" defTabSz="457200" rtl="0" eaLnBrk="1" latinLnBrk="0" hangingPunct="1">
-                <a:defRPr sz="1800" kern="1200">
-                  <a:solidFill>
-                    <a:schemeClr val="tx1"/>
-                  </a:solidFill>
-                  <a:latin typeface="+mn-lt"/>
-                  <a:ea typeface="+mn-ea"/>
-                  <a:cs typeface="+mn-cs"/>
-                </a:defRPr>
-              </a:lvl9pPr>
-            </a:lstStyle>
-            <a:p>
-              <a:pPr marL="0" marR="0" lvl="0" indent="0" algn="l" defTabSz="914400" rtl="0" eaLnBrk="0" fontAlgn="base" latinLnBrk="0" hangingPunct="0">
-                <a:lnSpc>
-                  <a:spcPct val="100000"/>
-                </a:lnSpc>
-                <a:spcBef>
-                  <a:spcPct val="0"/>
-                </a:spcBef>
-                <a:spcAft>
-                  <a:spcPct val="0"/>
-                </a:spcAft>
-                <a:buClrTx/>
-                <a:buSzTx/>
-                <a:buFontTx/>
-                <a:buNone/>
-                <a:tabLst/>
-              </a:pPr>
-              <a:r>
-                <a:rPr kumimoji="0" lang="en-US" altLang="ja-JP" sz="4400" b="1" i="0" u="none" strike="noStrike" cap="none" normalizeH="0" baseline="0" dirty="0">
-                  <a:ln>
-                    <a:noFill/>
-                  </a:ln>
-                  <a:solidFill>
-                    <a:srgbClr val="FFFFFF"/>
-                  </a:solidFill>
-                  <a:effectLst/>
-                  <a:latin typeface="Bernard MT Condensed" panose="02050806060905020404" pitchFamily="18" charset="0"/>
-                  <a:ea typeface="UD デジタル 教科書体 N-B" panose="02020700000000000000" pitchFamily="17" charset="-128"/>
-                </a:rPr>
-                <a:t>CS</a:t>
-              </a:r>
-              <a:endParaRPr kumimoji="0" lang="ja-JP" altLang="ja-JP" sz="700" b="1" i="0" u="none" strike="noStrike" cap="none" normalizeH="0" baseline="0" dirty="0">
-                <a:ln>
-                  <a:noFill/>
-                </a:ln>
-                <a:solidFill>
-                  <a:schemeClr val="tx1"/>
-                </a:solidFill>
-                <a:effectLst/>
-                <a:latin typeface="Bernard MT Condensed" panose="02050806060905020404" pitchFamily="18" charset="0"/>
-                <a:ea typeface="UD デジタル 教科書体 N-B" panose="02020700000000000000" pitchFamily="17" charset="-128"/>
-              </a:endParaRPr>
-            </a:p>
-          </p:txBody>
-        </p:sp>
-        <p:sp>
-          <p:nvSpPr>
-            <p:cNvPr id="9" name="Text Box 49">
-              <a:extLst>
-                <a:ext uri="{FF2B5EF4-FFF2-40B4-BE49-F238E27FC236}">
-                  <a16:creationId xmlns:a16="http://schemas.microsoft.com/office/drawing/2014/main" id="{7C890BB7-686E-559C-A9D8-5729ECC12E2D}"/>
-                </a:ext>
-              </a:extLst>
-            </p:cNvPr>
-            <p:cNvSpPr txBox="1">
-              <a:spLocks noChangeArrowheads="1"/>
-            </p:cNvSpPr>
-            <p:nvPr/>
-          </p:nvSpPr>
-          <p:spPr bwMode="auto">
-            <a:xfrm>
-              <a:off x="14601826" y="337298"/>
-              <a:ext cx="4031014" cy="1060177"/>
-            </a:xfrm>
-            <a:prstGeom prst="rect">
-              <a:avLst/>
-            </a:prstGeom>
-            <a:noFill/>
-            <a:ln>
-              <a:noFill/>
-            </a:ln>
-            <a:effectLst/>
-            <a:extLst>
-              <a:ext uri="{909E8E84-426E-40DD-AFC4-6F175D3DCCD1}">
-                <a14:hiddenFill xmlns:a14="http://schemas.microsoft.com/office/drawing/2010/main">
-                  <a:solidFill>
-                    <a:srgbClr val="04617B"/>
-                  </a:solidFill>
-                </a14:hiddenFill>
-              </a:ext>
-              <a:ext uri="{91240B29-F687-4F45-9708-019B960494DF}">
-                <a14:hiddenLine xmlns:a14="http://schemas.microsoft.com/office/drawing/2010/main" w="25400" algn="ctr">
-                  <a:solidFill>
-                    <a:srgbClr val="000000"/>
-                  </a:solidFill>
-                  <a:miter lim="800000"/>
-                  <a:headEnd/>
-                  <a:tailEnd/>
-                </a14:hiddenLine>
-              </a:ext>
-              <a:ext uri="{AF507438-7753-43E0-B8FC-AC1667EBCBE1}">
-                <a14:hiddenEffects xmlns:a14="http://schemas.microsoft.com/office/drawing/2010/main">
-                  <a:effectLst>
-                    <a:outerShdw dist="35921" dir="2700000" algn="ctr" rotWithShape="0">
-                      <a:srgbClr val="000000"/>
-                    </a:outerShdw>
-                  </a:effectLst>
-                </a14:hiddenEffects>
-              </a:ext>
-            </a:extLst>
-          </p:spPr>
-          <p:txBody>
-            <a:bodyPr vert="horz" wrap="square" lIns="36576" tIns="36576" rIns="36576" bIns="36576" numCol="1" anchor="t" anchorCtr="0" compatLnSpc="1">
-              <a:prstTxWarp prst="textNoShape">
-                <a:avLst/>
-              </a:prstTxWarp>
-            </a:bodyPr>
-            <a:lstStyle>
-              <a:defPPr>
-                <a:defRPr lang="en-US"/>
-              </a:defPPr>
-              <a:lvl1pPr marL="0" algn="l" defTabSz="457200" rtl="0" eaLnBrk="1" latinLnBrk="0" hangingPunct="1">
-                <a:defRPr sz="1800" kern="1200">
-                  <a:solidFill>
-                    <a:schemeClr val="tx1"/>
-                  </a:solidFill>
-                  <a:latin typeface="+mn-lt"/>
-                  <a:ea typeface="+mn-ea"/>
-                  <a:cs typeface="+mn-cs"/>
-                </a:defRPr>
-              </a:lvl1pPr>
-              <a:lvl2pPr marL="457200" algn="l" defTabSz="457200" rtl="0" eaLnBrk="1" latinLnBrk="0" hangingPunct="1">
-                <a:defRPr sz="1800" kern="1200">
-                  <a:solidFill>
-                    <a:schemeClr val="tx1"/>
-                  </a:solidFill>
-                  <a:latin typeface="+mn-lt"/>
-                  <a:ea typeface="+mn-ea"/>
-                  <a:cs typeface="+mn-cs"/>
-                </a:defRPr>
-              </a:lvl2pPr>
-              <a:lvl3pPr marL="914400" algn="l" defTabSz="457200" rtl="0" eaLnBrk="1" latinLnBrk="0" hangingPunct="1">
-                <a:defRPr sz="1800" kern="1200">
-                  <a:solidFill>
-                    <a:schemeClr val="tx1"/>
-                  </a:solidFill>
-                  <a:latin typeface="+mn-lt"/>
-                  <a:ea typeface="+mn-ea"/>
-                  <a:cs typeface="+mn-cs"/>
-                </a:defRPr>
-              </a:lvl3pPr>
-              <a:lvl4pPr marL="1371600" algn="l" defTabSz="457200" rtl="0" eaLnBrk="1" latinLnBrk="0" hangingPunct="1">
-                <a:defRPr sz="1800" kern="1200">
-                  <a:solidFill>
-                    <a:schemeClr val="tx1"/>
-                  </a:solidFill>
-                  <a:latin typeface="+mn-lt"/>
-                  <a:ea typeface="+mn-ea"/>
-                  <a:cs typeface="+mn-cs"/>
-                </a:defRPr>
-              </a:lvl4pPr>
-              <a:lvl5pPr marL="1828800" algn="l" defTabSz="457200" rtl="0" eaLnBrk="1" latinLnBrk="0" hangingPunct="1">
-                <a:defRPr sz="1800" kern="1200">
-                  <a:solidFill>
-                    <a:schemeClr val="tx1"/>
-                  </a:solidFill>
-                  <a:latin typeface="+mn-lt"/>
-                  <a:ea typeface="+mn-ea"/>
-                  <a:cs typeface="+mn-cs"/>
-                </a:defRPr>
-              </a:lvl5pPr>
-              <a:lvl6pPr marL="2286000" algn="l" defTabSz="457200" rtl="0" eaLnBrk="1" latinLnBrk="0" hangingPunct="1">
-                <a:defRPr sz="1800" kern="1200">
-                  <a:solidFill>
-                    <a:schemeClr val="tx1"/>
-                  </a:solidFill>
-                  <a:latin typeface="+mn-lt"/>
-                  <a:ea typeface="+mn-ea"/>
-                  <a:cs typeface="+mn-cs"/>
-                </a:defRPr>
-              </a:lvl6pPr>
-              <a:lvl7pPr marL="2743200" algn="l" defTabSz="457200" rtl="0" eaLnBrk="1" latinLnBrk="0" hangingPunct="1">
-                <a:defRPr sz="1800" kern="1200">
-                  <a:solidFill>
-                    <a:schemeClr val="tx1"/>
-                  </a:solidFill>
-                  <a:latin typeface="+mn-lt"/>
-                  <a:ea typeface="+mn-ea"/>
-                  <a:cs typeface="+mn-cs"/>
-                </a:defRPr>
-              </a:lvl7pPr>
-              <a:lvl8pPr marL="3200400" algn="l" defTabSz="457200" rtl="0" eaLnBrk="1" latinLnBrk="0" hangingPunct="1">
-                <a:defRPr sz="1800" kern="1200">
-                  <a:solidFill>
-                    <a:schemeClr val="tx1"/>
-                  </a:solidFill>
-                  <a:latin typeface="+mn-lt"/>
-                  <a:ea typeface="+mn-ea"/>
-                  <a:cs typeface="+mn-cs"/>
-                </a:defRPr>
-              </a:lvl8pPr>
-              <a:lvl9pPr marL="3657600" algn="l" defTabSz="457200" rtl="0" eaLnBrk="1" latinLnBrk="0" hangingPunct="1">
-                <a:defRPr sz="1800" kern="1200">
-                  <a:solidFill>
-                    <a:schemeClr val="tx1"/>
-                  </a:solidFill>
-                  <a:latin typeface="+mn-lt"/>
-                  <a:ea typeface="+mn-ea"/>
-                  <a:cs typeface="+mn-cs"/>
-                </a:defRPr>
-              </a:lvl9pPr>
-            </a:lstStyle>
-            <a:p>
-              <a:pPr marL="0" marR="0" lvl="0" indent="0" algn="l" defTabSz="914400" rtl="0" eaLnBrk="0" fontAlgn="base" latinLnBrk="0" hangingPunct="0">
-                <a:lnSpc>
-                  <a:spcPct val="100000"/>
-                </a:lnSpc>
-                <a:spcBef>
-                  <a:spcPct val="0"/>
-                </a:spcBef>
-                <a:spcAft>
-                  <a:spcPct val="0"/>
-                </a:spcAft>
-                <a:buClrTx/>
-                <a:buSzTx/>
-                <a:buFontTx/>
-                <a:buNone/>
-                <a:tabLst/>
-              </a:pPr>
-              <a:r>
-                <a:rPr kumimoji="0" lang="en-US" altLang="ja-JP" sz="1400" b="0" i="0" u="none" strike="noStrike" cap="none" normalizeH="0" baseline="0">
-                  <a:ln>
-                    <a:noFill/>
-                  </a:ln>
-                  <a:solidFill>
-                    <a:srgbClr val="FFFFFF"/>
-                  </a:solidFill>
-                  <a:effectLst/>
-                  <a:latin typeface="Arial" panose="020B0604020202020204" pitchFamily="34" charset="0"/>
-                  <a:ea typeface="ＭＳ 明朝" panose="02020609040205080304" pitchFamily="17" charset="-128"/>
-                </a:rPr>
-                <a:t>Computer</a:t>
-              </a:r>
-              <a:endParaRPr kumimoji="0" lang="en-US" altLang="ja-JP" sz="500" b="0" i="0" u="none" strike="noStrike" cap="none" normalizeH="0" baseline="0">
-                <a:ln>
-                  <a:noFill/>
-                </a:ln>
-                <a:solidFill>
-                  <a:srgbClr val="FFFFFF"/>
-                </a:solidFill>
-                <a:effectLst/>
-                <a:latin typeface="Arial" panose="020B0604020202020204" pitchFamily="34" charset="0"/>
-                <a:ea typeface="ＭＳ 明朝" panose="02020609040205080304" pitchFamily="17" charset="-128"/>
-              </a:endParaRPr>
-            </a:p>
-            <a:p>
-              <a:pPr marL="0" marR="0" lvl="0" indent="0" algn="l" defTabSz="914400" rtl="0" eaLnBrk="0" fontAlgn="base" latinLnBrk="0" hangingPunct="0">
-                <a:lnSpc>
-                  <a:spcPct val="100000"/>
-                </a:lnSpc>
-                <a:spcBef>
-                  <a:spcPct val="0"/>
-                </a:spcBef>
-                <a:spcAft>
-                  <a:spcPct val="0"/>
-                </a:spcAft>
-                <a:buClrTx/>
-                <a:buSzTx/>
-                <a:buFontTx/>
-                <a:buNone/>
-                <a:tabLst/>
-              </a:pPr>
-              <a:r>
-                <a:rPr kumimoji="0" lang="en-US" altLang="ja-JP" sz="1400" b="0" i="0" u="none" strike="noStrike" cap="none" normalizeH="0" baseline="0">
-                  <a:ln>
-                    <a:noFill/>
-                  </a:ln>
-                  <a:solidFill>
-                    <a:srgbClr val="FFFFFF"/>
-                  </a:solidFill>
-                  <a:effectLst/>
-                  <a:latin typeface="Arial" panose="020B0604020202020204" pitchFamily="34" charset="0"/>
-                  <a:ea typeface="ＭＳ 明朝" panose="02020609040205080304" pitchFamily="17" charset="-128"/>
-                </a:rPr>
-                <a:t>System</a:t>
-              </a:r>
-              <a:r>
-                <a:rPr lang="ja-JP" altLang="en-US" sz="1400">
-                  <a:solidFill>
-                    <a:srgbClr val="FFFFFF"/>
-                  </a:solidFill>
-                  <a:latin typeface="Arial" panose="020B0604020202020204" pitchFamily="34" charset="0"/>
-                  <a:ea typeface="ＭＳ 明朝" panose="02020609040205080304" pitchFamily="17" charset="-128"/>
-                </a:rPr>
-                <a:t> </a:t>
-              </a:r>
-              <a:r>
-                <a:rPr lang="en-US" altLang="ja-JP" sz="1400">
-                  <a:solidFill>
-                    <a:srgbClr val="FFFFFF"/>
-                  </a:solidFill>
-                  <a:latin typeface="Arial" panose="020B0604020202020204" pitchFamily="34" charset="0"/>
-                  <a:ea typeface="ＭＳ 明朝" panose="02020609040205080304" pitchFamily="17" charset="-128"/>
-                </a:rPr>
-                <a:t>Lab.</a:t>
-              </a:r>
-              <a:endParaRPr kumimoji="0" lang="ja-JP" altLang="ja-JP" sz="600" b="0" i="0" u="none" strike="noStrike" cap="none" normalizeH="0" baseline="0">
-                <a:ln>
-                  <a:noFill/>
-                </a:ln>
-                <a:solidFill>
-                  <a:schemeClr val="tx1"/>
-                </a:solidFill>
-                <a:effectLst/>
-                <a:latin typeface="Arial" panose="020B0604020202020204" pitchFamily="34" charset="0"/>
-              </a:endParaRPr>
-            </a:p>
-          </p:txBody>
-        </p:sp>
-        <p:pic>
-          <p:nvPicPr>
-            <p:cNvPr id="10" name="図 9">
-              <a:extLst>
-                <a:ext uri="{FF2B5EF4-FFF2-40B4-BE49-F238E27FC236}">
-                  <a16:creationId xmlns:a16="http://schemas.microsoft.com/office/drawing/2014/main" id="{B4C2F38F-5052-D1C7-533E-927C640CDA00}"/>
-                </a:ext>
-              </a:extLst>
-            </p:cNvPr>
-            <p:cNvPicPr>
-              <a:picLocks/>
-            </p:cNvPicPr>
-            <p:nvPr/>
-          </p:nvPicPr>
-          <p:blipFill>
-            <a:blip r:embed="rId2" cstate="hqprint">
-              <a:extLst>
-                <a:ext uri="{28A0092B-C50C-407E-A947-70E740481C1C}">
-                  <a14:useLocalDpi xmlns:a14="http://schemas.microsoft.com/office/drawing/2010/main" val="0"/>
-                </a:ext>
-              </a:extLst>
-            </a:blip>
-            <a:stretch>
-              <a:fillRect/>
-            </a:stretch>
-          </p:blipFill>
-          <p:spPr>
-            <a:xfrm>
-              <a:off x="18632840" y="268832"/>
-              <a:ext cx="1784461" cy="969329"/>
-            </a:xfrm>
-            <a:prstGeom prst="rect">
-              <a:avLst/>
-            </a:prstGeom>
-          </p:spPr>
-        </p:pic>
-      </p:grpSp>
       <p:sp>
         <p:nvSpPr>
           <p:cNvPr id="2" name="文本框 1">
@@ -6053,8 +5103,8 @@
         </p:nvSpPr>
         <p:spPr>
           <a:xfrm>
-            <a:off x="273377" y="518474"/>
-            <a:ext cx="877163" cy="369332"/>
+            <a:off x="301086" y="241382"/>
+            <a:ext cx="2236510" cy="584775"/>
           </a:xfrm>
           <a:prstGeom prst="rect">
             <a:avLst/>
@@ -6068,8 +5118,3603 @@
           <a:lstStyle/>
           <a:p>
             <a:r>
-              <a:rPr lang="ja-JP" altLang="en-US" dirty="0"/>
-              <a:t>研究の</a:t>
+              <a:rPr lang="ja-JP" altLang="en-US" sz="3200" b="1" dirty="0"/>
+              <a:t>研究の概要</a:t>
+            </a:r>
+            <a:endParaRPr lang="zh-CN" altLang="en-US" sz="3200" b="1" dirty="0"/>
+          </a:p>
+        </p:txBody>
+      </p:sp>
+      <p:sp>
+        <p:nvSpPr>
+          <p:cNvPr id="3" name="矩形: 圆角 2">
+            <a:extLst>
+              <a:ext uri="{FF2B5EF4-FFF2-40B4-BE49-F238E27FC236}">
+                <a16:creationId xmlns:a16="http://schemas.microsoft.com/office/drawing/2014/main" id="{2CBA0A6C-80CA-A3CE-AAAD-A62116F6E5C9}"/>
+              </a:ext>
+            </a:extLst>
+          </p:cNvPr>
+          <p:cNvSpPr/>
+          <p:nvPr/>
+        </p:nvSpPr>
+        <p:spPr>
+          <a:xfrm>
+            <a:off x="337127" y="964765"/>
+            <a:ext cx="11517745" cy="72000"/>
+          </a:xfrm>
+          <a:prstGeom prst="roundRect">
+            <a:avLst/>
+          </a:prstGeom>
+        </p:spPr>
+        <p:style>
+          <a:lnRef idx="2">
+            <a:schemeClr val="accent1">
+              <a:shade val="15000"/>
+            </a:schemeClr>
+          </a:lnRef>
+          <a:fillRef idx="1">
+            <a:schemeClr val="accent1"/>
+          </a:fillRef>
+          <a:effectRef idx="0">
+            <a:schemeClr val="accent1"/>
+          </a:effectRef>
+          <a:fontRef idx="minor">
+            <a:schemeClr val="lt1"/>
+          </a:fontRef>
+        </p:style>
+        <p:txBody>
+          <a:bodyPr rtlCol="0" anchor="ctr"/>
+          <a:lstStyle/>
+          <a:p>
+            <a:pPr algn="ctr"/>
+            <a:endParaRPr lang="zh-CN" altLang="en-US"/>
+          </a:p>
+        </p:txBody>
+      </p:sp>
+      <mc:AlternateContent xmlns:mc="http://schemas.openxmlformats.org/markup-compatibility/2006">
+        <mc:Choice xmlns:a14="http://schemas.microsoft.com/office/drawing/2010/main" Requires="a14">
+          <p:sp>
+            <p:nvSpPr>
+              <p:cNvPr id="12" name="文本框 11">
+                <a:extLst>
+                  <a:ext uri="{FF2B5EF4-FFF2-40B4-BE49-F238E27FC236}">
+                    <a16:creationId xmlns:a16="http://schemas.microsoft.com/office/drawing/2014/main" id="{6AEF4724-7459-EE85-2948-BB2D9D7A54DB}"/>
+                  </a:ext>
+                </a:extLst>
+              </p:cNvPr>
+              <p:cNvSpPr txBox="1"/>
+              <p:nvPr/>
+            </p:nvSpPr>
+            <p:spPr>
+              <a:xfrm>
+                <a:off x="892213" y="1440872"/>
+                <a:ext cx="10706777" cy="4524315"/>
+              </a:xfrm>
+              <a:prstGeom prst="rect">
+                <a:avLst/>
+              </a:prstGeom>
+              <a:noFill/>
+            </p:spPr>
+            <p:txBody>
+              <a:bodyPr wrap="none" rtlCol="0">
+                <a:spAutoFit/>
+              </a:bodyPr>
+              <a:lstStyle/>
+              <a:p>
+                <a:r>
+                  <a:rPr lang="ja-JP" altLang="en-US" dirty="0"/>
+                  <a:t>現在いろんな問題が</a:t>
+                </a:r>
+                <a:r>
+                  <a:rPr lang="en-US" altLang="ja-JP" dirty="0"/>
+                  <a:t>QUBO</a:t>
+                </a:r>
+                <a:r>
+                  <a:rPr lang="ja-JP" altLang="en-US" dirty="0"/>
+                  <a:t>モデルに変換できて専用のソルバーで解決することができる</a:t>
+                </a:r>
+                <a:endParaRPr lang="en-US" altLang="ja-JP" dirty="0"/>
+              </a:p>
+              <a:p>
+                <a:endParaRPr lang="en-US" altLang="zh-CN" dirty="0"/>
+              </a:p>
+              <a:p>
+                <a:r>
+                  <a:rPr lang="ja-JP" altLang="en-US" dirty="0"/>
+                  <a:t>特定の問題の</a:t>
+                </a:r>
+                <a:r>
+                  <a:rPr lang="en-US" altLang="ja-JP" dirty="0"/>
+                  <a:t>QUBO</a:t>
+                </a:r>
+                <a:r>
+                  <a:rPr lang="ja-JP" altLang="en-US" dirty="0"/>
+                  <a:t>モデルを作るのに</a:t>
+                </a:r>
+                <a:endParaRPr lang="en-US" altLang="ja-JP" dirty="0"/>
+              </a:p>
+              <a:p>
+                <a:pPr marL="285750" indent="-285750">
+                  <a:buFont typeface="Arial" panose="020B0604020202020204" pitchFamily="34" charset="0"/>
+                  <a:buChar char="•"/>
+                </a:pPr>
+                <a:r>
+                  <a:rPr lang="ja-JP" altLang="en-US" b="1" dirty="0"/>
+                  <a:t>目的関数</a:t>
+                </a:r>
+                <a:endParaRPr lang="en-US" altLang="ja-JP" dirty="0"/>
+              </a:p>
+              <a:p>
+                <a:pPr marL="285750" indent="-285750">
+                  <a:buFont typeface="Arial" panose="020B0604020202020204" pitchFamily="34" charset="0"/>
+                  <a:buChar char="•"/>
+                </a:pPr>
+                <a:r>
+                  <a:rPr lang="ja-JP" altLang="en-US" b="1" dirty="0"/>
+                  <a:t>制約条件から転換されたペナルティー項</a:t>
+                </a:r>
+                <a:endParaRPr lang="en-US" altLang="ja-JP" b="1" dirty="0"/>
+              </a:p>
+              <a:p>
+                <a:r>
+                  <a:rPr lang="ja-JP" altLang="en-US" dirty="0"/>
+                  <a:t>が必要である</a:t>
+                </a:r>
+                <a:endParaRPr lang="en-US" altLang="ja-JP" dirty="0"/>
+              </a:p>
+              <a:p>
+                <a:endParaRPr lang="en-US" altLang="zh-CN" dirty="0"/>
+              </a:p>
+              <a:p>
+                <a:r>
+                  <a:rPr lang="ja-JP" altLang="en-US" dirty="0"/>
+                  <a:t>ペナルティー項は通常</a:t>
+                </a:r>
+                <a:r>
+                  <a:rPr lang="ja-JP" altLang="en-US" b="1" dirty="0"/>
+                  <a:t>ペナルティー係数（</a:t>
+                </a:r>
+                <a14:m>
+                  <m:oMath xmlns:m="http://schemas.openxmlformats.org/officeDocument/2006/math">
+                    <m:r>
+                      <a:rPr lang="ja-JP" altLang="en-US" b="1" i="1" smtClean="0">
+                        <a:latin typeface="Cambria Math" panose="02040503050406030204" pitchFamily="18" charset="0"/>
+                      </a:rPr>
+                      <m:t>𝝀</m:t>
+                    </m:r>
+                  </m:oMath>
+                </a14:m>
+                <a:r>
+                  <a:rPr lang="ja-JP" altLang="en-US" b="1" dirty="0"/>
+                  <a:t>）</a:t>
+                </a:r>
+                <a:r>
+                  <a:rPr lang="ja-JP" altLang="en-US" dirty="0"/>
+                  <a:t>をかけている</a:t>
+                </a:r>
+                <a:endParaRPr lang="en-US" altLang="ja-JP" dirty="0"/>
+              </a:p>
+              <a:p>
+                <a:endParaRPr lang="en-US" altLang="zh-CN" dirty="0"/>
+              </a:p>
+              <a:p>
+                <a:r>
+                  <a:rPr lang="ja-JP" altLang="en-US" b="1" dirty="0"/>
+                  <a:t>問題点</a:t>
+                </a:r>
+                <a:r>
+                  <a:rPr lang="ja-JP" altLang="en-US" dirty="0"/>
+                  <a:t>：</a:t>
+                </a:r>
+                <a:endParaRPr lang="en-US" altLang="ja-JP" dirty="0"/>
+              </a:p>
+              <a:p>
+                <a:pPr marL="285750" indent="-285750">
+                  <a:buFont typeface="Arial" panose="020B0604020202020204" pitchFamily="34" charset="0"/>
+                  <a:buChar char="•"/>
+                </a:pPr>
+                <a:r>
+                  <a:rPr lang="ja-JP" altLang="en-US" dirty="0"/>
+                  <a:t>ペナルティー係数が大きすぎるとソルバーに悪影響を与える</a:t>
+                </a:r>
+                <a:endParaRPr lang="en-US" altLang="ja-JP" dirty="0"/>
+              </a:p>
+              <a:p>
+                <a:pPr marL="285750" indent="-285750">
+                  <a:buFont typeface="Arial" panose="020B0604020202020204" pitchFamily="34" charset="0"/>
+                  <a:buChar char="•"/>
+                </a:pPr>
+                <a:r>
+                  <a:rPr lang="ja-JP" altLang="en-US" dirty="0"/>
+                  <a:t>ペナルティー係数が小さすぎるとモデルの全域的最小値が問題の最適解にならない</a:t>
+                </a:r>
+                <a:endParaRPr lang="en-US" altLang="ja-JP" dirty="0"/>
+              </a:p>
+              <a:p>
+                <a:pPr marL="285750" indent="-285750">
+                  <a:buFont typeface="Arial" panose="020B0604020202020204" pitchFamily="34" charset="0"/>
+                  <a:buChar char="•"/>
+                </a:pPr>
+                <a:endParaRPr lang="en-US" altLang="zh-CN" dirty="0"/>
+              </a:p>
+              <a:p>
+                <a:r>
+                  <a:rPr lang="ja-JP" altLang="en-US" b="1" dirty="0"/>
+                  <a:t>本研究</a:t>
+                </a:r>
+                <a:r>
+                  <a:rPr lang="ja-JP" altLang="en-US" dirty="0"/>
+                  <a:t>では</a:t>
+                </a:r>
+                <a:endParaRPr lang="en-US" altLang="ja-JP" dirty="0"/>
+              </a:p>
+              <a:p>
+                <a:r>
+                  <a:rPr lang="en-US" altLang="ja-JP" dirty="0"/>
+                  <a:t>TSP</a:t>
+                </a:r>
+                <a:r>
+                  <a:rPr lang="ja-JP" altLang="en-US" dirty="0"/>
+                  <a:t>（巡回セールスマン）問題に特定して</a:t>
+                </a:r>
+                <a:endParaRPr lang="en-US" altLang="ja-JP" dirty="0"/>
+              </a:p>
+              <a:p>
+                <a:r>
+                  <a:rPr lang="ja-JP" altLang="en-US" dirty="0"/>
+                  <a:t>ボロノイー図とドロネー図を利用して</a:t>
+                </a:r>
+                <a:r>
+                  <a:rPr lang="en-US" altLang="ja-JP" dirty="0"/>
+                  <a:t>TSP</a:t>
+                </a:r>
+                <a:r>
+                  <a:rPr lang="ja-JP" altLang="en-US" dirty="0"/>
+                  <a:t>問題のペナルティー係数を計算するアルゴリズムを提案した</a:t>
+                </a:r>
+                <a:endParaRPr lang="en-US" altLang="zh-CN" dirty="0"/>
+              </a:p>
+            </p:txBody>
+          </p:sp>
+        </mc:Choice>
+        <mc:Fallback>
+          <p:sp>
+            <p:nvSpPr>
+              <p:cNvPr id="12" name="文本框 11">
+                <a:extLst>
+                  <a:ext uri="{FF2B5EF4-FFF2-40B4-BE49-F238E27FC236}">
+                    <a16:creationId xmlns:a16="http://schemas.microsoft.com/office/drawing/2014/main" id="{6AEF4724-7459-EE85-2948-BB2D9D7A54DB}"/>
+                  </a:ext>
+                </a:extLst>
+              </p:cNvPr>
+              <p:cNvSpPr txBox="1">
+                <a:spLocks noRot="1" noChangeAspect="1" noMove="1" noResize="1" noEditPoints="1" noAdjustHandles="1" noChangeArrowheads="1" noChangeShapeType="1" noTextEdit="1"/>
+              </p:cNvSpPr>
+              <p:nvPr/>
+            </p:nvSpPr>
+            <p:spPr>
+              <a:xfrm>
+                <a:off x="892213" y="1440872"/>
+                <a:ext cx="10706777" cy="4524315"/>
+              </a:xfrm>
+              <a:prstGeom prst="rect">
+                <a:avLst/>
+              </a:prstGeom>
+              <a:blipFill>
+                <a:blip r:embed="rId2"/>
+                <a:stretch>
+                  <a:fillRect l="-455" t="-673" b="-1211"/>
+                </a:stretch>
+              </a:blipFill>
+            </p:spPr>
+            <p:txBody>
+              <a:bodyPr/>
+              <a:lstStyle/>
+              <a:p>
+                <a:r>
+                  <a:rPr lang="zh-CN" altLang="en-US">
+                    <a:noFill/>
+                  </a:rPr>
+                  <a:t> </a:t>
+                </a:r>
+              </a:p>
+            </p:txBody>
+          </p:sp>
+        </mc:Fallback>
+      </mc:AlternateContent>
+    </p:spTree>
+    <p:extLst>
+      <p:ext uri="{BB962C8B-B14F-4D97-AF65-F5344CB8AC3E}">
+        <p14:creationId xmlns:p14="http://schemas.microsoft.com/office/powerpoint/2010/main" val="852530207"/>
+      </p:ext>
+    </p:extLst>
+  </p:cSld>
+  <p:clrMapOvr>
+    <a:masterClrMapping/>
+  </p:clrMapOvr>
+</p:sld>
+</file>
+
+<file path=ppt/slides/slide3.xml><?xml version="1.0" encoding="utf-8"?>
+<p:sld xmlns:a="http://schemas.openxmlformats.org/drawingml/2006/main" xmlns:r="http://schemas.openxmlformats.org/officeDocument/2006/relationships" xmlns:p="http://schemas.openxmlformats.org/presentationml/2006/main">
+  <p:cSld>
+    <p:spTree>
+      <p:nvGrpSpPr>
+        <p:cNvPr id="1" name=""/>
+        <p:cNvGrpSpPr/>
+        <p:nvPr/>
+      </p:nvGrpSpPr>
+      <p:grpSpPr>
+        <a:xfrm>
+          <a:off x="0" y="0"/>
+          <a:ext cx="0" cy="0"/>
+          <a:chOff x="0" y="0"/>
+          <a:chExt cx="0" cy="0"/>
+        </a:xfrm>
+      </p:grpSpPr>
+      <p:sp>
+        <p:nvSpPr>
+          <p:cNvPr id="2" name="文本框 1">
+            <a:extLst>
+              <a:ext uri="{FF2B5EF4-FFF2-40B4-BE49-F238E27FC236}">
+                <a16:creationId xmlns:a16="http://schemas.microsoft.com/office/drawing/2014/main" id="{D69CDDDF-2E93-AD40-6D62-0DF626A8F71F}"/>
+              </a:ext>
+            </a:extLst>
+          </p:cNvPr>
+          <p:cNvSpPr txBox="1"/>
+          <p:nvPr/>
+        </p:nvSpPr>
+        <p:spPr>
+          <a:xfrm>
+            <a:off x="301086" y="241382"/>
+            <a:ext cx="2574744" cy="584775"/>
+          </a:xfrm>
+          <a:prstGeom prst="rect">
+            <a:avLst/>
+          </a:prstGeom>
+          <a:noFill/>
+        </p:spPr>
+        <p:txBody>
+          <a:bodyPr wrap="none" rtlCol="0">
+            <a:spAutoFit/>
+          </a:bodyPr>
+          <a:lstStyle/>
+          <a:p>
+            <a:r>
+              <a:rPr lang="en-US" altLang="ja-JP" sz="3200" b="1" dirty="0"/>
+              <a:t>QUBO</a:t>
+            </a:r>
+            <a:r>
+              <a:rPr lang="ja-JP" altLang="en-US" sz="3200" b="1" dirty="0"/>
+              <a:t>モデル</a:t>
+            </a:r>
+            <a:endParaRPr lang="zh-CN" altLang="en-US" sz="3200" b="1" dirty="0"/>
+          </a:p>
+        </p:txBody>
+      </p:sp>
+      <p:sp>
+        <p:nvSpPr>
+          <p:cNvPr id="3" name="矩形: 圆角 2">
+            <a:extLst>
+              <a:ext uri="{FF2B5EF4-FFF2-40B4-BE49-F238E27FC236}">
+                <a16:creationId xmlns:a16="http://schemas.microsoft.com/office/drawing/2014/main" id="{2CBA0A6C-80CA-A3CE-AAAD-A62116F6E5C9}"/>
+              </a:ext>
+            </a:extLst>
+          </p:cNvPr>
+          <p:cNvSpPr/>
+          <p:nvPr/>
+        </p:nvSpPr>
+        <p:spPr>
+          <a:xfrm>
+            <a:off x="337127" y="964765"/>
+            <a:ext cx="11517745" cy="72000"/>
+          </a:xfrm>
+          <a:prstGeom prst="roundRect">
+            <a:avLst/>
+          </a:prstGeom>
+        </p:spPr>
+        <p:style>
+          <a:lnRef idx="2">
+            <a:schemeClr val="accent1">
+              <a:shade val="15000"/>
+            </a:schemeClr>
+          </a:lnRef>
+          <a:fillRef idx="1">
+            <a:schemeClr val="accent1"/>
+          </a:fillRef>
+          <a:effectRef idx="0">
+            <a:schemeClr val="accent1"/>
+          </a:effectRef>
+          <a:fontRef idx="minor">
+            <a:schemeClr val="lt1"/>
+          </a:fontRef>
+        </p:style>
+        <p:txBody>
+          <a:bodyPr rtlCol="0" anchor="ctr"/>
+          <a:lstStyle/>
+          <a:p>
+            <a:pPr algn="ctr"/>
+            <a:endParaRPr lang="zh-CN" altLang="en-US"/>
+          </a:p>
+        </p:txBody>
+      </p:sp>
+      <mc:AlternateContent xmlns:mc="http://schemas.openxmlformats.org/markup-compatibility/2006">
+        <mc:Choice xmlns:a14="http://schemas.microsoft.com/office/drawing/2010/main" Requires="a14">
+          <p:sp>
+            <p:nvSpPr>
+              <p:cNvPr id="4" name="文本框 1">
+                <a:extLst>
+                  <a:ext uri="{FF2B5EF4-FFF2-40B4-BE49-F238E27FC236}">
+                    <a16:creationId xmlns:a16="http://schemas.microsoft.com/office/drawing/2014/main" id="{BFB8E7DB-A4F9-2DAA-1B22-2256A19DDA6F}"/>
+                  </a:ext>
+                </a:extLst>
+              </p:cNvPr>
+              <p:cNvSpPr txBox="1"/>
+              <p:nvPr/>
+            </p:nvSpPr>
+            <p:spPr>
+              <a:xfrm>
+                <a:off x="495050" y="1259702"/>
+                <a:ext cx="9199419" cy="5059014"/>
+              </a:xfrm>
+              <a:prstGeom prst="rect">
+                <a:avLst/>
+              </a:prstGeom>
+              <a:noFill/>
+            </p:spPr>
+            <p:txBody>
+              <a:bodyPr wrap="square" rtlCol="0">
+                <a:spAutoFit/>
+              </a:bodyPr>
+              <a:lstStyle>
+                <a:defPPr>
+                  <a:defRPr lang="zh-CN"/>
+                </a:defPPr>
+                <a:lvl1pPr marL="0" algn="l" defTabSz="914400" rtl="0" eaLnBrk="1" latinLnBrk="0" hangingPunct="1">
+                  <a:defRPr sz="1800" kern="1200">
+                    <a:solidFill>
+                      <a:schemeClr val="tx1"/>
+                    </a:solidFill>
+                    <a:latin typeface="+mn-lt"/>
+                    <a:ea typeface="+mn-ea"/>
+                    <a:cs typeface="+mn-cs"/>
+                  </a:defRPr>
+                </a:lvl1pPr>
+                <a:lvl2pPr marL="457200" algn="l" defTabSz="914400" rtl="0" eaLnBrk="1" latinLnBrk="0" hangingPunct="1">
+                  <a:defRPr sz="1800" kern="1200">
+                    <a:solidFill>
+                      <a:schemeClr val="tx1"/>
+                    </a:solidFill>
+                    <a:latin typeface="+mn-lt"/>
+                    <a:ea typeface="+mn-ea"/>
+                    <a:cs typeface="+mn-cs"/>
+                  </a:defRPr>
+                </a:lvl2pPr>
+                <a:lvl3pPr marL="914400" algn="l" defTabSz="914400" rtl="0" eaLnBrk="1" latinLnBrk="0" hangingPunct="1">
+                  <a:defRPr sz="1800" kern="1200">
+                    <a:solidFill>
+                      <a:schemeClr val="tx1"/>
+                    </a:solidFill>
+                    <a:latin typeface="+mn-lt"/>
+                    <a:ea typeface="+mn-ea"/>
+                    <a:cs typeface="+mn-cs"/>
+                  </a:defRPr>
+                </a:lvl3pPr>
+                <a:lvl4pPr marL="1371600" algn="l" defTabSz="914400" rtl="0" eaLnBrk="1" latinLnBrk="0" hangingPunct="1">
+                  <a:defRPr sz="1800" kern="1200">
+                    <a:solidFill>
+                      <a:schemeClr val="tx1"/>
+                    </a:solidFill>
+                    <a:latin typeface="+mn-lt"/>
+                    <a:ea typeface="+mn-ea"/>
+                    <a:cs typeface="+mn-cs"/>
+                  </a:defRPr>
+                </a:lvl4pPr>
+                <a:lvl5pPr marL="1828800" algn="l" defTabSz="914400" rtl="0" eaLnBrk="1" latinLnBrk="0" hangingPunct="1">
+                  <a:defRPr sz="1800" kern="1200">
+                    <a:solidFill>
+                      <a:schemeClr val="tx1"/>
+                    </a:solidFill>
+                    <a:latin typeface="+mn-lt"/>
+                    <a:ea typeface="+mn-ea"/>
+                    <a:cs typeface="+mn-cs"/>
+                  </a:defRPr>
+                </a:lvl5pPr>
+                <a:lvl6pPr marL="2286000" algn="l" defTabSz="914400" rtl="0" eaLnBrk="1" latinLnBrk="0" hangingPunct="1">
+                  <a:defRPr sz="1800" kern="1200">
+                    <a:solidFill>
+                      <a:schemeClr val="tx1"/>
+                    </a:solidFill>
+                    <a:latin typeface="+mn-lt"/>
+                    <a:ea typeface="+mn-ea"/>
+                    <a:cs typeface="+mn-cs"/>
+                  </a:defRPr>
+                </a:lvl6pPr>
+                <a:lvl7pPr marL="2743200" algn="l" defTabSz="914400" rtl="0" eaLnBrk="1" latinLnBrk="0" hangingPunct="1">
+                  <a:defRPr sz="1800" kern="1200">
+                    <a:solidFill>
+                      <a:schemeClr val="tx1"/>
+                    </a:solidFill>
+                    <a:latin typeface="+mn-lt"/>
+                    <a:ea typeface="+mn-ea"/>
+                    <a:cs typeface="+mn-cs"/>
+                  </a:defRPr>
+                </a:lvl7pPr>
+                <a:lvl8pPr marL="3200400" algn="l" defTabSz="914400" rtl="0" eaLnBrk="1" latinLnBrk="0" hangingPunct="1">
+                  <a:defRPr sz="1800" kern="1200">
+                    <a:solidFill>
+                      <a:schemeClr val="tx1"/>
+                    </a:solidFill>
+                    <a:latin typeface="+mn-lt"/>
+                    <a:ea typeface="+mn-ea"/>
+                    <a:cs typeface="+mn-cs"/>
+                  </a:defRPr>
+                </a:lvl8pPr>
+                <a:lvl9pPr marL="3657600" algn="l" defTabSz="914400" rtl="0" eaLnBrk="1" latinLnBrk="0" hangingPunct="1">
+                  <a:defRPr sz="1800" kern="1200">
+                    <a:solidFill>
+                      <a:schemeClr val="tx1"/>
+                    </a:solidFill>
+                    <a:latin typeface="+mn-lt"/>
+                    <a:ea typeface="+mn-ea"/>
+                    <a:cs typeface="+mn-cs"/>
+                  </a:defRPr>
+                </a:lvl9pPr>
+              </a:lstStyle>
+              <a:p>
+                <a:r>
+                  <a:rPr lang="en-US" altLang="ja-JP" sz="1600" b="1" i="0" dirty="0">
+                    <a:effectLst/>
+                    <a:latin typeface="YakuHanJPs"/>
+                  </a:rPr>
+                  <a:t>QUBO </a:t>
+                </a:r>
+                <a:r>
+                  <a:rPr lang="en-US" altLang="ja-JP" sz="1600" b="1" dirty="0">
+                    <a:latin typeface="YakuHanJPs"/>
+                  </a:rPr>
+                  <a:t>(</a:t>
+                </a:r>
+                <a:r>
+                  <a:rPr lang="en-US" altLang="zh-CN" sz="1600" b="1" i="0" dirty="0">
+                    <a:effectLst/>
+                    <a:latin typeface="YakuHanJPs"/>
+                  </a:rPr>
+                  <a:t>Quadratic Unconstrained Binary Optimization</a:t>
+                </a:r>
+                <a:r>
+                  <a:rPr lang="en-US" altLang="ja-JP" sz="1600" b="1" dirty="0">
+                    <a:latin typeface="YakuHanJPs"/>
+                  </a:rPr>
+                  <a:t>)</a:t>
+                </a:r>
+                <a:r>
+                  <a:rPr lang="ja-JP" altLang="en-US" sz="1600" b="1" dirty="0">
+                    <a:latin typeface="YakuHanJPs"/>
+                  </a:rPr>
+                  <a:t>問題</a:t>
+                </a:r>
+                <a:endParaRPr lang="en-US" altLang="zh-CN" sz="1600" b="1" i="0" dirty="0">
+                  <a:effectLst/>
+                  <a:latin typeface="YakuHanJPs"/>
+                </a:endParaRPr>
+              </a:p>
+              <a:p>
+                <a:r>
+                  <a:rPr lang="ja-JP" altLang="en-US" sz="1600" dirty="0"/>
+                  <a:t>二次形式の制約なし二値変数最適化問題</a:t>
+                </a:r>
+                <a:endParaRPr lang="en-US" altLang="ja-JP" sz="1600" dirty="0"/>
+              </a:p>
+              <a:p>
+                <a:endParaRPr lang="en-US" altLang="ja-JP" sz="1600" dirty="0"/>
+              </a:p>
+              <a:p>
+                <a:r>
+                  <a:rPr lang="ja-JP" altLang="en-US" sz="1600" dirty="0"/>
+                  <a:t>入力：</a:t>
+                </a:r>
+                <a:r>
+                  <a:rPr lang="en-US" altLang="ja-JP" sz="1600" dirty="0"/>
+                  <a:t>QUBO</a:t>
+                </a:r>
+                <a:r>
+                  <a:rPr lang="ja-JP" altLang="en-US" sz="1600" dirty="0"/>
+                  <a:t>行列</a:t>
+                </a:r>
+                <a:endParaRPr lang="en-US" altLang="ja-JP" sz="1600" dirty="0"/>
+              </a:p>
+              <a:p>
+                <a:r>
+                  <a:rPr lang="ja-JP" altLang="en-US" sz="1600" dirty="0"/>
+                  <a:t>出力：解のベクトル</a:t>
+                </a:r>
+                <a:endParaRPr lang="en-US" altLang="ja-JP" sz="1600" dirty="0"/>
+              </a:p>
+              <a:p>
+                <a:r>
+                  <a:rPr lang="ja-JP" altLang="en-US" sz="1600" dirty="0"/>
+                  <a:t>与えられた数式を最小値または最大値にするベクトル</a:t>
+                </a:r>
+                <a14:m>
+                  <m:oMath xmlns:m="http://schemas.openxmlformats.org/officeDocument/2006/math">
+                    <m:r>
+                      <a:rPr lang="en-US" altLang="ja-JP" sz="1600" b="0" i="1" smtClean="0">
+                        <a:latin typeface="Cambria Math" panose="02040503050406030204" pitchFamily="18" charset="0"/>
+                      </a:rPr>
+                      <m:t>𝑥</m:t>
+                    </m:r>
+                  </m:oMath>
+                </a14:m>
+                <a:r>
+                  <a:rPr lang="ja-JP" altLang="en-US" sz="1600" dirty="0"/>
+                  <a:t>を求める</a:t>
+                </a:r>
+                <a:endParaRPr lang="en-US" altLang="ja-JP" sz="1600" dirty="0"/>
+              </a:p>
+              <a:p>
+                <a:endParaRPr lang="en-US" altLang="ja-JP" sz="1600" dirty="0"/>
+              </a:p>
+              <a:p>
+                <a:endParaRPr lang="en-US" altLang="zh-CN" sz="1600" dirty="0"/>
+              </a:p>
+              <a:p>
+                <a:r>
+                  <a:rPr lang="en-US" altLang="ja-JP" sz="1600" dirty="0"/>
+                  <a:t>QUBO</a:t>
+                </a:r>
+                <a:r>
+                  <a:rPr lang="ja-JP" altLang="en-US" sz="1600" dirty="0"/>
+                  <a:t>の一般的な数式：</a:t>
+                </a:r>
+                <a:endParaRPr lang="en-US" altLang="ja-JP" sz="1600" dirty="0"/>
+              </a:p>
+              <a:p>
+                <a14:m>
+                  <m:oMathPara xmlns:m="http://schemas.openxmlformats.org/officeDocument/2006/math">
+                    <m:oMathParaPr>
+                      <m:jc m:val="centerGroup"/>
+                    </m:oMathParaPr>
+                    <m:oMath xmlns:m="http://schemas.openxmlformats.org/officeDocument/2006/math">
+                      <m:func>
+                        <m:funcPr>
+                          <m:ctrlPr>
+                            <a:rPr lang="en-US" altLang="zh-CN" sz="1600" b="0" i="1" smtClean="0">
+                              <a:latin typeface="Cambria Math" panose="02040503050406030204" pitchFamily="18" charset="0"/>
+                            </a:rPr>
+                          </m:ctrlPr>
+                        </m:funcPr>
+                        <m:fName>
+                          <m:r>
+                            <m:rPr>
+                              <m:sty m:val="p"/>
+                            </m:rPr>
+                            <a:rPr lang="en-US" altLang="zh-CN" sz="1600" b="0" i="0" smtClean="0">
+                              <a:latin typeface="Cambria Math" panose="02040503050406030204" pitchFamily="18" charset="0"/>
+                            </a:rPr>
+                            <m:t>min</m:t>
+                          </m:r>
+                        </m:fName>
+                        <m:e>
+                          <m:r>
+                            <a:rPr lang="en-US" altLang="zh-CN" sz="1600" b="0" i="1" smtClean="0">
+                              <a:latin typeface="Cambria Math" panose="02040503050406030204" pitchFamily="18" charset="0"/>
+                            </a:rPr>
+                            <m:t>𝑜𝑟</m:t>
+                          </m:r>
+                          <m:r>
+                            <a:rPr lang="en-US" altLang="zh-CN" sz="1600" b="0" i="1" smtClean="0">
+                              <a:latin typeface="Cambria Math" panose="02040503050406030204" pitchFamily="18" charset="0"/>
+                            </a:rPr>
+                            <m:t> </m:t>
+                          </m:r>
+                          <m:r>
+                            <m:rPr>
+                              <m:sty m:val="p"/>
+                            </m:rPr>
+                            <a:rPr lang="en-US" altLang="zh-CN" sz="1600" b="0" i="0" smtClean="0">
+                              <a:latin typeface="Cambria Math" panose="02040503050406030204" pitchFamily="18" charset="0"/>
+                            </a:rPr>
+                            <m:t>max</m:t>
+                          </m:r>
+                          <m:r>
+                            <a:rPr lang="en-US" altLang="zh-CN" sz="1600" b="0" i="1" smtClean="0">
+                              <a:latin typeface="Cambria Math" panose="02040503050406030204" pitchFamily="18" charset="0"/>
+                            </a:rPr>
+                            <m:t>⁡</m:t>
+                          </m:r>
+                        </m:e>
+                      </m:func>
+                      <m:d>
+                        <m:dPr>
+                          <m:ctrlPr>
+                            <a:rPr lang="en-US" altLang="zh-CN" sz="1600" b="0" i="1" smtClean="0">
+                              <a:latin typeface="Cambria Math" panose="02040503050406030204" pitchFamily="18" charset="0"/>
+                            </a:rPr>
+                          </m:ctrlPr>
+                        </m:dPr>
+                        <m:e>
+                          <m:nary>
+                            <m:naryPr>
+                              <m:chr m:val="∑"/>
+                              <m:ctrlPr>
+                                <a:rPr lang="en-US" altLang="zh-CN" sz="1600" i="1">
+                                  <a:latin typeface="Cambria Math" panose="02040503050406030204" pitchFamily="18" charset="0"/>
+                                </a:rPr>
+                              </m:ctrlPr>
+                            </m:naryPr>
+                            <m:sub>
+                              <m:r>
+                                <m:rPr>
+                                  <m:brk m:alnAt="23"/>
+                                </m:rPr>
+                                <a:rPr lang="en-US" altLang="zh-CN" sz="1600" i="1">
+                                  <a:latin typeface="Cambria Math" panose="02040503050406030204" pitchFamily="18" charset="0"/>
+                                </a:rPr>
+                                <m:t>𝑖</m:t>
+                              </m:r>
+                              <m:r>
+                                <a:rPr lang="en-US" altLang="zh-CN" sz="1600" i="1">
+                                  <a:latin typeface="Cambria Math" panose="02040503050406030204" pitchFamily="18" charset="0"/>
+                                </a:rPr>
+                                <m:t>=1</m:t>
+                              </m:r>
+                            </m:sub>
+                            <m:sup>
+                              <m:r>
+                                <a:rPr lang="en-US" altLang="zh-CN" sz="1600" b="0" i="1" smtClean="0">
+                                  <a:latin typeface="Cambria Math" panose="02040503050406030204" pitchFamily="18" charset="0"/>
+                                </a:rPr>
+                                <m:t>𝑛</m:t>
+                              </m:r>
+                            </m:sup>
+                            <m:e>
+                              <m:sSub>
+                                <m:sSubPr>
+                                  <m:ctrlPr>
+                                    <a:rPr lang="en-US" altLang="zh-CN" sz="1600" i="1">
+                                      <a:latin typeface="Cambria Math" panose="02040503050406030204" pitchFamily="18" charset="0"/>
+                                    </a:rPr>
+                                  </m:ctrlPr>
+                                </m:sSubPr>
+                                <m:e>
+                                  <m:r>
+                                    <a:rPr lang="en-US" altLang="zh-CN" sz="1600" i="1">
+                                      <a:latin typeface="Cambria Math" panose="02040503050406030204" pitchFamily="18" charset="0"/>
+                                    </a:rPr>
+                                    <m:t>𝑄</m:t>
+                                  </m:r>
+                                </m:e>
+                                <m:sub>
+                                  <m:r>
+                                    <a:rPr lang="en-US" altLang="zh-CN" sz="1600" i="1">
+                                      <a:latin typeface="Cambria Math" panose="02040503050406030204" pitchFamily="18" charset="0"/>
+                                    </a:rPr>
+                                    <m:t>𝑖𝑖</m:t>
+                                  </m:r>
+                                </m:sub>
+                              </m:sSub>
+                              <m:sSub>
+                                <m:sSubPr>
+                                  <m:ctrlPr>
+                                    <a:rPr lang="en-US" altLang="zh-CN" sz="1600" i="1">
+                                      <a:latin typeface="Cambria Math" panose="02040503050406030204" pitchFamily="18" charset="0"/>
+                                    </a:rPr>
+                                  </m:ctrlPr>
+                                </m:sSubPr>
+                                <m:e>
+                                  <m:r>
+                                    <a:rPr lang="en-US" altLang="zh-CN" sz="1600" b="0" i="1" smtClean="0">
+                                      <a:latin typeface="Cambria Math" panose="02040503050406030204" pitchFamily="18" charset="0"/>
+                                    </a:rPr>
+                                    <m:t>𝑥</m:t>
+                                  </m:r>
+                                </m:e>
+                                <m:sub>
+                                  <m:r>
+                                    <a:rPr lang="en-US" altLang="zh-CN" sz="1600" i="1">
+                                      <a:latin typeface="Cambria Math" panose="02040503050406030204" pitchFamily="18" charset="0"/>
+                                    </a:rPr>
+                                    <m:t>𝑖</m:t>
+                                  </m:r>
+                                </m:sub>
+                              </m:sSub>
+                            </m:e>
+                          </m:nary>
+                          <m:r>
+                            <a:rPr lang="en-US" altLang="zh-CN" sz="1600" i="1">
+                              <a:latin typeface="Cambria Math" panose="02040503050406030204" pitchFamily="18" charset="0"/>
+                            </a:rPr>
+                            <m:t>+</m:t>
+                          </m:r>
+                          <m:nary>
+                            <m:naryPr>
+                              <m:chr m:val="∑"/>
+                              <m:ctrlPr>
+                                <a:rPr lang="en-US" altLang="zh-CN" sz="1600" i="1">
+                                  <a:latin typeface="Cambria Math" panose="02040503050406030204" pitchFamily="18" charset="0"/>
+                                </a:rPr>
+                              </m:ctrlPr>
+                            </m:naryPr>
+                            <m:sub>
+                              <m:r>
+                                <m:rPr>
+                                  <m:brk m:alnAt="23"/>
+                                </m:rPr>
+                                <a:rPr lang="en-US" altLang="zh-CN" sz="1600" i="1">
+                                  <a:latin typeface="Cambria Math" panose="02040503050406030204" pitchFamily="18" charset="0"/>
+                                </a:rPr>
+                                <m:t>𝑖</m:t>
+                              </m:r>
+                              <m:r>
+                                <a:rPr lang="en-US" altLang="zh-CN" sz="1600" i="1">
+                                  <a:latin typeface="Cambria Math" panose="02040503050406030204" pitchFamily="18" charset="0"/>
+                                </a:rPr>
+                                <m:t>&lt;</m:t>
+                              </m:r>
+                              <m:r>
+                                <a:rPr lang="en-US" altLang="zh-CN" sz="1600" i="1">
+                                  <a:latin typeface="Cambria Math" panose="02040503050406030204" pitchFamily="18" charset="0"/>
+                                </a:rPr>
+                                <m:t>𝑗</m:t>
+                              </m:r>
+                            </m:sub>
+                            <m:sup/>
+                            <m:e>
+                              <m:sSub>
+                                <m:sSubPr>
+                                  <m:ctrlPr>
+                                    <a:rPr lang="en-US" altLang="zh-CN" sz="1600" i="1">
+                                      <a:latin typeface="Cambria Math" panose="02040503050406030204" pitchFamily="18" charset="0"/>
+                                    </a:rPr>
+                                  </m:ctrlPr>
+                                </m:sSubPr>
+                                <m:e>
+                                  <m:r>
+                                    <a:rPr lang="en-US" altLang="zh-CN" sz="1600" i="1">
+                                      <a:latin typeface="Cambria Math" panose="02040503050406030204" pitchFamily="18" charset="0"/>
+                                    </a:rPr>
+                                    <m:t>𝑄</m:t>
+                                  </m:r>
+                                </m:e>
+                                <m:sub>
+                                  <m:r>
+                                    <a:rPr lang="en-US" altLang="zh-CN" sz="1600" i="1">
+                                      <a:latin typeface="Cambria Math" panose="02040503050406030204" pitchFamily="18" charset="0"/>
+                                    </a:rPr>
+                                    <m:t>𝑖𝑗</m:t>
+                                  </m:r>
+                                </m:sub>
+                              </m:sSub>
+                              <m:sSub>
+                                <m:sSubPr>
+                                  <m:ctrlPr>
+                                    <a:rPr lang="en-US" altLang="zh-CN" sz="1600" i="1">
+                                      <a:latin typeface="Cambria Math" panose="02040503050406030204" pitchFamily="18" charset="0"/>
+                                    </a:rPr>
+                                  </m:ctrlPr>
+                                </m:sSubPr>
+                                <m:e>
+                                  <m:r>
+                                    <a:rPr lang="en-US" altLang="zh-CN" sz="1600" b="0" i="1" smtClean="0">
+                                      <a:latin typeface="Cambria Math" panose="02040503050406030204" pitchFamily="18" charset="0"/>
+                                    </a:rPr>
+                                    <m:t>𝑥</m:t>
+                                  </m:r>
+                                </m:e>
+                                <m:sub>
+                                  <m:r>
+                                    <a:rPr lang="en-US" altLang="zh-CN" sz="1600" i="1">
+                                      <a:latin typeface="Cambria Math" panose="02040503050406030204" pitchFamily="18" charset="0"/>
+                                    </a:rPr>
+                                    <m:t>𝑖</m:t>
+                                  </m:r>
+                                </m:sub>
+                              </m:sSub>
+                              <m:sSub>
+                                <m:sSubPr>
+                                  <m:ctrlPr>
+                                    <a:rPr lang="en-US" altLang="zh-CN" sz="1600" i="1">
+                                      <a:latin typeface="Cambria Math" panose="02040503050406030204" pitchFamily="18" charset="0"/>
+                                    </a:rPr>
+                                  </m:ctrlPr>
+                                </m:sSubPr>
+                                <m:e>
+                                  <m:r>
+                                    <a:rPr lang="en-US" altLang="zh-CN" sz="1600" b="0" i="1" smtClean="0">
+                                      <a:latin typeface="Cambria Math" panose="02040503050406030204" pitchFamily="18" charset="0"/>
+                                    </a:rPr>
+                                    <m:t>𝑥</m:t>
+                                  </m:r>
+                                </m:e>
+                                <m:sub>
+                                  <m:r>
+                                    <a:rPr lang="en-US" altLang="zh-CN" sz="1600" i="1">
+                                      <a:latin typeface="Cambria Math" panose="02040503050406030204" pitchFamily="18" charset="0"/>
+                                    </a:rPr>
+                                    <m:t>𝑗</m:t>
+                                  </m:r>
+                                </m:sub>
+                              </m:sSub>
+                            </m:e>
+                          </m:nary>
+                          <m:r>
+                            <a:rPr lang="en-US" altLang="zh-CN" sz="1600" i="1">
+                              <a:latin typeface="Cambria Math" panose="02040503050406030204" pitchFamily="18" charset="0"/>
+                            </a:rPr>
+                            <m:t>+</m:t>
+                          </m:r>
+                          <m:r>
+                            <a:rPr lang="en-US" altLang="zh-CN" sz="1600" i="1">
+                              <a:latin typeface="Cambria Math" panose="02040503050406030204" pitchFamily="18" charset="0"/>
+                            </a:rPr>
+                            <m:t>𝐶</m:t>
+                          </m:r>
+                        </m:e>
+                      </m:d>
+                    </m:oMath>
+                  </m:oMathPara>
+                </a14:m>
+                <a:endParaRPr lang="en-US" altLang="zh-CN" sz="1600" dirty="0"/>
+              </a:p>
+              <a:p>
+                <a:endParaRPr lang="en-US" altLang="zh-CN" sz="1600" dirty="0"/>
+              </a:p>
+              <a:p>
+                <a:endParaRPr lang="en-US" altLang="zh-CN" sz="1600" dirty="0"/>
+              </a:p>
+              <a:p>
+                <a:r>
+                  <a:rPr lang="en-US" altLang="ja-JP" sz="1600" dirty="0"/>
+                  <a:t>QUBO</a:t>
+                </a:r>
+                <a:r>
+                  <a:rPr lang="ja-JP" altLang="en-US" sz="1600" dirty="0"/>
+                  <a:t>の上三角行列表現：</a:t>
+                </a:r>
+                <a:endParaRPr lang="en-US" altLang="ja-JP" sz="1600" dirty="0"/>
+              </a:p>
+              <a:p>
+                <a14:m>
+                  <m:oMathPara xmlns:m="http://schemas.openxmlformats.org/officeDocument/2006/math">
+                    <m:oMathParaPr>
+                      <m:jc m:val="centerGroup"/>
+                    </m:oMathParaPr>
+                    <m:oMath xmlns:m="http://schemas.openxmlformats.org/officeDocument/2006/math">
+                      <m:sSub>
+                        <m:sSubPr>
+                          <m:ctrlPr>
+                            <a:rPr lang="en-US" altLang="zh-CN" sz="1600" i="1" smtClean="0">
+                              <a:latin typeface="Cambria Math" panose="02040503050406030204" pitchFamily="18" charset="0"/>
+                            </a:rPr>
+                          </m:ctrlPr>
+                        </m:sSubPr>
+                        <m:e>
+                          <m:sSub>
+                            <m:sSubPr>
+                              <m:ctrlPr>
+                                <a:rPr lang="en-US" altLang="zh-CN" sz="1600" i="1">
+                                  <a:latin typeface="Cambria Math" panose="02040503050406030204" pitchFamily="18" charset="0"/>
+                                </a:rPr>
+                              </m:ctrlPr>
+                            </m:sSubPr>
+                            <m:e>
+                              <m:r>
+                                <a:rPr lang="en-US" altLang="zh-CN" sz="1600" i="1">
+                                  <a:latin typeface="Cambria Math" panose="02040503050406030204" pitchFamily="18" charset="0"/>
+                                </a:rPr>
+                                <m:t>(</m:t>
+                              </m:r>
+                              <m:m>
+                                <m:mPr>
+                                  <m:mcs>
+                                    <m:mc>
+                                      <m:mcPr>
+                                        <m:count m:val="4"/>
+                                        <m:mcJc m:val="center"/>
+                                      </m:mcPr>
+                                    </m:mc>
+                                  </m:mcs>
+                                  <m:ctrlPr>
+                                    <a:rPr lang="en-US" altLang="zh-CN" sz="1600" i="1">
+                                      <a:latin typeface="Cambria Math" panose="02040503050406030204" pitchFamily="18" charset="0"/>
+                                    </a:rPr>
+                                  </m:ctrlPr>
+                                </m:mPr>
+                                <m:mr>
+                                  <m:e>
+                                    <m:sSub>
+                                      <m:sSubPr>
+                                        <m:ctrlPr>
+                                          <a:rPr lang="en-US" altLang="zh-CN" sz="1600" i="1">
+                                            <a:latin typeface="Cambria Math" panose="02040503050406030204" pitchFamily="18" charset="0"/>
+                                          </a:rPr>
+                                        </m:ctrlPr>
+                                      </m:sSubPr>
+                                      <m:e>
+                                        <m:r>
+                                          <a:rPr lang="en-US" altLang="zh-CN" sz="1600" b="0" i="1" smtClean="0">
+                                            <a:latin typeface="Cambria Math" panose="02040503050406030204" pitchFamily="18" charset="0"/>
+                                          </a:rPr>
+                                          <m:t>𝑥</m:t>
+                                        </m:r>
+                                      </m:e>
+                                      <m:sub>
+                                        <m:r>
+                                          <a:rPr lang="en-US" altLang="zh-CN" sz="1600" i="1">
+                                            <a:latin typeface="Cambria Math" panose="02040503050406030204" pitchFamily="18" charset="0"/>
+                                          </a:rPr>
+                                          <m:t>1</m:t>
+                                        </m:r>
+                                      </m:sub>
+                                    </m:sSub>
+                                  </m:e>
+                                  <m:e>
+                                    <m:sSub>
+                                      <m:sSubPr>
+                                        <m:ctrlPr>
+                                          <a:rPr lang="en-US" altLang="zh-CN" sz="1600" i="1">
+                                            <a:latin typeface="Cambria Math" panose="02040503050406030204" pitchFamily="18" charset="0"/>
+                                          </a:rPr>
+                                        </m:ctrlPr>
+                                      </m:sSubPr>
+                                      <m:e>
+                                        <m:r>
+                                          <a:rPr lang="en-US" altLang="zh-CN" sz="1600" b="0" i="1" smtClean="0">
+                                            <a:latin typeface="Cambria Math" panose="02040503050406030204" pitchFamily="18" charset="0"/>
+                                          </a:rPr>
+                                          <m:t>𝑥</m:t>
+                                        </m:r>
+                                      </m:e>
+                                      <m:sub>
+                                        <m:r>
+                                          <a:rPr lang="en-US" altLang="zh-CN" sz="1600" i="1">
+                                            <a:latin typeface="Cambria Math" panose="02040503050406030204" pitchFamily="18" charset="0"/>
+                                          </a:rPr>
+                                          <m:t>2</m:t>
+                                        </m:r>
+                                      </m:sub>
+                                    </m:sSub>
+                                  </m:e>
+                                  <m:e>
+                                    <m:r>
+                                      <a:rPr lang="en-US" altLang="zh-CN" sz="1600" i="1">
+                                        <a:latin typeface="Cambria Math" panose="02040503050406030204" pitchFamily="18" charset="0"/>
+                                      </a:rPr>
+                                      <m:t>…</m:t>
+                                    </m:r>
+                                  </m:e>
+                                  <m:e>
+                                    <m:sSub>
+                                      <m:sSubPr>
+                                        <m:ctrlPr>
+                                          <a:rPr lang="en-US" altLang="zh-CN" sz="1600" i="1">
+                                            <a:latin typeface="Cambria Math" panose="02040503050406030204" pitchFamily="18" charset="0"/>
+                                          </a:rPr>
+                                        </m:ctrlPr>
+                                      </m:sSubPr>
+                                      <m:e>
+                                        <m:r>
+                                          <a:rPr lang="en-US" altLang="zh-CN" sz="1600" b="0" i="1" smtClean="0">
+                                            <a:latin typeface="Cambria Math" panose="02040503050406030204" pitchFamily="18" charset="0"/>
+                                          </a:rPr>
+                                          <m:t>𝑥</m:t>
+                                        </m:r>
+                                      </m:e>
+                                      <m:sub>
+                                        <m:r>
+                                          <a:rPr lang="en-US" altLang="zh-CN" sz="1600" b="0" i="1" smtClean="0">
+                                            <a:latin typeface="Cambria Math" panose="02040503050406030204" pitchFamily="18" charset="0"/>
+                                          </a:rPr>
+                                          <m:t>𝑛</m:t>
+                                        </m:r>
+                                      </m:sub>
+                                    </m:sSub>
+                                  </m:e>
+                                </m:mr>
+                              </m:m>
+                              <m:r>
+                                <a:rPr lang="en-US" altLang="zh-CN" sz="1600" i="1">
+                                  <a:latin typeface="Cambria Math" panose="02040503050406030204" pitchFamily="18" charset="0"/>
+                                </a:rPr>
+                                <m:t>)</m:t>
+                              </m:r>
+                            </m:e>
+                            <m:sub>
+                              <m:r>
+                                <a:rPr lang="en-US" altLang="zh-CN" sz="1600" i="1">
+                                  <a:latin typeface="Cambria Math" panose="02040503050406030204" pitchFamily="18" charset="0"/>
+                                </a:rPr>
+                                <m:t>1</m:t>
+                              </m:r>
+                              <m:r>
+                                <a:rPr lang="en-US" altLang="zh-CN" sz="1600" i="1">
+                                  <a:latin typeface="Cambria Math" panose="02040503050406030204" pitchFamily="18" charset="0"/>
+                                  <a:ea typeface="Cambria Math" panose="02040503050406030204" pitchFamily="18" charset="0"/>
+                                </a:rPr>
+                                <m:t>×</m:t>
+                              </m:r>
+                              <m:r>
+                                <a:rPr lang="en-US" altLang="zh-CN" sz="1600" b="0" i="1" smtClean="0">
+                                  <a:latin typeface="Cambria Math" panose="02040503050406030204" pitchFamily="18" charset="0"/>
+                                  <a:ea typeface="Cambria Math" panose="02040503050406030204" pitchFamily="18" charset="0"/>
+                                </a:rPr>
+                                <m:t>𝑛</m:t>
+                              </m:r>
+                            </m:sub>
+                          </m:sSub>
+                          <m:d>
+                            <m:dPr>
+                              <m:ctrlPr>
+                                <a:rPr lang="en-US" altLang="zh-CN" sz="1600" i="1" smtClean="0">
+                                  <a:latin typeface="Cambria Math" panose="02040503050406030204" pitchFamily="18" charset="0"/>
+                                </a:rPr>
+                              </m:ctrlPr>
+                            </m:dPr>
+                            <m:e>
+                              <m:m>
+                                <m:mPr>
+                                  <m:mcs>
+                                    <m:mc>
+                                      <m:mcPr>
+                                        <m:count m:val="4"/>
+                                        <m:mcJc m:val="center"/>
+                                      </m:mcPr>
+                                    </m:mc>
+                                  </m:mcs>
+                                  <m:ctrlPr>
+                                    <a:rPr lang="en-US" altLang="zh-CN" sz="1600" i="1">
+                                      <a:latin typeface="Cambria Math" panose="02040503050406030204" pitchFamily="18" charset="0"/>
+                                    </a:rPr>
+                                  </m:ctrlPr>
+                                </m:mPr>
+                                <m:mr>
+                                  <m:e>
+                                    <m:sSub>
+                                      <m:sSubPr>
+                                        <m:ctrlPr>
+                                          <a:rPr lang="en-US" altLang="zh-CN" sz="1600" i="1" smtClean="0">
+                                            <a:latin typeface="Cambria Math" panose="02040503050406030204" pitchFamily="18" charset="0"/>
+                                          </a:rPr>
+                                        </m:ctrlPr>
+                                      </m:sSubPr>
+                                      <m:e>
+                                        <m:r>
+                                          <a:rPr lang="en-US" altLang="zh-CN" sz="1600" b="0" i="1" smtClean="0">
+                                            <a:latin typeface="Cambria Math" panose="02040503050406030204" pitchFamily="18" charset="0"/>
+                                          </a:rPr>
+                                          <m:t>𝑄</m:t>
+                                        </m:r>
+                                      </m:e>
+                                      <m:sub>
+                                        <m:r>
+                                          <a:rPr lang="en-US" altLang="zh-CN" sz="1600" b="0" i="1" smtClean="0">
+                                            <a:latin typeface="Cambria Math" panose="02040503050406030204" pitchFamily="18" charset="0"/>
+                                          </a:rPr>
+                                          <m:t>11</m:t>
+                                        </m:r>
+                                      </m:sub>
+                                    </m:sSub>
+                                  </m:e>
+                                  <m:e>
+                                    <m:sSub>
+                                      <m:sSubPr>
+                                        <m:ctrlPr>
+                                          <a:rPr lang="en-US" altLang="zh-CN" sz="1600" i="1">
+                                            <a:latin typeface="Cambria Math" panose="02040503050406030204" pitchFamily="18" charset="0"/>
+                                          </a:rPr>
+                                        </m:ctrlPr>
+                                      </m:sSubPr>
+                                      <m:e>
+                                        <m:r>
+                                          <a:rPr lang="en-US" altLang="zh-CN" sz="1600" b="0" i="1" smtClean="0">
+                                            <a:latin typeface="Cambria Math" panose="02040503050406030204" pitchFamily="18" charset="0"/>
+                                          </a:rPr>
+                                          <m:t>𝑄</m:t>
+                                        </m:r>
+                                      </m:e>
+                                      <m:sub>
+                                        <m:r>
+                                          <a:rPr lang="en-US" altLang="zh-CN" sz="1600" b="0" i="1" smtClean="0">
+                                            <a:latin typeface="Cambria Math" panose="02040503050406030204" pitchFamily="18" charset="0"/>
+                                          </a:rPr>
+                                          <m:t>12</m:t>
+                                        </m:r>
+                                      </m:sub>
+                                    </m:sSub>
+                                  </m:e>
+                                  <m:e>
+                                    <m:r>
+                                      <a:rPr lang="en-US" altLang="zh-CN" sz="1600" i="1">
+                                        <a:latin typeface="Cambria Math" panose="02040503050406030204" pitchFamily="18" charset="0"/>
+                                      </a:rPr>
+                                      <m:t>…</m:t>
+                                    </m:r>
+                                  </m:e>
+                                  <m:e>
+                                    <m:sSub>
+                                      <m:sSubPr>
+                                        <m:ctrlPr>
+                                          <a:rPr lang="en-US" altLang="zh-CN" sz="1600" i="1">
+                                            <a:latin typeface="Cambria Math" panose="02040503050406030204" pitchFamily="18" charset="0"/>
+                                          </a:rPr>
+                                        </m:ctrlPr>
+                                      </m:sSubPr>
+                                      <m:e>
+                                        <m:r>
+                                          <a:rPr lang="en-US" altLang="zh-CN" sz="1600" b="0" i="1" smtClean="0">
+                                            <a:latin typeface="Cambria Math" panose="02040503050406030204" pitchFamily="18" charset="0"/>
+                                          </a:rPr>
+                                          <m:t>𝑄</m:t>
+                                        </m:r>
+                                      </m:e>
+                                      <m:sub>
+                                        <m:r>
+                                          <a:rPr lang="en-US" altLang="zh-CN" sz="1600" b="0" i="1" smtClean="0">
+                                            <a:latin typeface="Cambria Math" panose="02040503050406030204" pitchFamily="18" charset="0"/>
+                                          </a:rPr>
+                                          <m:t>1</m:t>
+                                        </m:r>
+                                        <m:r>
+                                          <a:rPr lang="en-US" altLang="zh-CN" sz="1600" b="0" i="1" smtClean="0">
+                                            <a:latin typeface="Cambria Math" panose="02040503050406030204" pitchFamily="18" charset="0"/>
+                                          </a:rPr>
+                                          <m:t>𝑛</m:t>
+                                        </m:r>
+                                      </m:sub>
+                                    </m:sSub>
+                                  </m:e>
+                                </m:mr>
+                                <m:mr>
+                                  <m:e>
+                                    <m:r>
+                                      <a:rPr lang="en-US" altLang="zh-CN" sz="1600" i="1">
+                                        <a:latin typeface="Cambria Math" panose="02040503050406030204" pitchFamily="18" charset="0"/>
+                                      </a:rPr>
+                                      <m:t>0</m:t>
+                                    </m:r>
+                                  </m:e>
+                                  <m:e>
+                                    <m:sSub>
+                                      <m:sSubPr>
+                                        <m:ctrlPr>
+                                          <a:rPr lang="en-US" altLang="zh-CN" sz="1600" i="1" smtClean="0">
+                                            <a:latin typeface="Cambria Math" panose="02040503050406030204" pitchFamily="18" charset="0"/>
+                                          </a:rPr>
+                                        </m:ctrlPr>
+                                      </m:sSubPr>
+                                      <m:e>
+                                        <m:r>
+                                          <a:rPr lang="en-US" altLang="zh-CN" sz="1600" b="0" i="1" smtClean="0">
+                                            <a:latin typeface="Cambria Math" panose="02040503050406030204" pitchFamily="18" charset="0"/>
+                                          </a:rPr>
+                                          <m:t>𝑄</m:t>
+                                        </m:r>
+                                      </m:e>
+                                      <m:sub>
+                                        <m:r>
+                                          <a:rPr lang="en-US" altLang="zh-CN" sz="1600" b="0" i="1" smtClean="0">
+                                            <a:latin typeface="Cambria Math" panose="02040503050406030204" pitchFamily="18" charset="0"/>
+                                          </a:rPr>
+                                          <m:t>22</m:t>
+                                        </m:r>
+                                      </m:sub>
+                                    </m:sSub>
+                                  </m:e>
+                                  <m:e>
+                                    <m:r>
+                                      <a:rPr lang="en-US" altLang="zh-CN" sz="1600" i="1">
+                                        <a:latin typeface="Cambria Math" panose="02040503050406030204" pitchFamily="18" charset="0"/>
+                                      </a:rPr>
+                                      <m:t>…</m:t>
+                                    </m:r>
+                                  </m:e>
+                                  <m:e>
+                                    <m:sSub>
+                                      <m:sSubPr>
+                                        <m:ctrlPr>
+                                          <a:rPr lang="en-US" altLang="zh-CN" sz="1600" i="1" smtClean="0">
+                                            <a:latin typeface="Cambria Math" panose="02040503050406030204" pitchFamily="18" charset="0"/>
+                                          </a:rPr>
+                                        </m:ctrlPr>
+                                      </m:sSubPr>
+                                      <m:e>
+                                        <m:r>
+                                          <a:rPr lang="en-US" altLang="zh-CN" sz="1600" b="0" i="1" smtClean="0">
+                                            <a:latin typeface="Cambria Math" panose="02040503050406030204" pitchFamily="18" charset="0"/>
+                                          </a:rPr>
+                                          <m:t>𝑄</m:t>
+                                        </m:r>
+                                      </m:e>
+                                      <m:sub>
+                                        <m:r>
+                                          <a:rPr lang="en-US" altLang="zh-CN" sz="1600" b="0" i="1" smtClean="0">
+                                            <a:latin typeface="Cambria Math" panose="02040503050406030204" pitchFamily="18" charset="0"/>
+                                          </a:rPr>
+                                          <m:t>2</m:t>
+                                        </m:r>
+                                        <m:r>
+                                          <a:rPr lang="en-US" altLang="zh-CN" sz="1600" b="0" i="1" smtClean="0">
+                                            <a:latin typeface="Cambria Math" panose="02040503050406030204" pitchFamily="18" charset="0"/>
+                                          </a:rPr>
+                                          <m:t>𝑛</m:t>
+                                        </m:r>
+                                      </m:sub>
+                                    </m:sSub>
+                                  </m:e>
+                                </m:mr>
+                                <m:mr>
+                                  <m:e>
+                                    <m:r>
+                                      <a:rPr lang="en-US" altLang="zh-CN" sz="1600" i="1">
+                                        <a:latin typeface="Cambria Math" panose="02040503050406030204" pitchFamily="18" charset="0"/>
+                                      </a:rPr>
+                                      <m:t>⋮</m:t>
+                                    </m:r>
+                                  </m:e>
+                                  <m:e>
+                                    <m:r>
+                                      <a:rPr lang="en-US" altLang="zh-CN" sz="1600" i="1" smtClean="0">
+                                        <a:latin typeface="Cambria Math" panose="02040503050406030204" pitchFamily="18" charset="0"/>
+                                      </a:rPr>
+                                      <m:t>⋮</m:t>
+                                    </m:r>
+                                  </m:e>
+                                  <m:e>
+                                    <m:r>
+                                      <a:rPr lang="en-US" altLang="zh-CN" sz="1600" i="1">
+                                        <a:latin typeface="Cambria Math" panose="02040503050406030204" pitchFamily="18" charset="0"/>
+                                      </a:rPr>
+                                      <m:t>⋱</m:t>
+                                    </m:r>
+                                  </m:e>
+                                  <m:e>
+                                    <m:r>
+                                      <a:rPr lang="en-US" altLang="zh-CN" sz="1600" i="1" smtClean="0">
+                                        <a:latin typeface="Cambria Math" panose="02040503050406030204" pitchFamily="18" charset="0"/>
+                                      </a:rPr>
+                                      <m:t>⋮</m:t>
+                                    </m:r>
+                                  </m:e>
+                                </m:mr>
+                                <m:mr>
+                                  <m:e>
+                                    <m:r>
+                                      <a:rPr lang="en-US" altLang="zh-CN" sz="1600" i="1">
+                                        <a:latin typeface="Cambria Math" panose="02040503050406030204" pitchFamily="18" charset="0"/>
+                                      </a:rPr>
+                                      <m:t>0</m:t>
+                                    </m:r>
+                                  </m:e>
+                                  <m:e>
+                                    <m:r>
+                                      <a:rPr lang="en-US" altLang="zh-CN" sz="1600" i="1">
+                                        <a:latin typeface="Cambria Math" panose="02040503050406030204" pitchFamily="18" charset="0"/>
+                                      </a:rPr>
+                                      <m:t>…</m:t>
+                                    </m:r>
+                                  </m:e>
+                                  <m:e>
+                                    <m:r>
+                                      <a:rPr lang="en-US" altLang="zh-CN" sz="1600" i="1">
+                                        <a:latin typeface="Cambria Math" panose="02040503050406030204" pitchFamily="18" charset="0"/>
+                                      </a:rPr>
+                                      <m:t>0</m:t>
+                                    </m:r>
+                                  </m:e>
+                                  <m:e>
+                                    <m:sSub>
+                                      <m:sSubPr>
+                                        <m:ctrlPr>
+                                          <a:rPr lang="en-US" altLang="zh-CN" sz="1600" i="1">
+                                            <a:latin typeface="Cambria Math" panose="02040503050406030204" pitchFamily="18" charset="0"/>
+                                          </a:rPr>
+                                        </m:ctrlPr>
+                                      </m:sSubPr>
+                                      <m:e>
+                                        <m:r>
+                                          <a:rPr lang="en-US" altLang="zh-CN" sz="1600" b="0" i="1" smtClean="0">
+                                            <a:latin typeface="Cambria Math" panose="02040503050406030204" pitchFamily="18" charset="0"/>
+                                          </a:rPr>
+                                          <m:t>𝑄</m:t>
+                                        </m:r>
+                                      </m:e>
+                                      <m:sub>
+                                        <m:r>
+                                          <a:rPr lang="en-US" altLang="zh-CN" sz="1600" b="0" i="1" smtClean="0">
+                                            <a:latin typeface="Cambria Math" panose="02040503050406030204" pitchFamily="18" charset="0"/>
+                                          </a:rPr>
+                                          <m:t>𝑛𝑛</m:t>
+                                        </m:r>
+                                      </m:sub>
+                                    </m:sSub>
+                                  </m:e>
+                                </m:mr>
+                              </m:m>
+                            </m:e>
+                          </m:d>
+                        </m:e>
+                        <m:sub>
+                          <m:r>
+                            <a:rPr lang="en-US" altLang="zh-CN" sz="1600" b="0" i="1" smtClean="0">
+                              <a:latin typeface="Cambria Math" panose="02040503050406030204" pitchFamily="18" charset="0"/>
+                            </a:rPr>
+                            <m:t>𝑛</m:t>
+                          </m:r>
+                          <m:r>
+                            <a:rPr lang="en-US" altLang="zh-CN" sz="1600" b="0" i="1" smtClean="0">
+                              <a:latin typeface="Cambria Math" panose="02040503050406030204" pitchFamily="18" charset="0"/>
+                              <a:ea typeface="Cambria Math" panose="02040503050406030204" pitchFamily="18" charset="0"/>
+                            </a:rPr>
+                            <m:t>×</m:t>
+                          </m:r>
+                          <m:r>
+                            <a:rPr lang="en-US" altLang="zh-CN" sz="1600" b="0" i="1" smtClean="0">
+                              <a:latin typeface="Cambria Math" panose="02040503050406030204" pitchFamily="18" charset="0"/>
+                              <a:ea typeface="Cambria Math" panose="02040503050406030204" pitchFamily="18" charset="0"/>
+                            </a:rPr>
+                            <m:t>𝑛</m:t>
+                          </m:r>
+                        </m:sub>
+                      </m:sSub>
+                      <m:sSub>
+                        <m:sSubPr>
+                          <m:ctrlPr>
+                            <a:rPr lang="en-US" altLang="zh-CN" sz="1600" i="1">
+                              <a:latin typeface="Cambria Math" panose="02040503050406030204" pitchFamily="18" charset="0"/>
+                            </a:rPr>
+                          </m:ctrlPr>
+                        </m:sSubPr>
+                        <m:e>
+                          <m:d>
+                            <m:dPr>
+                              <m:ctrlPr>
+                                <a:rPr lang="en-US" altLang="zh-CN" sz="1600" i="1">
+                                  <a:latin typeface="Cambria Math" panose="02040503050406030204" pitchFamily="18" charset="0"/>
+                                </a:rPr>
+                              </m:ctrlPr>
+                            </m:dPr>
+                            <m:e>
+                              <m:m>
+                                <m:mPr>
+                                  <m:mcs>
+                                    <m:mc>
+                                      <m:mcPr>
+                                        <m:count m:val="1"/>
+                                        <m:mcJc m:val="center"/>
+                                      </m:mcPr>
+                                    </m:mc>
+                                  </m:mcs>
+                                  <m:ctrlPr>
+                                    <a:rPr lang="en-US" altLang="zh-CN" sz="1600" i="1">
+                                      <a:latin typeface="Cambria Math" panose="02040503050406030204" pitchFamily="18" charset="0"/>
+                                    </a:rPr>
+                                  </m:ctrlPr>
+                                </m:mPr>
+                                <m:mr>
+                                  <m:e>
+                                    <m:sSub>
+                                      <m:sSubPr>
+                                        <m:ctrlPr>
+                                          <a:rPr lang="en-US" altLang="zh-CN" sz="1600" i="1" smtClean="0">
+                                            <a:latin typeface="Cambria Math" panose="02040503050406030204" pitchFamily="18" charset="0"/>
+                                          </a:rPr>
+                                        </m:ctrlPr>
+                                      </m:sSubPr>
+                                      <m:e>
+                                        <m:r>
+                                          <a:rPr lang="en-US" altLang="zh-CN" sz="1600" b="0" i="1" smtClean="0">
+                                            <a:latin typeface="Cambria Math" panose="02040503050406030204" pitchFamily="18" charset="0"/>
+                                          </a:rPr>
+                                          <m:t>𝑥</m:t>
+                                        </m:r>
+                                      </m:e>
+                                      <m:sub>
+                                        <m:r>
+                                          <a:rPr lang="en-US" altLang="zh-CN" sz="1600" i="1">
+                                            <a:latin typeface="Cambria Math" panose="02040503050406030204" pitchFamily="18" charset="0"/>
+                                          </a:rPr>
+                                          <m:t>1</m:t>
+                                        </m:r>
+                                      </m:sub>
+                                    </m:sSub>
+                                  </m:e>
+                                </m:mr>
+                                <m:mr>
+                                  <m:e>
+                                    <m:sSub>
+                                      <m:sSubPr>
+                                        <m:ctrlPr>
+                                          <a:rPr lang="en-US" altLang="zh-CN" sz="1600" i="1">
+                                            <a:latin typeface="Cambria Math" panose="02040503050406030204" pitchFamily="18" charset="0"/>
+                                          </a:rPr>
+                                        </m:ctrlPr>
+                                      </m:sSubPr>
+                                      <m:e>
+                                        <m:r>
+                                          <a:rPr lang="en-US" altLang="zh-CN" sz="1600" b="0" i="1" smtClean="0">
+                                            <a:latin typeface="Cambria Math" panose="02040503050406030204" pitchFamily="18" charset="0"/>
+                                          </a:rPr>
+                                          <m:t>𝑥</m:t>
+                                        </m:r>
+                                      </m:e>
+                                      <m:sub>
+                                        <m:r>
+                                          <a:rPr lang="en-US" altLang="zh-CN" sz="1600" i="1">
+                                            <a:latin typeface="Cambria Math" panose="02040503050406030204" pitchFamily="18" charset="0"/>
+                                          </a:rPr>
+                                          <m:t>2</m:t>
+                                        </m:r>
+                                      </m:sub>
+                                    </m:sSub>
+                                  </m:e>
+                                </m:mr>
+                                <m:mr>
+                                  <m:e>
+                                    <m:r>
+                                      <a:rPr lang="en-US" altLang="zh-CN" sz="1600" i="1">
+                                        <a:latin typeface="Cambria Math" panose="02040503050406030204" pitchFamily="18" charset="0"/>
+                                      </a:rPr>
+                                      <m:t>⋮</m:t>
+                                    </m:r>
+                                  </m:e>
+                                </m:mr>
+                                <m:mr>
+                                  <m:e>
+                                    <m:sSub>
+                                      <m:sSubPr>
+                                        <m:ctrlPr>
+                                          <a:rPr lang="en-US" altLang="zh-CN" sz="1600" i="1">
+                                            <a:latin typeface="Cambria Math" panose="02040503050406030204" pitchFamily="18" charset="0"/>
+                                          </a:rPr>
+                                        </m:ctrlPr>
+                                      </m:sSubPr>
+                                      <m:e>
+                                        <m:r>
+                                          <a:rPr lang="en-US" altLang="zh-CN" sz="1600" b="0" i="1" smtClean="0">
+                                            <a:latin typeface="Cambria Math" panose="02040503050406030204" pitchFamily="18" charset="0"/>
+                                          </a:rPr>
+                                          <m:t>𝑥</m:t>
+                                        </m:r>
+                                      </m:e>
+                                      <m:sub>
+                                        <m:r>
+                                          <a:rPr lang="en-US" altLang="zh-CN" sz="1600" b="0" i="1" smtClean="0">
+                                            <a:latin typeface="Cambria Math" panose="02040503050406030204" pitchFamily="18" charset="0"/>
+                                          </a:rPr>
+                                          <m:t>𝑛</m:t>
+                                        </m:r>
+                                      </m:sub>
+                                    </m:sSub>
+                                  </m:e>
+                                </m:mr>
+                              </m:m>
+                            </m:e>
+                          </m:d>
+                        </m:e>
+                        <m:sub>
+                          <m:r>
+                            <a:rPr lang="en-US" altLang="zh-CN" sz="1600" b="0" i="1" smtClean="0">
+                              <a:latin typeface="Cambria Math" panose="02040503050406030204" pitchFamily="18" charset="0"/>
+                            </a:rPr>
+                            <m:t>𝑛</m:t>
+                          </m:r>
+                          <m:r>
+                            <a:rPr lang="en-US" altLang="zh-CN" sz="1600" i="1">
+                              <a:latin typeface="Cambria Math" panose="02040503050406030204" pitchFamily="18" charset="0"/>
+                              <a:ea typeface="Cambria Math" panose="02040503050406030204" pitchFamily="18" charset="0"/>
+                            </a:rPr>
+                            <m:t>×1</m:t>
+                          </m:r>
+                        </m:sub>
+                      </m:sSub>
+                    </m:oMath>
+                  </m:oMathPara>
+                </a14:m>
+                <a:endParaRPr lang="zh-CN" altLang="en-US" sz="1600" dirty="0"/>
+              </a:p>
+              <a:p>
+                <a:endParaRPr lang="en-US" altLang="ja-JP" sz="1600" dirty="0"/>
+              </a:p>
+            </p:txBody>
+          </p:sp>
+        </mc:Choice>
+        <mc:Fallback>
+          <p:sp>
+            <p:nvSpPr>
+              <p:cNvPr id="4" name="文本框 1">
+                <a:extLst>
+                  <a:ext uri="{FF2B5EF4-FFF2-40B4-BE49-F238E27FC236}">
+                    <a16:creationId xmlns:a16="http://schemas.microsoft.com/office/drawing/2014/main" id="{BFB8E7DB-A4F9-2DAA-1B22-2256A19DDA6F}"/>
+                  </a:ext>
+                </a:extLst>
+              </p:cNvPr>
+              <p:cNvSpPr txBox="1">
+                <a:spLocks noRot="1" noChangeAspect="1" noMove="1" noResize="1" noEditPoints="1" noAdjustHandles="1" noChangeArrowheads="1" noChangeShapeType="1" noTextEdit="1"/>
+              </p:cNvSpPr>
+              <p:nvPr/>
+            </p:nvSpPr>
+            <p:spPr>
+              <a:xfrm>
+                <a:off x="495050" y="1259702"/>
+                <a:ext cx="9199419" cy="5059014"/>
+              </a:xfrm>
+              <a:prstGeom prst="rect">
+                <a:avLst/>
+              </a:prstGeom>
+              <a:blipFill>
+                <a:blip r:embed="rId2"/>
+                <a:stretch>
+                  <a:fillRect l="-331" t="-361"/>
+                </a:stretch>
+              </a:blipFill>
+            </p:spPr>
+            <p:txBody>
+              <a:bodyPr/>
+              <a:lstStyle/>
+              <a:p>
+                <a:r>
+                  <a:rPr lang="zh-CN" altLang="en-US">
+                    <a:noFill/>
+                  </a:rPr>
+                  <a:t> </a:t>
+                </a:r>
+              </a:p>
+            </p:txBody>
+          </p:sp>
+        </mc:Fallback>
+      </mc:AlternateContent>
+      <mc:AlternateContent xmlns:mc="http://schemas.openxmlformats.org/markup-compatibility/2006">
+        <mc:Choice xmlns:a14="http://schemas.microsoft.com/office/drawing/2010/main" Requires="a14">
+          <p:sp>
+            <p:nvSpPr>
+              <p:cNvPr id="5" name="文本框 4">
+                <a:extLst>
+                  <a:ext uri="{FF2B5EF4-FFF2-40B4-BE49-F238E27FC236}">
+                    <a16:creationId xmlns:a16="http://schemas.microsoft.com/office/drawing/2014/main" id="{AE66AB34-A4EE-F82B-078F-792A7A6DEA8A}"/>
+                  </a:ext>
+                </a:extLst>
+              </p:cNvPr>
+              <p:cNvSpPr txBox="1"/>
+              <p:nvPr/>
+            </p:nvSpPr>
+            <p:spPr>
+              <a:xfrm>
+                <a:off x="7590716" y="3288110"/>
+                <a:ext cx="4576959" cy="755976"/>
+              </a:xfrm>
+              <a:prstGeom prst="rect">
+                <a:avLst/>
+              </a:prstGeom>
+              <a:noFill/>
+              <a:ln>
+                <a:solidFill>
+                  <a:schemeClr val="tx1"/>
+                </a:solidFill>
+              </a:ln>
+            </p:spPr>
+            <p:txBody>
+              <a:bodyPr wrap="none" rtlCol="0">
+                <a:spAutoFit/>
+              </a:bodyPr>
+              <a:lstStyle/>
+              <a:p>
+                <a14:m>
+                  <m:oMath xmlns:m="http://schemas.openxmlformats.org/officeDocument/2006/math">
+                    <m:sSub>
+                      <m:sSubPr>
+                        <m:ctrlPr>
+                          <a:rPr lang="en-US" altLang="zh-CN" sz="1400" i="1" smtClean="0">
+                            <a:latin typeface="Cambria Math" panose="02040503050406030204" pitchFamily="18" charset="0"/>
+                          </a:rPr>
+                        </m:ctrlPr>
+                      </m:sSubPr>
+                      <m:e>
+                        <m:r>
+                          <a:rPr lang="en-US" altLang="zh-CN" sz="1400" i="1">
+                            <a:latin typeface="Cambria Math" panose="02040503050406030204" pitchFamily="18" charset="0"/>
+                          </a:rPr>
+                          <m:t>𝑥</m:t>
+                        </m:r>
+                      </m:e>
+                      <m:sub>
+                        <m:r>
+                          <a:rPr lang="en-US" altLang="zh-CN" sz="1400" i="1">
+                            <a:latin typeface="Cambria Math" panose="02040503050406030204" pitchFamily="18" charset="0"/>
+                          </a:rPr>
+                          <m:t>𝑖</m:t>
+                        </m:r>
+                      </m:sub>
+                    </m:sSub>
+                    <m:r>
+                      <a:rPr lang="en-US" altLang="zh-CN" sz="1400" b="0" i="1" smtClean="0">
+                        <a:latin typeface="Cambria Math" panose="02040503050406030204" pitchFamily="18" charset="0"/>
+                      </a:rPr>
+                      <m:t> (0,1)</m:t>
+                    </m:r>
+                  </m:oMath>
+                </a14:m>
+                <a:r>
+                  <a:rPr lang="ja-JP" altLang="en-US" sz="1400" dirty="0"/>
+                  <a:t>   バイナリ変数</a:t>
+                </a:r>
+                <a:endParaRPr lang="en-US" altLang="ja-JP" sz="1400" dirty="0"/>
+              </a:p>
+              <a:p>
+                <a:r>
+                  <a:rPr lang="en-US" altLang="zh-CN" sz="1400" b="0" dirty="0"/>
+                  <a:t>    </a:t>
+                </a:r>
+                <a14:m>
+                  <m:oMath xmlns:m="http://schemas.openxmlformats.org/officeDocument/2006/math">
+                    <m:r>
+                      <a:rPr lang="en-US" altLang="zh-CN" sz="1400" b="0" i="1" smtClean="0">
+                        <a:latin typeface="Cambria Math" panose="02040503050406030204" pitchFamily="18" charset="0"/>
+                      </a:rPr>
+                      <m:t>𝑄</m:t>
+                    </m:r>
+                  </m:oMath>
+                </a14:m>
+                <a:r>
+                  <a:rPr lang="zh-CN" altLang="en-US" sz="1400" dirty="0"/>
+                  <a:t>        </a:t>
+                </a:r>
+                <a:r>
+                  <a:rPr lang="en-US" altLang="zh-CN" sz="1400" dirty="0"/>
+                  <a:t>QUBO</a:t>
+                </a:r>
+                <a:r>
+                  <a:rPr lang="ja-JP" altLang="en-US" sz="1400" dirty="0"/>
+                  <a:t>行列 </a:t>
+                </a:r>
+                <a:r>
+                  <a:rPr lang="en-US" altLang="ja-JP" sz="1400" dirty="0"/>
+                  <a:t>(</a:t>
+                </a:r>
+                <a14:m>
+                  <m:oMath xmlns:m="http://schemas.openxmlformats.org/officeDocument/2006/math">
+                    <m:sSub>
+                      <m:sSubPr>
+                        <m:ctrlPr>
+                          <a:rPr lang="en-US" altLang="ja-JP" sz="1400" i="1" smtClean="0">
+                            <a:latin typeface="Cambria Math" panose="02040503050406030204" pitchFamily="18" charset="0"/>
+                          </a:rPr>
+                        </m:ctrlPr>
+                      </m:sSubPr>
+                      <m:e>
+                        <m:r>
+                          <a:rPr lang="en-US" altLang="ja-JP" sz="1400" b="0" i="1" smtClean="0">
+                            <a:latin typeface="Cambria Math" panose="02040503050406030204" pitchFamily="18" charset="0"/>
+                          </a:rPr>
+                          <m:t>𝑄</m:t>
+                        </m:r>
+                      </m:e>
+                      <m:sub>
+                        <m:r>
+                          <a:rPr lang="en-US" altLang="ja-JP" sz="1400" b="0" i="1" smtClean="0">
+                            <a:latin typeface="Cambria Math" panose="02040503050406030204" pitchFamily="18" charset="0"/>
+                          </a:rPr>
+                          <m:t>𝑖𝑖</m:t>
+                        </m:r>
+                      </m:sub>
+                    </m:sSub>
+                  </m:oMath>
+                </a14:m>
+                <a:r>
+                  <a:rPr lang="ja-JP" altLang="en-US" sz="1400" dirty="0"/>
+                  <a:t>一次項の係数</a:t>
+                </a:r>
+                <a:r>
+                  <a:rPr lang="en-US" altLang="ja-JP" sz="1400" dirty="0"/>
+                  <a:t> </a:t>
+                </a:r>
+                <a14:m>
+                  <m:oMath xmlns:m="http://schemas.openxmlformats.org/officeDocument/2006/math">
+                    <m:sSub>
+                      <m:sSubPr>
+                        <m:ctrlPr>
+                          <a:rPr lang="en-US" altLang="ja-JP" sz="1400" i="1" dirty="0" smtClean="0">
+                            <a:latin typeface="Cambria Math" panose="02040503050406030204" pitchFamily="18" charset="0"/>
+                          </a:rPr>
+                        </m:ctrlPr>
+                      </m:sSubPr>
+                      <m:e>
+                        <m:r>
+                          <a:rPr lang="en-US" altLang="ja-JP" sz="1400" b="0" i="1" dirty="0" smtClean="0">
+                            <a:latin typeface="Cambria Math" panose="02040503050406030204" pitchFamily="18" charset="0"/>
+                          </a:rPr>
+                          <m:t>𝑄</m:t>
+                        </m:r>
+                      </m:e>
+                      <m:sub>
+                        <m:r>
+                          <a:rPr lang="en-US" altLang="ja-JP" sz="1400" b="0" i="1" dirty="0" smtClean="0">
+                            <a:latin typeface="Cambria Math" panose="02040503050406030204" pitchFamily="18" charset="0"/>
+                          </a:rPr>
+                          <m:t>𝑖𝑗</m:t>
+                        </m:r>
+                      </m:sub>
+                    </m:sSub>
+                  </m:oMath>
+                </a14:m>
+                <a:r>
+                  <a:rPr lang="ja-JP" altLang="en-US" sz="1400" dirty="0"/>
+                  <a:t>二次項の係数</a:t>
+                </a:r>
+                <a:r>
+                  <a:rPr lang="en-US" altLang="ja-JP" sz="1400" dirty="0"/>
+                  <a:t>)</a:t>
+                </a:r>
+              </a:p>
+              <a:p>
+                <a:r>
+                  <a:rPr lang="en-US" altLang="zh-CN" sz="1400" b="0" dirty="0"/>
+                  <a:t>    </a:t>
+                </a:r>
+                <a14:m>
+                  <m:oMath xmlns:m="http://schemas.openxmlformats.org/officeDocument/2006/math">
+                    <m:r>
+                      <a:rPr lang="en-US" altLang="zh-CN" sz="1400" b="0" i="1" smtClean="0">
+                        <a:latin typeface="Cambria Math" panose="02040503050406030204" pitchFamily="18" charset="0"/>
+                      </a:rPr>
+                      <m:t>𝐶</m:t>
+                    </m:r>
+                  </m:oMath>
+                </a14:m>
+                <a:r>
+                  <a:rPr lang="zh-CN" altLang="en-US" sz="1400" dirty="0"/>
+                  <a:t>        </a:t>
+                </a:r>
+                <a:r>
+                  <a:rPr lang="ja-JP" altLang="en-US" sz="1400" dirty="0"/>
+                  <a:t>定数項</a:t>
+                </a:r>
+                <a:endParaRPr lang="zh-CN" altLang="en-US" sz="1400" dirty="0"/>
+              </a:p>
+            </p:txBody>
+          </p:sp>
+        </mc:Choice>
+        <mc:Fallback>
+          <p:sp>
+            <p:nvSpPr>
+              <p:cNvPr id="5" name="文本框 4">
+                <a:extLst>
+                  <a:ext uri="{FF2B5EF4-FFF2-40B4-BE49-F238E27FC236}">
+                    <a16:creationId xmlns:a16="http://schemas.microsoft.com/office/drawing/2014/main" id="{AE66AB34-A4EE-F82B-078F-792A7A6DEA8A}"/>
+                  </a:ext>
+                </a:extLst>
+              </p:cNvPr>
+              <p:cNvSpPr txBox="1">
+                <a:spLocks noRot="1" noChangeAspect="1" noMove="1" noResize="1" noEditPoints="1" noAdjustHandles="1" noChangeArrowheads="1" noChangeShapeType="1" noTextEdit="1"/>
+              </p:cNvSpPr>
+              <p:nvPr/>
+            </p:nvSpPr>
+            <p:spPr>
+              <a:xfrm>
+                <a:off x="7590716" y="3288110"/>
+                <a:ext cx="4576959" cy="755976"/>
+              </a:xfrm>
+              <a:prstGeom prst="rect">
+                <a:avLst/>
+              </a:prstGeom>
+              <a:blipFill>
+                <a:blip r:embed="rId3"/>
+                <a:stretch>
+                  <a:fillRect b="-7143"/>
+                </a:stretch>
+              </a:blipFill>
+              <a:ln>
+                <a:solidFill>
+                  <a:schemeClr val="tx1"/>
+                </a:solidFill>
+              </a:ln>
+            </p:spPr>
+            <p:txBody>
+              <a:bodyPr/>
+              <a:lstStyle/>
+              <a:p>
+                <a:r>
+                  <a:rPr lang="zh-CN" altLang="en-US">
+                    <a:noFill/>
+                  </a:rPr>
+                  <a:t> </a:t>
+                </a:r>
+              </a:p>
+            </p:txBody>
+          </p:sp>
+        </mc:Fallback>
+      </mc:AlternateContent>
+    </p:spTree>
+    <p:extLst>
+      <p:ext uri="{BB962C8B-B14F-4D97-AF65-F5344CB8AC3E}">
+        <p14:creationId xmlns:p14="http://schemas.microsoft.com/office/powerpoint/2010/main" val="2728138377"/>
+      </p:ext>
+    </p:extLst>
+  </p:cSld>
+  <p:clrMapOvr>
+    <a:masterClrMapping/>
+  </p:clrMapOvr>
+</p:sld>
+</file>
+
+<file path=ppt/slides/slide4.xml><?xml version="1.0" encoding="utf-8"?>
+<p:sld xmlns:a="http://schemas.openxmlformats.org/drawingml/2006/main" xmlns:r="http://schemas.openxmlformats.org/officeDocument/2006/relationships" xmlns:p="http://schemas.openxmlformats.org/presentationml/2006/main">
+  <p:cSld>
+    <p:spTree>
+      <p:nvGrpSpPr>
+        <p:cNvPr id="1" name=""/>
+        <p:cNvGrpSpPr/>
+        <p:nvPr/>
+      </p:nvGrpSpPr>
+      <p:grpSpPr>
+        <a:xfrm>
+          <a:off x="0" y="0"/>
+          <a:ext cx="0" cy="0"/>
+          <a:chOff x="0" y="0"/>
+          <a:chExt cx="0" cy="0"/>
+        </a:xfrm>
+      </p:grpSpPr>
+      <p:sp>
+        <p:nvSpPr>
+          <p:cNvPr id="2" name="文本框 1">
+            <a:extLst>
+              <a:ext uri="{FF2B5EF4-FFF2-40B4-BE49-F238E27FC236}">
+                <a16:creationId xmlns:a16="http://schemas.microsoft.com/office/drawing/2014/main" id="{D69CDDDF-2E93-AD40-6D62-0DF626A8F71F}"/>
+              </a:ext>
+            </a:extLst>
+          </p:cNvPr>
+          <p:cNvSpPr txBox="1"/>
+          <p:nvPr/>
+        </p:nvSpPr>
+        <p:spPr>
+          <a:xfrm>
+            <a:off x="301086" y="241382"/>
+            <a:ext cx="7236276" cy="584775"/>
+          </a:xfrm>
+          <a:prstGeom prst="rect">
+            <a:avLst/>
+          </a:prstGeom>
+          <a:noFill/>
+        </p:spPr>
+        <p:txBody>
+          <a:bodyPr wrap="none" rtlCol="0">
+            <a:spAutoFit/>
+          </a:bodyPr>
+          <a:lstStyle/>
+          <a:p>
+            <a:r>
+              <a:rPr lang="en-US" altLang="ja-JP" sz="3200" b="1" dirty="0"/>
+              <a:t>TSP</a:t>
+            </a:r>
+            <a:r>
+              <a:rPr lang="ja-JP" altLang="en-US" sz="3200" b="1" dirty="0"/>
+              <a:t>問題　と　</a:t>
+            </a:r>
+            <a:r>
+              <a:rPr lang="en-US" altLang="ja-JP" sz="3200" b="1" dirty="0"/>
+              <a:t>TSP</a:t>
+            </a:r>
+            <a:r>
+              <a:rPr lang="ja-JP" altLang="en-US" sz="3200" b="1" dirty="0"/>
+              <a:t>問題の</a:t>
+            </a:r>
+            <a:r>
+              <a:rPr lang="en-US" altLang="ja-JP" sz="3200" b="1" dirty="0"/>
+              <a:t>QUBO</a:t>
+            </a:r>
+            <a:r>
+              <a:rPr lang="ja-JP" altLang="en-US" sz="3200" b="1" dirty="0"/>
+              <a:t>モデル</a:t>
+            </a:r>
+            <a:endParaRPr lang="zh-CN" altLang="en-US" sz="3200" b="1" dirty="0"/>
+          </a:p>
+        </p:txBody>
+      </p:sp>
+      <p:sp>
+        <p:nvSpPr>
+          <p:cNvPr id="3" name="矩形: 圆角 2">
+            <a:extLst>
+              <a:ext uri="{FF2B5EF4-FFF2-40B4-BE49-F238E27FC236}">
+                <a16:creationId xmlns:a16="http://schemas.microsoft.com/office/drawing/2014/main" id="{2CBA0A6C-80CA-A3CE-AAAD-A62116F6E5C9}"/>
+              </a:ext>
+            </a:extLst>
+          </p:cNvPr>
+          <p:cNvSpPr/>
+          <p:nvPr/>
+        </p:nvSpPr>
+        <p:spPr>
+          <a:xfrm>
+            <a:off x="337127" y="964765"/>
+            <a:ext cx="11517745" cy="72000"/>
+          </a:xfrm>
+          <a:prstGeom prst="roundRect">
+            <a:avLst/>
+          </a:prstGeom>
+        </p:spPr>
+        <p:style>
+          <a:lnRef idx="2">
+            <a:schemeClr val="accent1">
+              <a:shade val="15000"/>
+            </a:schemeClr>
+          </a:lnRef>
+          <a:fillRef idx="1">
+            <a:schemeClr val="accent1"/>
+          </a:fillRef>
+          <a:effectRef idx="0">
+            <a:schemeClr val="accent1"/>
+          </a:effectRef>
+          <a:fontRef idx="minor">
+            <a:schemeClr val="lt1"/>
+          </a:fontRef>
+        </p:style>
+        <p:txBody>
+          <a:bodyPr rtlCol="0" anchor="ctr"/>
+          <a:lstStyle/>
+          <a:p>
+            <a:pPr algn="ctr"/>
+            <a:endParaRPr lang="zh-CN" altLang="en-US"/>
+          </a:p>
+        </p:txBody>
+      </p:sp>
+      <p:sp>
+        <p:nvSpPr>
+          <p:cNvPr id="5" name="文本框 4">
+            <a:extLst>
+              <a:ext uri="{FF2B5EF4-FFF2-40B4-BE49-F238E27FC236}">
+                <a16:creationId xmlns:a16="http://schemas.microsoft.com/office/drawing/2014/main" id="{CB47FB24-F3A2-94B3-CAC2-6E0F4AB32723}"/>
+              </a:ext>
+            </a:extLst>
+          </p:cNvPr>
+          <p:cNvSpPr txBox="1"/>
+          <p:nvPr/>
+        </p:nvSpPr>
+        <p:spPr>
+          <a:xfrm>
+            <a:off x="337127" y="1288723"/>
+            <a:ext cx="6096000" cy="1600438"/>
+          </a:xfrm>
+          <a:prstGeom prst="rect">
+            <a:avLst/>
+          </a:prstGeom>
+          <a:noFill/>
+        </p:spPr>
+        <p:txBody>
+          <a:bodyPr wrap="square">
+            <a:spAutoFit/>
+          </a:bodyPr>
+          <a:lstStyle/>
+          <a:p>
+            <a:r>
+              <a:rPr lang="en-US" altLang="ja-JP" sz="1400" b="1" dirty="0"/>
+              <a:t>TSP</a:t>
+            </a:r>
+            <a:r>
+              <a:rPr lang="ja-JP" altLang="en-US" sz="1400" b="1" dirty="0"/>
+              <a:t>（巡回セールスマン）問題</a:t>
+            </a:r>
+            <a:endParaRPr lang="en-US" altLang="ja-JP" sz="1400" b="1" dirty="0"/>
+          </a:p>
+          <a:p>
+            <a:endParaRPr lang="en-US" altLang="zh-CN" sz="1200" dirty="0"/>
+          </a:p>
+          <a:p>
+            <a:r>
+              <a:rPr lang="ja-JP" altLang="en-US" sz="1200" dirty="0"/>
+              <a:t>都市の座標あるいは距離行列が与えられたとき、全ての都市をちょうど一度ずつ巡り出発地に戻る巡回路のうちで総移動距離が最小のものを求める組合せ最適化問題である</a:t>
+            </a:r>
+            <a:endParaRPr lang="en-US" altLang="ja-JP" sz="1200" dirty="0"/>
+          </a:p>
+          <a:p>
+            <a:endParaRPr lang="en-US" altLang="zh-CN" sz="1200" dirty="0"/>
+          </a:p>
+          <a:p>
+            <a:r>
+              <a:rPr lang="ja-JP" altLang="en-US" sz="1200" dirty="0"/>
+              <a:t>例えば：</a:t>
+            </a:r>
+            <a:endParaRPr lang="en-US" altLang="ja-JP" sz="1200" dirty="0"/>
+          </a:p>
+          <a:p>
+            <a:r>
+              <a:rPr lang="ja-JP" altLang="en-US" sz="1200" dirty="0"/>
+              <a:t>都市五つあるインスタンス</a:t>
+            </a:r>
+            <a:endParaRPr lang="zh-CN" altLang="en-US" sz="1200" dirty="0"/>
+          </a:p>
+        </p:txBody>
+      </p:sp>
+      <p:grpSp>
+        <p:nvGrpSpPr>
+          <p:cNvPr id="40" name="组合 39">
+            <a:extLst>
+              <a:ext uri="{FF2B5EF4-FFF2-40B4-BE49-F238E27FC236}">
+                <a16:creationId xmlns:a16="http://schemas.microsoft.com/office/drawing/2014/main" id="{B57B5B29-23E2-B946-EE9F-A2AA252FF10D}"/>
+              </a:ext>
+            </a:extLst>
+          </p:cNvPr>
+          <p:cNvGrpSpPr/>
+          <p:nvPr/>
+        </p:nvGrpSpPr>
+        <p:grpSpPr>
+          <a:xfrm>
+            <a:off x="369647" y="3384223"/>
+            <a:ext cx="1907308" cy="1565640"/>
+            <a:chOff x="886691" y="3441643"/>
+            <a:chExt cx="1907308" cy="1565640"/>
+          </a:xfrm>
+        </p:grpSpPr>
+        <p:sp>
+          <p:nvSpPr>
+            <p:cNvPr id="6" name="椭圆 5">
+              <a:extLst>
+                <a:ext uri="{FF2B5EF4-FFF2-40B4-BE49-F238E27FC236}">
+                  <a16:creationId xmlns:a16="http://schemas.microsoft.com/office/drawing/2014/main" id="{64D1AA90-36E0-87C4-8739-996871451C3E}"/>
+                </a:ext>
+              </a:extLst>
+            </p:cNvPr>
+            <p:cNvSpPr/>
+            <p:nvPr/>
+          </p:nvSpPr>
+          <p:spPr>
+            <a:xfrm>
+              <a:off x="1200727" y="3441643"/>
+              <a:ext cx="314036" cy="314036"/>
+            </a:xfrm>
+            <a:prstGeom prst="ellipse">
+              <a:avLst/>
+            </a:prstGeom>
+          </p:spPr>
+          <p:style>
+            <a:lnRef idx="2">
+              <a:schemeClr val="accent1">
+                <a:shade val="15000"/>
+              </a:schemeClr>
+            </a:lnRef>
+            <a:fillRef idx="1">
+              <a:schemeClr val="accent1"/>
+            </a:fillRef>
+            <a:effectRef idx="0">
+              <a:schemeClr val="accent1"/>
+            </a:effectRef>
+            <a:fontRef idx="minor">
+              <a:schemeClr val="lt1"/>
+            </a:fontRef>
+          </p:style>
+          <p:txBody>
+            <a:bodyPr rtlCol="0" anchor="ctr"/>
+            <a:lstStyle/>
+            <a:p>
+              <a:pPr algn="ctr"/>
+              <a:r>
+                <a:rPr lang="en-US" altLang="zh-CN" dirty="0"/>
+                <a:t>1</a:t>
+              </a:r>
+              <a:endParaRPr lang="zh-CN" altLang="en-US" dirty="0"/>
+            </a:p>
+          </p:txBody>
+        </p:sp>
+        <p:sp>
+          <p:nvSpPr>
+            <p:cNvPr id="7" name="椭圆 6">
+              <a:extLst>
+                <a:ext uri="{FF2B5EF4-FFF2-40B4-BE49-F238E27FC236}">
+                  <a16:creationId xmlns:a16="http://schemas.microsoft.com/office/drawing/2014/main" id="{482A8727-29C0-28D9-7840-DE11760165D2}"/>
+                </a:ext>
+              </a:extLst>
+            </p:cNvPr>
+            <p:cNvSpPr/>
+            <p:nvPr/>
+          </p:nvSpPr>
+          <p:spPr>
+            <a:xfrm>
+              <a:off x="1311755" y="4693247"/>
+              <a:ext cx="314036" cy="314036"/>
+            </a:xfrm>
+            <a:prstGeom prst="ellipse">
+              <a:avLst/>
+            </a:prstGeom>
+          </p:spPr>
+          <p:style>
+            <a:lnRef idx="2">
+              <a:schemeClr val="accent1">
+                <a:shade val="15000"/>
+              </a:schemeClr>
+            </a:lnRef>
+            <a:fillRef idx="1">
+              <a:schemeClr val="accent1"/>
+            </a:fillRef>
+            <a:effectRef idx="0">
+              <a:schemeClr val="accent1"/>
+            </a:effectRef>
+            <a:fontRef idx="minor">
+              <a:schemeClr val="lt1"/>
+            </a:fontRef>
+          </p:style>
+          <p:txBody>
+            <a:bodyPr rtlCol="0" anchor="ctr"/>
+            <a:lstStyle/>
+            <a:p>
+              <a:pPr algn="ctr"/>
+              <a:r>
+                <a:rPr lang="en-US" altLang="zh-CN" dirty="0"/>
+                <a:t>4</a:t>
+              </a:r>
+              <a:endParaRPr lang="zh-CN" altLang="en-US" dirty="0"/>
+            </a:p>
+          </p:txBody>
+        </p:sp>
+        <p:sp>
+          <p:nvSpPr>
+            <p:cNvPr id="8" name="椭圆 7">
+              <a:extLst>
+                <a:ext uri="{FF2B5EF4-FFF2-40B4-BE49-F238E27FC236}">
+                  <a16:creationId xmlns:a16="http://schemas.microsoft.com/office/drawing/2014/main" id="{8B47CD72-B47A-4AC2-BFB8-A892941C29C6}"/>
+                </a:ext>
+              </a:extLst>
+            </p:cNvPr>
+            <p:cNvSpPr/>
+            <p:nvPr/>
+          </p:nvSpPr>
+          <p:spPr>
+            <a:xfrm>
+              <a:off x="2211917" y="3552671"/>
+              <a:ext cx="314036" cy="314036"/>
+            </a:xfrm>
+            <a:prstGeom prst="ellipse">
+              <a:avLst/>
+            </a:prstGeom>
+          </p:spPr>
+          <p:style>
+            <a:lnRef idx="2">
+              <a:schemeClr val="accent1">
+                <a:shade val="15000"/>
+              </a:schemeClr>
+            </a:lnRef>
+            <a:fillRef idx="1">
+              <a:schemeClr val="accent1"/>
+            </a:fillRef>
+            <a:effectRef idx="0">
+              <a:schemeClr val="accent1"/>
+            </a:effectRef>
+            <a:fontRef idx="minor">
+              <a:schemeClr val="lt1"/>
+            </a:fontRef>
+          </p:style>
+          <p:txBody>
+            <a:bodyPr rtlCol="0" anchor="ctr"/>
+            <a:lstStyle/>
+            <a:p>
+              <a:pPr algn="ctr"/>
+              <a:r>
+                <a:rPr lang="en-US" altLang="zh-CN" dirty="0"/>
+                <a:t>2</a:t>
+              </a:r>
+              <a:endParaRPr lang="zh-CN" altLang="en-US" dirty="0"/>
+            </a:p>
+          </p:txBody>
+        </p:sp>
+        <p:sp>
+          <p:nvSpPr>
+            <p:cNvPr id="9" name="椭圆 8">
+              <a:extLst>
+                <a:ext uri="{FF2B5EF4-FFF2-40B4-BE49-F238E27FC236}">
+                  <a16:creationId xmlns:a16="http://schemas.microsoft.com/office/drawing/2014/main" id="{39E274DE-F323-B2A7-F58E-51900B84785D}"/>
+                </a:ext>
+              </a:extLst>
+            </p:cNvPr>
+            <p:cNvSpPr/>
+            <p:nvPr/>
+          </p:nvSpPr>
+          <p:spPr>
+            <a:xfrm>
+              <a:off x="2479963" y="4582219"/>
+              <a:ext cx="314036" cy="314036"/>
+            </a:xfrm>
+            <a:prstGeom prst="ellipse">
+              <a:avLst/>
+            </a:prstGeom>
+          </p:spPr>
+          <p:style>
+            <a:lnRef idx="2">
+              <a:schemeClr val="accent1">
+                <a:shade val="15000"/>
+              </a:schemeClr>
+            </a:lnRef>
+            <a:fillRef idx="1">
+              <a:schemeClr val="accent1"/>
+            </a:fillRef>
+            <a:effectRef idx="0">
+              <a:schemeClr val="accent1"/>
+            </a:effectRef>
+            <a:fontRef idx="minor">
+              <a:schemeClr val="lt1"/>
+            </a:fontRef>
+          </p:style>
+          <p:txBody>
+            <a:bodyPr rtlCol="0" anchor="ctr"/>
+            <a:lstStyle/>
+            <a:p>
+              <a:pPr algn="ctr"/>
+              <a:r>
+                <a:rPr lang="en-US" altLang="zh-CN" dirty="0"/>
+                <a:t>3</a:t>
+              </a:r>
+              <a:endParaRPr lang="zh-CN" altLang="en-US" dirty="0"/>
+            </a:p>
+          </p:txBody>
+        </p:sp>
+        <p:sp>
+          <p:nvSpPr>
+            <p:cNvPr id="10" name="椭圆 9">
+              <a:extLst>
+                <a:ext uri="{FF2B5EF4-FFF2-40B4-BE49-F238E27FC236}">
+                  <a16:creationId xmlns:a16="http://schemas.microsoft.com/office/drawing/2014/main" id="{87C15A4E-375D-194F-7DCD-80D22F7109A9}"/>
+                </a:ext>
+              </a:extLst>
+            </p:cNvPr>
+            <p:cNvSpPr/>
+            <p:nvPr/>
+          </p:nvSpPr>
+          <p:spPr>
+            <a:xfrm>
+              <a:off x="886691" y="4136680"/>
+              <a:ext cx="314036" cy="314036"/>
+            </a:xfrm>
+            <a:prstGeom prst="ellipse">
+              <a:avLst/>
+            </a:prstGeom>
+          </p:spPr>
+          <p:style>
+            <a:lnRef idx="2">
+              <a:schemeClr val="accent1">
+                <a:shade val="15000"/>
+              </a:schemeClr>
+            </a:lnRef>
+            <a:fillRef idx="1">
+              <a:schemeClr val="accent1"/>
+            </a:fillRef>
+            <a:effectRef idx="0">
+              <a:schemeClr val="accent1"/>
+            </a:effectRef>
+            <a:fontRef idx="minor">
+              <a:schemeClr val="lt1"/>
+            </a:fontRef>
+          </p:style>
+          <p:txBody>
+            <a:bodyPr rtlCol="0" anchor="ctr"/>
+            <a:lstStyle/>
+            <a:p>
+              <a:pPr algn="ctr"/>
+              <a:r>
+                <a:rPr lang="en-US" altLang="zh-CN" dirty="0"/>
+                <a:t>5</a:t>
+              </a:r>
+              <a:endParaRPr lang="zh-CN" altLang="en-US" dirty="0"/>
+            </a:p>
+          </p:txBody>
+        </p:sp>
+        <p:cxnSp>
+          <p:nvCxnSpPr>
+            <p:cNvPr id="12" name="直接连接符 11">
+              <a:extLst>
+                <a:ext uri="{FF2B5EF4-FFF2-40B4-BE49-F238E27FC236}">
+                  <a16:creationId xmlns:a16="http://schemas.microsoft.com/office/drawing/2014/main" id="{B47BDA11-5CBE-717B-E0AD-B18D88AAA427}"/>
+                </a:ext>
+              </a:extLst>
+            </p:cNvPr>
+            <p:cNvCxnSpPr>
+              <a:cxnSpLocks/>
+              <a:stCxn id="6" idx="5"/>
+              <a:endCxn id="8" idx="3"/>
+            </p:cNvCxnSpPr>
+            <p:nvPr/>
+          </p:nvCxnSpPr>
+          <p:spPr>
+            <a:xfrm>
+              <a:off x="1468773" y="3709689"/>
+              <a:ext cx="789134" cy="111028"/>
+            </a:xfrm>
+            <a:prstGeom prst="line">
+              <a:avLst/>
+            </a:prstGeom>
+          </p:spPr>
+          <p:style>
+            <a:lnRef idx="2">
+              <a:schemeClr val="accent1"/>
+            </a:lnRef>
+            <a:fillRef idx="0">
+              <a:schemeClr val="accent1"/>
+            </a:fillRef>
+            <a:effectRef idx="1">
+              <a:schemeClr val="accent1"/>
+            </a:effectRef>
+            <a:fontRef idx="minor">
+              <a:schemeClr val="tx1"/>
+            </a:fontRef>
+          </p:style>
+        </p:cxnSp>
+        <p:cxnSp>
+          <p:nvCxnSpPr>
+            <p:cNvPr id="14" name="直接连接符 13">
+              <a:extLst>
+                <a:ext uri="{FF2B5EF4-FFF2-40B4-BE49-F238E27FC236}">
+                  <a16:creationId xmlns:a16="http://schemas.microsoft.com/office/drawing/2014/main" id="{44CF5373-C683-4918-394A-92F796FC82D6}"/>
+                </a:ext>
+              </a:extLst>
+            </p:cNvPr>
+            <p:cNvCxnSpPr>
+              <a:stCxn id="6" idx="5"/>
+              <a:endCxn id="9" idx="1"/>
+            </p:cNvCxnSpPr>
+            <p:nvPr/>
+          </p:nvCxnSpPr>
+          <p:spPr>
+            <a:xfrm>
+              <a:off x="1468773" y="3709689"/>
+              <a:ext cx="1057180" cy="918520"/>
+            </a:xfrm>
+            <a:prstGeom prst="line">
+              <a:avLst/>
+            </a:prstGeom>
+          </p:spPr>
+          <p:style>
+            <a:lnRef idx="2">
+              <a:schemeClr val="accent1"/>
+            </a:lnRef>
+            <a:fillRef idx="0">
+              <a:schemeClr val="accent1"/>
+            </a:fillRef>
+            <a:effectRef idx="1">
+              <a:schemeClr val="accent1"/>
+            </a:effectRef>
+            <a:fontRef idx="minor">
+              <a:schemeClr val="tx1"/>
+            </a:fontRef>
+          </p:style>
+        </p:cxnSp>
+        <p:cxnSp>
+          <p:nvCxnSpPr>
+            <p:cNvPr id="16" name="直接连接符 15">
+              <a:extLst>
+                <a:ext uri="{FF2B5EF4-FFF2-40B4-BE49-F238E27FC236}">
+                  <a16:creationId xmlns:a16="http://schemas.microsoft.com/office/drawing/2014/main" id="{649554B6-01EA-B359-3764-89EBC664068B}"/>
+                </a:ext>
+              </a:extLst>
+            </p:cNvPr>
+            <p:cNvCxnSpPr>
+              <a:stCxn id="6" idx="5"/>
+              <a:endCxn id="7" idx="0"/>
+            </p:cNvCxnSpPr>
+            <p:nvPr/>
+          </p:nvCxnSpPr>
+          <p:spPr>
+            <a:xfrm>
+              <a:off x="1468773" y="3709689"/>
+              <a:ext cx="0" cy="983558"/>
+            </a:xfrm>
+            <a:prstGeom prst="line">
+              <a:avLst/>
+            </a:prstGeom>
+          </p:spPr>
+          <p:style>
+            <a:lnRef idx="2">
+              <a:schemeClr val="accent1"/>
+            </a:lnRef>
+            <a:fillRef idx="0">
+              <a:schemeClr val="accent1"/>
+            </a:fillRef>
+            <a:effectRef idx="1">
+              <a:schemeClr val="accent1"/>
+            </a:effectRef>
+            <a:fontRef idx="minor">
+              <a:schemeClr val="tx1"/>
+            </a:fontRef>
+          </p:style>
+        </p:cxnSp>
+        <p:cxnSp>
+          <p:nvCxnSpPr>
+            <p:cNvPr id="18" name="直接连接符 17">
+              <a:extLst>
+                <a:ext uri="{FF2B5EF4-FFF2-40B4-BE49-F238E27FC236}">
+                  <a16:creationId xmlns:a16="http://schemas.microsoft.com/office/drawing/2014/main" id="{B346E459-B86E-E93B-C5E0-9C3F5DD129E7}"/>
+                </a:ext>
+              </a:extLst>
+            </p:cNvPr>
+            <p:cNvCxnSpPr>
+              <a:stCxn id="6" idx="5"/>
+              <a:endCxn id="10" idx="7"/>
+            </p:cNvCxnSpPr>
+            <p:nvPr/>
+          </p:nvCxnSpPr>
+          <p:spPr>
+            <a:xfrm flipH="1">
+              <a:off x="1154737" y="3709689"/>
+              <a:ext cx="314036" cy="472981"/>
+            </a:xfrm>
+            <a:prstGeom prst="line">
+              <a:avLst/>
+            </a:prstGeom>
+          </p:spPr>
+          <p:style>
+            <a:lnRef idx="2">
+              <a:schemeClr val="accent1"/>
+            </a:lnRef>
+            <a:fillRef idx="0">
+              <a:schemeClr val="accent1"/>
+            </a:fillRef>
+            <a:effectRef idx="1">
+              <a:schemeClr val="accent1"/>
+            </a:effectRef>
+            <a:fontRef idx="minor">
+              <a:schemeClr val="tx1"/>
+            </a:fontRef>
+          </p:style>
+        </p:cxnSp>
+        <p:cxnSp>
+          <p:nvCxnSpPr>
+            <p:cNvPr id="24" name="直接连接符 23">
+              <a:extLst>
+                <a:ext uri="{FF2B5EF4-FFF2-40B4-BE49-F238E27FC236}">
+                  <a16:creationId xmlns:a16="http://schemas.microsoft.com/office/drawing/2014/main" id="{0921A5BF-3A5B-6296-4D4A-115E6851A6AC}"/>
+                </a:ext>
+              </a:extLst>
+            </p:cNvPr>
+            <p:cNvCxnSpPr>
+              <a:stCxn id="8" idx="3"/>
+              <a:endCxn id="9" idx="1"/>
+            </p:cNvCxnSpPr>
+            <p:nvPr/>
+          </p:nvCxnSpPr>
+          <p:spPr>
+            <a:xfrm>
+              <a:off x="2257907" y="3820717"/>
+              <a:ext cx="268046" cy="807492"/>
+            </a:xfrm>
+            <a:prstGeom prst="line">
+              <a:avLst/>
+            </a:prstGeom>
+          </p:spPr>
+          <p:style>
+            <a:lnRef idx="2">
+              <a:schemeClr val="accent1"/>
+            </a:lnRef>
+            <a:fillRef idx="0">
+              <a:schemeClr val="accent1"/>
+            </a:fillRef>
+            <a:effectRef idx="1">
+              <a:schemeClr val="accent1"/>
+            </a:effectRef>
+            <a:fontRef idx="minor">
+              <a:schemeClr val="tx1"/>
+            </a:fontRef>
+          </p:style>
+        </p:cxnSp>
+        <p:cxnSp>
+          <p:nvCxnSpPr>
+            <p:cNvPr id="26" name="直接连接符 25">
+              <a:extLst>
+                <a:ext uri="{FF2B5EF4-FFF2-40B4-BE49-F238E27FC236}">
+                  <a16:creationId xmlns:a16="http://schemas.microsoft.com/office/drawing/2014/main" id="{C8D296AF-AC53-CDB3-6740-85EF26A65392}"/>
+                </a:ext>
+              </a:extLst>
+            </p:cNvPr>
+            <p:cNvCxnSpPr>
+              <a:stCxn id="8" idx="3"/>
+              <a:endCxn id="7" idx="0"/>
+            </p:cNvCxnSpPr>
+            <p:nvPr/>
+          </p:nvCxnSpPr>
+          <p:spPr>
+            <a:xfrm flipH="1">
+              <a:off x="1468773" y="3820717"/>
+              <a:ext cx="789134" cy="872530"/>
+            </a:xfrm>
+            <a:prstGeom prst="line">
+              <a:avLst/>
+            </a:prstGeom>
+          </p:spPr>
+          <p:style>
+            <a:lnRef idx="2">
+              <a:schemeClr val="accent1"/>
+            </a:lnRef>
+            <a:fillRef idx="0">
+              <a:schemeClr val="accent1"/>
+            </a:fillRef>
+            <a:effectRef idx="1">
+              <a:schemeClr val="accent1"/>
+            </a:effectRef>
+            <a:fontRef idx="minor">
+              <a:schemeClr val="tx1"/>
+            </a:fontRef>
+          </p:style>
+        </p:cxnSp>
+        <p:cxnSp>
+          <p:nvCxnSpPr>
+            <p:cNvPr id="28" name="直接连接符 27">
+              <a:extLst>
+                <a:ext uri="{FF2B5EF4-FFF2-40B4-BE49-F238E27FC236}">
+                  <a16:creationId xmlns:a16="http://schemas.microsoft.com/office/drawing/2014/main" id="{90206048-AFF3-2D8B-BD58-EEF29E38C036}"/>
+                </a:ext>
+              </a:extLst>
+            </p:cNvPr>
+            <p:cNvCxnSpPr>
+              <a:stCxn id="8" idx="3"/>
+              <a:endCxn id="10" idx="7"/>
+            </p:cNvCxnSpPr>
+            <p:nvPr/>
+          </p:nvCxnSpPr>
+          <p:spPr>
+            <a:xfrm flipH="1">
+              <a:off x="1154737" y="3820717"/>
+              <a:ext cx="1103170" cy="361953"/>
+            </a:xfrm>
+            <a:prstGeom prst="line">
+              <a:avLst/>
+            </a:prstGeom>
+          </p:spPr>
+          <p:style>
+            <a:lnRef idx="2">
+              <a:schemeClr val="accent1"/>
+            </a:lnRef>
+            <a:fillRef idx="0">
+              <a:schemeClr val="accent1"/>
+            </a:fillRef>
+            <a:effectRef idx="1">
+              <a:schemeClr val="accent1"/>
+            </a:effectRef>
+            <a:fontRef idx="minor">
+              <a:schemeClr val="tx1"/>
+            </a:fontRef>
+          </p:style>
+        </p:cxnSp>
+        <p:cxnSp>
+          <p:nvCxnSpPr>
+            <p:cNvPr id="32" name="直接连接符 31">
+              <a:extLst>
+                <a:ext uri="{FF2B5EF4-FFF2-40B4-BE49-F238E27FC236}">
+                  <a16:creationId xmlns:a16="http://schemas.microsoft.com/office/drawing/2014/main" id="{C9D22825-7F02-92F3-B8CC-5A1AEF1ECA9C}"/>
+                </a:ext>
+              </a:extLst>
+            </p:cNvPr>
+            <p:cNvCxnSpPr>
+              <a:stCxn id="9" idx="1"/>
+              <a:endCxn id="7" idx="0"/>
+            </p:cNvCxnSpPr>
+            <p:nvPr/>
+          </p:nvCxnSpPr>
+          <p:spPr>
+            <a:xfrm flipH="1">
+              <a:off x="1468773" y="4628209"/>
+              <a:ext cx="1057180" cy="65038"/>
+            </a:xfrm>
+            <a:prstGeom prst="line">
+              <a:avLst/>
+            </a:prstGeom>
+          </p:spPr>
+          <p:style>
+            <a:lnRef idx="2">
+              <a:schemeClr val="accent1"/>
+            </a:lnRef>
+            <a:fillRef idx="0">
+              <a:schemeClr val="accent1"/>
+            </a:fillRef>
+            <a:effectRef idx="1">
+              <a:schemeClr val="accent1"/>
+            </a:effectRef>
+            <a:fontRef idx="minor">
+              <a:schemeClr val="tx1"/>
+            </a:fontRef>
+          </p:style>
+        </p:cxnSp>
+        <p:cxnSp>
+          <p:nvCxnSpPr>
+            <p:cNvPr id="34" name="直接连接符 33">
+              <a:extLst>
+                <a:ext uri="{FF2B5EF4-FFF2-40B4-BE49-F238E27FC236}">
+                  <a16:creationId xmlns:a16="http://schemas.microsoft.com/office/drawing/2014/main" id="{82D7C04A-BE7F-0934-5436-DBA1A11E82F4}"/>
+                </a:ext>
+              </a:extLst>
+            </p:cNvPr>
+            <p:cNvCxnSpPr>
+              <a:stCxn id="9" idx="1"/>
+              <a:endCxn id="10" idx="7"/>
+            </p:cNvCxnSpPr>
+            <p:nvPr/>
+          </p:nvCxnSpPr>
+          <p:spPr>
+            <a:xfrm flipH="1" flipV="1">
+              <a:off x="1154737" y="4182670"/>
+              <a:ext cx="1371216" cy="445539"/>
+            </a:xfrm>
+            <a:prstGeom prst="line">
+              <a:avLst/>
+            </a:prstGeom>
+          </p:spPr>
+          <p:style>
+            <a:lnRef idx="2">
+              <a:schemeClr val="accent1"/>
+            </a:lnRef>
+            <a:fillRef idx="0">
+              <a:schemeClr val="accent1"/>
+            </a:fillRef>
+            <a:effectRef idx="1">
+              <a:schemeClr val="accent1"/>
+            </a:effectRef>
+            <a:fontRef idx="minor">
+              <a:schemeClr val="tx1"/>
+            </a:fontRef>
+          </p:style>
+        </p:cxnSp>
+        <p:cxnSp>
+          <p:nvCxnSpPr>
+            <p:cNvPr id="39" name="直接连接符 38">
+              <a:extLst>
+                <a:ext uri="{FF2B5EF4-FFF2-40B4-BE49-F238E27FC236}">
+                  <a16:creationId xmlns:a16="http://schemas.microsoft.com/office/drawing/2014/main" id="{0D0B1F19-5377-97E9-8D33-4EDA350746A4}"/>
+                </a:ext>
+              </a:extLst>
+            </p:cNvPr>
+            <p:cNvCxnSpPr>
+              <a:stCxn id="7" idx="0"/>
+              <a:endCxn id="10" idx="7"/>
+            </p:cNvCxnSpPr>
+            <p:nvPr/>
+          </p:nvCxnSpPr>
+          <p:spPr>
+            <a:xfrm flipH="1" flipV="1">
+              <a:off x="1154737" y="4182670"/>
+              <a:ext cx="314036" cy="510577"/>
+            </a:xfrm>
+            <a:prstGeom prst="line">
+              <a:avLst/>
+            </a:prstGeom>
+          </p:spPr>
+          <p:style>
+            <a:lnRef idx="2">
+              <a:schemeClr val="accent1"/>
+            </a:lnRef>
+            <a:fillRef idx="0">
+              <a:schemeClr val="accent1"/>
+            </a:fillRef>
+            <a:effectRef idx="1">
+              <a:schemeClr val="accent1"/>
+            </a:effectRef>
+            <a:fontRef idx="minor">
+              <a:schemeClr val="tx1"/>
+            </a:fontRef>
+          </p:style>
+        </p:cxnSp>
+      </p:grpSp>
+      <p:grpSp>
+        <p:nvGrpSpPr>
+          <p:cNvPr id="41" name="组合 40">
+            <a:extLst>
+              <a:ext uri="{FF2B5EF4-FFF2-40B4-BE49-F238E27FC236}">
+                <a16:creationId xmlns:a16="http://schemas.microsoft.com/office/drawing/2014/main" id="{12196CC9-D325-7E8B-CCD2-7623477C5E50}"/>
+              </a:ext>
+            </a:extLst>
+          </p:cNvPr>
+          <p:cNvGrpSpPr/>
+          <p:nvPr/>
+        </p:nvGrpSpPr>
+        <p:grpSpPr>
+          <a:xfrm>
+            <a:off x="3131127" y="3384223"/>
+            <a:ext cx="1907308" cy="1565640"/>
+            <a:chOff x="886691" y="3441643"/>
+            <a:chExt cx="1907308" cy="1565640"/>
+          </a:xfrm>
+        </p:grpSpPr>
+        <p:sp>
+          <p:nvSpPr>
+            <p:cNvPr id="42" name="椭圆 41">
+              <a:extLst>
+                <a:ext uri="{FF2B5EF4-FFF2-40B4-BE49-F238E27FC236}">
+                  <a16:creationId xmlns:a16="http://schemas.microsoft.com/office/drawing/2014/main" id="{B007CDDE-AD9E-0366-3C98-F2F3AF33D6A2}"/>
+                </a:ext>
+              </a:extLst>
+            </p:cNvPr>
+            <p:cNvSpPr/>
+            <p:nvPr/>
+          </p:nvSpPr>
+          <p:spPr>
+            <a:xfrm>
+              <a:off x="1200727" y="3441643"/>
+              <a:ext cx="314036" cy="314036"/>
+            </a:xfrm>
+            <a:prstGeom prst="ellipse">
+              <a:avLst/>
+            </a:prstGeom>
+          </p:spPr>
+          <p:style>
+            <a:lnRef idx="2">
+              <a:schemeClr val="accent1">
+                <a:shade val="15000"/>
+              </a:schemeClr>
+            </a:lnRef>
+            <a:fillRef idx="1">
+              <a:schemeClr val="accent1"/>
+            </a:fillRef>
+            <a:effectRef idx="0">
+              <a:schemeClr val="accent1"/>
+            </a:effectRef>
+            <a:fontRef idx="minor">
+              <a:schemeClr val="lt1"/>
+            </a:fontRef>
+          </p:style>
+          <p:txBody>
+            <a:bodyPr rtlCol="0" anchor="ctr"/>
+            <a:lstStyle/>
+            <a:p>
+              <a:pPr algn="ctr"/>
+              <a:r>
+                <a:rPr lang="en-US" altLang="zh-CN" dirty="0"/>
+                <a:t>1</a:t>
+              </a:r>
+              <a:endParaRPr lang="zh-CN" altLang="en-US" dirty="0"/>
+            </a:p>
+          </p:txBody>
+        </p:sp>
+        <p:sp>
+          <p:nvSpPr>
+            <p:cNvPr id="43" name="椭圆 42">
+              <a:extLst>
+                <a:ext uri="{FF2B5EF4-FFF2-40B4-BE49-F238E27FC236}">
+                  <a16:creationId xmlns:a16="http://schemas.microsoft.com/office/drawing/2014/main" id="{F46C93C0-4C15-21B8-E0FD-358946FD8EC9}"/>
+                </a:ext>
+              </a:extLst>
+            </p:cNvPr>
+            <p:cNvSpPr/>
+            <p:nvPr/>
+          </p:nvSpPr>
+          <p:spPr>
+            <a:xfrm>
+              <a:off x="1311755" y="4693247"/>
+              <a:ext cx="314036" cy="314036"/>
+            </a:xfrm>
+            <a:prstGeom prst="ellipse">
+              <a:avLst/>
+            </a:prstGeom>
+          </p:spPr>
+          <p:style>
+            <a:lnRef idx="2">
+              <a:schemeClr val="accent1">
+                <a:shade val="15000"/>
+              </a:schemeClr>
+            </a:lnRef>
+            <a:fillRef idx="1">
+              <a:schemeClr val="accent1"/>
+            </a:fillRef>
+            <a:effectRef idx="0">
+              <a:schemeClr val="accent1"/>
+            </a:effectRef>
+            <a:fontRef idx="minor">
+              <a:schemeClr val="lt1"/>
+            </a:fontRef>
+          </p:style>
+          <p:txBody>
+            <a:bodyPr rtlCol="0" anchor="ctr"/>
+            <a:lstStyle/>
+            <a:p>
+              <a:pPr algn="ctr"/>
+              <a:r>
+                <a:rPr lang="en-US" altLang="zh-CN" dirty="0"/>
+                <a:t>4</a:t>
+              </a:r>
+              <a:endParaRPr lang="zh-CN" altLang="en-US" dirty="0"/>
+            </a:p>
+          </p:txBody>
+        </p:sp>
+        <p:sp>
+          <p:nvSpPr>
+            <p:cNvPr id="44" name="椭圆 43">
+              <a:extLst>
+                <a:ext uri="{FF2B5EF4-FFF2-40B4-BE49-F238E27FC236}">
+                  <a16:creationId xmlns:a16="http://schemas.microsoft.com/office/drawing/2014/main" id="{ACB3D327-C308-9B00-647E-42A20CE327C2}"/>
+                </a:ext>
+              </a:extLst>
+            </p:cNvPr>
+            <p:cNvSpPr/>
+            <p:nvPr/>
+          </p:nvSpPr>
+          <p:spPr>
+            <a:xfrm>
+              <a:off x="2211917" y="3552671"/>
+              <a:ext cx="314036" cy="314036"/>
+            </a:xfrm>
+            <a:prstGeom prst="ellipse">
+              <a:avLst/>
+            </a:prstGeom>
+          </p:spPr>
+          <p:style>
+            <a:lnRef idx="2">
+              <a:schemeClr val="accent1">
+                <a:shade val="15000"/>
+              </a:schemeClr>
+            </a:lnRef>
+            <a:fillRef idx="1">
+              <a:schemeClr val="accent1"/>
+            </a:fillRef>
+            <a:effectRef idx="0">
+              <a:schemeClr val="accent1"/>
+            </a:effectRef>
+            <a:fontRef idx="minor">
+              <a:schemeClr val="lt1"/>
+            </a:fontRef>
+          </p:style>
+          <p:txBody>
+            <a:bodyPr rtlCol="0" anchor="ctr"/>
+            <a:lstStyle/>
+            <a:p>
+              <a:pPr algn="ctr"/>
+              <a:r>
+                <a:rPr lang="en-US" altLang="zh-CN" dirty="0"/>
+                <a:t>2</a:t>
+              </a:r>
+              <a:endParaRPr lang="zh-CN" altLang="en-US" dirty="0"/>
+            </a:p>
+          </p:txBody>
+        </p:sp>
+        <p:sp>
+          <p:nvSpPr>
+            <p:cNvPr id="45" name="椭圆 44">
+              <a:extLst>
+                <a:ext uri="{FF2B5EF4-FFF2-40B4-BE49-F238E27FC236}">
+                  <a16:creationId xmlns:a16="http://schemas.microsoft.com/office/drawing/2014/main" id="{EFD1FB27-E53D-8AFF-AD72-232095D2AB3F}"/>
+                </a:ext>
+              </a:extLst>
+            </p:cNvPr>
+            <p:cNvSpPr/>
+            <p:nvPr/>
+          </p:nvSpPr>
+          <p:spPr>
+            <a:xfrm>
+              <a:off x="2479963" y="4582219"/>
+              <a:ext cx="314036" cy="314036"/>
+            </a:xfrm>
+            <a:prstGeom prst="ellipse">
+              <a:avLst/>
+            </a:prstGeom>
+          </p:spPr>
+          <p:style>
+            <a:lnRef idx="2">
+              <a:schemeClr val="accent1">
+                <a:shade val="15000"/>
+              </a:schemeClr>
+            </a:lnRef>
+            <a:fillRef idx="1">
+              <a:schemeClr val="accent1"/>
+            </a:fillRef>
+            <a:effectRef idx="0">
+              <a:schemeClr val="accent1"/>
+            </a:effectRef>
+            <a:fontRef idx="minor">
+              <a:schemeClr val="lt1"/>
+            </a:fontRef>
+          </p:style>
+          <p:txBody>
+            <a:bodyPr rtlCol="0" anchor="ctr"/>
+            <a:lstStyle/>
+            <a:p>
+              <a:pPr algn="ctr"/>
+              <a:r>
+                <a:rPr lang="en-US" altLang="zh-CN" dirty="0"/>
+                <a:t>3</a:t>
+              </a:r>
+              <a:endParaRPr lang="zh-CN" altLang="en-US" dirty="0"/>
+            </a:p>
+          </p:txBody>
+        </p:sp>
+        <p:sp>
+          <p:nvSpPr>
+            <p:cNvPr id="46" name="椭圆 45">
+              <a:extLst>
+                <a:ext uri="{FF2B5EF4-FFF2-40B4-BE49-F238E27FC236}">
+                  <a16:creationId xmlns:a16="http://schemas.microsoft.com/office/drawing/2014/main" id="{BE30D43E-30DA-D813-6F56-BE373590BE5A}"/>
+                </a:ext>
+              </a:extLst>
+            </p:cNvPr>
+            <p:cNvSpPr/>
+            <p:nvPr/>
+          </p:nvSpPr>
+          <p:spPr>
+            <a:xfrm>
+              <a:off x="886691" y="4136680"/>
+              <a:ext cx="314036" cy="314036"/>
+            </a:xfrm>
+            <a:prstGeom prst="ellipse">
+              <a:avLst/>
+            </a:prstGeom>
+          </p:spPr>
+          <p:style>
+            <a:lnRef idx="2">
+              <a:schemeClr val="accent1">
+                <a:shade val="15000"/>
+              </a:schemeClr>
+            </a:lnRef>
+            <a:fillRef idx="1">
+              <a:schemeClr val="accent1"/>
+            </a:fillRef>
+            <a:effectRef idx="0">
+              <a:schemeClr val="accent1"/>
+            </a:effectRef>
+            <a:fontRef idx="minor">
+              <a:schemeClr val="lt1"/>
+            </a:fontRef>
+          </p:style>
+          <p:txBody>
+            <a:bodyPr rtlCol="0" anchor="ctr"/>
+            <a:lstStyle/>
+            <a:p>
+              <a:pPr algn="ctr"/>
+              <a:r>
+                <a:rPr lang="en-US" altLang="zh-CN" dirty="0"/>
+                <a:t>5</a:t>
+              </a:r>
+              <a:endParaRPr lang="zh-CN" altLang="en-US" dirty="0"/>
+            </a:p>
+          </p:txBody>
+        </p:sp>
+        <p:cxnSp>
+          <p:nvCxnSpPr>
+            <p:cNvPr id="48" name="直接连接符 47">
+              <a:extLst>
+                <a:ext uri="{FF2B5EF4-FFF2-40B4-BE49-F238E27FC236}">
+                  <a16:creationId xmlns:a16="http://schemas.microsoft.com/office/drawing/2014/main" id="{68378392-7763-532C-5D8E-795252EA9BC6}"/>
+                </a:ext>
+              </a:extLst>
+            </p:cNvPr>
+            <p:cNvCxnSpPr>
+              <a:stCxn id="42" idx="5"/>
+              <a:endCxn id="45" idx="1"/>
+            </p:cNvCxnSpPr>
+            <p:nvPr/>
+          </p:nvCxnSpPr>
+          <p:spPr>
+            <a:xfrm>
+              <a:off x="1468773" y="3709689"/>
+              <a:ext cx="1057180" cy="918520"/>
+            </a:xfrm>
+            <a:prstGeom prst="line">
+              <a:avLst/>
+            </a:prstGeom>
+            <a:ln>
+              <a:solidFill>
+                <a:schemeClr val="bg1">
+                  <a:lumMod val="85000"/>
+                </a:schemeClr>
+              </a:solidFill>
+            </a:ln>
+          </p:spPr>
+          <p:style>
+            <a:lnRef idx="2">
+              <a:schemeClr val="accent1"/>
+            </a:lnRef>
+            <a:fillRef idx="0">
+              <a:schemeClr val="accent1"/>
+            </a:fillRef>
+            <a:effectRef idx="1">
+              <a:schemeClr val="accent1"/>
+            </a:effectRef>
+            <a:fontRef idx="minor">
+              <a:schemeClr val="tx1"/>
+            </a:fontRef>
+          </p:style>
+        </p:cxnSp>
+        <p:cxnSp>
+          <p:nvCxnSpPr>
+            <p:cNvPr id="49" name="直接连接符 48">
+              <a:extLst>
+                <a:ext uri="{FF2B5EF4-FFF2-40B4-BE49-F238E27FC236}">
+                  <a16:creationId xmlns:a16="http://schemas.microsoft.com/office/drawing/2014/main" id="{056F388F-50CA-9197-E961-DCC204D38EFA}"/>
+                </a:ext>
+              </a:extLst>
+            </p:cNvPr>
+            <p:cNvCxnSpPr>
+              <a:stCxn id="42" idx="5"/>
+              <a:endCxn id="43" idx="0"/>
+            </p:cNvCxnSpPr>
+            <p:nvPr/>
+          </p:nvCxnSpPr>
+          <p:spPr>
+            <a:xfrm>
+              <a:off x="1468773" y="3709689"/>
+              <a:ext cx="0" cy="983558"/>
+            </a:xfrm>
+            <a:prstGeom prst="line">
+              <a:avLst/>
+            </a:prstGeom>
+            <a:ln>
+              <a:solidFill>
+                <a:schemeClr val="bg1">
+                  <a:lumMod val="85000"/>
+                </a:schemeClr>
+              </a:solidFill>
+            </a:ln>
+          </p:spPr>
+          <p:style>
+            <a:lnRef idx="2">
+              <a:schemeClr val="accent1"/>
+            </a:lnRef>
+            <a:fillRef idx="0">
+              <a:schemeClr val="accent1"/>
+            </a:fillRef>
+            <a:effectRef idx="1">
+              <a:schemeClr val="accent1"/>
+            </a:effectRef>
+            <a:fontRef idx="minor">
+              <a:schemeClr val="tx1"/>
+            </a:fontRef>
+          </p:style>
+        </p:cxnSp>
+        <p:cxnSp>
+          <p:nvCxnSpPr>
+            <p:cNvPr id="52" name="直接连接符 51">
+              <a:extLst>
+                <a:ext uri="{FF2B5EF4-FFF2-40B4-BE49-F238E27FC236}">
+                  <a16:creationId xmlns:a16="http://schemas.microsoft.com/office/drawing/2014/main" id="{4E0BD006-6A82-06CE-7F8C-666000B90283}"/>
+                </a:ext>
+              </a:extLst>
+            </p:cNvPr>
+            <p:cNvCxnSpPr>
+              <a:stCxn id="44" idx="3"/>
+              <a:endCxn id="43" idx="0"/>
+            </p:cNvCxnSpPr>
+            <p:nvPr/>
+          </p:nvCxnSpPr>
+          <p:spPr>
+            <a:xfrm flipH="1">
+              <a:off x="1468773" y="3820717"/>
+              <a:ext cx="789134" cy="872530"/>
+            </a:xfrm>
+            <a:prstGeom prst="line">
+              <a:avLst/>
+            </a:prstGeom>
+            <a:ln>
+              <a:solidFill>
+                <a:schemeClr val="bg1">
+                  <a:lumMod val="85000"/>
+                </a:schemeClr>
+              </a:solidFill>
+            </a:ln>
+          </p:spPr>
+          <p:style>
+            <a:lnRef idx="2">
+              <a:schemeClr val="accent1"/>
+            </a:lnRef>
+            <a:fillRef idx="0">
+              <a:schemeClr val="accent1"/>
+            </a:fillRef>
+            <a:effectRef idx="1">
+              <a:schemeClr val="accent1"/>
+            </a:effectRef>
+            <a:fontRef idx="minor">
+              <a:schemeClr val="tx1"/>
+            </a:fontRef>
+          </p:style>
+        </p:cxnSp>
+        <p:cxnSp>
+          <p:nvCxnSpPr>
+            <p:cNvPr id="53" name="直接连接符 52">
+              <a:extLst>
+                <a:ext uri="{FF2B5EF4-FFF2-40B4-BE49-F238E27FC236}">
+                  <a16:creationId xmlns:a16="http://schemas.microsoft.com/office/drawing/2014/main" id="{E9CC66E3-D6E9-232D-E3F4-057D6ED5C846}"/>
+                </a:ext>
+              </a:extLst>
+            </p:cNvPr>
+            <p:cNvCxnSpPr>
+              <a:stCxn id="44" idx="3"/>
+              <a:endCxn id="46" idx="7"/>
+            </p:cNvCxnSpPr>
+            <p:nvPr/>
+          </p:nvCxnSpPr>
+          <p:spPr>
+            <a:xfrm flipH="1">
+              <a:off x="1154737" y="3820717"/>
+              <a:ext cx="1103170" cy="361953"/>
+            </a:xfrm>
+            <a:prstGeom prst="line">
+              <a:avLst/>
+            </a:prstGeom>
+            <a:ln>
+              <a:solidFill>
+                <a:schemeClr val="bg1">
+                  <a:lumMod val="85000"/>
+                </a:schemeClr>
+              </a:solidFill>
+            </a:ln>
+          </p:spPr>
+          <p:style>
+            <a:lnRef idx="2">
+              <a:schemeClr val="accent1"/>
+            </a:lnRef>
+            <a:fillRef idx="0">
+              <a:schemeClr val="accent1"/>
+            </a:fillRef>
+            <a:effectRef idx="1">
+              <a:schemeClr val="accent1"/>
+            </a:effectRef>
+            <a:fontRef idx="minor">
+              <a:schemeClr val="tx1"/>
+            </a:fontRef>
+          </p:style>
+        </p:cxnSp>
+        <p:cxnSp>
+          <p:nvCxnSpPr>
+            <p:cNvPr id="55" name="直接连接符 54">
+              <a:extLst>
+                <a:ext uri="{FF2B5EF4-FFF2-40B4-BE49-F238E27FC236}">
+                  <a16:creationId xmlns:a16="http://schemas.microsoft.com/office/drawing/2014/main" id="{EF2704CB-0175-1531-635B-1DE594865D33}"/>
+                </a:ext>
+              </a:extLst>
+            </p:cNvPr>
+            <p:cNvCxnSpPr>
+              <a:stCxn id="45" idx="1"/>
+              <a:endCxn id="46" idx="7"/>
+            </p:cNvCxnSpPr>
+            <p:nvPr/>
+          </p:nvCxnSpPr>
+          <p:spPr>
+            <a:xfrm flipH="1" flipV="1">
+              <a:off x="1154737" y="4182670"/>
+              <a:ext cx="1371216" cy="445539"/>
+            </a:xfrm>
+            <a:prstGeom prst="line">
+              <a:avLst/>
+            </a:prstGeom>
+            <a:ln>
+              <a:solidFill>
+                <a:schemeClr val="bg1">
+                  <a:lumMod val="85000"/>
+                </a:schemeClr>
+              </a:solidFill>
+            </a:ln>
+          </p:spPr>
+          <p:style>
+            <a:lnRef idx="2">
+              <a:schemeClr val="accent1"/>
+            </a:lnRef>
+            <a:fillRef idx="0">
+              <a:schemeClr val="accent1"/>
+            </a:fillRef>
+            <a:effectRef idx="1">
+              <a:schemeClr val="accent1"/>
+            </a:effectRef>
+            <a:fontRef idx="minor">
+              <a:schemeClr val="tx1"/>
+            </a:fontRef>
+          </p:style>
+        </p:cxnSp>
+      </p:grpSp>
+      <p:cxnSp>
+        <p:nvCxnSpPr>
+          <p:cNvPr id="60" name="直接箭头连接符 59">
+            <a:extLst>
+              <a:ext uri="{FF2B5EF4-FFF2-40B4-BE49-F238E27FC236}">
+                <a16:creationId xmlns:a16="http://schemas.microsoft.com/office/drawing/2014/main" id="{4D1E3F46-F81B-A11A-E18B-077FAF5C7A64}"/>
+              </a:ext>
+            </a:extLst>
+          </p:cNvPr>
+          <p:cNvCxnSpPr>
+            <a:stCxn id="46" idx="7"/>
+            <a:endCxn id="42" idx="5"/>
+          </p:cNvCxnSpPr>
+          <p:nvPr/>
+        </p:nvCxnSpPr>
+        <p:spPr>
+          <a:xfrm flipV="1">
+            <a:off x="3399173" y="3652269"/>
+            <a:ext cx="314036" cy="472981"/>
+          </a:xfrm>
+          <a:prstGeom prst="straightConnector1">
+            <a:avLst/>
+          </a:prstGeom>
+          <a:ln>
+            <a:solidFill>
+              <a:srgbClr val="FF0000"/>
+            </a:solidFill>
+            <a:tailEnd type="triangle"/>
+          </a:ln>
+        </p:spPr>
+        <p:style>
+          <a:lnRef idx="2">
+            <a:schemeClr val="accent1"/>
+          </a:lnRef>
+          <a:fillRef idx="0">
+            <a:schemeClr val="accent1"/>
+          </a:fillRef>
+          <a:effectRef idx="1">
+            <a:schemeClr val="accent1"/>
+          </a:effectRef>
+          <a:fontRef idx="minor">
+            <a:schemeClr val="tx1"/>
+          </a:fontRef>
+        </p:style>
+      </p:cxnSp>
+      <p:cxnSp>
+        <p:nvCxnSpPr>
+          <p:cNvPr id="62" name="直接箭头连接符 61">
+            <a:extLst>
+              <a:ext uri="{FF2B5EF4-FFF2-40B4-BE49-F238E27FC236}">
+                <a16:creationId xmlns:a16="http://schemas.microsoft.com/office/drawing/2014/main" id="{48FF7C46-386C-E442-2432-B2129A56D486}"/>
+              </a:ext>
+            </a:extLst>
+          </p:cNvPr>
+          <p:cNvCxnSpPr>
+            <a:stCxn id="42" idx="5"/>
+            <a:endCxn id="44" idx="3"/>
+          </p:cNvCxnSpPr>
+          <p:nvPr/>
+        </p:nvCxnSpPr>
+        <p:spPr>
+          <a:xfrm>
+            <a:off x="3713209" y="3652269"/>
+            <a:ext cx="789134" cy="111028"/>
+          </a:xfrm>
+          <a:prstGeom prst="straightConnector1">
+            <a:avLst/>
+          </a:prstGeom>
+          <a:ln>
+            <a:solidFill>
+              <a:srgbClr val="FF0000"/>
+            </a:solidFill>
+            <a:tailEnd type="triangle"/>
+          </a:ln>
+        </p:spPr>
+        <p:style>
+          <a:lnRef idx="2">
+            <a:schemeClr val="accent1"/>
+          </a:lnRef>
+          <a:fillRef idx="0">
+            <a:schemeClr val="accent1"/>
+          </a:fillRef>
+          <a:effectRef idx="1">
+            <a:schemeClr val="accent1"/>
+          </a:effectRef>
+          <a:fontRef idx="minor">
+            <a:schemeClr val="tx1"/>
+          </a:fontRef>
+        </p:style>
+      </p:cxnSp>
+      <p:cxnSp>
+        <p:nvCxnSpPr>
+          <p:cNvPr id="64" name="直接箭头连接符 63">
+            <a:extLst>
+              <a:ext uri="{FF2B5EF4-FFF2-40B4-BE49-F238E27FC236}">
+                <a16:creationId xmlns:a16="http://schemas.microsoft.com/office/drawing/2014/main" id="{76FB4061-FF33-7F53-EE8D-BF1AB1604F26}"/>
+              </a:ext>
+            </a:extLst>
+          </p:cNvPr>
+          <p:cNvCxnSpPr>
+            <a:cxnSpLocks/>
+            <a:stCxn id="44" idx="3"/>
+            <a:endCxn id="45" idx="1"/>
+          </p:cNvCxnSpPr>
+          <p:nvPr/>
+        </p:nvCxnSpPr>
+        <p:spPr>
+          <a:xfrm>
+            <a:off x="4502343" y="3763297"/>
+            <a:ext cx="268046" cy="807492"/>
+          </a:xfrm>
+          <a:prstGeom prst="straightConnector1">
+            <a:avLst/>
+          </a:prstGeom>
+          <a:ln>
+            <a:solidFill>
+              <a:srgbClr val="FF0000"/>
+            </a:solidFill>
+            <a:tailEnd type="triangle"/>
+          </a:ln>
+        </p:spPr>
+        <p:style>
+          <a:lnRef idx="2">
+            <a:schemeClr val="accent1"/>
+          </a:lnRef>
+          <a:fillRef idx="0">
+            <a:schemeClr val="accent1"/>
+          </a:fillRef>
+          <a:effectRef idx="1">
+            <a:schemeClr val="accent1"/>
+          </a:effectRef>
+          <a:fontRef idx="minor">
+            <a:schemeClr val="tx1"/>
+          </a:fontRef>
+        </p:style>
+      </p:cxnSp>
+      <p:cxnSp>
+        <p:nvCxnSpPr>
+          <p:cNvPr id="67" name="直接箭头连接符 66">
+            <a:extLst>
+              <a:ext uri="{FF2B5EF4-FFF2-40B4-BE49-F238E27FC236}">
+                <a16:creationId xmlns:a16="http://schemas.microsoft.com/office/drawing/2014/main" id="{7441B54F-7BB2-538F-D0AA-07AB80ED5002}"/>
+              </a:ext>
+            </a:extLst>
+          </p:cNvPr>
+          <p:cNvCxnSpPr>
+            <a:stCxn id="45" idx="1"/>
+            <a:endCxn id="43" idx="0"/>
+          </p:cNvCxnSpPr>
+          <p:nvPr/>
+        </p:nvCxnSpPr>
+        <p:spPr>
+          <a:xfrm flipH="1">
+            <a:off x="3713209" y="4570789"/>
+            <a:ext cx="1057180" cy="65038"/>
+          </a:xfrm>
+          <a:prstGeom prst="straightConnector1">
+            <a:avLst/>
+          </a:prstGeom>
+          <a:ln>
+            <a:solidFill>
+              <a:srgbClr val="FF0000"/>
+            </a:solidFill>
+            <a:tailEnd type="triangle"/>
+          </a:ln>
+        </p:spPr>
+        <p:style>
+          <a:lnRef idx="2">
+            <a:schemeClr val="accent1"/>
+          </a:lnRef>
+          <a:fillRef idx="0">
+            <a:schemeClr val="accent1"/>
+          </a:fillRef>
+          <a:effectRef idx="1">
+            <a:schemeClr val="accent1"/>
+          </a:effectRef>
+          <a:fontRef idx="minor">
+            <a:schemeClr val="tx1"/>
+          </a:fontRef>
+        </p:style>
+      </p:cxnSp>
+      <p:cxnSp>
+        <p:nvCxnSpPr>
+          <p:cNvPr id="69" name="直接箭头连接符 68">
+            <a:extLst>
+              <a:ext uri="{FF2B5EF4-FFF2-40B4-BE49-F238E27FC236}">
+                <a16:creationId xmlns:a16="http://schemas.microsoft.com/office/drawing/2014/main" id="{68CB7930-D630-33B7-A820-5484FE57CA64}"/>
+              </a:ext>
+            </a:extLst>
+          </p:cNvPr>
+          <p:cNvCxnSpPr>
+            <a:stCxn id="43" idx="0"/>
+            <a:endCxn id="46" idx="7"/>
+          </p:cNvCxnSpPr>
+          <p:nvPr/>
+        </p:nvCxnSpPr>
+        <p:spPr>
+          <a:xfrm flipH="1" flipV="1">
+            <a:off x="3399173" y="4125250"/>
+            <a:ext cx="314036" cy="510577"/>
+          </a:xfrm>
+          <a:prstGeom prst="straightConnector1">
+            <a:avLst/>
+          </a:prstGeom>
+          <a:ln>
+            <a:solidFill>
+              <a:srgbClr val="FF0000"/>
+            </a:solidFill>
+            <a:tailEnd type="triangle"/>
+          </a:ln>
+        </p:spPr>
+        <p:style>
+          <a:lnRef idx="2">
+            <a:schemeClr val="accent1"/>
+          </a:lnRef>
+          <a:fillRef idx="0">
+            <a:schemeClr val="accent1"/>
+          </a:fillRef>
+          <a:effectRef idx="1">
+            <a:schemeClr val="accent1"/>
+          </a:effectRef>
+          <a:fontRef idx="minor">
+            <a:schemeClr val="tx1"/>
+          </a:fontRef>
+        </p:style>
+      </p:cxnSp>
+      <p:sp>
+        <p:nvSpPr>
+          <p:cNvPr id="70" name="文本框 69">
+            <a:extLst>
+              <a:ext uri="{FF2B5EF4-FFF2-40B4-BE49-F238E27FC236}">
+                <a16:creationId xmlns:a16="http://schemas.microsoft.com/office/drawing/2014/main" id="{E3C2251C-E3AD-F55B-DFCB-4AA96C1E0E1B}"/>
+              </a:ext>
+            </a:extLst>
+          </p:cNvPr>
+          <p:cNvSpPr txBox="1"/>
+          <p:nvPr/>
+        </p:nvSpPr>
+        <p:spPr>
+          <a:xfrm>
+            <a:off x="593137" y="5415847"/>
+            <a:ext cx="1415772" cy="276999"/>
+          </a:xfrm>
+          <a:prstGeom prst="rect">
+            <a:avLst/>
+          </a:prstGeom>
+          <a:noFill/>
+        </p:spPr>
+        <p:txBody>
+          <a:bodyPr wrap="none" rtlCol="0">
+            <a:spAutoFit/>
+          </a:bodyPr>
+          <a:lstStyle/>
+          <a:p>
+            <a:r>
+              <a:rPr lang="ja-JP" altLang="en-US" sz="1200" dirty="0"/>
+              <a:t>都市の完全グラフ</a:t>
+            </a:r>
+            <a:endParaRPr lang="zh-CN" altLang="en-US" sz="1200" dirty="0"/>
+          </a:p>
+        </p:txBody>
+      </p:sp>
+      <p:sp>
+        <p:nvSpPr>
+          <p:cNvPr id="71" name="文本框 70">
+            <a:extLst>
+              <a:ext uri="{FF2B5EF4-FFF2-40B4-BE49-F238E27FC236}">
+                <a16:creationId xmlns:a16="http://schemas.microsoft.com/office/drawing/2014/main" id="{B32F2055-A2CB-1F0C-E173-AED4A720F5D0}"/>
+              </a:ext>
+            </a:extLst>
+          </p:cNvPr>
+          <p:cNvSpPr txBox="1"/>
+          <p:nvPr/>
+        </p:nvSpPr>
+        <p:spPr>
+          <a:xfrm>
+            <a:off x="3616403" y="5415846"/>
+            <a:ext cx="1415772" cy="276999"/>
+          </a:xfrm>
+          <a:prstGeom prst="rect">
+            <a:avLst/>
+          </a:prstGeom>
+          <a:noFill/>
+        </p:spPr>
+        <p:txBody>
+          <a:bodyPr wrap="none" rtlCol="0">
+            <a:spAutoFit/>
+          </a:bodyPr>
+          <a:lstStyle/>
+          <a:p>
+            <a:r>
+              <a:rPr lang="ja-JP" altLang="en-US" sz="1200" dirty="0"/>
+              <a:t>求めた最適巡回路</a:t>
+            </a:r>
+            <a:endParaRPr lang="zh-CN" altLang="en-US" sz="1200" dirty="0"/>
+          </a:p>
+        </p:txBody>
+      </p:sp>
+      <p:sp>
+        <p:nvSpPr>
+          <p:cNvPr id="73" name="文本框 72">
+            <a:extLst>
+              <a:ext uri="{FF2B5EF4-FFF2-40B4-BE49-F238E27FC236}">
+                <a16:creationId xmlns:a16="http://schemas.microsoft.com/office/drawing/2014/main" id="{DC20ED38-6390-9556-488D-50F2BFB5AEC0}"/>
+              </a:ext>
+            </a:extLst>
+          </p:cNvPr>
+          <p:cNvSpPr txBox="1"/>
+          <p:nvPr/>
+        </p:nvSpPr>
+        <p:spPr>
+          <a:xfrm>
+            <a:off x="337127" y="5972414"/>
+            <a:ext cx="6096000" cy="369332"/>
+          </a:xfrm>
+          <a:prstGeom prst="rect">
+            <a:avLst/>
+          </a:prstGeom>
+          <a:noFill/>
+        </p:spPr>
+        <p:txBody>
+          <a:bodyPr wrap="square">
+            <a:spAutoFit/>
+          </a:bodyPr>
+          <a:lstStyle/>
+          <a:p>
+            <a:r>
+              <a:rPr lang="ja-JP" altLang="en-US" sz="1800" dirty="0"/>
+              <a:t>最適巡回路</a:t>
             </a:r>
             <a:endParaRPr lang="zh-CN" altLang="en-US" dirty="0"/>
           </a:p>
@@ -6078,7 +8723,567 @@
     </p:spTree>
     <p:extLst>
       <p:ext uri="{BB962C8B-B14F-4D97-AF65-F5344CB8AC3E}">
-        <p14:creationId xmlns:p14="http://schemas.microsoft.com/office/powerpoint/2010/main" val="852530207"/>
+        <p14:creationId xmlns:p14="http://schemas.microsoft.com/office/powerpoint/2010/main" val="629291105"/>
+      </p:ext>
+    </p:extLst>
+  </p:cSld>
+  <p:clrMapOvr>
+    <a:masterClrMapping/>
+  </p:clrMapOvr>
+</p:sld>
+</file>
+
+<file path=ppt/slides/slide5.xml><?xml version="1.0" encoding="utf-8"?>
+<p:sld xmlns:a="http://schemas.openxmlformats.org/drawingml/2006/main" xmlns:r="http://schemas.openxmlformats.org/officeDocument/2006/relationships" xmlns:p="http://schemas.openxmlformats.org/presentationml/2006/main">
+  <p:cSld>
+    <p:spTree>
+      <p:nvGrpSpPr>
+        <p:cNvPr id="1" name=""/>
+        <p:cNvGrpSpPr/>
+        <p:nvPr/>
+      </p:nvGrpSpPr>
+      <p:grpSpPr>
+        <a:xfrm>
+          <a:off x="0" y="0"/>
+          <a:ext cx="0" cy="0"/>
+          <a:chOff x="0" y="0"/>
+          <a:chExt cx="0" cy="0"/>
+        </a:xfrm>
+      </p:grpSpPr>
+      <p:sp>
+        <p:nvSpPr>
+          <p:cNvPr id="2" name="文本框 1">
+            <a:extLst>
+              <a:ext uri="{FF2B5EF4-FFF2-40B4-BE49-F238E27FC236}">
+                <a16:creationId xmlns:a16="http://schemas.microsoft.com/office/drawing/2014/main" id="{D69CDDDF-2E93-AD40-6D62-0DF626A8F71F}"/>
+              </a:ext>
+            </a:extLst>
+          </p:cNvPr>
+          <p:cNvSpPr txBox="1"/>
+          <p:nvPr/>
+        </p:nvSpPr>
+        <p:spPr>
+          <a:xfrm>
+            <a:off x="301086" y="241382"/>
+            <a:ext cx="5929828" cy="584775"/>
+          </a:xfrm>
+          <a:prstGeom prst="rect">
+            <a:avLst/>
+          </a:prstGeom>
+          <a:noFill/>
+        </p:spPr>
+        <p:txBody>
+          <a:bodyPr wrap="none" rtlCol="0">
+            <a:spAutoFit/>
+          </a:bodyPr>
+          <a:lstStyle/>
+          <a:p>
+            <a:r>
+              <a:rPr lang="ja-JP" altLang="en-US" sz="3200" b="1" dirty="0"/>
+              <a:t>ボロノイー図　と　ドロネー図</a:t>
+            </a:r>
+            <a:endParaRPr lang="zh-CN" altLang="en-US" sz="3200" b="1" dirty="0"/>
+          </a:p>
+        </p:txBody>
+      </p:sp>
+      <p:sp>
+        <p:nvSpPr>
+          <p:cNvPr id="3" name="矩形: 圆角 2">
+            <a:extLst>
+              <a:ext uri="{FF2B5EF4-FFF2-40B4-BE49-F238E27FC236}">
+                <a16:creationId xmlns:a16="http://schemas.microsoft.com/office/drawing/2014/main" id="{2CBA0A6C-80CA-A3CE-AAAD-A62116F6E5C9}"/>
+              </a:ext>
+            </a:extLst>
+          </p:cNvPr>
+          <p:cNvSpPr/>
+          <p:nvPr/>
+        </p:nvSpPr>
+        <p:spPr>
+          <a:xfrm>
+            <a:off x="337127" y="964765"/>
+            <a:ext cx="11517745" cy="72000"/>
+          </a:xfrm>
+          <a:prstGeom prst="roundRect">
+            <a:avLst/>
+          </a:prstGeom>
+        </p:spPr>
+        <p:style>
+          <a:lnRef idx="2">
+            <a:schemeClr val="accent1">
+              <a:shade val="15000"/>
+            </a:schemeClr>
+          </a:lnRef>
+          <a:fillRef idx="1">
+            <a:schemeClr val="accent1"/>
+          </a:fillRef>
+          <a:effectRef idx="0">
+            <a:schemeClr val="accent1"/>
+          </a:effectRef>
+          <a:fontRef idx="minor">
+            <a:schemeClr val="lt1"/>
+          </a:fontRef>
+        </p:style>
+        <p:txBody>
+          <a:bodyPr rtlCol="0" anchor="ctr"/>
+          <a:lstStyle/>
+          <a:p>
+            <a:pPr algn="ctr"/>
+            <a:endParaRPr lang="zh-CN" altLang="en-US"/>
+          </a:p>
+        </p:txBody>
+      </p:sp>
+    </p:spTree>
+    <p:extLst>
+      <p:ext uri="{BB962C8B-B14F-4D97-AF65-F5344CB8AC3E}">
+        <p14:creationId xmlns:p14="http://schemas.microsoft.com/office/powerpoint/2010/main" val="1713641407"/>
+      </p:ext>
+    </p:extLst>
+  </p:cSld>
+  <p:clrMapOvr>
+    <a:masterClrMapping/>
+  </p:clrMapOvr>
+</p:sld>
+</file>
+
+<file path=ppt/slides/slide6.xml><?xml version="1.0" encoding="utf-8"?>
+<p:sld xmlns:a="http://schemas.openxmlformats.org/drawingml/2006/main" xmlns:r="http://schemas.openxmlformats.org/officeDocument/2006/relationships" xmlns:p="http://schemas.openxmlformats.org/presentationml/2006/main">
+  <p:cSld>
+    <p:spTree>
+      <p:nvGrpSpPr>
+        <p:cNvPr id="1" name=""/>
+        <p:cNvGrpSpPr/>
+        <p:nvPr/>
+      </p:nvGrpSpPr>
+      <p:grpSpPr>
+        <a:xfrm>
+          <a:off x="0" y="0"/>
+          <a:ext cx="0" cy="0"/>
+          <a:chOff x="0" y="0"/>
+          <a:chExt cx="0" cy="0"/>
+        </a:xfrm>
+      </p:grpSpPr>
+      <p:sp>
+        <p:nvSpPr>
+          <p:cNvPr id="2" name="文本框 1">
+            <a:extLst>
+              <a:ext uri="{FF2B5EF4-FFF2-40B4-BE49-F238E27FC236}">
+                <a16:creationId xmlns:a16="http://schemas.microsoft.com/office/drawing/2014/main" id="{D69CDDDF-2E93-AD40-6D62-0DF626A8F71F}"/>
+              </a:ext>
+            </a:extLst>
+          </p:cNvPr>
+          <p:cNvSpPr txBox="1"/>
+          <p:nvPr/>
+        </p:nvSpPr>
+        <p:spPr>
+          <a:xfrm>
+            <a:off x="301086" y="241382"/>
+            <a:ext cx="1826141" cy="584775"/>
+          </a:xfrm>
+          <a:prstGeom prst="rect">
+            <a:avLst/>
+          </a:prstGeom>
+          <a:noFill/>
+        </p:spPr>
+        <p:txBody>
+          <a:bodyPr wrap="none" rtlCol="0">
+            <a:spAutoFit/>
+          </a:bodyPr>
+          <a:lstStyle/>
+          <a:p>
+            <a:r>
+              <a:rPr lang="ja-JP" altLang="en-US" sz="3200" b="1" dirty="0"/>
+              <a:t>提案手法</a:t>
+            </a:r>
+            <a:endParaRPr lang="zh-CN" altLang="en-US" sz="3200" b="1" dirty="0"/>
+          </a:p>
+        </p:txBody>
+      </p:sp>
+      <p:sp>
+        <p:nvSpPr>
+          <p:cNvPr id="3" name="矩形: 圆角 2">
+            <a:extLst>
+              <a:ext uri="{FF2B5EF4-FFF2-40B4-BE49-F238E27FC236}">
+                <a16:creationId xmlns:a16="http://schemas.microsoft.com/office/drawing/2014/main" id="{2CBA0A6C-80CA-A3CE-AAAD-A62116F6E5C9}"/>
+              </a:ext>
+            </a:extLst>
+          </p:cNvPr>
+          <p:cNvSpPr/>
+          <p:nvPr/>
+        </p:nvSpPr>
+        <p:spPr>
+          <a:xfrm>
+            <a:off x="337127" y="964765"/>
+            <a:ext cx="11517745" cy="72000"/>
+          </a:xfrm>
+          <a:prstGeom prst="roundRect">
+            <a:avLst/>
+          </a:prstGeom>
+        </p:spPr>
+        <p:style>
+          <a:lnRef idx="2">
+            <a:schemeClr val="accent1">
+              <a:shade val="15000"/>
+            </a:schemeClr>
+          </a:lnRef>
+          <a:fillRef idx="1">
+            <a:schemeClr val="accent1"/>
+          </a:fillRef>
+          <a:effectRef idx="0">
+            <a:schemeClr val="accent1"/>
+          </a:effectRef>
+          <a:fontRef idx="minor">
+            <a:schemeClr val="lt1"/>
+          </a:fontRef>
+        </p:style>
+        <p:txBody>
+          <a:bodyPr rtlCol="0" anchor="ctr"/>
+          <a:lstStyle/>
+          <a:p>
+            <a:pPr algn="ctr"/>
+            <a:endParaRPr lang="zh-CN" altLang="en-US"/>
+          </a:p>
+        </p:txBody>
+      </p:sp>
+    </p:spTree>
+    <p:extLst>
+      <p:ext uri="{BB962C8B-B14F-4D97-AF65-F5344CB8AC3E}">
+        <p14:creationId xmlns:p14="http://schemas.microsoft.com/office/powerpoint/2010/main" val="1380820728"/>
+      </p:ext>
+    </p:extLst>
+  </p:cSld>
+  <p:clrMapOvr>
+    <a:masterClrMapping/>
+  </p:clrMapOvr>
+</p:sld>
+</file>
+
+<file path=ppt/slides/slide7.xml><?xml version="1.0" encoding="utf-8"?>
+<p:sld xmlns:a="http://schemas.openxmlformats.org/drawingml/2006/main" xmlns:r="http://schemas.openxmlformats.org/officeDocument/2006/relationships" xmlns:p="http://schemas.openxmlformats.org/presentationml/2006/main">
+  <p:cSld>
+    <p:spTree>
+      <p:nvGrpSpPr>
+        <p:cNvPr id="1" name=""/>
+        <p:cNvGrpSpPr/>
+        <p:nvPr/>
+      </p:nvGrpSpPr>
+      <p:grpSpPr>
+        <a:xfrm>
+          <a:off x="0" y="0"/>
+          <a:ext cx="0" cy="0"/>
+          <a:chOff x="0" y="0"/>
+          <a:chExt cx="0" cy="0"/>
+        </a:xfrm>
+      </p:grpSpPr>
+      <p:sp>
+        <p:nvSpPr>
+          <p:cNvPr id="2" name="文本框 1">
+            <a:extLst>
+              <a:ext uri="{FF2B5EF4-FFF2-40B4-BE49-F238E27FC236}">
+                <a16:creationId xmlns:a16="http://schemas.microsoft.com/office/drawing/2014/main" id="{D69CDDDF-2E93-AD40-6D62-0DF626A8F71F}"/>
+              </a:ext>
+            </a:extLst>
+          </p:cNvPr>
+          <p:cNvSpPr txBox="1"/>
+          <p:nvPr/>
+        </p:nvSpPr>
+        <p:spPr>
+          <a:xfrm>
+            <a:off x="301086" y="241382"/>
+            <a:ext cx="1005403" cy="584775"/>
+          </a:xfrm>
+          <a:prstGeom prst="rect">
+            <a:avLst/>
+          </a:prstGeom>
+          <a:noFill/>
+        </p:spPr>
+        <p:txBody>
+          <a:bodyPr wrap="none" rtlCol="0">
+            <a:spAutoFit/>
+          </a:bodyPr>
+          <a:lstStyle/>
+          <a:p>
+            <a:r>
+              <a:rPr lang="ja-JP" altLang="en-US" sz="3200" b="1" dirty="0"/>
+              <a:t>実験</a:t>
+            </a:r>
+            <a:endParaRPr lang="zh-CN" altLang="en-US" sz="3200" b="1" dirty="0"/>
+          </a:p>
+        </p:txBody>
+      </p:sp>
+      <p:sp>
+        <p:nvSpPr>
+          <p:cNvPr id="3" name="矩形: 圆角 2">
+            <a:extLst>
+              <a:ext uri="{FF2B5EF4-FFF2-40B4-BE49-F238E27FC236}">
+                <a16:creationId xmlns:a16="http://schemas.microsoft.com/office/drawing/2014/main" id="{2CBA0A6C-80CA-A3CE-AAAD-A62116F6E5C9}"/>
+              </a:ext>
+            </a:extLst>
+          </p:cNvPr>
+          <p:cNvSpPr/>
+          <p:nvPr/>
+        </p:nvSpPr>
+        <p:spPr>
+          <a:xfrm>
+            <a:off x="337127" y="964765"/>
+            <a:ext cx="11517745" cy="72000"/>
+          </a:xfrm>
+          <a:prstGeom prst="roundRect">
+            <a:avLst/>
+          </a:prstGeom>
+        </p:spPr>
+        <p:style>
+          <a:lnRef idx="2">
+            <a:schemeClr val="accent1">
+              <a:shade val="15000"/>
+            </a:schemeClr>
+          </a:lnRef>
+          <a:fillRef idx="1">
+            <a:schemeClr val="accent1"/>
+          </a:fillRef>
+          <a:effectRef idx="0">
+            <a:schemeClr val="accent1"/>
+          </a:effectRef>
+          <a:fontRef idx="minor">
+            <a:schemeClr val="lt1"/>
+          </a:fontRef>
+        </p:style>
+        <p:txBody>
+          <a:bodyPr rtlCol="0" anchor="ctr"/>
+          <a:lstStyle/>
+          <a:p>
+            <a:pPr algn="ctr"/>
+            <a:endParaRPr lang="zh-CN" altLang="en-US"/>
+          </a:p>
+        </p:txBody>
+      </p:sp>
+    </p:spTree>
+    <p:extLst>
+      <p:ext uri="{BB962C8B-B14F-4D97-AF65-F5344CB8AC3E}">
+        <p14:creationId xmlns:p14="http://schemas.microsoft.com/office/powerpoint/2010/main" val="205592771"/>
+      </p:ext>
+    </p:extLst>
+  </p:cSld>
+  <p:clrMapOvr>
+    <a:masterClrMapping/>
+  </p:clrMapOvr>
+</p:sld>
+</file>
+
+<file path=ppt/slides/slide8.xml><?xml version="1.0" encoding="utf-8"?>
+<p:sld xmlns:a="http://schemas.openxmlformats.org/drawingml/2006/main" xmlns:r="http://schemas.openxmlformats.org/officeDocument/2006/relationships" xmlns:p="http://schemas.openxmlformats.org/presentationml/2006/main">
+  <p:cSld>
+    <p:spTree>
+      <p:nvGrpSpPr>
+        <p:cNvPr id="1" name=""/>
+        <p:cNvGrpSpPr/>
+        <p:nvPr/>
+      </p:nvGrpSpPr>
+      <p:grpSpPr>
+        <a:xfrm>
+          <a:off x="0" y="0"/>
+          <a:ext cx="0" cy="0"/>
+          <a:chOff x="0" y="0"/>
+          <a:chExt cx="0" cy="0"/>
+        </a:xfrm>
+      </p:grpSpPr>
+      <p:sp>
+        <p:nvSpPr>
+          <p:cNvPr id="2" name="文本框 1">
+            <a:extLst>
+              <a:ext uri="{FF2B5EF4-FFF2-40B4-BE49-F238E27FC236}">
+                <a16:creationId xmlns:a16="http://schemas.microsoft.com/office/drawing/2014/main" id="{D69CDDDF-2E93-AD40-6D62-0DF626A8F71F}"/>
+              </a:ext>
+            </a:extLst>
+          </p:cNvPr>
+          <p:cNvSpPr txBox="1"/>
+          <p:nvPr/>
+        </p:nvSpPr>
+        <p:spPr>
+          <a:xfrm>
+            <a:off x="301086" y="241382"/>
+            <a:ext cx="1826141" cy="584775"/>
+          </a:xfrm>
+          <a:prstGeom prst="rect">
+            <a:avLst/>
+          </a:prstGeom>
+          <a:noFill/>
+        </p:spPr>
+        <p:txBody>
+          <a:bodyPr wrap="none" rtlCol="0">
+            <a:spAutoFit/>
+          </a:bodyPr>
+          <a:lstStyle/>
+          <a:p>
+            <a:r>
+              <a:rPr lang="ja-JP" altLang="en-US" sz="3200" b="1" dirty="0"/>
+              <a:t>実験結果</a:t>
+            </a:r>
+            <a:endParaRPr lang="zh-CN" altLang="en-US" sz="3200" b="1" dirty="0"/>
+          </a:p>
+        </p:txBody>
+      </p:sp>
+      <p:sp>
+        <p:nvSpPr>
+          <p:cNvPr id="3" name="矩形: 圆角 2">
+            <a:extLst>
+              <a:ext uri="{FF2B5EF4-FFF2-40B4-BE49-F238E27FC236}">
+                <a16:creationId xmlns:a16="http://schemas.microsoft.com/office/drawing/2014/main" id="{2CBA0A6C-80CA-A3CE-AAAD-A62116F6E5C9}"/>
+              </a:ext>
+            </a:extLst>
+          </p:cNvPr>
+          <p:cNvSpPr/>
+          <p:nvPr/>
+        </p:nvSpPr>
+        <p:spPr>
+          <a:xfrm>
+            <a:off x="337127" y="964765"/>
+            <a:ext cx="11517745" cy="72000"/>
+          </a:xfrm>
+          <a:prstGeom prst="roundRect">
+            <a:avLst/>
+          </a:prstGeom>
+        </p:spPr>
+        <p:style>
+          <a:lnRef idx="2">
+            <a:schemeClr val="accent1">
+              <a:shade val="15000"/>
+            </a:schemeClr>
+          </a:lnRef>
+          <a:fillRef idx="1">
+            <a:schemeClr val="accent1"/>
+          </a:fillRef>
+          <a:effectRef idx="0">
+            <a:schemeClr val="accent1"/>
+          </a:effectRef>
+          <a:fontRef idx="minor">
+            <a:schemeClr val="lt1"/>
+          </a:fontRef>
+        </p:style>
+        <p:txBody>
+          <a:bodyPr rtlCol="0" anchor="ctr"/>
+          <a:lstStyle/>
+          <a:p>
+            <a:pPr algn="ctr"/>
+            <a:endParaRPr lang="zh-CN" altLang="en-US"/>
+          </a:p>
+        </p:txBody>
+      </p:sp>
+    </p:spTree>
+    <p:extLst>
+      <p:ext uri="{BB962C8B-B14F-4D97-AF65-F5344CB8AC3E}">
+        <p14:creationId xmlns:p14="http://schemas.microsoft.com/office/powerpoint/2010/main" val="3375927317"/>
+      </p:ext>
+    </p:extLst>
+  </p:cSld>
+  <p:clrMapOvr>
+    <a:masterClrMapping/>
+  </p:clrMapOvr>
+</p:sld>
+</file>
+
+<file path=ppt/slides/slide9.xml><?xml version="1.0" encoding="utf-8"?>
+<p:sld xmlns:a="http://schemas.openxmlformats.org/drawingml/2006/main" xmlns:r="http://schemas.openxmlformats.org/officeDocument/2006/relationships" xmlns:p="http://schemas.openxmlformats.org/presentationml/2006/main">
+  <p:cSld>
+    <p:spTree>
+      <p:nvGrpSpPr>
+        <p:cNvPr id="1" name=""/>
+        <p:cNvGrpSpPr/>
+        <p:nvPr/>
+      </p:nvGrpSpPr>
+      <p:grpSpPr>
+        <a:xfrm>
+          <a:off x="0" y="0"/>
+          <a:ext cx="0" cy="0"/>
+          <a:chOff x="0" y="0"/>
+          <a:chExt cx="0" cy="0"/>
+        </a:xfrm>
+      </p:grpSpPr>
+      <p:sp>
+        <p:nvSpPr>
+          <p:cNvPr id="2" name="文本框 1">
+            <a:extLst>
+              <a:ext uri="{FF2B5EF4-FFF2-40B4-BE49-F238E27FC236}">
+                <a16:creationId xmlns:a16="http://schemas.microsoft.com/office/drawing/2014/main" id="{D69CDDDF-2E93-AD40-6D62-0DF626A8F71F}"/>
+              </a:ext>
+            </a:extLst>
+          </p:cNvPr>
+          <p:cNvSpPr txBox="1"/>
+          <p:nvPr/>
+        </p:nvSpPr>
+        <p:spPr>
+          <a:xfrm>
+            <a:off x="301086" y="241382"/>
+            <a:ext cx="2236510" cy="584775"/>
+          </a:xfrm>
+          <a:prstGeom prst="rect">
+            <a:avLst/>
+          </a:prstGeom>
+          <a:noFill/>
+        </p:spPr>
+        <p:txBody>
+          <a:bodyPr wrap="none" rtlCol="0">
+            <a:spAutoFit/>
+          </a:bodyPr>
+          <a:lstStyle/>
+          <a:p>
+            <a:r>
+              <a:rPr lang="ja-JP" altLang="en-US" sz="3200" b="1" dirty="0"/>
+              <a:t>研究の概要</a:t>
+            </a:r>
+            <a:endParaRPr lang="zh-CN" altLang="en-US" sz="3200" b="1" dirty="0"/>
+          </a:p>
+        </p:txBody>
+      </p:sp>
+      <p:sp>
+        <p:nvSpPr>
+          <p:cNvPr id="3" name="矩形: 圆角 2">
+            <a:extLst>
+              <a:ext uri="{FF2B5EF4-FFF2-40B4-BE49-F238E27FC236}">
+                <a16:creationId xmlns:a16="http://schemas.microsoft.com/office/drawing/2014/main" id="{2CBA0A6C-80CA-A3CE-AAAD-A62116F6E5C9}"/>
+              </a:ext>
+            </a:extLst>
+          </p:cNvPr>
+          <p:cNvSpPr/>
+          <p:nvPr/>
+        </p:nvSpPr>
+        <p:spPr>
+          <a:xfrm>
+            <a:off x="337127" y="964765"/>
+            <a:ext cx="11517745" cy="72000"/>
+          </a:xfrm>
+          <a:prstGeom prst="roundRect">
+            <a:avLst/>
+          </a:prstGeom>
+        </p:spPr>
+        <p:style>
+          <a:lnRef idx="2">
+            <a:schemeClr val="accent1">
+              <a:shade val="15000"/>
+            </a:schemeClr>
+          </a:lnRef>
+          <a:fillRef idx="1">
+            <a:schemeClr val="accent1"/>
+          </a:fillRef>
+          <a:effectRef idx="0">
+            <a:schemeClr val="accent1"/>
+          </a:effectRef>
+          <a:fontRef idx="minor">
+            <a:schemeClr val="lt1"/>
+          </a:fontRef>
+        </p:style>
+        <p:txBody>
+          <a:bodyPr rtlCol="0" anchor="ctr"/>
+          <a:lstStyle/>
+          <a:p>
+            <a:pPr algn="ctr"/>
+            <a:endParaRPr lang="zh-CN" altLang="en-US"/>
+          </a:p>
+        </p:txBody>
+      </p:sp>
+    </p:spTree>
+    <p:extLst>
+      <p:ext uri="{BB962C8B-B14F-4D97-AF65-F5344CB8AC3E}">
+        <p14:creationId xmlns:p14="http://schemas.microsoft.com/office/powerpoint/2010/main" val="1132374317"/>
       </p:ext>
     </p:extLst>
   </p:cSld>

--- a/中期.pptx
+++ b/中期.pptx
@@ -206,7 +206,7 @@
           <a:p>
             <a:fld id="{6A95CE0B-8EC2-498B-8266-4712FFFA85A5}" type="datetimeFigureOut">
               <a:rPr lang="zh-CN" altLang="en-US" smtClean="0"/>
-              <a:t>2024/8/27</a:t>
+              <a:t>2024/8/29</a:t>
             </a:fld>
             <a:endParaRPr lang="zh-CN" altLang="en-US"/>
           </a:p>
@@ -620,7 +620,7 @@
           <a:p>
             <a:fld id="{0D121C38-DC67-40B6-916F-9E6198090CA5}" type="datetimeFigureOut">
               <a:rPr lang="zh-CN" altLang="en-US" smtClean="0"/>
-              <a:t>2024/8/27</a:t>
+              <a:t>2024/8/29</a:t>
             </a:fld>
             <a:endParaRPr lang="zh-CN" altLang="en-US"/>
           </a:p>
@@ -818,7 +818,7 @@
           <a:p>
             <a:fld id="{0D121C38-DC67-40B6-916F-9E6198090CA5}" type="datetimeFigureOut">
               <a:rPr lang="zh-CN" altLang="en-US" smtClean="0"/>
-              <a:t>2024/8/27</a:t>
+              <a:t>2024/8/29</a:t>
             </a:fld>
             <a:endParaRPr lang="zh-CN" altLang="en-US"/>
           </a:p>
@@ -1026,7 +1026,7 @@
           <a:p>
             <a:fld id="{0D121C38-DC67-40B6-916F-9E6198090CA5}" type="datetimeFigureOut">
               <a:rPr lang="zh-CN" altLang="en-US" smtClean="0"/>
-              <a:t>2024/8/27</a:t>
+              <a:t>2024/8/29</a:t>
             </a:fld>
             <a:endParaRPr lang="zh-CN" altLang="en-US"/>
           </a:p>
@@ -1224,7 +1224,7 @@
           <a:p>
             <a:fld id="{0D121C38-DC67-40B6-916F-9E6198090CA5}" type="datetimeFigureOut">
               <a:rPr lang="zh-CN" altLang="en-US" smtClean="0"/>
-              <a:t>2024/8/27</a:t>
+              <a:t>2024/8/29</a:t>
             </a:fld>
             <a:endParaRPr lang="zh-CN" altLang="en-US"/>
           </a:p>
@@ -1499,7 +1499,7 @@
           <a:p>
             <a:fld id="{0D121C38-DC67-40B6-916F-9E6198090CA5}" type="datetimeFigureOut">
               <a:rPr lang="zh-CN" altLang="en-US" smtClean="0"/>
-              <a:t>2024/8/27</a:t>
+              <a:t>2024/8/29</a:t>
             </a:fld>
             <a:endParaRPr lang="zh-CN" altLang="en-US"/>
           </a:p>
@@ -1764,7 +1764,7 @@
           <a:p>
             <a:fld id="{0D121C38-DC67-40B6-916F-9E6198090CA5}" type="datetimeFigureOut">
               <a:rPr lang="zh-CN" altLang="en-US" smtClean="0"/>
-              <a:t>2024/8/27</a:t>
+              <a:t>2024/8/29</a:t>
             </a:fld>
             <a:endParaRPr lang="zh-CN" altLang="en-US"/>
           </a:p>
@@ -2176,7 +2176,7 @@
           <a:p>
             <a:fld id="{0D121C38-DC67-40B6-916F-9E6198090CA5}" type="datetimeFigureOut">
               <a:rPr lang="zh-CN" altLang="en-US" smtClean="0"/>
-              <a:t>2024/8/27</a:t>
+              <a:t>2024/8/29</a:t>
             </a:fld>
             <a:endParaRPr lang="zh-CN" altLang="en-US"/>
           </a:p>
@@ -2317,7 +2317,7 @@
           <a:p>
             <a:fld id="{0D121C38-DC67-40B6-916F-9E6198090CA5}" type="datetimeFigureOut">
               <a:rPr lang="zh-CN" altLang="en-US" smtClean="0"/>
-              <a:t>2024/8/27</a:t>
+              <a:t>2024/8/29</a:t>
             </a:fld>
             <a:endParaRPr lang="zh-CN" altLang="en-US"/>
           </a:p>
@@ -2430,7 +2430,7 @@
           <a:p>
             <a:fld id="{0D121C38-DC67-40B6-916F-9E6198090CA5}" type="datetimeFigureOut">
               <a:rPr lang="zh-CN" altLang="en-US" smtClean="0"/>
-              <a:t>2024/8/27</a:t>
+              <a:t>2024/8/29</a:t>
             </a:fld>
             <a:endParaRPr lang="zh-CN" altLang="en-US"/>
           </a:p>
@@ -2741,7 +2741,7 @@
           <a:p>
             <a:fld id="{0D121C38-DC67-40B6-916F-9E6198090CA5}" type="datetimeFigureOut">
               <a:rPr lang="zh-CN" altLang="en-US" smtClean="0"/>
-              <a:t>2024/8/27</a:t>
+              <a:t>2024/8/29</a:t>
             </a:fld>
             <a:endParaRPr lang="zh-CN" altLang="en-US"/>
           </a:p>
@@ -3029,7 +3029,7 @@
           <a:p>
             <a:fld id="{0D121C38-DC67-40B6-916F-9E6198090CA5}" type="datetimeFigureOut">
               <a:rPr lang="zh-CN" altLang="en-US" smtClean="0"/>
-              <a:t>2024/8/27</a:t>
+              <a:t>2024/8/29</a:t>
             </a:fld>
             <a:endParaRPr lang="zh-CN" altLang="en-US"/>
           </a:p>
@@ -3270,7 +3270,7 @@
           <a:p>
             <a:fld id="{0D121C38-DC67-40B6-916F-9E6198090CA5}" type="datetimeFigureOut">
               <a:rPr lang="zh-CN" altLang="en-US" smtClean="0"/>
-              <a:t>2024/8/27</a:t>
+              <a:t>2024/8/29</a:t>
             </a:fld>
             <a:endParaRPr lang="zh-CN" altLang="en-US"/>
           </a:p>
@@ -5171,8 +5171,8 @@
           </a:p>
         </p:txBody>
       </p:sp>
-      <mc:AlternateContent xmlns:mc="http://schemas.openxmlformats.org/markup-compatibility/2006">
-        <mc:Choice xmlns:a14="http://schemas.microsoft.com/office/drawing/2010/main" Requires="a14">
+      <mc:AlternateContent xmlns:mc="http://schemas.openxmlformats.org/markup-compatibility/2006" xmlns:a14="http://schemas.microsoft.com/office/drawing/2010/main">
+        <mc:Choice Requires="a14">
           <p:sp>
             <p:nvSpPr>
               <p:cNvPr id="12" name="文本框 11">
@@ -5377,7 +5377,7 @@
             </p:txBody>
           </p:sp>
         </mc:Choice>
-        <mc:Fallback>
+        <mc:Fallback xmlns="">
           <p:sp>
             <p:nvSpPr>
               <p:cNvPr id="12" name="文本框 11">
@@ -5538,8 +5538,8 @@
           </a:p>
         </p:txBody>
       </p:sp>
-      <mc:AlternateContent xmlns:mc="http://schemas.openxmlformats.org/markup-compatibility/2006">
-        <mc:Choice xmlns:a14="http://schemas.microsoft.com/office/drawing/2010/main" Requires="a14">
+      <mc:AlternateContent xmlns:mc="http://schemas.openxmlformats.org/markup-compatibility/2006" xmlns:a14="http://schemas.microsoft.com/office/drawing/2010/main">
+        <mc:Choice Requires="a14">
           <p:sp>
             <p:nvSpPr>
               <p:cNvPr id="4" name="文本框 1">
@@ -5770,6 +5770,7 @@
                 <a:endParaRPr lang="en-US" altLang="ja-JP" sz="1600" dirty="0"/>
               </a:p>
               <a:p>
+                <a:pPr/>
                 <a14:m>
                   <m:oMathPara xmlns:m="http://schemas.openxmlformats.org/officeDocument/2006/math">
                     <m:oMathParaPr>
@@ -6075,6 +6076,7 @@
                 <a:endParaRPr lang="en-US" altLang="ja-JP" sz="1600" dirty="0"/>
               </a:p>
               <a:p>
+                <a:pPr/>
                 <a14:m>
                   <m:oMathPara xmlns:m="http://schemas.openxmlformats.org/officeDocument/2006/math">
                     <m:oMathParaPr>
@@ -6719,7 +6721,7 @@
             </p:txBody>
           </p:sp>
         </mc:Choice>
-        <mc:Fallback>
+        <mc:Fallback xmlns="">
           <p:sp>
             <p:nvSpPr>
               <p:cNvPr id="4" name="文本框 1">
@@ -6764,8 +6766,8 @@
           </p:sp>
         </mc:Fallback>
       </mc:AlternateContent>
-      <mc:AlternateContent xmlns:mc="http://schemas.openxmlformats.org/markup-compatibility/2006">
-        <mc:Choice xmlns:a14="http://schemas.microsoft.com/office/drawing/2010/main" Requires="a14">
+      <mc:AlternateContent xmlns:mc="http://schemas.openxmlformats.org/markup-compatibility/2006" xmlns:a14="http://schemas.microsoft.com/office/drawing/2010/main">
+        <mc:Choice Requires="a14">
           <p:sp>
             <p:nvSpPr>
               <p:cNvPr id="5" name="文本框 4">
@@ -6974,7 +6976,7 @@
             </p:txBody>
           </p:sp>
         </mc:Choice>
-        <mc:Fallback>
+        <mc:Fallback xmlns="">
           <p:sp>
             <p:nvSpPr>
               <p:cNvPr id="5" name="文本框 4">
@@ -7170,8 +7172,8 @@
         </p:nvSpPr>
         <p:spPr>
           <a:xfrm>
-            <a:off x="337127" y="1288723"/>
-            <a:ext cx="6096000" cy="1600438"/>
+            <a:off x="114237" y="1124367"/>
+            <a:ext cx="6210959" cy="1415772"/>
           </a:xfrm>
           <a:prstGeom prst="rect">
             <a:avLst/>
@@ -7237,7 +7239,7 @@
         </p:nvGrpSpPr>
         <p:grpSpPr>
           <a:xfrm>
-            <a:off x="369647" y="3384223"/>
+            <a:off x="255230" y="3238173"/>
             <a:ext cx="1907308" cy="1565640"/>
             <a:chOff x="886691" y="3441643"/>
             <a:chExt cx="1907308" cy="1565640"/>
@@ -7899,7 +7901,7 @@
         </p:nvGrpSpPr>
         <p:grpSpPr>
           <a:xfrm>
-            <a:off x="3131127" y="3384223"/>
+            <a:off x="3487763" y="3238173"/>
             <a:ext cx="1907308" cy="1565640"/>
             <a:chOff x="886691" y="3441643"/>
             <a:chExt cx="1907308" cy="1565640"/>
@@ -8403,7 +8405,7 @@
         </p:nvCxnSpPr>
         <p:spPr>
           <a:xfrm flipV="1">
-            <a:off x="3399173" y="3652269"/>
+            <a:off x="3755809" y="3506219"/>
             <a:ext cx="314036" cy="472981"/>
           </a:xfrm>
           <a:prstGeom prst="straightConnector1">
@@ -8448,7 +8450,7 @@
         </p:nvCxnSpPr>
         <p:spPr>
           <a:xfrm>
-            <a:off x="3713209" y="3652269"/>
+            <a:off x="4069845" y="3506219"/>
             <a:ext cx="789134" cy="111028"/>
           </a:xfrm>
           <a:prstGeom prst="straightConnector1">
@@ -8494,7 +8496,7 @@
         </p:nvCxnSpPr>
         <p:spPr>
           <a:xfrm>
-            <a:off x="4502343" y="3763297"/>
+            <a:off x="4858979" y="3617247"/>
             <a:ext cx="268046" cy="807492"/>
           </a:xfrm>
           <a:prstGeom prst="straightConnector1">
@@ -8539,7 +8541,7 @@
         </p:nvCxnSpPr>
         <p:spPr>
           <a:xfrm flipH="1">
-            <a:off x="3713209" y="4570789"/>
+            <a:off x="4069845" y="4424739"/>
             <a:ext cx="1057180" cy="65038"/>
           </a:xfrm>
           <a:prstGeom prst="straightConnector1">
@@ -8584,7 +8586,7 @@
         </p:nvCxnSpPr>
         <p:spPr>
           <a:xfrm flipH="1" flipV="1">
-            <a:off x="3399173" y="4125250"/>
+            <a:off x="3755809" y="3979200"/>
             <a:ext cx="314036" cy="510577"/>
           </a:xfrm>
           <a:prstGeom prst="straightConnector1">
@@ -8626,7 +8628,7 @@
         </p:nvSpPr>
         <p:spPr>
           <a:xfrm>
-            <a:off x="593137" y="5415847"/>
+            <a:off x="581588" y="5269797"/>
             <a:ext cx="1415772" cy="276999"/>
           </a:xfrm>
           <a:prstGeom prst="rect">
@@ -8662,7 +8664,7 @@
         </p:nvSpPr>
         <p:spPr>
           <a:xfrm>
-            <a:off x="3616403" y="5415846"/>
+            <a:off x="3604854" y="5269796"/>
             <a:ext cx="1415772" cy="276999"/>
           </a:xfrm>
           <a:prstGeom prst="rect">
@@ -8698,8 +8700,8 @@
         </p:nvSpPr>
         <p:spPr>
           <a:xfrm>
-            <a:off x="337127" y="5972414"/>
-            <a:ext cx="6096000" cy="369332"/>
+            <a:off x="385614" y="5846807"/>
+            <a:ext cx="5009457" cy="276999"/>
           </a:xfrm>
           <a:prstGeom prst="rect">
             <a:avLst/>
@@ -8713,13 +8715,2877 @@
           <a:lstStyle/>
           <a:p>
             <a:r>
-              <a:rPr lang="ja-JP" altLang="en-US" sz="1800" dirty="0"/>
-              <a:t>最適巡回路</a:t>
+              <a:rPr lang="ja-JP" altLang="en-US" sz="1200" dirty="0"/>
+              <a:t>このインスタンスの最適巡回路：</a:t>
             </a:r>
-            <a:endParaRPr lang="zh-CN" altLang="en-US" dirty="0"/>
+            <a:r>
+              <a:rPr lang="en-US" altLang="ja-JP" sz="1200" dirty="0"/>
+              <a:t>1-2-3-4-5</a:t>
+            </a:r>
+            <a:endParaRPr lang="zh-CN" altLang="en-US" sz="1200" dirty="0"/>
           </a:p>
         </p:txBody>
       </p:sp>
+      <p:sp>
+        <p:nvSpPr>
+          <p:cNvPr id="68" name="箭头: 右 67">
+            <a:extLst>
+              <a:ext uri="{FF2B5EF4-FFF2-40B4-BE49-F238E27FC236}">
+                <a16:creationId xmlns:a16="http://schemas.microsoft.com/office/drawing/2014/main" id="{BF839185-A072-C9A9-B5A6-5CBBA129A5C6}"/>
+              </a:ext>
+            </a:extLst>
+          </p:cNvPr>
+          <p:cNvSpPr/>
+          <p:nvPr/>
+        </p:nvSpPr>
+        <p:spPr>
+          <a:xfrm>
+            <a:off x="2455490" y="3965479"/>
+            <a:ext cx="764227" cy="134662"/>
+          </a:xfrm>
+          <a:prstGeom prst="rightArrow">
+            <a:avLst/>
+          </a:prstGeom>
+        </p:spPr>
+        <p:style>
+          <a:lnRef idx="2">
+            <a:schemeClr val="accent1">
+              <a:shade val="15000"/>
+            </a:schemeClr>
+          </a:lnRef>
+          <a:fillRef idx="1">
+            <a:schemeClr val="accent1"/>
+          </a:fillRef>
+          <a:effectRef idx="0">
+            <a:schemeClr val="accent1"/>
+          </a:effectRef>
+          <a:fontRef idx="minor">
+            <a:schemeClr val="lt1"/>
+          </a:fontRef>
+        </p:style>
+        <p:txBody>
+          <a:bodyPr rtlCol="0" anchor="ctr"/>
+          <a:lstStyle/>
+          <a:p>
+            <a:pPr algn="ctr"/>
+            <a:endParaRPr lang="zh-CN" altLang="en-US"/>
+          </a:p>
+        </p:txBody>
+      </p:sp>
+      <p:sp>
+        <p:nvSpPr>
+          <p:cNvPr id="72" name="文本框 71">
+            <a:extLst>
+              <a:ext uri="{FF2B5EF4-FFF2-40B4-BE49-F238E27FC236}">
+                <a16:creationId xmlns:a16="http://schemas.microsoft.com/office/drawing/2014/main" id="{42783A77-0BE4-9ED3-DCC5-355F47CD2F21}"/>
+              </a:ext>
+            </a:extLst>
+          </p:cNvPr>
+          <p:cNvSpPr txBox="1"/>
+          <p:nvPr/>
+        </p:nvSpPr>
+        <p:spPr>
+          <a:xfrm>
+            <a:off x="2419498" y="3684290"/>
+            <a:ext cx="800219" cy="276999"/>
+          </a:xfrm>
+          <a:prstGeom prst="rect">
+            <a:avLst/>
+          </a:prstGeom>
+          <a:noFill/>
+        </p:spPr>
+        <p:txBody>
+          <a:bodyPr wrap="none" rtlCol="0">
+            <a:spAutoFit/>
+          </a:bodyPr>
+          <a:lstStyle/>
+          <a:p>
+            <a:r>
+              <a:rPr lang="ja-JP" altLang="en-US" sz="1200" dirty="0"/>
+              <a:t>ソルバー</a:t>
+            </a:r>
+            <a:endParaRPr lang="zh-CN" altLang="en-US" sz="1200" dirty="0"/>
+          </a:p>
+        </p:txBody>
+      </p:sp>
+      <mc:AlternateContent xmlns:mc="http://schemas.openxmlformats.org/markup-compatibility/2006">
+        <mc:Choice xmlns:a14="http://schemas.microsoft.com/office/drawing/2010/main" Requires="a14">
+          <p:sp>
+            <p:nvSpPr>
+              <p:cNvPr id="75" name="文本框 6">
+                <a:extLst>
+                  <a:ext uri="{FF2B5EF4-FFF2-40B4-BE49-F238E27FC236}">
+                    <a16:creationId xmlns:a16="http://schemas.microsoft.com/office/drawing/2014/main" id="{ABF0CB36-9E7A-F45F-C488-7F7C473D4D67}"/>
+                  </a:ext>
+                </a:extLst>
+              </p:cNvPr>
+              <p:cNvSpPr txBox="1"/>
+              <p:nvPr/>
+            </p:nvSpPr>
+            <p:spPr>
+              <a:xfrm>
+                <a:off x="6532230" y="1083933"/>
+                <a:ext cx="3308565" cy="4345870"/>
+              </a:xfrm>
+              <a:prstGeom prst="rect">
+                <a:avLst/>
+              </a:prstGeom>
+              <a:noFill/>
+            </p:spPr>
+            <p:txBody>
+              <a:bodyPr wrap="square" lIns="0" tIns="0" rIns="0" bIns="0" rtlCol="0">
+                <a:spAutoFit/>
+              </a:bodyPr>
+              <a:lstStyle>
+                <a:defPPr>
+                  <a:defRPr lang="zh-CN"/>
+                </a:defPPr>
+                <a:lvl1pPr marL="0" algn="l" defTabSz="914400" rtl="0" eaLnBrk="1" latinLnBrk="0" hangingPunct="1">
+                  <a:defRPr sz="1800" kern="1200">
+                    <a:solidFill>
+                      <a:schemeClr val="tx1"/>
+                    </a:solidFill>
+                    <a:latin typeface="+mn-lt"/>
+                    <a:ea typeface="+mn-ea"/>
+                    <a:cs typeface="+mn-cs"/>
+                  </a:defRPr>
+                </a:lvl1pPr>
+                <a:lvl2pPr marL="457200" algn="l" defTabSz="914400" rtl="0" eaLnBrk="1" latinLnBrk="0" hangingPunct="1">
+                  <a:defRPr sz="1800" kern="1200">
+                    <a:solidFill>
+                      <a:schemeClr val="tx1"/>
+                    </a:solidFill>
+                    <a:latin typeface="+mn-lt"/>
+                    <a:ea typeface="+mn-ea"/>
+                    <a:cs typeface="+mn-cs"/>
+                  </a:defRPr>
+                </a:lvl2pPr>
+                <a:lvl3pPr marL="914400" algn="l" defTabSz="914400" rtl="0" eaLnBrk="1" latinLnBrk="0" hangingPunct="1">
+                  <a:defRPr sz="1800" kern="1200">
+                    <a:solidFill>
+                      <a:schemeClr val="tx1"/>
+                    </a:solidFill>
+                    <a:latin typeface="+mn-lt"/>
+                    <a:ea typeface="+mn-ea"/>
+                    <a:cs typeface="+mn-cs"/>
+                  </a:defRPr>
+                </a:lvl3pPr>
+                <a:lvl4pPr marL="1371600" algn="l" defTabSz="914400" rtl="0" eaLnBrk="1" latinLnBrk="0" hangingPunct="1">
+                  <a:defRPr sz="1800" kern="1200">
+                    <a:solidFill>
+                      <a:schemeClr val="tx1"/>
+                    </a:solidFill>
+                    <a:latin typeface="+mn-lt"/>
+                    <a:ea typeface="+mn-ea"/>
+                    <a:cs typeface="+mn-cs"/>
+                  </a:defRPr>
+                </a:lvl4pPr>
+                <a:lvl5pPr marL="1828800" algn="l" defTabSz="914400" rtl="0" eaLnBrk="1" latinLnBrk="0" hangingPunct="1">
+                  <a:defRPr sz="1800" kern="1200">
+                    <a:solidFill>
+                      <a:schemeClr val="tx1"/>
+                    </a:solidFill>
+                    <a:latin typeface="+mn-lt"/>
+                    <a:ea typeface="+mn-ea"/>
+                    <a:cs typeface="+mn-cs"/>
+                  </a:defRPr>
+                </a:lvl5pPr>
+                <a:lvl6pPr marL="2286000" algn="l" defTabSz="914400" rtl="0" eaLnBrk="1" latinLnBrk="0" hangingPunct="1">
+                  <a:defRPr sz="1800" kern="1200">
+                    <a:solidFill>
+                      <a:schemeClr val="tx1"/>
+                    </a:solidFill>
+                    <a:latin typeface="+mn-lt"/>
+                    <a:ea typeface="+mn-ea"/>
+                    <a:cs typeface="+mn-cs"/>
+                  </a:defRPr>
+                </a:lvl6pPr>
+                <a:lvl7pPr marL="2743200" algn="l" defTabSz="914400" rtl="0" eaLnBrk="1" latinLnBrk="0" hangingPunct="1">
+                  <a:defRPr sz="1800" kern="1200">
+                    <a:solidFill>
+                      <a:schemeClr val="tx1"/>
+                    </a:solidFill>
+                    <a:latin typeface="+mn-lt"/>
+                    <a:ea typeface="+mn-ea"/>
+                    <a:cs typeface="+mn-cs"/>
+                  </a:defRPr>
+                </a:lvl7pPr>
+                <a:lvl8pPr marL="3200400" algn="l" defTabSz="914400" rtl="0" eaLnBrk="1" latinLnBrk="0" hangingPunct="1">
+                  <a:defRPr sz="1800" kern="1200">
+                    <a:solidFill>
+                      <a:schemeClr val="tx1"/>
+                    </a:solidFill>
+                    <a:latin typeface="+mn-lt"/>
+                    <a:ea typeface="+mn-ea"/>
+                    <a:cs typeface="+mn-cs"/>
+                  </a:defRPr>
+                </a:lvl8pPr>
+                <a:lvl9pPr marL="3657600" algn="l" defTabSz="914400" rtl="0" eaLnBrk="1" latinLnBrk="0" hangingPunct="1">
+                  <a:defRPr sz="1800" kern="1200">
+                    <a:solidFill>
+                      <a:schemeClr val="tx1"/>
+                    </a:solidFill>
+                    <a:latin typeface="+mn-lt"/>
+                    <a:ea typeface="+mn-ea"/>
+                    <a:cs typeface="+mn-cs"/>
+                  </a:defRPr>
+                </a:lvl9pPr>
+              </a:lstStyle>
+              <a:p>
+                <a:r>
+                  <a:rPr lang="en-US" altLang="ja-JP" sz="1200" b="1" dirty="0"/>
+                  <a:t>TSP</a:t>
+                </a:r>
+                <a:r>
+                  <a:rPr lang="ja-JP" altLang="en-US" sz="1200" b="1" dirty="0"/>
+                  <a:t>問題の</a:t>
+                </a:r>
+                <a:r>
+                  <a:rPr lang="en-US" altLang="ja-JP" sz="1200" b="1" dirty="0"/>
+                  <a:t>QUBO</a:t>
+                </a:r>
+                <a:r>
+                  <a:rPr lang="ja-JP" altLang="en-US" sz="1200" b="1" dirty="0"/>
+                  <a:t>モデル</a:t>
+                </a:r>
+                <a:endParaRPr lang="en-US" altLang="ja-JP" sz="1200" dirty="0"/>
+              </a:p>
+              <a:p>
+                <a:endParaRPr lang="en-US" altLang="ja-JP" sz="1200" dirty="0"/>
+              </a:p>
+              <a:p>
+                <a:r>
+                  <a:rPr lang="ja-JP" altLang="en-US" sz="1200" dirty="0"/>
+                  <a:t>バイナリ変数</a:t>
+                </a:r>
+                <a14:m>
+                  <m:oMath xmlns:m="http://schemas.openxmlformats.org/officeDocument/2006/math">
+                    <m:r>
+                      <a:rPr lang="en-US" altLang="ja-JP" sz="1200" b="0" i="1" smtClean="0">
+                        <a:latin typeface="Cambria Math" panose="02040503050406030204" pitchFamily="18" charset="0"/>
+                      </a:rPr>
+                      <m:t>𝑥</m:t>
+                    </m:r>
+                  </m:oMath>
+                </a14:m>
+                <a:r>
+                  <a:rPr lang="ja-JP" altLang="en-US" sz="1200" dirty="0"/>
+                  <a:t>を定義する：</a:t>
+                </a:r>
+                <a:endParaRPr lang="en-US" altLang="zh-CN" sz="1200" dirty="0"/>
+              </a:p>
+              <a:p>
+                <a:pPr algn="dist"/>
+                <a14:m>
+                  <m:oMathPara xmlns:m="http://schemas.openxmlformats.org/officeDocument/2006/math">
+                    <m:oMathParaPr>
+                      <m:jc m:val="center"/>
+                    </m:oMathParaPr>
+                    <m:oMath xmlns:m="http://schemas.openxmlformats.org/officeDocument/2006/math">
+                      <m:sSub>
+                        <m:sSubPr>
+                          <m:ctrlPr>
+                            <a:rPr lang="en-US" altLang="zh-CN" sz="1200" i="1" smtClean="0">
+                              <a:latin typeface="Cambria Math" panose="02040503050406030204" pitchFamily="18" charset="0"/>
+                            </a:rPr>
+                          </m:ctrlPr>
+                        </m:sSubPr>
+                        <m:e>
+                          <m:r>
+                            <a:rPr lang="en-US" altLang="zh-CN" sz="1200" b="0" i="1" smtClean="0">
+                              <a:latin typeface="Cambria Math" panose="02040503050406030204" pitchFamily="18" charset="0"/>
+                            </a:rPr>
+                            <m:t>𝑥</m:t>
+                          </m:r>
+                        </m:e>
+                        <m:sub>
+                          <m:r>
+                            <a:rPr lang="en-US" altLang="zh-CN" sz="1200" b="0" i="1" smtClean="0">
+                              <a:latin typeface="Cambria Math" panose="02040503050406030204" pitchFamily="18" charset="0"/>
+                            </a:rPr>
+                            <m:t>𝑖</m:t>
+                          </m:r>
+                          <m:r>
+                            <a:rPr lang="en-US" altLang="zh-CN" sz="1200" b="0" i="1" smtClean="0">
+                              <a:latin typeface="Cambria Math" panose="02040503050406030204" pitchFamily="18" charset="0"/>
+                            </a:rPr>
+                            <m:t>,</m:t>
+                          </m:r>
+                          <m:r>
+                            <a:rPr lang="en-US" altLang="zh-CN" sz="1200" b="0" i="1" smtClean="0">
+                              <a:latin typeface="Cambria Math" panose="02040503050406030204" pitchFamily="18" charset="0"/>
+                            </a:rPr>
+                            <m:t>𝑡</m:t>
+                          </m:r>
+                        </m:sub>
+                      </m:sSub>
+                      <m:d>
+                        <m:dPr>
+                          <m:begChr m:val="{"/>
+                          <m:endChr m:val=""/>
+                          <m:ctrlPr>
+                            <a:rPr lang="en-US" altLang="zh-CN" sz="1200" i="1" smtClean="0">
+                              <a:latin typeface="Cambria Math" panose="02040503050406030204" pitchFamily="18" charset="0"/>
+                            </a:rPr>
+                          </m:ctrlPr>
+                        </m:dPr>
+                        <m:e>
+                          <m:eqArr>
+                            <m:eqArrPr>
+                              <m:ctrlPr>
+                                <a:rPr lang="en-US" altLang="zh-CN" sz="1200" i="1" smtClean="0">
+                                  <a:latin typeface="Cambria Math" panose="02040503050406030204" pitchFamily="18" charset="0"/>
+                                </a:rPr>
+                              </m:ctrlPr>
+                            </m:eqArrPr>
+                            <m:e>
+                              <m:r>
+                                <a:rPr lang="en-US" altLang="zh-CN" sz="1200" b="0" i="1" smtClean="0">
+                                  <a:latin typeface="Cambria Math" panose="02040503050406030204" pitchFamily="18" charset="0"/>
+                                </a:rPr>
+                                <m:t>1</m:t>
+                              </m:r>
+                              <m:r>
+                                <a:rPr lang="en-US" altLang="zh-CN" sz="1200" b="0" i="1" smtClean="0">
+                                  <a:latin typeface="Cambria Math" panose="02040503050406030204" pitchFamily="18" charset="0"/>
+                                </a:rPr>
+                                <m:t>,  </m:t>
+                              </m:r>
+                              <m:r>
+                                <a:rPr lang="ja-JP" altLang="en-US" sz="1200" i="1">
+                                  <a:latin typeface="Cambria Math" panose="02040503050406030204" pitchFamily="18" charset="0"/>
+                                </a:rPr>
+                                <m:t>都市</m:t>
+                              </m:r>
+                              <m:r>
+                                <a:rPr lang="en-US" altLang="ja-JP" sz="1200" i="1">
+                                  <a:latin typeface="Cambria Math" panose="02040503050406030204" pitchFamily="18" charset="0"/>
+                                </a:rPr>
+                                <m:t>𝑖</m:t>
+                              </m:r>
+                              <m:r>
+                                <a:rPr lang="ja-JP" altLang="en-US" sz="1200" i="1">
+                                  <a:latin typeface="Cambria Math" panose="02040503050406030204" pitchFamily="18" charset="0"/>
+                                </a:rPr>
+                                <m:t>へ</m:t>
+                              </m:r>
+                              <m:r>
+                                <a:rPr lang="en-US" altLang="ja-JP" sz="1200" i="1">
+                                  <a:latin typeface="Cambria Math" panose="02040503050406030204" pitchFamily="18" charset="0"/>
+                                </a:rPr>
+                                <m:t>𝑡</m:t>
+                              </m:r>
+                              <m:r>
+                                <a:rPr lang="ja-JP" altLang="en-US" sz="1200" i="1">
+                                  <a:latin typeface="Cambria Math" panose="02040503050406030204" pitchFamily="18" charset="0"/>
+                                </a:rPr>
+                                <m:t>番目</m:t>
+                              </m:r>
+                              <m:r>
+                                <a:rPr lang="ja-JP" altLang="en-US" sz="1200" i="1">
+                                  <a:latin typeface="Cambria Math" panose="02040503050406030204" pitchFamily="18" charset="0"/>
+                                </a:rPr>
+                                <m:t>訪れる</m:t>
+                              </m:r>
+                            </m:e>
+                            <m:e>
+                              <m:r>
+                                <a:rPr lang="en-US" altLang="ja-JP" sz="1200" b="0" i="1" smtClean="0">
+                                  <a:latin typeface="Cambria Math" panose="02040503050406030204" pitchFamily="18" charset="0"/>
+                                </a:rPr>
+                                <m:t>     </m:t>
+                              </m:r>
+                              <m:r>
+                                <a:rPr lang="en-US" altLang="zh-CN" sz="1200" b="0" i="1" smtClean="0">
+                                  <a:latin typeface="Cambria Math" panose="02040503050406030204" pitchFamily="18" charset="0"/>
+                                </a:rPr>
+                                <m:t>0</m:t>
+                              </m:r>
+                              <m:r>
+                                <a:rPr lang="en-US" altLang="zh-CN" sz="1200" b="0" i="1" smtClean="0">
+                                  <a:latin typeface="Cambria Math" panose="02040503050406030204" pitchFamily="18" charset="0"/>
+                                </a:rPr>
+                                <m:t>,  </m:t>
+                              </m:r>
+                              <m:r>
+                                <a:rPr lang="ja-JP" altLang="en-US" sz="1200" i="1">
+                                  <a:latin typeface="Cambria Math" panose="02040503050406030204" pitchFamily="18" charset="0"/>
+                                </a:rPr>
+                                <m:t>都市</m:t>
+                              </m:r>
+                              <m:r>
+                                <a:rPr lang="en-US" altLang="zh-CN" sz="1200" b="0" i="1" smtClean="0">
+                                  <a:latin typeface="Cambria Math" panose="02040503050406030204" pitchFamily="18" charset="0"/>
+                                </a:rPr>
+                                <m:t>𝑖</m:t>
+                              </m:r>
+                              <m:r>
+                                <a:rPr lang="ja-JP" altLang="en-US" sz="1200" i="1">
+                                  <a:latin typeface="Cambria Math" panose="02040503050406030204" pitchFamily="18" charset="0"/>
+                                </a:rPr>
+                                <m:t>へ</m:t>
+                              </m:r>
+                              <m:r>
+                                <a:rPr lang="en-US" altLang="zh-CN" sz="1200" b="0" i="1" smtClean="0">
+                                  <a:latin typeface="Cambria Math" panose="02040503050406030204" pitchFamily="18" charset="0"/>
+                                </a:rPr>
+                                <m:t>𝑡</m:t>
+                              </m:r>
+                              <m:r>
+                                <a:rPr lang="ja-JP" altLang="en-US" sz="1200" i="1">
+                                  <a:latin typeface="Cambria Math" panose="02040503050406030204" pitchFamily="18" charset="0"/>
+                                </a:rPr>
+                                <m:t>番目</m:t>
+                              </m:r>
+                              <m:r>
+                                <a:rPr lang="ja-JP" altLang="en-US" sz="1200" i="1" smtClean="0">
+                                  <a:latin typeface="Cambria Math" panose="02040503050406030204" pitchFamily="18" charset="0"/>
+                                </a:rPr>
+                                <m:t>訪れない</m:t>
+                              </m:r>
+                            </m:e>
+                          </m:eqArr>
+                        </m:e>
+                      </m:d>
+                    </m:oMath>
+                  </m:oMathPara>
+                </a14:m>
+                <a:endParaRPr lang="en-US" altLang="zh-CN" sz="1200" dirty="0"/>
+              </a:p>
+              <a:p>
+                <a:endParaRPr lang="en-US" altLang="ja-JP" sz="1200" dirty="0"/>
+              </a:p>
+              <a:p>
+                <a:pPr marL="171450" indent="-171450">
+                  <a:buFont typeface="Arial" panose="020B0604020202020204" pitchFamily="34" charset="0"/>
+                  <a:buChar char="•"/>
+                </a:pPr>
+                <a:r>
+                  <a:rPr lang="ja-JP" altLang="en-US" sz="1200" dirty="0"/>
+                  <a:t>目的関数：</a:t>
+                </a:r>
+                <a:endParaRPr lang="en-US" altLang="ja-JP" sz="1200" dirty="0"/>
+              </a:p>
+              <a:p>
+                <a:pPr/>
+                <a14:m>
+                  <m:oMathPara xmlns:m="http://schemas.openxmlformats.org/officeDocument/2006/math">
+                    <m:oMathParaPr>
+                      <m:jc m:val="centerGroup"/>
+                    </m:oMathParaPr>
+                    <m:oMath xmlns:m="http://schemas.openxmlformats.org/officeDocument/2006/math">
+                      <m:nary>
+                        <m:naryPr>
+                          <m:chr m:val="∑"/>
+                          <m:ctrlPr>
+                            <a:rPr lang="en-US" altLang="zh-CN" sz="1200" i="1" smtClean="0">
+                              <a:latin typeface="Cambria Math" panose="02040503050406030204" pitchFamily="18" charset="0"/>
+                            </a:rPr>
+                          </m:ctrlPr>
+                        </m:naryPr>
+                        <m:sub>
+                          <m:r>
+                            <m:rPr>
+                              <m:brk m:alnAt="23"/>
+                            </m:rPr>
+                            <a:rPr lang="en-US" altLang="zh-CN" sz="1200" b="0" i="1" smtClean="0">
+                              <a:latin typeface="Cambria Math" panose="02040503050406030204" pitchFamily="18" charset="0"/>
+                            </a:rPr>
+                            <m:t>𝑖</m:t>
+                          </m:r>
+                          <m:r>
+                            <a:rPr lang="en-US" altLang="zh-CN" sz="1200" b="0" i="1" smtClean="0">
+                              <a:latin typeface="Cambria Math" panose="02040503050406030204" pitchFamily="18" charset="0"/>
+                            </a:rPr>
+                            <m:t>=1</m:t>
+                          </m:r>
+                        </m:sub>
+                        <m:sup>
+                          <m:r>
+                            <a:rPr lang="en-US" altLang="zh-CN" sz="1200" b="0" i="1" smtClean="0">
+                              <a:latin typeface="Cambria Math" panose="02040503050406030204" pitchFamily="18" charset="0"/>
+                            </a:rPr>
+                            <m:t>𝑛</m:t>
+                          </m:r>
+                        </m:sup>
+                        <m:e>
+                          <m:nary>
+                            <m:naryPr>
+                              <m:chr m:val="∑"/>
+                              <m:ctrlPr>
+                                <a:rPr lang="en-US" altLang="zh-CN" sz="1200" i="1" smtClean="0">
+                                  <a:latin typeface="Cambria Math" panose="02040503050406030204" pitchFamily="18" charset="0"/>
+                                </a:rPr>
+                              </m:ctrlPr>
+                            </m:naryPr>
+                            <m:sub>
+                              <m:r>
+                                <m:rPr>
+                                  <m:brk m:alnAt="23"/>
+                                </m:rPr>
+                                <a:rPr lang="en-US" altLang="zh-CN" sz="1200" b="0" i="1" smtClean="0">
+                                  <a:latin typeface="Cambria Math" panose="02040503050406030204" pitchFamily="18" charset="0"/>
+                                </a:rPr>
+                                <m:t>𝑗</m:t>
+                              </m:r>
+                              <m:r>
+                                <a:rPr lang="en-US" altLang="zh-CN" sz="1200" b="0" i="1" smtClean="0">
+                                  <a:latin typeface="Cambria Math" panose="02040503050406030204" pitchFamily="18" charset="0"/>
+                                </a:rPr>
+                                <m:t>=1</m:t>
+                              </m:r>
+                            </m:sub>
+                            <m:sup>
+                              <m:r>
+                                <a:rPr lang="en-US" altLang="zh-CN" sz="1200" b="0" i="1" smtClean="0">
+                                  <a:latin typeface="Cambria Math" panose="02040503050406030204" pitchFamily="18" charset="0"/>
+                                </a:rPr>
+                                <m:t>𝑛</m:t>
+                              </m:r>
+                            </m:sup>
+                            <m:e>
+                              <m:nary>
+                                <m:naryPr>
+                                  <m:chr m:val="∑"/>
+                                  <m:ctrlPr>
+                                    <a:rPr lang="en-US" altLang="zh-CN" sz="1200" i="1" smtClean="0">
+                                      <a:latin typeface="Cambria Math" panose="02040503050406030204" pitchFamily="18" charset="0"/>
+                                    </a:rPr>
+                                  </m:ctrlPr>
+                                </m:naryPr>
+                                <m:sub>
+                                  <m:r>
+                                    <m:rPr>
+                                      <m:brk m:alnAt="23"/>
+                                    </m:rPr>
+                                    <a:rPr lang="en-US" altLang="zh-CN" sz="1200" b="0" i="1" smtClean="0">
+                                      <a:latin typeface="Cambria Math" panose="02040503050406030204" pitchFamily="18" charset="0"/>
+                                    </a:rPr>
+                                    <m:t>𝑡</m:t>
+                                  </m:r>
+                                  <m:r>
+                                    <a:rPr lang="en-US" altLang="zh-CN" sz="1200" b="0" i="1" smtClean="0">
+                                      <a:latin typeface="Cambria Math" panose="02040503050406030204" pitchFamily="18" charset="0"/>
+                                    </a:rPr>
+                                    <m:t>=1</m:t>
+                                  </m:r>
+                                </m:sub>
+                                <m:sup>
+                                  <m:r>
+                                    <a:rPr lang="en-US" altLang="zh-CN" sz="1200" b="0" i="1" smtClean="0">
+                                      <a:latin typeface="Cambria Math" panose="02040503050406030204" pitchFamily="18" charset="0"/>
+                                    </a:rPr>
+                                    <m:t>𝑛</m:t>
+                                  </m:r>
+                                </m:sup>
+                                <m:e>
+                                  <m:sSub>
+                                    <m:sSubPr>
+                                      <m:ctrlPr>
+                                        <a:rPr lang="en-US" altLang="zh-CN" sz="1200" i="1" smtClean="0">
+                                          <a:latin typeface="Cambria Math" panose="02040503050406030204" pitchFamily="18" charset="0"/>
+                                        </a:rPr>
+                                      </m:ctrlPr>
+                                    </m:sSubPr>
+                                    <m:e>
+                                      <m:r>
+                                        <a:rPr lang="en-US" altLang="zh-CN" sz="1200" b="0" i="1" smtClean="0">
+                                          <a:latin typeface="Cambria Math" panose="02040503050406030204" pitchFamily="18" charset="0"/>
+                                        </a:rPr>
+                                        <m:t>𝑑</m:t>
+                                      </m:r>
+                                    </m:e>
+                                    <m:sub>
+                                      <m:r>
+                                        <a:rPr lang="en-US" altLang="zh-CN" sz="1200" b="0" i="1" smtClean="0">
+                                          <a:latin typeface="Cambria Math" panose="02040503050406030204" pitchFamily="18" charset="0"/>
+                                        </a:rPr>
+                                        <m:t>𝑖</m:t>
+                                      </m:r>
+                                      <m:r>
+                                        <a:rPr lang="en-US" altLang="zh-CN" sz="1200" b="0" i="1" smtClean="0">
+                                          <a:latin typeface="Cambria Math" panose="02040503050406030204" pitchFamily="18" charset="0"/>
+                                        </a:rPr>
+                                        <m:t>,</m:t>
+                                      </m:r>
+                                      <m:r>
+                                        <a:rPr lang="en-US" altLang="zh-CN" sz="1200" b="0" i="1" smtClean="0">
+                                          <a:latin typeface="Cambria Math" panose="02040503050406030204" pitchFamily="18" charset="0"/>
+                                        </a:rPr>
+                                        <m:t>𝑗</m:t>
+                                      </m:r>
+                                    </m:sub>
+                                  </m:sSub>
+                                  <m:sSub>
+                                    <m:sSubPr>
+                                      <m:ctrlPr>
+                                        <a:rPr lang="en-US" altLang="zh-CN" sz="1200" i="1" smtClean="0">
+                                          <a:latin typeface="Cambria Math" panose="02040503050406030204" pitchFamily="18" charset="0"/>
+                                        </a:rPr>
+                                      </m:ctrlPr>
+                                    </m:sSubPr>
+                                    <m:e>
+                                      <m:r>
+                                        <a:rPr lang="en-US" altLang="zh-CN" sz="1200" b="0" i="1" smtClean="0">
+                                          <a:latin typeface="Cambria Math" panose="02040503050406030204" pitchFamily="18" charset="0"/>
+                                        </a:rPr>
+                                        <m:t>𝑥</m:t>
+                                      </m:r>
+                                    </m:e>
+                                    <m:sub>
+                                      <m:r>
+                                        <a:rPr lang="en-US" altLang="zh-CN" sz="1200" b="0" i="1" smtClean="0">
+                                          <a:latin typeface="Cambria Math" panose="02040503050406030204" pitchFamily="18" charset="0"/>
+                                        </a:rPr>
+                                        <m:t>𝑖</m:t>
+                                      </m:r>
+                                      <m:r>
+                                        <a:rPr lang="en-US" altLang="zh-CN" sz="1200" b="0" i="1" smtClean="0">
+                                          <a:latin typeface="Cambria Math" panose="02040503050406030204" pitchFamily="18" charset="0"/>
+                                        </a:rPr>
+                                        <m:t>,</m:t>
+                                      </m:r>
+                                      <m:r>
+                                        <a:rPr lang="en-US" altLang="zh-CN" sz="1200" b="0" i="1" smtClean="0">
+                                          <a:latin typeface="Cambria Math" panose="02040503050406030204" pitchFamily="18" charset="0"/>
+                                        </a:rPr>
+                                        <m:t>𝑡</m:t>
+                                      </m:r>
+                                    </m:sub>
+                                  </m:sSub>
+                                  <m:sSub>
+                                    <m:sSubPr>
+                                      <m:ctrlPr>
+                                        <a:rPr lang="en-US" altLang="zh-CN" sz="1200" i="1" smtClean="0">
+                                          <a:latin typeface="Cambria Math" panose="02040503050406030204" pitchFamily="18" charset="0"/>
+                                        </a:rPr>
+                                      </m:ctrlPr>
+                                    </m:sSubPr>
+                                    <m:e>
+                                      <m:r>
+                                        <a:rPr lang="en-US" altLang="zh-CN" sz="1200" b="0" i="1" smtClean="0">
+                                          <a:latin typeface="Cambria Math" panose="02040503050406030204" pitchFamily="18" charset="0"/>
+                                        </a:rPr>
+                                        <m:t>𝑥</m:t>
+                                      </m:r>
+                                    </m:e>
+                                    <m:sub>
+                                      <m:r>
+                                        <a:rPr lang="en-US" altLang="zh-CN" sz="1200" b="0" i="1" smtClean="0">
+                                          <a:latin typeface="Cambria Math" panose="02040503050406030204" pitchFamily="18" charset="0"/>
+                                        </a:rPr>
+                                        <m:t>𝑗</m:t>
+                                      </m:r>
+                                      <m:r>
+                                        <a:rPr lang="en-US" altLang="zh-CN" sz="1200" b="0" i="1" smtClean="0">
+                                          <a:latin typeface="Cambria Math" panose="02040503050406030204" pitchFamily="18" charset="0"/>
+                                        </a:rPr>
+                                        <m:t>,</m:t>
+                                      </m:r>
+                                      <m:d>
+                                        <m:dPr>
+                                          <m:ctrlPr>
+                                            <a:rPr lang="en-US" altLang="zh-CN" sz="1200" b="0" i="1" smtClean="0">
+                                              <a:latin typeface="Cambria Math" panose="02040503050406030204" pitchFamily="18" charset="0"/>
+                                            </a:rPr>
+                                          </m:ctrlPr>
+                                        </m:dPr>
+                                        <m:e>
+                                          <m:r>
+                                            <a:rPr lang="en-US" altLang="zh-CN" sz="1200" b="0" i="1" smtClean="0">
+                                              <a:latin typeface="Cambria Math" panose="02040503050406030204" pitchFamily="18" charset="0"/>
+                                            </a:rPr>
+                                            <m:t>𝑡</m:t>
+                                          </m:r>
+                                          <m:r>
+                                            <a:rPr lang="en-US" altLang="zh-CN" sz="1200" b="0" i="1" smtClean="0">
+                                              <a:latin typeface="Cambria Math" panose="02040503050406030204" pitchFamily="18" charset="0"/>
+                                            </a:rPr>
+                                            <m:t>+1</m:t>
+                                          </m:r>
+                                        </m:e>
+                                      </m:d>
+                                      <m:r>
+                                        <a:rPr lang="en-US" altLang="zh-CN" sz="1200" i="1">
+                                          <a:latin typeface="Cambria Math" panose="02040503050406030204" pitchFamily="18" charset="0"/>
+                                          <a:ea typeface="Cambria Math" panose="02040503050406030204" pitchFamily="18" charset="0"/>
+                                        </a:rPr>
+                                        <m:t>%</m:t>
+                                      </m:r>
+                                      <m:r>
+                                        <a:rPr lang="en-US" altLang="zh-CN" sz="1200" b="0" i="1" smtClean="0">
+                                          <a:latin typeface="Cambria Math" panose="02040503050406030204" pitchFamily="18" charset="0"/>
+                                          <a:ea typeface="Cambria Math" panose="02040503050406030204" pitchFamily="18" charset="0"/>
+                                        </a:rPr>
+                                        <m:t>𝑛</m:t>
+                                      </m:r>
+                                    </m:sub>
+                                  </m:sSub>
+                                </m:e>
+                              </m:nary>
+                            </m:e>
+                          </m:nary>
+                        </m:e>
+                      </m:nary>
+                    </m:oMath>
+                  </m:oMathPara>
+                </a14:m>
+                <a:endParaRPr lang="en-US" altLang="zh-CN" sz="1200" dirty="0"/>
+              </a:p>
+              <a:p>
+                <a:pPr/>
+                <a:endParaRPr lang="en-US" altLang="zh-CN" sz="1200" dirty="0"/>
+              </a:p>
+              <a:p>
+                <a:pPr marL="171450" indent="-171450">
+                  <a:buFont typeface="Arial" panose="020B0604020202020204" pitchFamily="34" charset="0"/>
+                  <a:buChar char="•"/>
+                </a:pPr>
+                <a:r>
+                  <a:rPr lang="ja-JP" altLang="en-US" sz="1200" dirty="0"/>
+                  <a:t>制約条件：</a:t>
+                </a:r>
+                <a:endParaRPr lang="en-US" altLang="ja-JP" sz="1200" dirty="0"/>
+              </a:p>
+              <a:p>
+                <a:endParaRPr lang="en-US" altLang="ja-JP" sz="1200" dirty="0"/>
+              </a:p>
+              <a:p>
+                <a:r>
+                  <a:rPr lang="ja-JP" altLang="en-US" sz="1200" dirty="0"/>
+                  <a:t>①各都市は</a:t>
+                </a:r>
+                <a:r>
+                  <a:rPr lang="en-US" altLang="ja-JP" sz="1200" dirty="0"/>
+                  <a:t>1</a:t>
+                </a:r>
+                <a:r>
+                  <a:rPr lang="ja-JP" altLang="en-US" sz="1200" dirty="0"/>
+                  <a:t>回しか訪れてはいけない</a:t>
+                </a:r>
+                <a:endParaRPr lang="en-US" altLang="zh-CN" sz="1200" dirty="0"/>
+              </a:p>
+              <a:p>
+                <a:pPr/>
+                <a14:m>
+                  <m:oMathPara xmlns:m="http://schemas.openxmlformats.org/officeDocument/2006/math">
+                    <m:oMathParaPr>
+                      <m:jc m:val="centerGroup"/>
+                    </m:oMathParaPr>
+                    <m:oMath xmlns:m="http://schemas.openxmlformats.org/officeDocument/2006/math">
+                      <m:nary>
+                        <m:naryPr>
+                          <m:chr m:val="∑"/>
+                          <m:ctrlPr>
+                            <a:rPr lang="zh-CN" altLang="en-US" sz="1200" i="1" smtClean="0">
+                              <a:latin typeface="Cambria Math" panose="02040503050406030204" pitchFamily="18" charset="0"/>
+                            </a:rPr>
+                          </m:ctrlPr>
+                        </m:naryPr>
+                        <m:sub>
+                          <m:r>
+                            <a:rPr lang="en-US" altLang="zh-CN" sz="1200" b="0" i="1" smtClean="0">
+                              <a:latin typeface="Cambria Math" panose="02040503050406030204" pitchFamily="18" charset="0"/>
+                            </a:rPr>
+                            <m:t>𝑡</m:t>
+                          </m:r>
+                          <m:r>
+                            <a:rPr lang="en-US" altLang="zh-CN" sz="1200" b="0" i="1" smtClean="0">
+                              <a:latin typeface="Cambria Math" panose="02040503050406030204" pitchFamily="18" charset="0"/>
+                            </a:rPr>
+                            <m:t>=1</m:t>
+                          </m:r>
+                        </m:sub>
+                        <m:sup>
+                          <m:r>
+                            <a:rPr lang="en-US" altLang="zh-CN" sz="1200" b="0" i="1" smtClean="0">
+                              <a:latin typeface="Cambria Math" panose="02040503050406030204" pitchFamily="18" charset="0"/>
+                            </a:rPr>
+                            <m:t>𝑛</m:t>
+                          </m:r>
+                        </m:sup>
+                        <m:e>
+                          <m:sSub>
+                            <m:sSubPr>
+                              <m:ctrlPr>
+                                <a:rPr lang="en-US" altLang="zh-CN" sz="1200" i="1" smtClean="0">
+                                  <a:latin typeface="Cambria Math" panose="02040503050406030204" pitchFamily="18" charset="0"/>
+                                </a:rPr>
+                              </m:ctrlPr>
+                            </m:sSubPr>
+                            <m:e>
+                              <m:r>
+                                <a:rPr lang="en-US" altLang="zh-CN" sz="1200" b="0" i="1" smtClean="0">
+                                  <a:latin typeface="Cambria Math" panose="02040503050406030204" pitchFamily="18" charset="0"/>
+                                </a:rPr>
+                                <m:t>𝑥</m:t>
+                              </m:r>
+                            </m:e>
+                            <m:sub>
+                              <m:r>
+                                <a:rPr lang="en-US" altLang="zh-CN" sz="1200" b="0" i="1" smtClean="0">
+                                  <a:latin typeface="Cambria Math" panose="02040503050406030204" pitchFamily="18" charset="0"/>
+                                </a:rPr>
+                                <m:t>𝑖</m:t>
+                              </m:r>
+                              <m:r>
+                                <a:rPr lang="en-US" altLang="zh-CN" sz="1200" b="0" i="1" smtClean="0">
+                                  <a:latin typeface="Cambria Math" panose="02040503050406030204" pitchFamily="18" charset="0"/>
+                                </a:rPr>
+                                <m:t>,</m:t>
+                              </m:r>
+                              <m:r>
+                                <a:rPr lang="en-US" altLang="zh-CN" sz="1200" b="0" i="1" smtClean="0">
+                                  <a:latin typeface="Cambria Math" panose="02040503050406030204" pitchFamily="18" charset="0"/>
+                                </a:rPr>
+                                <m:t>𝑡</m:t>
+                              </m:r>
+                            </m:sub>
+                          </m:sSub>
+                        </m:e>
+                      </m:nary>
+                      <m:r>
+                        <a:rPr lang="en-US" altLang="zh-CN" sz="1200" b="0" i="1" smtClean="0">
+                          <a:latin typeface="Cambria Math" panose="02040503050406030204" pitchFamily="18" charset="0"/>
+                        </a:rPr>
+                        <m:t>=1     </m:t>
+                      </m:r>
+                      <m:d>
+                        <m:dPr>
+                          <m:ctrlPr>
+                            <a:rPr lang="en-US" altLang="zh-CN" sz="1200" b="0" i="1" smtClean="0">
+                              <a:latin typeface="Cambria Math" panose="02040503050406030204" pitchFamily="18" charset="0"/>
+                            </a:rPr>
+                          </m:ctrlPr>
+                        </m:dPr>
+                        <m:e>
+                          <m:r>
+                            <a:rPr lang="en-US" altLang="zh-CN" sz="1200" b="0" i="1" smtClean="0">
+                              <a:latin typeface="Cambria Math" panose="02040503050406030204" pitchFamily="18" charset="0"/>
+                            </a:rPr>
+                            <m:t>𝑖</m:t>
+                          </m:r>
+                          <m:r>
+                            <a:rPr lang="en-US" altLang="zh-CN" sz="1200" b="0" i="1" smtClean="0">
+                              <a:latin typeface="Cambria Math" panose="02040503050406030204" pitchFamily="18" charset="0"/>
+                            </a:rPr>
+                            <m:t>=1,2…</m:t>
+                          </m:r>
+                          <m:r>
+                            <a:rPr lang="en-US" altLang="zh-CN" sz="1200" b="0" i="1" smtClean="0">
+                              <a:latin typeface="Cambria Math" panose="02040503050406030204" pitchFamily="18" charset="0"/>
+                            </a:rPr>
+                            <m:t>𝑛</m:t>
+                          </m:r>
+                        </m:e>
+                      </m:d>
+                    </m:oMath>
+                  </m:oMathPara>
+                </a14:m>
+                <a:endParaRPr lang="en-US" altLang="zh-CN" sz="1200" dirty="0"/>
+              </a:p>
+              <a:p>
+                <a:endParaRPr lang="en-US" altLang="ja-JP" sz="1200" u="sng" dirty="0"/>
+              </a:p>
+              <a:p>
+                <a:r>
+                  <a:rPr lang="ja-JP" altLang="en-US" sz="1200" dirty="0"/>
+                  <a:t>②同じタイミングに複数の都市に訪れる</a:t>
+                </a:r>
+                <a:endParaRPr lang="en-US" altLang="ja-JP" sz="1200" dirty="0"/>
+              </a:p>
+              <a:p>
+                <a:r>
+                  <a:rPr lang="ja-JP" altLang="en-US" sz="1200" dirty="0"/>
+                  <a:t>　ことはできない</a:t>
+                </a:r>
+                <a:endParaRPr lang="en-US" altLang="ja-JP" sz="1200" dirty="0"/>
+              </a:p>
+              <a:p>
+                <a:pPr/>
+                <a14:m>
+                  <m:oMathPara xmlns:m="http://schemas.openxmlformats.org/officeDocument/2006/math">
+                    <m:oMathParaPr>
+                      <m:jc m:val="centerGroup"/>
+                    </m:oMathParaPr>
+                    <m:oMath xmlns:m="http://schemas.openxmlformats.org/officeDocument/2006/math">
+                      <m:nary>
+                        <m:naryPr>
+                          <m:chr m:val="∑"/>
+                          <m:ctrlPr>
+                            <a:rPr lang="zh-CN" altLang="en-US" sz="1200" i="1" smtClean="0">
+                              <a:latin typeface="Cambria Math" panose="02040503050406030204" pitchFamily="18" charset="0"/>
+                            </a:rPr>
+                          </m:ctrlPr>
+                        </m:naryPr>
+                        <m:sub>
+                          <m:r>
+                            <m:rPr>
+                              <m:brk m:alnAt="23"/>
+                            </m:rPr>
+                            <a:rPr lang="en-US" altLang="zh-CN" sz="1200" b="0" i="1" smtClean="0">
+                              <a:latin typeface="Cambria Math" panose="02040503050406030204" pitchFamily="18" charset="0"/>
+                            </a:rPr>
+                            <m:t>𝑖</m:t>
+                          </m:r>
+                          <m:r>
+                            <a:rPr lang="en-US" altLang="zh-CN" sz="1200" b="0" i="1" smtClean="0">
+                              <a:latin typeface="Cambria Math" panose="02040503050406030204" pitchFamily="18" charset="0"/>
+                            </a:rPr>
+                            <m:t>=1</m:t>
+                          </m:r>
+                        </m:sub>
+                        <m:sup>
+                          <m:r>
+                            <a:rPr lang="en-US" altLang="zh-CN" sz="1200" b="0" i="1" smtClean="0">
+                              <a:latin typeface="Cambria Math" panose="02040503050406030204" pitchFamily="18" charset="0"/>
+                            </a:rPr>
+                            <m:t>𝑛</m:t>
+                          </m:r>
+                        </m:sup>
+                        <m:e>
+                          <m:sSub>
+                            <m:sSubPr>
+                              <m:ctrlPr>
+                                <a:rPr lang="en-US" altLang="zh-CN" sz="1200" i="1" smtClean="0">
+                                  <a:latin typeface="Cambria Math" panose="02040503050406030204" pitchFamily="18" charset="0"/>
+                                </a:rPr>
+                              </m:ctrlPr>
+                            </m:sSubPr>
+                            <m:e>
+                              <m:r>
+                                <a:rPr lang="en-US" altLang="zh-CN" sz="1200" b="0" i="1" smtClean="0">
+                                  <a:latin typeface="Cambria Math" panose="02040503050406030204" pitchFamily="18" charset="0"/>
+                                </a:rPr>
+                                <m:t>𝑥</m:t>
+                              </m:r>
+                            </m:e>
+                            <m:sub>
+                              <m:r>
+                                <a:rPr lang="en-US" altLang="zh-CN" sz="1200" b="0" i="1" smtClean="0">
+                                  <a:latin typeface="Cambria Math" panose="02040503050406030204" pitchFamily="18" charset="0"/>
+                                </a:rPr>
+                                <m:t>𝑖</m:t>
+                              </m:r>
+                              <m:r>
+                                <a:rPr lang="en-US" altLang="zh-CN" sz="1200" b="0" i="1" smtClean="0">
+                                  <a:latin typeface="Cambria Math" panose="02040503050406030204" pitchFamily="18" charset="0"/>
+                                </a:rPr>
+                                <m:t>,</m:t>
+                              </m:r>
+                              <m:r>
+                                <a:rPr lang="en-US" altLang="zh-CN" sz="1200" b="0" i="1" smtClean="0">
+                                  <a:latin typeface="Cambria Math" panose="02040503050406030204" pitchFamily="18" charset="0"/>
+                                </a:rPr>
+                                <m:t>𝑡</m:t>
+                              </m:r>
+                            </m:sub>
+                          </m:sSub>
+                        </m:e>
+                      </m:nary>
+                      <m:r>
+                        <a:rPr lang="en-US" altLang="zh-CN" sz="1200" b="0" i="1" smtClean="0">
+                          <a:latin typeface="Cambria Math" panose="02040503050406030204" pitchFamily="18" charset="0"/>
+                        </a:rPr>
+                        <m:t>=1     </m:t>
+                      </m:r>
+                      <m:d>
+                        <m:dPr>
+                          <m:ctrlPr>
+                            <a:rPr lang="en-US" altLang="zh-CN" sz="1200" b="0" i="1" smtClean="0">
+                              <a:latin typeface="Cambria Math" panose="02040503050406030204" pitchFamily="18" charset="0"/>
+                            </a:rPr>
+                          </m:ctrlPr>
+                        </m:dPr>
+                        <m:e>
+                          <m:r>
+                            <a:rPr lang="en-US" altLang="zh-CN" sz="1200" b="0" i="1" smtClean="0">
+                              <a:latin typeface="Cambria Math" panose="02040503050406030204" pitchFamily="18" charset="0"/>
+                            </a:rPr>
+                            <m:t>𝑡</m:t>
+                          </m:r>
+                          <m:r>
+                            <a:rPr lang="en-US" altLang="zh-CN" sz="1200" b="0" i="1" smtClean="0">
+                              <a:latin typeface="Cambria Math" panose="02040503050406030204" pitchFamily="18" charset="0"/>
+                            </a:rPr>
+                            <m:t>=1,2…</m:t>
+                          </m:r>
+                          <m:r>
+                            <a:rPr lang="en-US" altLang="zh-CN" sz="1200" b="0" i="1" smtClean="0">
+                              <a:latin typeface="Cambria Math" panose="02040503050406030204" pitchFamily="18" charset="0"/>
+                            </a:rPr>
+                            <m:t>𝑛</m:t>
+                          </m:r>
+                        </m:e>
+                      </m:d>
+                      <m:r>
+                        <a:rPr lang="ja-JP" altLang="en-US" sz="1200" i="1">
+                          <a:latin typeface="Cambria Math" panose="02040503050406030204" pitchFamily="18" charset="0"/>
+                        </a:rPr>
+                        <m:t>　</m:t>
+                      </m:r>
+                    </m:oMath>
+                  </m:oMathPara>
+                </a14:m>
+                <a:endParaRPr lang="en-US" altLang="zh-CN" sz="1200" dirty="0"/>
+              </a:p>
+              <a:p>
+                <a:endParaRPr lang="en-US" altLang="zh-CN" sz="1200" dirty="0"/>
+              </a:p>
+            </p:txBody>
+          </p:sp>
+        </mc:Choice>
+        <mc:Fallback>
+          <p:sp>
+            <p:nvSpPr>
+              <p:cNvPr id="75" name="文本框 6">
+                <a:extLst>
+                  <a:ext uri="{FF2B5EF4-FFF2-40B4-BE49-F238E27FC236}">
+                    <a16:creationId xmlns:a16="http://schemas.microsoft.com/office/drawing/2014/main" id="{ABF0CB36-9E7A-F45F-C488-7F7C473D4D67}"/>
+                  </a:ext>
+                </a:extLst>
+              </p:cNvPr>
+              <p:cNvSpPr txBox="1">
+                <a:spLocks noRot="1" noChangeAspect="1" noMove="1" noResize="1" noEditPoints="1" noAdjustHandles="1" noChangeArrowheads="1" noChangeShapeType="1" noTextEdit="1"/>
+              </p:cNvSpPr>
+              <p:nvPr/>
+            </p:nvSpPr>
+            <p:spPr>
+              <a:xfrm>
+                <a:off x="6532230" y="1083933"/>
+                <a:ext cx="3308565" cy="4345870"/>
+              </a:xfrm>
+              <a:prstGeom prst="rect">
+                <a:avLst/>
+              </a:prstGeom>
+              <a:blipFill>
+                <a:blip r:embed="rId2"/>
+                <a:stretch>
+                  <a:fillRect l="-2952" t="-8976" b="-16269"/>
+                </a:stretch>
+              </a:blipFill>
+            </p:spPr>
+            <p:txBody>
+              <a:bodyPr/>
+              <a:lstStyle/>
+              <a:p>
+                <a:r>
+                  <a:rPr lang="zh-CN" altLang="en-US">
+                    <a:noFill/>
+                  </a:rPr>
+                  <a:t> </a:t>
+                </a:r>
+              </a:p>
+            </p:txBody>
+          </p:sp>
+        </mc:Fallback>
+      </mc:AlternateContent>
+      <mc:AlternateContent xmlns:mc="http://schemas.openxmlformats.org/markup-compatibility/2006">
+        <mc:Choice xmlns:a14="http://schemas.microsoft.com/office/drawing/2010/main" Requires="a14">
+          <p:sp>
+            <p:nvSpPr>
+              <p:cNvPr id="76" name="文本框 75">
+                <a:extLst>
+                  <a:ext uri="{FF2B5EF4-FFF2-40B4-BE49-F238E27FC236}">
+                    <a16:creationId xmlns:a16="http://schemas.microsoft.com/office/drawing/2014/main" id="{40DEAE8B-2820-92C5-B155-4C0A424636C3}"/>
+                  </a:ext>
+                </a:extLst>
+              </p:cNvPr>
+              <p:cNvSpPr txBox="1"/>
+              <p:nvPr/>
+            </p:nvSpPr>
+            <p:spPr>
+              <a:xfrm>
+                <a:off x="9273235" y="2281040"/>
+                <a:ext cx="2640788" cy="573170"/>
+              </a:xfrm>
+              <a:prstGeom prst="rect">
+                <a:avLst/>
+              </a:prstGeom>
+              <a:noFill/>
+              <a:ln>
+                <a:solidFill>
+                  <a:schemeClr val="tx1"/>
+                </a:solidFill>
+              </a:ln>
+            </p:spPr>
+            <p:txBody>
+              <a:bodyPr wrap="none" rtlCol="0">
+                <a:spAutoFit/>
+              </a:bodyPr>
+              <a:lstStyle/>
+              <a:p>
+                <a14:m>
+                  <m:oMath xmlns:m="http://schemas.openxmlformats.org/officeDocument/2006/math">
+                    <m:sSub>
+                      <m:sSubPr>
+                        <m:ctrlPr>
+                          <a:rPr lang="en-US" altLang="zh-CN" sz="1000" i="1" smtClean="0">
+                            <a:latin typeface="Cambria Math" panose="02040503050406030204" pitchFamily="18" charset="0"/>
+                          </a:rPr>
+                        </m:ctrlPr>
+                      </m:sSubPr>
+                      <m:e>
+                        <m:r>
+                          <a:rPr lang="en-US" altLang="zh-CN" sz="1000" i="1">
+                            <a:latin typeface="Cambria Math" panose="02040503050406030204" pitchFamily="18" charset="0"/>
+                          </a:rPr>
+                          <m:t>𝑥</m:t>
+                        </m:r>
+                      </m:e>
+                      <m:sub>
+                        <m:r>
+                          <a:rPr lang="en-US" altLang="zh-CN" sz="1000" i="1">
+                            <a:latin typeface="Cambria Math" panose="02040503050406030204" pitchFamily="18" charset="0"/>
+                          </a:rPr>
+                          <m:t>𝑖</m:t>
+                        </m:r>
+                        <m:r>
+                          <a:rPr lang="en-US" altLang="zh-CN" sz="1000" b="0" i="1" smtClean="0">
+                            <a:latin typeface="Cambria Math" panose="02040503050406030204" pitchFamily="18" charset="0"/>
+                          </a:rPr>
+                          <m:t>,</m:t>
+                        </m:r>
+                        <m:r>
+                          <a:rPr lang="en-US" altLang="zh-CN" sz="1000" b="0" i="1" smtClean="0">
+                            <a:latin typeface="Cambria Math" panose="02040503050406030204" pitchFamily="18" charset="0"/>
+                          </a:rPr>
+                          <m:t>𝑡</m:t>
+                        </m:r>
+                      </m:sub>
+                    </m:sSub>
+                    <m:r>
+                      <a:rPr lang="en-US" altLang="zh-CN" sz="1000" b="0" i="1" smtClean="0">
+                        <a:latin typeface="Cambria Math" panose="02040503050406030204" pitchFamily="18" charset="0"/>
+                      </a:rPr>
+                      <m:t> (0,1)</m:t>
+                    </m:r>
+                  </m:oMath>
+                </a14:m>
+                <a:r>
+                  <a:rPr lang="ja-JP" altLang="en-US" sz="1000" dirty="0"/>
+                  <a:t>   バイナリ変数</a:t>
+                </a:r>
+                <a:endParaRPr lang="en-US" altLang="ja-JP" sz="1000" dirty="0"/>
+              </a:p>
+              <a:p>
+                <a:r>
+                  <a:rPr lang="en-US" altLang="zh-CN" sz="1000" b="0" dirty="0"/>
+                  <a:t>    </a:t>
+                </a:r>
+                <a14:m>
+                  <m:oMath xmlns:m="http://schemas.openxmlformats.org/officeDocument/2006/math">
+                    <m:sSub>
+                      <m:sSubPr>
+                        <m:ctrlPr>
+                          <a:rPr lang="en-US" altLang="zh-CN" sz="1000" b="0" i="1" smtClean="0">
+                            <a:latin typeface="Cambria Math" panose="02040503050406030204" pitchFamily="18" charset="0"/>
+                          </a:rPr>
+                        </m:ctrlPr>
+                      </m:sSubPr>
+                      <m:e>
+                        <m:r>
+                          <a:rPr lang="en-US" altLang="zh-CN" sz="1000" b="0" i="1" smtClean="0">
+                            <a:latin typeface="Cambria Math" panose="02040503050406030204" pitchFamily="18" charset="0"/>
+                          </a:rPr>
+                          <m:t>𝑑</m:t>
+                        </m:r>
+                      </m:e>
+                      <m:sub>
+                        <m:r>
+                          <a:rPr lang="en-US" altLang="zh-CN" sz="1000" b="0" i="1" smtClean="0">
+                            <a:latin typeface="Cambria Math" panose="02040503050406030204" pitchFamily="18" charset="0"/>
+                          </a:rPr>
+                          <m:t>𝑖</m:t>
+                        </m:r>
+                        <m:r>
+                          <a:rPr lang="en-US" altLang="zh-CN" sz="1000" b="0" i="1" smtClean="0">
+                            <a:latin typeface="Cambria Math" panose="02040503050406030204" pitchFamily="18" charset="0"/>
+                          </a:rPr>
+                          <m:t>,</m:t>
+                        </m:r>
+                        <m:r>
+                          <a:rPr lang="en-US" altLang="zh-CN" sz="1000" b="0" i="1" smtClean="0">
+                            <a:latin typeface="Cambria Math" panose="02040503050406030204" pitchFamily="18" charset="0"/>
+                          </a:rPr>
+                          <m:t>𝑗</m:t>
+                        </m:r>
+                      </m:sub>
+                    </m:sSub>
+                  </m:oMath>
+                </a14:m>
+                <a:r>
+                  <a:rPr lang="ja-JP" altLang="en-US" sz="1000" dirty="0"/>
+                  <a:t>       都市</a:t>
+                </a:r>
+                <a14:m>
+                  <m:oMath xmlns:m="http://schemas.openxmlformats.org/officeDocument/2006/math">
+                    <m:r>
+                      <a:rPr lang="en-US" altLang="ja-JP" sz="1000" i="1" dirty="0">
+                        <a:latin typeface="Cambria Math" panose="02040503050406030204" pitchFamily="18" charset="0"/>
+                      </a:rPr>
+                      <m:t>𝑖</m:t>
+                    </m:r>
+                  </m:oMath>
+                </a14:m>
+                <a:r>
+                  <a:rPr lang="ja-JP" altLang="en-US" sz="1000" dirty="0"/>
+                  <a:t>と都市</a:t>
+                </a:r>
+                <a14:m>
+                  <m:oMath xmlns:m="http://schemas.openxmlformats.org/officeDocument/2006/math">
+                    <m:r>
+                      <a:rPr lang="en-US" altLang="ja-JP" sz="1000" i="1" dirty="0">
+                        <a:latin typeface="Cambria Math" panose="02040503050406030204" pitchFamily="18" charset="0"/>
+                      </a:rPr>
+                      <m:t>𝑗</m:t>
+                    </m:r>
+                  </m:oMath>
+                </a14:m>
+                <a:r>
+                  <a:rPr lang="ja-JP" altLang="en-US" sz="1000" dirty="0"/>
+                  <a:t>のユークリッド距離</a:t>
+                </a:r>
+                <a:endParaRPr lang="en-US" altLang="ja-JP" sz="1000" dirty="0"/>
+              </a:p>
+              <a:p>
+                <a:r>
+                  <a:rPr lang="en-US" altLang="ja-JP" sz="1000" b="0" dirty="0"/>
+                  <a:t>     </a:t>
+                </a:r>
+                <a14:m>
+                  <m:oMath xmlns:m="http://schemas.openxmlformats.org/officeDocument/2006/math">
+                    <m:r>
+                      <a:rPr lang="en-US" altLang="ja-JP" sz="1000" b="0" i="1" smtClean="0">
+                        <a:latin typeface="Cambria Math" panose="02040503050406030204" pitchFamily="18" charset="0"/>
+                      </a:rPr>
+                      <m:t>𝑛</m:t>
+                    </m:r>
+                  </m:oMath>
+                </a14:m>
+                <a:r>
+                  <a:rPr lang="ja-JP" altLang="en-US" sz="1000" dirty="0"/>
+                  <a:t> </a:t>
+                </a:r>
+                <a:r>
+                  <a:rPr lang="zh-CN" altLang="en-US" sz="1000" dirty="0"/>
+                  <a:t>        </a:t>
+                </a:r>
+                <a:r>
+                  <a:rPr lang="ja-JP" altLang="en-US" sz="1000" dirty="0"/>
+                  <a:t>都市の個数　</a:t>
+                </a:r>
+                <a:endParaRPr lang="en-US" altLang="ja-JP" sz="1000" dirty="0"/>
+              </a:p>
+            </p:txBody>
+          </p:sp>
+        </mc:Choice>
+        <mc:Fallback>
+          <p:sp>
+            <p:nvSpPr>
+              <p:cNvPr id="76" name="文本框 75">
+                <a:extLst>
+                  <a:ext uri="{FF2B5EF4-FFF2-40B4-BE49-F238E27FC236}">
+                    <a16:creationId xmlns:a16="http://schemas.microsoft.com/office/drawing/2014/main" id="{40DEAE8B-2820-92C5-B155-4C0A424636C3}"/>
+                  </a:ext>
+                </a:extLst>
+              </p:cNvPr>
+              <p:cNvSpPr txBox="1">
+                <a:spLocks noRot="1" noChangeAspect="1" noMove="1" noResize="1" noEditPoints="1" noAdjustHandles="1" noChangeArrowheads="1" noChangeShapeType="1" noTextEdit="1"/>
+              </p:cNvSpPr>
+              <p:nvPr/>
+            </p:nvSpPr>
+            <p:spPr>
+              <a:xfrm>
+                <a:off x="9273235" y="2281040"/>
+                <a:ext cx="2640788" cy="573170"/>
+              </a:xfrm>
+              <a:prstGeom prst="rect">
+                <a:avLst/>
+              </a:prstGeom>
+              <a:blipFill>
+                <a:blip r:embed="rId3"/>
+                <a:stretch>
+                  <a:fillRect b="-4167"/>
+                </a:stretch>
+              </a:blipFill>
+              <a:ln>
+                <a:solidFill>
+                  <a:schemeClr val="tx1"/>
+                </a:solidFill>
+              </a:ln>
+            </p:spPr>
+            <p:txBody>
+              <a:bodyPr/>
+              <a:lstStyle/>
+              <a:p>
+                <a:r>
+                  <a:rPr lang="zh-CN" altLang="en-US">
+                    <a:noFill/>
+                  </a:rPr>
+                  <a:t> </a:t>
+                </a:r>
+              </a:p>
+            </p:txBody>
+          </p:sp>
+        </mc:Fallback>
+      </mc:AlternateContent>
+      <p:grpSp>
+        <p:nvGrpSpPr>
+          <p:cNvPr id="87" name="组合 86">
+            <a:extLst>
+              <a:ext uri="{FF2B5EF4-FFF2-40B4-BE49-F238E27FC236}">
+                <a16:creationId xmlns:a16="http://schemas.microsoft.com/office/drawing/2014/main" id="{CDBE2F5B-DA06-0F02-3C20-04F425BF98A2}"/>
+              </a:ext>
+            </a:extLst>
+          </p:cNvPr>
+          <p:cNvGrpSpPr/>
+          <p:nvPr/>
+        </p:nvGrpSpPr>
+        <p:grpSpPr>
+          <a:xfrm>
+            <a:off x="9274508" y="3552209"/>
+            <a:ext cx="2640788" cy="1677896"/>
+            <a:chOff x="9210301" y="3765426"/>
+            <a:chExt cx="2640788" cy="1677896"/>
+          </a:xfrm>
+        </p:grpSpPr>
+        <mc:AlternateContent xmlns:mc="http://schemas.openxmlformats.org/markup-compatibility/2006">
+          <mc:Choice xmlns:a14="http://schemas.microsoft.com/office/drawing/2010/main" Requires="a14">
+            <p:sp>
+              <p:nvSpPr>
+                <p:cNvPr id="78" name="文本框 11">
+                  <a:extLst>
+                    <a:ext uri="{FF2B5EF4-FFF2-40B4-BE49-F238E27FC236}">
+                      <a16:creationId xmlns:a16="http://schemas.microsoft.com/office/drawing/2014/main" id="{1CF98A43-1A02-0BA5-14DA-129828E89970}"/>
+                    </a:ext>
+                  </a:extLst>
+                </p:cNvPr>
+                <p:cNvSpPr txBox="1"/>
+                <p:nvPr/>
+              </p:nvSpPr>
+              <p:spPr>
+                <a:xfrm>
+                  <a:off x="10593630" y="3765426"/>
+                  <a:ext cx="1257459" cy="631007"/>
+                </a:xfrm>
+                <a:prstGeom prst="rect">
+                  <a:avLst/>
+                </a:prstGeom>
+                <a:noFill/>
+              </p:spPr>
+              <p:txBody>
+                <a:bodyPr wrap="none" lIns="0" tIns="0" rIns="0" bIns="0" rtlCol="0">
+                  <a:spAutoFit/>
+                </a:bodyPr>
+                <a:lstStyle>
+                  <a:defPPr>
+                    <a:defRPr lang="zh-CN"/>
+                  </a:defPPr>
+                  <a:lvl1pPr marL="0" algn="l" defTabSz="914400" rtl="0" eaLnBrk="1" latinLnBrk="0" hangingPunct="1">
+                    <a:defRPr sz="1800" kern="1200">
+                      <a:solidFill>
+                        <a:schemeClr val="tx1"/>
+                      </a:solidFill>
+                      <a:latin typeface="+mn-lt"/>
+                      <a:ea typeface="+mn-ea"/>
+                      <a:cs typeface="+mn-cs"/>
+                    </a:defRPr>
+                  </a:lvl1pPr>
+                  <a:lvl2pPr marL="457200" algn="l" defTabSz="914400" rtl="0" eaLnBrk="1" latinLnBrk="0" hangingPunct="1">
+                    <a:defRPr sz="1800" kern="1200">
+                      <a:solidFill>
+                        <a:schemeClr val="tx1"/>
+                      </a:solidFill>
+                      <a:latin typeface="+mn-lt"/>
+                      <a:ea typeface="+mn-ea"/>
+                      <a:cs typeface="+mn-cs"/>
+                    </a:defRPr>
+                  </a:lvl2pPr>
+                  <a:lvl3pPr marL="914400" algn="l" defTabSz="914400" rtl="0" eaLnBrk="1" latinLnBrk="0" hangingPunct="1">
+                    <a:defRPr sz="1800" kern="1200">
+                      <a:solidFill>
+                        <a:schemeClr val="tx1"/>
+                      </a:solidFill>
+                      <a:latin typeface="+mn-lt"/>
+                      <a:ea typeface="+mn-ea"/>
+                      <a:cs typeface="+mn-cs"/>
+                    </a:defRPr>
+                  </a:lvl3pPr>
+                  <a:lvl4pPr marL="1371600" algn="l" defTabSz="914400" rtl="0" eaLnBrk="1" latinLnBrk="0" hangingPunct="1">
+                    <a:defRPr sz="1800" kern="1200">
+                      <a:solidFill>
+                        <a:schemeClr val="tx1"/>
+                      </a:solidFill>
+                      <a:latin typeface="+mn-lt"/>
+                      <a:ea typeface="+mn-ea"/>
+                      <a:cs typeface="+mn-cs"/>
+                    </a:defRPr>
+                  </a:lvl4pPr>
+                  <a:lvl5pPr marL="1828800" algn="l" defTabSz="914400" rtl="0" eaLnBrk="1" latinLnBrk="0" hangingPunct="1">
+                    <a:defRPr sz="1800" kern="1200">
+                      <a:solidFill>
+                        <a:schemeClr val="tx1"/>
+                      </a:solidFill>
+                      <a:latin typeface="+mn-lt"/>
+                      <a:ea typeface="+mn-ea"/>
+                      <a:cs typeface="+mn-cs"/>
+                    </a:defRPr>
+                  </a:lvl5pPr>
+                  <a:lvl6pPr marL="2286000" algn="l" defTabSz="914400" rtl="0" eaLnBrk="1" latinLnBrk="0" hangingPunct="1">
+                    <a:defRPr sz="1800" kern="1200">
+                      <a:solidFill>
+                        <a:schemeClr val="tx1"/>
+                      </a:solidFill>
+                      <a:latin typeface="+mn-lt"/>
+                      <a:ea typeface="+mn-ea"/>
+                      <a:cs typeface="+mn-cs"/>
+                    </a:defRPr>
+                  </a:lvl6pPr>
+                  <a:lvl7pPr marL="2743200" algn="l" defTabSz="914400" rtl="0" eaLnBrk="1" latinLnBrk="0" hangingPunct="1">
+                    <a:defRPr sz="1800" kern="1200">
+                      <a:solidFill>
+                        <a:schemeClr val="tx1"/>
+                      </a:solidFill>
+                      <a:latin typeface="+mn-lt"/>
+                      <a:ea typeface="+mn-ea"/>
+                      <a:cs typeface="+mn-cs"/>
+                    </a:defRPr>
+                  </a:lvl7pPr>
+                  <a:lvl8pPr marL="3200400" algn="l" defTabSz="914400" rtl="0" eaLnBrk="1" latinLnBrk="0" hangingPunct="1">
+                    <a:defRPr sz="1800" kern="1200">
+                      <a:solidFill>
+                        <a:schemeClr val="tx1"/>
+                      </a:solidFill>
+                      <a:latin typeface="+mn-lt"/>
+                      <a:ea typeface="+mn-ea"/>
+                      <a:cs typeface="+mn-cs"/>
+                    </a:defRPr>
+                  </a:lvl8pPr>
+                  <a:lvl9pPr marL="3657600" algn="l" defTabSz="914400" rtl="0" eaLnBrk="1" latinLnBrk="0" hangingPunct="1">
+                    <a:defRPr sz="1800" kern="1200">
+                      <a:solidFill>
+                        <a:schemeClr val="tx1"/>
+                      </a:solidFill>
+                      <a:latin typeface="+mn-lt"/>
+                      <a:ea typeface="+mn-ea"/>
+                      <a:cs typeface="+mn-cs"/>
+                    </a:defRPr>
+                  </a:lvl9pPr>
+                </a:lstStyle>
+                <a:p>
+                  <a:pPr/>
+                  <a14:m>
+                    <m:oMathPara xmlns:m="http://schemas.openxmlformats.org/officeDocument/2006/math">
+                      <m:oMathParaPr>
+                        <m:jc m:val="centerGroup"/>
+                      </m:oMathParaPr>
+                      <m:oMath xmlns:m="http://schemas.openxmlformats.org/officeDocument/2006/math">
+                        <m:nary>
+                          <m:naryPr>
+                            <m:chr m:val="∑"/>
+                            <m:ctrlPr>
+                              <a:rPr lang="zh-CN" altLang="en-US" sz="1200" i="1" smtClean="0">
+                                <a:latin typeface="Cambria Math" panose="02040503050406030204" pitchFamily="18" charset="0"/>
+                              </a:rPr>
+                            </m:ctrlPr>
+                          </m:naryPr>
+                          <m:sub>
+                            <m:r>
+                              <m:rPr>
+                                <m:brk m:alnAt="23"/>
+                              </m:rPr>
+                              <a:rPr lang="en-US" altLang="zh-CN" sz="1200" b="0" i="1" smtClean="0">
+                                <a:latin typeface="Cambria Math" panose="02040503050406030204" pitchFamily="18" charset="0"/>
+                              </a:rPr>
+                              <m:t>𝑖</m:t>
+                            </m:r>
+                            <m:r>
+                              <a:rPr lang="en-US" altLang="zh-CN" sz="1200" b="0" i="1" smtClean="0">
+                                <a:latin typeface="Cambria Math" panose="02040503050406030204" pitchFamily="18" charset="0"/>
+                              </a:rPr>
+                              <m:t>=1</m:t>
+                            </m:r>
+                          </m:sub>
+                          <m:sup>
+                            <m:r>
+                              <a:rPr lang="en-US" altLang="zh-CN" sz="1200" b="0" i="1" smtClean="0">
+                                <a:latin typeface="Cambria Math" panose="02040503050406030204" pitchFamily="18" charset="0"/>
+                              </a:rPr>
+                              <m:t>𝑁</m:t>
+                            </m:r>
+                          </m:sup>
+                          <m:e>
+                            <m:sSup>
+                              <m:sSupPr>
+                                <m:ctrlPr>
+                                  <a:rPr lang="en-US" altLang="zh-CN" sz="1200" i="1" smtClean="0">
+                                    <a:latin typeface="Cambria Math" panose="02040503050406030204" pitchFamily="18" charset="0"/>
+                                  </a:rPr>
+                                </m:ctrlPr>
+                              </m:sSupPr>
+                              <m:e>
+                                <m:d>
+                                  <m:dPr>
+                                    <m:ctrlPr>
+                                      <a:rPr lang="en-US" altLang="zh-CN" sz="1200" i="1" smtClean="0">
+                                        <a:latin typeface="Cambria Math" panose="02040503050406030204" pitchFamily="18" charset="0"/>
+                                      </a:rPr>
+                                    </m:ctrlPr>
+                                  </m:dPr>
+                                  <m:e>
+                                    <m:nary>
+                                      <m:naryPr>
+                                        <m:chr m:val="∑"/>
+                                        <m:ctrlPr>
+                                          <a:rPr lang="en-US" altLang="zh-CN" sz="1200" i="1" smtClean="0">
+                                            <a:latin typeface="Cambria Math" panose="02040503050406030204" pitchFamily="18" charset="0"/>
+                                          </a:rPr>
+                                        </m:ctrlPr>
+                                      </m:naryPr>
+                                      <m:sub>
+                                        <m:r>
+                                          <m:rPr>
+                                            <m:brk m:alnAt="23"/>
+                                          </m:rPr>
+                                          <a:rPr lang="en-US" altLang="zh-CN" sz="1200" b="0" i="1" smtClean="0">
+                                            <a:latin typeface="Cambria Math" panose="02040503050406030204" pitchFamily="18" charset="0"/>
+                                          </a:rPr>
+                                          <m:t>𝑡</m:t>
+                                        </m:r>
+                                        <m:r>
+                                          <a:rPr lang="en-US" altLang="zh-CN" sz="1200" b="0" i="1" smtClean="0">
+                                            <a:latin typeface="Cambria Math" panose="02040503050406030204" pitchFamily="18" charset="0"/>
+                                          </a:rPr>
+                                          <m:t>=1</m:t>
+                                        </m:r>
+                                      </m:sub>
+                                      <m:sup>
+                                        <m:r>
+                                          <a:rPr lang="en-US" altLang="zh-CN" sz="1200" b="0" i="1" smtClean="0">
+                                            <a:latin typeface="Cambria Math" panose="02040503050406030204" pitchFamily="18" charset="0"/>
+                                          </a:rPr>
+                                          <m:t>𝑁</m:t>
+                                        </m:r>
+                                      </m:sup>
+                                      <m:e>
+                                        <m:sSub>
+                                          <m:sSubPr>
+                                            <m:ctrlPr>
+                                              <a:rPr lang="en-US" altLang="zh-CN" sz="1200" i="1" smtClean="0">
+                                                <a:latin typeface="Cambria Math" panose="02040503050406030204" pitchFamily="18" charset="0"/>
+                                              </a:rPr>
+                                            </m:ctrlPr>
+                                          </m:sSubPr>
+                                          <m:e>
+                                            <m:r>
+                                              <a:rPr lang="en-US" altLang="zh-CN" sz="1200" b="0" i="1" smtClean="0">
+                                                <a:latin typeface="Cambria Math" panose="02040503050406030204" pitchFamily="18" charset="0"/>
+                                              </a:rPr>
+                                              <m:t>𝑥</m:t>
+                                            </m:r>
+                                          </m:e>
+                                          <m:sub>
+                                            <m:r>
+                                              <a:rPr lang="en-US" altLang="zh-CN" sz="1200" b="0" i="1" smtClean="0">
+                                                <a:latin typeface="Cambria Math" panose="02040503050406030204" pitchFamily="18" charset="0"/>
+                                              </a:rPr>
+                                              <m:t>𝑖</m:t>
+                                            </m:r>
+                                            <m:r>
+                                              <a:rPr lang="en-US" altLang="zh-CN" sz="1200" b="0" i="1" smtClean="0">
+                                                <a:latin typeface="Cambria Math" panose="02040503050406030204" pitchFamily="18" charset="0"/>
+                                              </a:rPr>
+                                              <m:t>,</m:t>
+                                            </m:r>
+                                            <m:r>
+                                              <a:rPr lang="en-US" altLang="zh-CN" sz="1200" b="0" i="1" smtClean="0">
+                                                <a:latin typeface="Cambria Math" panose="02040503050406030204" pitchFamily="18" charset="0"/>
+                                              </a:rPr>
+                                              <m:t>𝑡</m:t>
+                                            </m:r>
+                                          </m:sub>
+                                        </m:sSub>
+                                      </m:e>
+                                    </m:nary>
+                                    <m:r>
+                                      <a:rPr lang="en-US" altLang="zh-CN" sz="1200" b="0" i="1" smtClean="0">
+                                        <a:latin typeface="Cambria Math" panose="02040503050406030204" pitchFamily="18" charset="0"/>
+                                      </a:rPr>
+                                      <m:t>−1</m:t>
+                                    </m:r>
+                                  </m:e>
+                                </m:d>
+                              </m:e>
+                              <m:sup>
+                                <m:r>
+                                  <a:rPr lang="en-US" altLang="zh-CN" sz="1200" b="0" i="1" smtClean="0">
+                                    <a:latin typeface="Cambria Math" panose="02040503050406030204" pitchFamily="18" charset="0"/>
+                                  </a:rPr>
+                                  <m:t>2</m:t>
+                                </m:r>
+                              </m:sup>
+                            </m:sSup>
+                          </m:e>
+                        </m:nary>
+                      </m:oMath>
+                    </m:oMathPara>
+                  </a14:m>
+                  <a:endParaRPr lang="en-US" altLang="zh-CN" sz="1200" dirty="0"/>
+                </a:p>
+              </p:txBody>
+            </p:sp>
+          </mc:Choice>
+          <mc:Fallback>
+            <p:sp>
+              <p:nvSpPr>
+                <p:cNvPr id="78" name="文本框 11">
+                  <a:extLst>
+                    <a:ext uri="{FF2B5EF4-FFF2-40B4-BE49-F238E27FC236}">
+                      <a16:creationId xmlns:a16="http://schemas.microsoft.com/office/drawing/2014/main" id="{1CF98A43-1A02-0BA5-14DA-129828E89970}"/>
+                    </a:ext>
+                  </a:extLst>
+                </p:cNvPr>
+                <p:cNvSpPr txBox="1">
+                  <a:spLocks noRot="1" noChangeAspect="1" noMove="1" noResize="1" noEditPoints="1" noAdjustHandles="1" noChangeArrowheads="1" noChangeShapeType="1" noTextEdit="1"/>
+                </p:cNvSpPr>
+                <p:nvPr/>
+              </p:nvSpPr>
+              <p:spPr>
+                <a:xfrm>
+                  <a:off x="10593630" y="3765426"/>
+                  <a:ext cx="1257459" cy="631007"/>
+                </a:xfrm>
+                <a:prstGeom prst="rect">
+                  <a:avLst/>
+                </a:prstGeom>
+                <a:blipFill>
+                  <a:blip r:embed="rId4"/>
+                  <a:stretch>
+                    <a:fillRect b="-971"/>
+                  </a:stretch>
+                </a:blipFill>
+              </p:spPr>
+              <p:txBody>
+                <a:bodyPr/>
+                <a:lstStyle/>
+                <a:p>
+                  <a:r>
+                    <a:rPr lang="zh-CN" altLang="en-US">
+                      <a:noFill/>
+                    </a:rPr>
+                    <a:t> </a:t>
+                  </a:r>
+                </a:p>
+              </p:txBody>
+            </p:sp>
+          </mc:Fallback>
+        </mc:AlternateContent>
+        <p:sp>
+          <p:nvSpPr>
+            <p:cNvPr id="79" name="箭头: 右 78">
+              <a:extLst>
+                <a:ext uri="{FF2B5EF4-FFF2-40B4-BE49-F238E27FC236}">
+                  <a16:creationId xmlns:a16="http://schemas.microsoft.com/office/drawing/2014/main" id="{8EFB9DCC-0217-57BA-3D34-3F4A301B4A9E}"/>
+                </a:ext>
+              </a:extLst>
+            </p:cNvPr>
+            <p:cNvSpPr/>
+            <p:nvPr/>
+          </p:nvSpPr>
+          <p:spPr>
+            <a:xfrm>
+              <a:off x="9372458" y="4139149"/>
+              <a:ext cx="1008000" cy="72000"/>
+            </a:xfrm>
+            <a:prstGeom prst="rightArrow">
+              <a:avLst/>
+            </a:prstGeom>
+          </p:spPr>
+          <p:style>
+            <a:lnRef idx="2">
+              <a:schemeClr val="accent1">
+                <a:shade val="15000"/>
+              </a:schemeClr>
+            </a:lnRef>
+            <a:fillRef idx="1">
+              <a:schemeClr val="accent1"/>
+            </a:fillRef>
+            <a:effectRef idx="0">
+              <a:schemeClr val="accent1"/>
+            </a:effectRef>
+            <a:fontRef idx="minor">
+              <a:schemeClr val="lt1"/>
+            </a:fontRef>
+          </p:style>
+          <p:txBody>
+            <a:bodyPr rtlCol="0" anchor="ctr"/>
+            <a:lstStyle/>
+            <a:p>
+              <a:pPr algn="ctr"/>
+              <a:endParaRPr lang="zh-CN" altLang="en-US"/>
+            </a:p>
+          </p:txBody>
+        </p:sp>
+        <p:sp>
+          <p:nvSpPr>
+            <p:cNvPr id="80" name="文本框 79">
+              <a:extLst>
+                <a:ext uri="{FF2B5EF4-FFF2-40B4-BE49-F238E27FC236}">
+                  <a16:creationId xmlns:a16="http://schemas.microsoft.com/office/drawing/2014/main" id="{4D82F97F-AE67-1E02-9681-EAE599968AE9}"/>
+                </a:ext>
+              </a:extLst>
+            </p:cNvPr>
+            <p:cNvSpPr txBox="1"/>
+            <p:nvPr/>
+          </p:nvSpPr>
+          <p:spPr>
+            <a:xfrm>
+              <a:off x="9227673" y="3898150"/>
+              <a:ext cx="1261884" cy="276999"/>
+            </a:xfrm>
+            <a:prstGeom prst="rect">
+              <a:avLst/>
+            </a:prstGeom>
+            <a:noFill/>
+          </p:spPr>
+          <p:txBody>
+            <a:bodyPr wrap="none" rtlCol="0">
+              <a:spAutoFit/>
+            </a:bodyPr>
+            <a:lstStyle/>
+            <a:p>
+              <a:r>
+                <a:rPr lang="ja-JP" altLang="en-US" sz="1200" dirty="0"/>
+                <a:t>ペナルティー法</a:t>
+              </a:r>
+              <a:endParaRPr lang="zh-CN" altLang="en-US" sz="1200" dirty="0"/>
+            </a:p>
+          </p:txBody>
+        </p:sp>
+        <p:sp>
+          <p:nvSpPr>
+            <p:cNvPr id="81" name="箭头: 右 80">
+              <a:extLst>
+                <a:ext uri="{FF2B5EF4-FFF2-40B4-BE49-F238E27FC236}">
+                  <a16:creationId xmlns:a16="http://schemas.microsoft.com/office/drawing/2014/main" id="{174B2FD5-D95B-8178-8902-7003B9DBD81B}"/>
+                </a:ext>
+              </a:extLst>
+            </p:cNvPr>
+            <p:cNvSpPr/>
+            <p:nvPr/>
+          </p:nvSpPr>
+          <p:spPr>
+            <a:xfrm>
+              <a:off x="9355086" y="5193362"/>
+              <a:ext cx="1008000" cy="72000"/>
+            </a:xfrm>
+            <a:prstGeom prst="rightArrow">
+              <a:avLst/>
+            </a:prstGeom>
+          </p:spPr>
+          <p:style>
+            <a:lnRef idx="2">
+              <a:schemeClr val="accent1">
+                <a:shade val="15000"/>
+              </a:schemeClr>
+            </a:lnRef>
+            <a:fillRef idx="1">
+              <a:schemeClr val="accent1"/>
+            </a:fillRef>
+            <a:effectRef idx="0">
+              <a:schemeClr val="accent1"/>
+            </a:effectRef>
+            <a:fontRef idx="minor">
+              <a:schemeClr val="lt1"/>
+            </a:fontRef>
+          </p:style>
+          <p:txBody>
+            <a:bodyPr rtlCol="0" anchor="ctr"/>
+            <a:lstStyle/>
+            <a:p>
+              <a:pPr algn="ctr"/>
+              <a:endParaRPr lang="zh-CN" altLang="en-US"/>
+            </a:p>
+          </p:txBody>
+        </p:sp>
+        <p:sp>
+          <p:nvSpPr>
+            <p:cNvPr id="82" name="文本框 81">
+              <a:extLst>
+                <a:ext uri="{FF2B5EF4-FFF2-40B4-BE49-F238E27FC236}">
+                  <a16:creationId xmlns:a16="http://schemas.microsoft.com/office/drawing/2014/main" id="{EBD174A7-C451-398B-5C0D-2ED1881F3BEA}"/>
+                </a:ext>
+              </a:extLst>
+            </p:cNvPr>
+            <p:cNvSpPr txBox="1"/>
+            <p:nvPr/>
+          </p:nvSpPr>
+          <p:spPr>
+            <a:xfrm>
+              <a:off x="9210301" y="4952363"/>
+              <a:ext cx="1261884" cy="276999"/>
+            </a:xfrm>
+            <a:prstGeom prst="rect">
+              <a:avLst/>
+            </a:prstGeom>
+            <a:noFill/>
+          </p:spPr>
+          <p:txBody>
+            <a:bodyPr wrap="none" rtlCol="0">
+              <a:spAutoFit/>
+            </a:bodyPr>
+            <a:lstStyle/>
+            <a:p>
+              <a:r>
+                <a:rPr lang="ja-JP" altLang="en-US" sz="1200" dirty="0"/>
+                <a:t>ペナルティー法</a:t>
+              </a:r>
+              <a:endParaRPr lang="zh-CN" altLang="en-US" sz="1200" dirty="0"/>
+            </a:p>
+          </p:txBody>
+        </p:sp>
+        <mc:AlternateContent xmlns:mc="http://schemas.openxmlformats.org/markup-compatibility/2006">
+          <mc:Choice xmlns:a14="http://schemas.microsoft.com/office/drawing/2010/main" Requires="a14">
+            <p:sp>
+              <p:nvSpPr>
+                <p:cNvPr id="83" name="文本框 19">
+                  <a:extLst>
+                    <a:ext uri="{FF2B5EF4-FFF2-40B4-BE49-F238E27FC236}">
+                      <a16:creationId xmlns:a16="http://schemas.microsoft.com/office/drawing/2014/main" id="{6983BF0F-3F8C-CE9D-6E09-9992DEE7F078}"/>
+                    </a:ext>
+                  </a:extLst>
+                </p:cNvPr>
+                <p:cNvSpPr txBox="1"/>
+                <p:nvPr/>
+              </p:nvSpPr>
+              <p:spPr>
+                <a:xfrm>
+                  <a:off x="10593629" y="4812315"/>
+                  <a:ext cx="1257460" cy="631007"/>
+                </a:xfrm>
+                <a:prstGeom prst="rect">
+                  <a:avLst/>
+                </a:prstGeom>
+                <a:noFill/>
+              </p:spPr>
+              <p:txBody>
+                <a:bodyPr wrap="none" lIns="0" tIns="0" rIns="0" bIns="0" rtlCol="0">
+                  <a:spAutoFit/>
+                </a:bodyPr>
+                <a:lstStyle>
+                  <a:defPPr>
+                    <a:defRPr lang="zh-CN"/>
+                  </a:defPPr>
+                  <a:lvl1pPr marL="0" algn="l" defTabSz="914400" rtl="0" eaLnBrk="1" latinLnBrk="0" hangingPunct="1">
+                    <a:defRPr sz="1800" kern="1200">
+                      <a:solidFill>
+                        <a:schemeClr val="tx1"/>
+                      </a:solidFill>
+                      <a:latin typeface="+mn-lt"/>
+                      <a:ea typeface="+mn-ea"/>
+                      <a:cs typeface="+mn-cs"/>
+                    </a:defRPr>
+                  </a:lvl1pPr>
+                  <a:lvl2pPr marL="457200" algn="l" defTabSz="914400" rtl="0" eaLnBrk="1" latinLnBrk="0" hangingPunct="1">
+                    <a:defRPr sz="1800" kern="1200">
+                      <a:solidFill>
+                        <a:schemeClr val="tx1"/>
+                      </a:solidFill>
+                      <a:latin typeface="+mn-lt"/>
+                      <a:ea typeface="+mn-ea"/>
+                      <a:cs typeface="+mn-cs"/>
+                    </a:defRPr>
+                  </a:lvl2pPr>
+                  <a:lvl3pPr marL="914400" algn="l" defTabSz="914400" rtl="0" eaLnBrk="1" latinLnBrk="0" hangingPunct="1">
+                    <a:defRPr sz="1800" kern="1200">
+                      <a:solidFill>
+                        <a:schemeClr val="tx1"/>
+                      </a:solidFill>
+                      <a:latin typeface="+mn-lt"/>
+                      <a:ea typeface="+mn-ea"/>
+                      <a:cs typeface="+mn-cs"/>
+                    </a:defRPr>
+                  </a:lvl3pPr>
+                  <a:lvl4pPr marL="1371600" algn="l" defTabSz="914400" rtl="0" eaLnBrk="1" latinLnBrk="0" hangingPunct="1">
+                    <a:defRPr sz="1800" kern="1200">
+                      <a:solidFill>
+                        <a:schemeClr val="tx1"/>
+                      </a:solidFill>
+                      <a:latin typeface="+mn-lt"/>
+                      <a:ea typeface="+mn-ea"/>
+                      <a:cs typeface="+mn-cs"/>
+                    </a:defRPr>
+                  </a:lvl4pPr>
+                  <a:lvl5pPr marL="1828800" algn="l" defTabSz="914400" rtl="0" eaLnBrk="1" latinLnBrk="0" hangingPunct="1">
+                    <a:defRPr sz="1800" kern="1200">
+                      <a:solidFill>
+                        <a:schemeClr val="tx1"/>
+                      </a:solidFill>
+                      <a:latin typeface="+mn-lt"/>
+                      <a:ea typeface="+mn-ea"/>
+                      <a:cs typeface="+mn-cs"/>
+                    </a:defRPr>
+                  </a:lvl5pPr>
+                  <a:lvl6pPr marL="2286000" algn="l" defTabSz="914400" rtl="0" eaLnBrk="1" latinLnBrk="0" hangingPunct="1">
+                    <a:defRPr sz="1800" kern="1200">
+                      <a:solidFill>
+                        <a:schemeClr val="tx1"/>
+                      </a:solidFill>
+                      <a:latin typeface="+mn-lt"/>
+                      <a:ea typeface="+mn-ea"/>
+                      <a:cs typeface="+mn-cs"/>
+                    </a:defRPr>
+                  </a:lvl6pPr>
+                  <a:lvl7pPr marL="2743200" algn="l" defTabSz="914400" rtl="0" eaLnBrk="1" latinLnBrk="0" hangingPunct="1">
+                    <a:defRPr sz="1800" kern="1200">
+                      <a:solidFill>
+                        <a:schemeClr val="tx1"/>
+                      </a:solidFill>
+                      <a:latin typeface="+mn-lt"/>
+                      <a:ea typeface="+mn-ea"/>
+                      <a:cs typeface="+mn-cs"/>
+                    </a:defRPr>
+                  </a:lvl7pPr>
+                  <a:lvl8pPr marL="3200400" algn="l" defTabSz="914400" rtl="0" eaLnBrk="1" latinLnBrk="0" hangingPunct="1">
+                    <a:defRPr sz="1800" kern="1200">
+                      <a:solidFill>
+                        <a:schemeClr val="tx1"/>
+                      </a:solidFill>
+                      <a:latin typeface="+mn-lt"/>
+                      <a:ea typeface="+mn-ea"/>
+                      <a:cs typeface="+mn-cs"/>
+                    </a:defRPr>
+                  </a:lvl8pPr>
+                  <a:lvl9pPr marL="3657600" algn="l" defTabSz="914400" rtl="0" eaLnBrk="1" latinLnBrk="0" hangingPunct="1">
+                    <a:defRPr sz="1800" kern="1200">
+                      <a:solidFill>
+                        <a:schemeClr val="tx1"/>
+                      </a:solidFill>
+                      <a:latin typeface="+mn-lt"/>
+                      <a:ea typeface="+mn-ea"/>
+                      <a:cs typeface="+mn-cs"/>
+                    </a:defRPr>
+                  </a:lvl9pPr>
+                </a:lstStyle>
+                <a:p>
+                  <a:pPr/>
+                  <a14:m>
+                    <m:oMathPara xmlns:m="http://schemas.openxmlformats.org/officeDocument/2006/math">
+                      <m:oMathParaPr>
+                        <m:jc m:val="centerGroup"/>
+                      </m:oMathParaPr>
+                      <m:oMath xmlns:m="http://schemas.openxmlformats.org/officeDocument/2006/math">
+                        <m:nary>
+                          <m:naryPr>
+                            <m:chr m:val="∑"/>
+                            <m:ctrlPr>
+                              <a:rPr lang="zh-CN" altLang="en-US" sz="1200" i="1" smtClean="0">
+                                <a:latin typeface="Cambria Math" panose="02040503050406030204" pitchFamily="18" charset="0"/>
+                              </a:rPr>
+                            </m:ctrlPr>
+                          </m:naryPr>
+                          <m:sub>
+                            <m:r>
+                              <m:rPr>
+                                <m:brk m:alnAt="23"/>
+                              </m:rPr>
+                              <a:rPr lang="en-US" altLang="zh-CN" sz="1200" b="0" i="1" smtClean="0">
+                                <a:latin typeface="Cambria Math" panose="02040503050406030204" pitchFamily="18" charset="0"/>
+                              </a:rPr>
+                              <m:t>𝑡</m:t>
+                            </m:r>
+                            <m:r>
+                              <a:rPr lang="en-US" altLang="zh-CN" sz="1200" b="0" i="1" smtClean="0">
+                                <a:latin typeface="Cambria Math" panose="02040503050406030204" pitchFamily="18" charset="0"/>
+                              </a:rPr>
+                              <m:t>=1</m:t>
+                            </m:r>
+                          </m:sub>
+                          <m:sup>
+                            <m:r>
+                              <a:rPr lang="en-US" altLang="zh-CN" sz="1200" b="0" i="1" smtClean="0">
+                                <a:latin typeface="Cambria Math" panose="02040503050406030204" pitchFamily="18" charset="0"/>
+                              </a:rPr>
+                              <m:t>𝑁</m:t>
+                            </m:r>
+                          </m:sup>
+                          <m:e>
+                            <m:sSup>
+                              <m:sSupPr>
+                                <m:ctrlPr>
+                                  <a:rPr lang="en-US" altLang="zh-CN" sz="1200" i="1" smtClean="0">
+                                    <a:latin typeface="Cambria Math" panose="02040503050406030204" pitchFamily="18" charset="0"/>
+                                  </a:rPr>
+                                </m:ctrlPr>
+                              </m:sSupPr>
+                              <m:e>
+                                <m:d>
+                                  <m:dPr>
+                                    <m:ctrlPr>
+                                      <a:rPr lang="en-US" altLang="zh-CN" sz="1200" i="1" smtClean="0">
+                                        <a:latin typeface="Cambria Math" panose="02040503050406030204" pitchFamily="18" charset="0"/>
+                                      </a:rPr>
+                                    </m:ctrlPr>
+                                  </m:dPr>
+                                  <m:e>
+                                    <m:nary>
+                                      <m:naryPr>
+                                        <m:chr m:val="∑"/>
+                                        <m:ctrlPr>
+                                          <a:rPr lang="en-US" altLang="zh-CN" sz="1200" i="1" smtClean="0">
+                                            <a:latin typeface="Cambria Math" panose="02040503050406030204" pitchFamily="18" charset="0"/>
+                                          </a:rPr>
+                                        </m:ctrlPr>
+                                      </m:naryPr>
+                                      <m:sub>
+                                        <m:r>
+                                          <m:rPr>
+                                            <m:brk m:alnAt="23"/>
+                                          </m:rPr>
+                                          <a:rPr lang="en-US" altLang="zh-CN" sz="1200" b="0" i="1" smtClean="0">
+                                            <a:latin typeface="Cambria Math" panose="02040503050406030204" pitchFamily="18" charset="0"/>
+                                          </a:rPr>
+                                          <m:t>𝑖</m:t>
+                                        </m:r>
+                                        <m:r>
+                                          <a:rPr lang="en-US" altLang="zh-CN" sz="1200" b="0" i="1" smtClean="0">
+                                            <a:latin typeface="Cambria Math" panose="02040503050406030204" pitchFamily="18" charset="0"/>
+                                          </a:rPr>
+                                          <m:t>=1</m:t>
+                                        </m:r>
+                                      </m:sub>
+                                      <m:sup>
+                                        <m:r>
+                                          <a:rPr lang="en-US" altLang="zh-CN" sz="1200" b="0" i="1" smtClean="0">
+                                            <a:latin typeface="Cambria Math" panose="02040503050406030204" pitchFamily="18" charset="0"/>
+                                          </a:rPr>
+                                          <m:t>𝑁</m:t>
+                                        </m:r>
+                                      </m:sup>
+                                      <m:e>
+                                        <m:sSub>
+                                          <m:sSubPr>
+                                            <m:ctrlPr>
+                                              <a:rPr lang="en-US" altLang="zh-CN" sz="1200" i="1" smtClean="0">
+                                                <a:latin typeface="Cambria Math" panose="02040503050406030204" pitchFamily="18" charset="0"/>
+                                              </a:rPr>
+                                            </m:ctrlPr>
+                                          </m:sSubPr>
+                                          <m:e>
+                                            <m:r>
+                                              <a:rPr lang="en-US" altLang="zh-CN" sz="1200" b="0" i="1" smtClean="0">
+                                                <a:latin typeface="Cambria Math" panose="02040503050406030204" pitchFamily="18" charset="0"/>
+                                              </a:rPr>
+                                              <m:t>𝑥</m:t>
+                                            </m:r>
+                                          </m:e>
+                                          <m:sub>
+                                            <m:r>
+                                              <a:rPr lang="en-US" altLang="zh-CN" sz="1200" b="0" i="1" smtClean="0">
+                                                <a:latin typeface="Cambria Math" panose="02040503050406030204" pitchFamily="18" charset="0"/>
+                                              </a:rPr>
+                                              <m:t>𝑖</m:t>
+                                            </m:r>
+                                            <m:r>
+                                              <a:rPr lang="en-US" altLang="zh-CN" sz="1200" b="0" i="1" smtClean="0">
+                                                <a:latin typeface="Cambria Math" panose="02040503050406030204" pitchFamily="18" charset="0"/>
+                                              </a:rPr>
+                                              <m:t>,</m:t>
+                                            </m:r>
+                                            <m:r>
+                                              <a:rPr lang="en-US" altLang="zh-CN" sz="1200" b="0" i="1" smtClean="0">
+                                                <a:latin typeface="Cambria Math" panose="02040503050406030204" pitchFamily="18" charset="0"/>
+                                              </a:rPr>
+                                              <m:t>𝑡</m:t>
+                                            </m:r>
+                                          </m:sub>
+                                        </m:sSub>
+                                      </m:e>
+                                    </m:nary>
+                                    <m:r>
+                                      <a:rPr lang="en-US" altLang="zh-CN" sz="1200" b="0" i="1" smtClean="0">
+                                        <a:latin typeface="Cambria Math" panose="02040503050406030204" pitchFamily="18" charset="0"/>
+                                      </a:rPr>
+                                      <m:t>−1</m:t>
+                                    </m:r>
+                                  </m:e>
+                                </m:d>
+                              </m:e>
+                              <m:sup>
+                                <m:r>
+                                  <a:rPr lang="en-US" altLang="zh-CN" sz="1200" b="0" i="1" smtClean="0">
+                                    <a:latin typeface="Cambria Math" panose="02040503050406030204" pitchFamily="18" charset="0"/>
+                                  </a:rPr>
+                                  <m:t>2</m:t>
+                                </m:r>
+                              </m:sup>
+                            </m:sSup>
+                          </m:e>
+                        </m:nary>
+                      </m:oMath>
+                    </m:oMathPara>
+                  </a14:m>
+                  <a:endParaRPr lang="zh-CN" altLang="en-US" sz="1200" dirty="0"/>
+                </a:p>
+              </p:txBody>
+            </p:sp>
+          </mc:Choice>
+          <mc:Fallback>
+            <p:sp>
+              <p:nvSpPr>
+                <p:cNvPr id="83" name="文本框 19">
+                  <a:extLst>
+                    <a:ext uri="{FF2B5EF4-FFF2-40B4-BE49-F238E27FC236}">
+                      <a16:creationId xmlns:a16="http://schemas.microsoft.com/office/drawing/2014/main" id="{6983BF0F-3F8C-CE9D-6E09-9992DEE7F078}"/>
+                    </a:ext>
+                  </a:extLst>
+                </p:cNvPr>
+                <p:cNvSpPr txBox="1">
+                  <a:spLocks noRot="1" noChangeAspect="1" noMove="1" noResize="1" noEditPoints="1" noAdjustHandles="1" noChangeArrowheads="1" noChangeShapeType="1" noTextEdit="1"/>
+                </p:cNvSpPr>
+                <p:nvPr/>
+              </p:nvSpPr>
+              <p:spPr>
+                <a:xfrm>
+                  <a:off x="10593629" y="4812315"/>
+                  <a:ext cx="1257460" cy="631007"/>
+                </a:xfrm>
+                <a:prstGeom prst="rect">
+                  <a:avLst/>
+                </a:prstGeom>
+                <a:blipFill>
+                  <a:blip r:embed="rId5"/>
+                  <a:stretch>
+                    <a:fillRect/>
+                  </a:stretch>
+                </a:blipFill>
+              </p:spPr>
+              <p:txBody>
+                <a:bodyPr/>
+                <a:lstStyle/>
+                <a:p>
+                  <a:r>
+                    <a:rPr lang="zh-CN" altLang="en-US">
+                      <a:noFill/>
+                    </a:rPr>
+                    <a:t> </a:t>
+                  </a:r>
+                </a:p>
+              </p:txBody>
+            </p:sp>
+          </mc:Fallback>
+        </mc:AlternateContent>
+      </p:grpSp>
+      <mc:AlternateContent xmlns:mc="http://schemas.openxmlformats.org/markup-compatibility/2006">
+        <mc:Choice xmlns:a14="http://schemas.microsoft.com/office/drawing/2010/main" Requires="a14">
+          <p:sp>
+            <p:nvSpPr>
+              <p:cNvPr id="86" name="文本框 85">
+                <a:extLst>
+                  <a:ext uri="{FF2B5EF4-FFF2-40B4-BE49-F238E27FC236}">
+                    <a16:creationId xmlns:a16="http://schemas.microsoft.com/office/drawing/2014/main" id="{0D3E8115-0738-B7EE-1087-17C3539A9352}"/>
+                  </a:ext>
+                </a:extLst>
+              </p:cNvPr>
+              <p:cNvSpPr txBox="1"/>
+              <p:nvPr/>
+            </p:nvSpPr>
+            <p:spPr>
+              <a:xfrm>
+                <a:off x="6489866" y="5492343"/>
+                <a:ext cx="5219717" cy="871521"/>
+              </a:xfrm>
+              <a:prstGeom prst="rect">
+                <a:avLst/>
+              </a:prstGeom>
+              <a:noFill/>
+            </p:spPr>
+            <p:txBody>
+              <a:bodyPr wrap="square">
+                <a:spAutoFit/>
+              </a:bodyPr>
+              <a:lstStyle/>
+              <a:p>
+                <a:r>
+                  <a:rPr lang="en-US" altLang="ja-JP" sz="1200" dirty="0"/>
+                  <a:t>TSP</a:t>
+                </a:r>
+                <a:r>
+                  <a:rPr lang="ja-JP" altLang="en-US" sz="1200" dirty="0"/>
+                  <a:t>問題の</a:t>
+                </a:r>
+                <a:r>
+                  <a:rPr lang="en-US" altLang="ja-JP" sz="1200" dirty="0"/>
+                  <a:t>QUBO</a:t>
+                </a:r>
+                <a:r>
+                  <a:rPr lang="ja-JP" altLang="en-US" sz="1200" dirty="0"/>
+                  <a:t>モデル（</a:t>
+                </a:r>
+                <a14:m>
+                  <m:oMath xmlns:m="http://schemas.openxmlformats.org/officeDocument/2006/math">
+                    <m:r>
+                      <a:rPr lang="zh-CN" altLang="en-US" sz="1200" b="0" i="1" smtClean="0">
+                        <a:solidFill>
+                          <a:srgbClr val="FF0000"/>
+                        </a:solidFill>
+                        <a:latin typeface="Cambria Math" panose="02040503050406030204" pitchFamily="18" charset="0"/>
+                        <a:ea typeface="Cambria Math" panose="02040503050406030204" pitchFamily="18" charset="0"/>
+                      </a:rPr>
+                      <m:t>𝜆</m:t>
+                    </m:r>
+                  </m:oMath>
+                </a14:m>
+                <a:r>
+                  <a:rPr lang="ja-JP" altLang="en-US" sz="1200" dirty="0"/>
+                  <a:t>はペナルティー係数）：</a:t>
+                </a:r>
+                <a:endParaRPr lang="en-US" altLang="zh-CN" sz="1200" dirty="0"/>
+              </a:p>
+              <a:p>
+                <a:pPr/>
+                <a14:m>
+                  <m:oMathPara xmlns:m="http://schemas.openxmlformats.org/officeDocument/2006/math">
+                    <m:oMathParaPr>
+                      <m:jc m:val="centerGroup"/>
+                    </m:oMathParaPr>
+                    <m:oMath xmlns:m="http://schemas.openxmlformats.org/officeDocument/2006/math">
+                      <m:nary>
+                        <m:naryPr>
+                          <m:chr m:val="∑"/>
+                          <m:ctrlPr>
+                            <a:rPr lang="en-US" altLang="zh-CN" sz="1200" i="1" smtClean="0">
+                              <a:latin typeface="Cambria Math" panose="02040503050406030204" pitchFamily="18" charset="0"/>
+                            </a:rPr>
+                          </m:ctrlPr>
+                        </m:naryPr>
+                        <m:sub>
+                          <m:r>
+                            <m:rPr>
+                              <m:brk m:alnAt="23"/>
+                            </m:rPr>
+                            <a:rPr lang="en-US" altLang="zh-CN" sz="1200" b="0" i="1" smtClean="0">
+                              <a:latin typeface="Cambria Math" panose="02040503050406030204" pitchFamily="18" charset="0"/>
+                            </a:rPr>
+                            <m:t>𝑖</m:t>
+                          </m:r>
+                          <m:r>
+                            <a:rPr lang="en-US" altLang="zh-CN" sz="1200" b="0" i="1" smtClean="0">
+                              <a:latin typeface="Cambria Math" panose="02040503050406030204" pitchFamily="18" charset="0"/>
+                            </a:rPr>
+                            <m:t>=1</m:t>
+                          </m:r>
+                        </m:sub>
+                        <m:sup>
+                          <m:r>
+                            <a:rPr lang="en-US" altLang="zh-CN" sz="1200" b="0" i="1" smtClean="0">
+                              <a:latin typeface="Cambria Math" panose="02040503050406030204" pitchFamily="18" charset="0"/>
+                            </a:rPr>
+                            <m:t>𝑛</m:t>
+                          </m:r>
+                        </m:sup>
+                        <m:e>
+                          <m:nary>
+                            <m:naryPr>
+                              <m:chr m:val="∑"/>
+                              <m:ctrlPr>
+                                <a:rPr lang="en-US" altLang="zh-CN" sz="1200" i="1" smtClean="0">
+                                  <a:latin typeface="Cambria Math" panose="02040503050406030204" pitchFamily="18" charset="0"/>
+                                </a:rPr>
+                              </m:ctrlPr>
+                            </m:naryPr>
+                            <m:sub>
+                              <m:r>
+                                <m:rPr>
+                                  <m:brk m:alnAt="23"/>
+                                </m:rPr>
+                                <a:rPr lang="en-US" altLang="zh-CN" sz="1200" b="0" i="1" smtClean="0">
+                                  <a:latin typeface="Cambria Math" panose="02040503050406030204" pitchFamily="18" charset="0"/>
+                                </a:rPr>
+                                <m:t>𝑗</m:t>
+                              </m:r>
+                              <m:r>
+                                <a:rPr lang="en-US" altLang="zh-CN" sz="1200" b="0" i="1" smtClean="0">
+                                  <a:latin typeface="Cambria Math" panose="02040503050406030204" pitchFamily="18" charset="0"/>
+                                </a:rPr>
+                                <m:t>=1</m:t>
+                              </m:r>
+                            </m:sub>
+                            <m:sup>
+                              <m:r>
+                                <a:rPr lang="en-US" altLang="zh-CN" sz="1200" b="0" i="1" smtClean="0">
+                                  <a:latin typeface="Cambria Math" panose="02040503050406030204" pitchFamily="18" charset="0"/>
+                                </a:rPr>
+                                <m:t>𝑛</m:t>
+                              </m:r>
+                            </m:sup>
+                            <m:e>
+                              <m:nary>
+                                <m:naryPr>
+                                  <m:chr m:val="∑"/>
+                                  <m:ctrlPr>
+                                    <a:rPr lang="en-US" altLang="zh-CN" sz="1200" i="1" smtClean="0">
+                                      <a:latin typeface="Cambria Math" panose="02040503050406030204" pitchFamily="18" charset="0"/>
+                                    </a:rPr>
+                                  </m:ctrlPr>
+                                </m:naryPr>
+                                <m:sub>
+                                  <m:r>
+                                    <m:rPr>
+                                      <m:brk m:alnAt="23"/>
+                                    </m:rPr>
+                                    <a:rPr lang="en-US" altLang="zh-CN" sz="1200" b="0" i="1" smtClean="0">
+                                      <a:latin typeface="Cambria Math" panose="02040503050406030204" pitchFamily="18" charset="0"/>
+                                    </a:rPr>
+                                    <m:t>𝑡</m:t>
+                                  </m:r>
+                                  <m:r>
+                                    <a:rPr lang="en-US" altLang="zh-CN" sz="1200" b="0" i="1" smtClean="0">
+                                      <a:latin typeface="Cambria Math" panose="02040503050406030204" pitchFamily="18" charset="0"/>
+                                    </a:rPr>
+                                    <m:t>=1</m:t>
+                                  </m:r>
+                                </m:sub>
+                                <m:sup>
+                                  <m:r>
+                                    <a:rPr lang="en-US" altLang="zh-CN" sz="1200" b="0" i="1" smtClean="0">
+                                      <a:latin typeface="Cambria Math" panose="02040503050406030204" pitchFamily="18" charset="0"/>
+                                    </a:rPr>
+                                    <m:t>𝑛</m:t>
+                                  </m:r>
+                                </m:sup>
+                                <m:e>
+                                  <m:sSub>
+                                    <m:sSubPr>
+                                      <m:ctrlPr>
+                                        <a:rPr lang="en-US" altLang="zh-CN" sz="1200" i="1" smtClean="0">
+                                          <a:latin typeface="Cambria Math" panose="02040503050406030204" pitchFamily="18" charset="0"/>
+                                        </a:rPr>
+                                      </m:ctrlPr>
+                                    </m:sSubPr>
+                                    <m:e>
+                                      <m:r>
+                                        <a:rPr lang="en-US" altLang="zh-CN" sz="1200" b="0" i="1" smtClean="0">
+                                          <a:latin typeface="Cambria Math" panose="02040503050406030204" pitchFamily="18" charset="0"/>
+                                        </a:rPr>
+                                        <m:t>𝑑</m:t>
+                                      </m:r>
+                                    </m:e>
+                                    <m:sub>
+                                      <m:r>
+                                        <a:rPr lang="en-US" altLang="zh-CN" sz="1200" b="0" i="1" smtClean="0">
+                                          <a:latin typeface="Cambria Math" panose="02040503050406030204" pitchFamily="18" charset="0"/>
+                                        </a:rPr>
+                                        <m:t>𝑖</m:t>
+                                      </m:r>
+                                      <m:r>
+                                        <a:rPr lang="en-US" altLang="zh-CN" sz="1200" b="0" i="1" smtClean="0">
+                                          <a:latin typeface="Cambria Math" panose="02040503050406030204" pitchFamily="18" charset="0"/>
+                                        </a:rPr>
+                                        <m:t>,</m:t>
+                                      </m:r>
+                                      <m:r>
+                                        <a:rPr lang="en-US" altLang="zh-CN" sz="1200" b="0" i="1" smtClean="0">
+                                          <a:latin typeface="Cambria Math" panose="02040503050406030204" pitchFamily="18" charset="0"/>
+                                        </a:rPr>
+                                        <m:t>𝑗</m:t>
+                                      </m:r>
+                                    </m:sub>
+                                  </m:sSub>
+                                  <m:sSub>
+                                    <m:sSubPr>
+                                      <m:ctrlPr>
+                                        <a:rPr lang="en-US" altLang="zh-CN" sz="1200" i="1" smtClean="0">
+                                          <a:latin typeface="Cambria Math" panose="02040503050406030204" pitchFamily="18" charset="0"/>
+                                        </a:rPr>
+                                      </m:ctrlPr>
+                                    </m:sSubPr>
+                                    <m:e>
+                                      <m:r>
+                                        <a:rPr lang="en-US" altLang="zh-CN" sz="1200" b="0" i="1" smtClean="0">
+                                          <a:latin typeface="Cambria Math" panose="02040503050406030204" pitchFamily="18" charset="0"/>
+                                        </a:rPr>
+                                        <m:t>𝑥</m:t>
+                                      </m:r>
+                                    </m:e>
+                                    <m:sub>
+                                      <m:r>
+                                        <a:rPr lang="en-US" altLang="zh-CN" sz="1200" b="0" i="1" smtClean="0">
+                                          <a:latin typeface="Cambria Math" panose="02040503050406030204" pitchFamily="18" charset="0"/>
+                                        </a:rPr>
+                                        <m:t>𝑖</m:t>
+                                      </m:r>
+                                      <m:r>
+                                        <a:rPr lang="en-US" altLang="zh-CN" sz="1200" b="0" i="1" smtClean="0">
+                                          <a:latin typeface="Cambria Math" panose="02040503050406030204" pitchFamily="18" charset="0"/>
+                                        </a:rPr>
+                                        <m:t>,</m:t>
+                                      </m:r>
+                                      <m:r>
+                                        <a:rPr lang="en-US" altLang="zh-CN" sz="1200" b="0" i="1" smtClean="0">
+                                          <a:latin typeface="Cambria Math" panose="02040503050406030204" pitchFamily="18" charset="0"/>
+                                        </a:rPr>
+                                        <m:t>𝑡</m:t>
+                                      </m:r>
+                                    </m:sub>
+                                  </m:sSub>
+                                  <m:sSub>
+                                    <m:sSubPr>
+                                      <m:ctrlPr>
+                                        <a:rPr lang="en-US" altLang="zh-CN" sz="1200" i="1" smtClean="0">
+                                          <a:latin typeface="Cambria Math" panose="02040503050406030204" pitchFamily="18" charset="0"/>
+                                        </a:rPr>
+                                      </m:ctrlPr>
+                                    </m:sSubPr>
+                                    <m:e>
+                                      <m:r>
+                                        <a:rPr lang="en-US" altLang="zh-CN" sz="1200" b="0" i="1" smtClean="0">
+                                          <a:latin typeface="Cambria Math" panose="02040503050406030204" pitchFamily="18" charset="0"/>
+                                        </a:rPr>
+                                        <m:t>𝑥</m:t>
+                                      </m:r>
+                                    </m:e>
+                                    <m:sub>
+                                      <m:r>
+                                        <a:rPr lang="en-US" altLang="zh-CN" sz="1200" b="0" i="1" smtClean="0">
+                                          <a:latin typeface="Cambria Math" panose="02040503050406030204" pitchFamily="18" charset="0"/>
+                                        </a:rPr>
+                                        <m:t>𝑗</m:t>
+                                      </m:r>
+                                      <m:r>
+                                        <a:rPr lang="en-US" altLang="zh-CN" sz="1200" b="0" i="1" smtClean="0">
+                                          <a:latin typeface="Cambria Math" panose="02040503050406030204" pitchFamily="18" charset="0"/>
+                                        </a:rPr>
+                                        <m:t>,</m:t>
+                                      </m:r>
+                                      <m:d>
+                                        <m:dPr>
+                                          <m:ctrlPr>
+                                            <a:rPr lang="en-US" altLang="zh-CN" sz="1200" b="0" i="1" smtClean="0">
+                                              <a:latin typeface="Cambria Math" panose="02040503050406030204" pitchFamily="18" charset="0"/>
+                                            </a:rPr>
+                                          </m:ctrlPr>
+                                        </m:dPr>
+                                        <m:e>
+                                          <m:r>
+                                            <a:rPr lang="en-US" altLang="zh-CN" sz="1200" b="0" i="1" smtClean="0">
+                                              <a:latin typeface="Cambria Math" panose="02040503050406030204" pitchFamily="18" charset="0"/>
+                                            </a:rPr>
+                                            <m:t>𝑡</m:t>
+                                          </m:r>
+                                          <m:r>
+                                            <a:rPr lang="en-US" altLang="zh-CN" sz="1200" b="0" i="1" smtClean="0">
+                                              <a:latin typeface="Cambria Math" panose="02040503050406030204" pitchFamily="18" charset="0"/>
+                                            </a:rPr>
+                                            <m:t>+1</m:t>
+                                          </m:r>
+                                        </m:e>
+                                      </m:d>
+                                      <m:r>
+                                        <a:rPr lang="en-US" altLang="zh-CN" sz="1200" i="1">
+                                          <a:latin typeface="Cambria Math" panose="02040503050406030204" pitchFamily="18" charset="0"/>
+                                          <a:ea typeface="Cambria Math" panose="02040503050406030204" pitchFamily="18" charset="0"/>
+                                        </a:rPr>
+                                        <m:t>%</m:t>
+                                      </m:r>
+                                      <m:r>
+                                        <a:rPr lang="en-US" altLang="zh-CN" sz="1200" b="0" i="1" smtClean="0">
+                                          <a:latin typeface="Cambria Math" panose="02040503050406030204" pitchFamily="18" charset="0"/>
+                                          <a:ea typeface="Cambria Math" panose="02040503050406030204" pitchFamily="18" charset="0"/>
+                                        </a:rPr>
+                                        <m:t>𝑛</m:t>
+                                      </m:r>
+                                    </m:sub>
+                                  </m:sSub>
+                                </m:e>
+                              </m:nary>
+                            </m:e>
+                          </m:nary>
+                        </m:e>
+                      </m:nary>
+                      <m:r>
+                        <a:rPr lang="en-US" altLang="zh-CN" sz="1200" b="0" i="1" smtClean="0">
+                          <a:latin typeface="Cambria Math" panose="02040503050406030204" pitchFamily="18" charset="0"/>
+                          <a:ea typeface="Cambria Math" panose="02040503050406030204" pitchFamily="18" charset="0"/>
+                        </a:rPr>
+                        <m:t>+</m:t>
+                      </m:r>
+                      <m:r>
+                        <a:rPr lang="zh-CN" altLang="en-US" sz="1200" b="0" i="1" smtClean="0">
+                          <a:solidFill>
+                            <a:srgbClr val="FF0000"/>
+                          </a:solidFill>
+                          <a:latin typeface="Cambria Math" panose="02040503050406030204" pitchFamily="18" charset="0"/>
+                          <a:ea typeface="Cambria Math" panose="02040503050406030204" pitchFamily="18" charset="0"/>
+                        </a:rPr>
+                        <m:t>𝜆</m:t>
+                      </m:r>
+                      <m:d>
+                        <m:dPr>
+                          <m:ctrlPr>
+                            <a:rPr lang="en-US" altLang="zh-CN" sz="1200" b="0" i="1" smtClean="0">
+                              <a:latin typeface="Cambria Math" panose="02040503050406030204" pitchFamily="18" charset="0"/>
+                              <a:ea typeface="Cambria Math" panose="02040503050406030204" pitchFamily="18" charset="0"/>
+                            </a:rPr>
+                          </m:ctrlPr>
+                        </m:dPr>
+                        <m:e>
+                          <m:nary>
+                            <m:naryPr>
+                              <m:chr m:val="∑"/>
+                              <m:ctrlPr>
+                                <a:rPr lang="zh-CN" altLang="en-US" sz="1200" i="1">
+                                  <a:latin typeface="Cambria Math" panose="02040503050406030204" pitchFamily="18" charset="0"/>
+                                </a:rPr>
+                              </m:ctrlPr>
+                            </m:naryPr>
+                            <m:sub>
+                              <m:r>
+                                <m:rPr>
+                                  <m:brk m:alnAt="23"/>
+                                </m:rPr>
+                                <a:rPr lang="en-US" altLang="zh-CN" sz="1200" i="1">
+                                  <a:latin typeface="Cambria Math" panose="02040503050406030204" pitchFamily="18" charset="0"/>
+                                </a:rPr>
+                                <m:t>𝑖</m:t>
+                              </m:r>
+                              <m:r>
+                                <a:rPr lang="en-US" altLang="zh-CN" sz="1200" i="1">
+                                  <a:latin typeface="Cambria Math" panose="02040503050406030204" pitchFamily="18" charset="0"/>
+                                </a:rPr>
+                                <m:t>=1</m:t>
+                              </m:r>
+                            </m:sub>
+                            <m:sup>
+                              <m:r>
+                                <a:rPr lang="en-US" altLang="zh-CN" sz="1200" b="0" i="1" smtClean="0">
+                                  <a:latin typeface="Cambria Math" panose="02040503050406030204" pitchFamily="18" charset="0"/>
+                                </a:rPr>
+                                <m:t>𝑛</m:t>
+                              </m:r>
+                            </m:sup>
+                            <m:e>
+                              <m:sSup>
+                                <m:sSupPr>
+                                  <m:ctrlPr>
+                                    <a:rPr lang="en-US" altLang="zh-CN" sz="1200" i="1">
+                                      <a:latin typeface="Cambria Math" panose="02040503050406030204" pitchFamily="18" charset="0"/>
+                                    </a:rPr>
+                                  </m:ctrlPr>
+                                </m:sSupPr>
+                                <m:e>
+                                  <m:d>
+                                    <m:dPr>
+                                      <m:ctrlPr>
+                                        <a:rPr lang="en-US" altLang="zh-CN" sz="1200" i="1">
+                                          <a:latin typeface="Cambria Math" panose="02040503050406030204" pitchFamily="18" charset="0"/>
+                                        </a:rPr>
+                                      </m:ctrlPr>
+                                    </m:dPr>
+                                    <m:e>
+                                      <m:nary>
+                                        <m:naryPr>
+                                          <m:chr m:val="∑"/>
+                                          <m:ctrlPr>
+                                            <a:rPr lang="en-US" altLang="zh-CN" sz="1200" i="1">
+                                              <a:latin typeface="Cambria Math" panose="02040503050406030204" pitchFamily="18" charset="0"/>
+                                            </a:rPr>
+                                          </m:ctrlPr>
+                                        </m:naryPr>
+                                        <m:sub>
+                                          <m:r>
+                                            <m:rPr>
+                                              <m:brk m:alnAt="23"/>
+                                            </m:rPr>
+                                            <a:rPr lang="en-US" altLang="zh-CN" sz="1200" i="1">
+                                              <a:latin typeface="Cambria Math" panose="02040503050406030204" pitchFamily="18" charset="0"/>
+                                            </a:rPr>
+                                            <m:t>𝑡</m:t>
+                                          </m:r>
+                                          <m:r>
+                                            <a:rPr lang="en-US" altLang="zh-CN" sz="1200" i="1">
+                                              <a:latin typeface="Cambria Math" panose="02040503050406030204" pitchFamily="18" charset="0"/>
+                                            </a:rPr>
+                                            <m:t>=1</m:t>
+                                          </m:r>
+                                        </m:sub>
+                                        <m:sup>
+                                          <m:r>
+                                            <a:rPr lang="en-US" altLang="zh-CN" sz="1200" b="0" i="1" smtClean="0">
+                                              <a:latin typeface="Cambria Math" panose="02040503050406030204" pitchFamily="18" charset="0"/>
+                                            </a:rPr>
+                                            <m:t>𝑛</m:t>
+                                          </m:r>
+                                        </m:sup>
+                                        <m:e>
+                                          <m:sSub>
+                                            <m:sSubPr>
+                                              <m:ctrlPr>
+                                                <a:rPr lang="en-US" altLang="zh-CN" sz="1200" i="1">
+                                                  <a:latin typeface="Cambria Math" panose="02040503050406030204" pitchFamily="18" charset="0"/>
+                                                </a:rPr>
+                                              </m:ctrlPr>
+                                            </m:sSubPr>
+                                            <m:e>
+                                              <m:r>
+                                                <a:rPr lang="en-US" altLang="zh-CN" sz="1200" i="1">
+                                                  <a:latin typeface="Cambria Math" panose="02040503050406030204" pitchFamily="18" charset="0"/>
+                                                </a:rPr>
+                                                <m:t>𝑥</m:t>
+                                              </m:r>
+                                            </m:e>
+                                            <m:sub>
+                                              <m:r>
+                                                <a:rPr lang="en-US" altLang="zh-CN" sz="1200" i="1">
+                                                  <a:latin typeface="Cambria Math" panose="02040503050406030204" pitchFamily="18" charset="0"/>
+                                                </a:rPr>
+                                                <m:t>𝑖</m:t>
+                                              </m:r>
+                                              <m:r>
+                                                <a:rPr lang="en-US" altLang="zh-CN" sz="1200" i="1">
+                                                  <a:latin typeface="Cambria Math" panose="02040503050406030204" pitchFamily="18" charset="0"/>
+                                                </a:rPr>
+                                                <m:t>,</m:t>
+                                              </m:r>
+                                              <m:r>
+                                                <a:rPr lang="en-US" altLang="zh-CN" sz="1200" i="1">
+                                                  <a:latin typeface="Cambria Math" panose="02040503050406030204" pitchFamily="18" charset="0"/>
+                                                </a:rPr>
+                                                <m:t>𝑡</m:t>
+                                              </m:r>
+                                            </m:sub>
+                                          </m:sSub>
+                                        </m:e>
+                                      </m:nary>
+                                      <m:r>
+                                        <a:rPr lang="en-US" altLang="zh-CN" sz="1200" i="1">
+                                          <a:latin typeface="Cambria Math" panose="02040503050406030204" pitchFamily="18" charset="0"/>
+                                        </a:rPr>
+                                        <m:t>−1</m:t>
+                                      </m:r>
+                                    </m:e>
+                                  </m:d>
+                                </m:e>
+                                <m:sup>
+                                  <m:r>
+                                    <a:rPr lang="en-US" altLang="zh-CN" sz="1200" i="1">
+                                      <a:latin typeface="Cambria Math" panose="02040503050406030204" pitchFamily="18" charset="0"/>
+                                    </a:rPr>
+                                    <m:t>2</m:t>
+                                  </m:r>
+                                </m:sup>
+                              </m:sSup>
+                            </m:e>
+                          </m:nary>
+                          <m:r>
+                            <a:rPr lang="en-US" altLang="zh-CN" sz="1200" b="0" i="1" smtClean="0">
+                              <a:latin typeface="Cambria Math" panose="02040503050406030204" pitchFamily="18" charset="0"/>
+                            </a:rPr>
+                            <m:t>+</m:t>
+                          </m:r>
+                          <m:nary>
+                            <m:naryPr>
+                              <m:chr m:val="∑"/>
+                              <m:ctrlPr>
+                                <a:rPr lang="zh-CN" altLang="en-US" sz="1200" i="1">
+                                  <a:latin typeface="Cambria Math" panose="02040503050406030204" pitchFamily="18" charset="0"/>
+                                </a:rPr>
+                              </m:ctrlPr>
+                            </m:naryPr>
+                            <m:sub>
+                              <m:r>
+                                <m:rPr>
+                                  <m:brk m:alnAt="23"/>
+                                </m:rPr>
+                                <a:rPr lang="en-US" altLang="zh-CN" sz="1200" i="1">
+                                  <a:latin typeface="Cambria Math" panose="02040503050406030204" pitchFamily="18" charset="0"/>
+                                </a:rPr>
+                                <m:t>𝑡</m:t>
+                              </m:r>
+                              <m:r>
+                                <a:rPr lang="en-US" altLang="zh-CN" sz="1200" i="1">
+                                  <a:latin typeface="Cambria Math" panose="02040503050406030204" pitchFamily="18" charset="0"/>
+                                </a:rPr>
+                                <m:t>=1</m:t>
+                              </m:r>
+                            </m:sub>
+                            <m:sup>
+                              <m:r>
+                                <a:rPr lang="en-US" altLang="zh-CN" sz="1200" b="0" i="1" smtClean="0">
+                                  <a:latin typeface="Cambria Math" panose="02040503050406030204" pitchFamily="18" charset="0"/>
+                                </a:rPr>
+                                <m:t>𝑛</m:t>
+                              </m:r>
+                            </m:sup>
+                            <m:e>
+                              <m:sSup>
+                                <m:sSupPr>
+                                  <m:ctrlPr>
+                                    <a:rPr lang="en-US" altLang="zh-CN" sz="1200" i="1">
+                                      <a:latin typeface="Cambria Math" panose="02040503050406030204" pitchFamily="18" charset="0"/>
+                                    </a:rPr>
+                                  </m:ctrlPr>
+                                </m:sSupPr>
+                                <m:e>
+                                  <m:d>
+                                    <m:dPr>
+                                      <m:ctrlPr>
+                                        <a:rPr lang="en-US" altLang="zh-CN" sz="1200" i="1">
+                                          <a:latin typeface="Cambria Math" panose="02040503050406030204" pitchFamily="18" charset="0"/>
+                                        </a:rPr>
+                                      </m:ctrlPr>
+                                    </m:dPr>
+                                    <m:e>
+                                      <m:nary>
+                                        <m:naryPr>
+                                          <m:chr m:val="∑"/>
+                                          <m:ctrlPr>
+                                            <a:rPr lang="en-US" altLang="zh-CN" sz="1200" i="1">
+                                              <a:latin typeface="Cambria Math" panose="02040503050406030204" pitchFamily="18" charset="0"/>
+                                            </a:rPr>
+                                          </m:ctrlPr>
+                                        </m:naryPr>
+                                        <m:sub>
+                                          <m:r>
+                                            <m:rPr>
+                                              <m:brk m:alnAt="23"/>
+                                            </m:rPr>
+                                            <a:rPr lang="en-US" altLang="zh-CN" sz="1200" i="1">
+                                              <a:latin typeface="Cambria Math" panose="02040503050406030204" pitchFamily="18" charset="0"/>
+                                            </a:rPr>
+                                            <m:t>𝑖</m:t>
+                                          </m:r>
+                                          <m:r>
+                                            <a:rPr lang="en-US" altLang="zh-CN" sz="1200" i="1">
+                                              <a:latin typeface="Cambria Math" panose="02040503050406030204" pitchFamily="18" charset="0"/>
+                                            </a:rPr>
+                                            <m:t>=1</m:t>
+                                          </m:r>
+                                        </m:sub>
+                                        <m:sup>
+                                          <m:r>
+                                            <a:rPr lang="en-US" altLang="zh-CN" sz="1200" b="0" i="1" smtClean="0">
+                                              <a:latin typeface="Cambria Math" panose="02040503050406030204" pitchFamily="18" charset="0"/>
+                                            </a:rPr>
+                                            <m:t>𝑛</m:t>
+                                          </m:r>
+                                        </m:sup>
+                                        <m:e>
+                                          <m:sSub>
+                                            <m:sSubPr>
+                                              <m:ctrlPr>
+                                                <a:rPr lang="en-US" altLang="zh-CN" sz="1200" i="1">
+                                                  <a:latin typeface="Cambria Math" panose="02040503050406030204" pitchFamily="18" charset="0"/>
+                                                </a:rPr>
+                                              </m:ctrlPr>
+                                            </m:sSubPr>
+                                            <m:e>
+                                              <m:r>
+                                                <a:rPr lang="en-US" altLang="zh-CN" sz="1200" i="1">
+                                                  <a:latin typeface="Cambria Math" panose="02040503050406030204" pitchFamily="18" charset="0"/>
+                                                </a:rPr>
+                                                <m:t>𝑥</m:t>
+                                              </m:r>
+                                            </m:e>
+                                            <m:sub>
+                                              <m:r>
+                                                <a:rPr lang="en-US" altLang="zh-CN" sz="1200" i="1">
+                                                  <a:latin typeface="Cambria Math" panose="02040503050406030204" pitchFamily="18" charset="0"/>
+                                                </a:rPr>
+                                                <m:t>𝑖</m:t>
+                                              </m:r>
+                                              <m:r>
+                                                <a:rPr lang="en-US" altLang="zh-CN" sz="1200" i="1">
+                                                  <a:latin typeface="Cambria Math" panose="02040503050406030204" pitchFamily="18" charset="0"/>
+                                                </a:rPr>
+                                                <m:t>,</m:t>
+                                              </m:r>
+                                              <m:r>
+                                                <a:rPr lang="en-US" altLang="zh-CN" sz="1200" i="1">
+                                                  <a:latin typeface="Cambria Math" panose="02040503050406030204" pitchFamily="18" charset="0"/>
+                                                </a:rPr>
+                                                <m:t>𝑡</m:t>
+                                              </m:r>
+                                            </m:sub>
+                                          </m:sSub>
+                                        </m:e>
+                                      </m:nary>
+                                      <m:r>
+                                        <a:rPr lang="en-US" altLang="zh-CN" sz="1200" i="1">
+                                          <a:latin typeface="Cambria Math" panose="02040503050406030204" pitchFamily="18" charset="0"/>
+                                        </a:rPr>
+                                        <m:t>−1</m:t>
+                                      </m:r>
+                                    </m:e>
+                                  </m:d>
+                                </m:e>
+                                <m:sup>
+                                  <m:r>
+                                    <a:rPr lang="en-US" altLang="zh-CN" sz="1200" i="1">
+                                      <a:latin typeface="Cambria Math" panose="02040503050406030204" pitchFamily="18" charset="0"/>
+                                    </a:rPr>
+                                    <m:t>2</m:t>
+                                  </m:r>
+                                </m:sup>
+                              </m:sSup>
+                            </m:e>
+                          </m:nary>
+                        </m:e>
+                      </m:d>
+                    </m:oMath>
+                  </m:oMathPara>
+                </a14:m>
+                <a:endParaRPr lang="en-US" altLang="zh-CN" sz="1200" dirty="0"/>
+              </a:p>
+            </p:txBody>
+          </p:sp>
+        </mc:Choice>
+        <mc:Fallback>
+          <p:sp>
+            <p:nvSpPr>
+              <p:cNvPr id="86" name="文本框 85">
+                <a:extLst>
+                  <a:ext uri="{FF2B5EF4-FFF2-40B4-BE49-F238E27FC236}">
+                    <a16:creationId xmlns:a16="http://schemas.microsoft.com/office/drawing/2014/main" id="{0D3E8115-0738-B7EE-1087-17C3539A9352}"/>
+                  </a:ext>
+                </a:extLst>
+              </p:cNvPr>
+              <p:cNvSpPr txBox="1">
+                <a:spLocks noRot="1" noChangeAspect="1" noMove="1" noResize="1" noEditPoints="1" noAdjustHandles="1" noChangeArrowheads="1" noChangeShapeType="1" noTextEdit="1"/>
+              </p:cNvSpPr>
+              <p:nvPr/>
+            </p:nvSpPr>
+            <p:spPr>
+              <a:xfrm>
+                <a:off x="6489866" y="5492343"/>
+                <a:ext cx="5219717" cy="871521"/>
+              </a:xfrm>
+              <a:prstGeom prst="rect">
+                <a:avLst/>
+              </a:prstGeom>
+              <a:blipFill>
+                <a:blip r:embed="rId6"/>
+                <a:stretch>
+                  <a:fillRect l="-117" t="-699"/>
+                </a:stretch>
+              </a:blipFill>
+            </p:spPr>
+            <p:txBody>
+              <a:bodyPr/>
+              <a:lstStyle/>
+              <a:p>
+                <a:r>
+                  <a:rPr lang="zh-CN" altLang="en-US">
+                    <a:noFill/>
+                  </a:rPr>
+                  <a:t> </a:t>
+                </a:r>
+              </a:p>
+            </p:txBody>
+          </p:sp>
+        </mc:Fallback>
+      </mc:AlternateContent>
     </p:spTree>
     <p:extLst>
       <p:ext uri="{BB962C8B-B14F-4D97-AF65-F5344CB8AC3E}">
@@ -8765,7 +11631,7 @@
         <p:spPr>
           <a:xfrm>
             <a:off x="301086" y="241382"/>
-            <a:ext cx="5929828" cy="584775"/>
+            <a:ext cx="7571303" cy="584775"/>
           </a:xfrm>
           <a:prstGeom prst="rect">
             <a:avLst/>
@@ -8780,7 +11646,7 @@
           <a:p>
             <a:r>
               <a:rPr lang="ja-JP" altLang="en-US" sz="3200" b="1" dirty="0"/>
-              <a:t>ボロノイー図　と　ドロネー図</a:t>
+              <a:t>ボロノイー図　と　ドロネー三角形分割</a:t>
             </a:r>
             <a:endParaRPr lang="zh-CN" altLang="en-US" sz="3200" b="1" dirty="0"/>
           </a:p>
@@ -8832,6 +11698,292 @@
           </a:p>
         </p:txBody>
       </p:sp>
+      <p:sp>
+        <p:nvSpPr>
+          <p:cNvPr id="7" name="文本框 6">
+            <a:extLst>
+              <a:ext uri="{FF2B5EF4-FFF2-40B4-BE49-F238E27FC236}">
+                <a16:creationId xmlns:a16="http://schemas.microsoft.com/office/drawing/2014/main" id="{A458E13A-8F1A-1FEF-2C9B-52BBE13DCD20}"/>
+              </a:ext>
+            </a:extLst>
+          </p:cNvPr>
+          <p:cNvSpPr txBox="1"/>
+          <p:nvPr/>
+        </p:nvSpPr>
+        <p:spPr>
+          <a:xfrm>
+            <a:off x="337127" y="1175373"/>
+            <a:ext cx="5829993" cy="1600438"/>
+          </a:xfrm>
+          <a:prstGeom prst="rect">
+            <a:avLst/>
+          </a:prstGeom>
+          <a:noFill/>
+        </p:spPr>
+        <p:txBody>
+          <a:bodyPr wrap="square">
+            <a:spAutoFit/>
+          </a:bodyPr>
+          <a:lstStyle/>
+          <a:p>
+            <a:r>
+              <a:rPr lang="ja-JP" altLang="en-US" sz="1400" b="1" dirty="0"/>
+              <a:t>ボロノイ図</a:t>
+            </a:r>
+            <a:endParaRPr lang="en-US" altLang="ja-JP" sz="1400" b="1" dirty="0"/>
+          </a:p>
+          <a:p>
+            <a:endParaRPr lang="en-US" altLang="ja-JP" sz="1400" b="1" dirty="0"/>
+          </a:p>
+          <a:p>
+            <a:r>
+              <a:rPr lang="ja-JP" altLang="en-US" sz="1400" dirty="0"/>
+              <a:t>平面上で任意に配置された複数個の母点に対して、どの母点に最も近いかによって平面上の座標空間を分割することで作成される図のこと</a:t>
+            </a:r>
+            <a:endParaRPr lang="en-US" altLang="ja-JP" sz="1400" dirty="0"/>
+          </a:p>
+          <a:p>
+            <a:endParaRPr lang="en-US" altLang="zh-CN" sz="1400" dirty="0"/>
+          </a:p>
+          <a:p>
+            <a:r>
+              <a:rPr lang="ja-JP" altLang="en-US" sz="1400" dirty="0"/>
+              <a:t>例：</a:t>
+            </a:r>
+            <a:endParaRPr lang="en-US" altLang="ja-JP" sz="1400" dirty="0"/>
+          </a:p>
+          <a:p>
+            <a:r>
+              <a:rPr lang="ja-JP" altLang="en-US" sz="1400" dirty="0"/>
+              <a:t>ある</a:t>
+            </a:r>
+            <a:r>
+              <a:rPr lang="en-US" altLang="ja-JP" sz="1400" dirty="0"/>
+              <a:t>TSP</a:t>
+            </a:r>
+            <a:r>
+              <a:rPr lang="ja-JP" altLang="en-US" sz="1400" dirty="0"/>
+              <a:t>インスタンス</a:t>
+            </a:r>
+            <a:r>
+              <a:rPr lang="en-US" altLang="ja-JP" sz="1400" dirty="0"/>
+              <a:t>(40)</a:t>
+            </a:r>
+            <a:r>
+              <a:rPr lang="ja-JP" altLang="en-US" sz="1400" dirty="0"/>
+              <a:t>に基づいて生成されたボロノイー図の一部分</a:t>
+            </a:r>
+            <a:endParaRPr lang="zh-CN" altLang="en-US" sz="1400" dirty="0"/>
+          </a:p>
+        </p:txBody>
+      </p:sp>
+      <p:pic>
+        <p:nvPicPr>
+          <p:cNvPr id="11" name="图片 10">
+            <a:extLst>
+              <a:ext uri="{FF2B5EF4-FFF2-40B4-BE49-F238E27FC236}">
+                <a16:creationId xmlns:a16="http://schemas.microsoft.com/office/drawing/2014/main" id="{AC18522C-3445-4455-BFF4-E13A9D097744}"/>
+              </a:ext>
+            </a:extLst>
+          </p:cNvPr>
+          <p:cNvPicPr>
+            <a:picLocks noChangeAspect="1"/>
+          </p:cNvPicPr>
+          <p:nvPr/>
+        </p:nvPicPr>
+        <p:blipFill rotWithShape="1">
+          <a:blip r:embed="rId2">
+            <a:extLst>
+              <a:ext uri="{28A0092B-C50C-407E-A947-70E740481C1C}">
+                <a14:useLocalDpi xmlns:a14="http://schemas.microsoft.com/office/drawing/2010/main" val="0"/>
+              </a:ext>
+            </a:extLst>
+          </a:blip>
+          <a:srcRect l="569" t="1406" r="684" b="733"/>
+          <a:stretch/>
+        </p:blipFill>
+        <p:spPr>
+          <a:xfrm>
+            <a:off x="446618" y="2889253"/>
+            <a:ext cx="3232150" cy="2402413"/>
+          </a:xfrm>
+          <a:prstGeom prst="rect">
+            <a:avLst/>
+          </a:prstGeom>
+        </p:spPr>
+      </p:pic>
+      <p:sp>
+        <p:nvSpPr>
+          <p:cNvPr id="13" name="椭圆 12">
+            <a:extLst>
+              <a:ext uri="{FF2B5EF4-FFF2-40B4-BE49-F238E27FC236}">
+                <a16:creationId xmlns:a16="http://schemas.microsoft.com/office/drawing/2014/main" id="{E18015D1-4528-8ACE-DCCD-DB58DDEA7EDF}"/>
+              </a:ext>
+            </a:extLst>
+          </p:cNvPr>
+          <p:cNvSpPr/>
+          <p:nvPr/>
+        </p:nvSpPr>
+        <p:spPr>
+          <a:xfrm>
+            <a:off x="3133717" y="4802330"/>
+            <a:ext cx="106680" cy="106680"/>
+          </a:xfrm>
+          <a:prstGeom prst="ellipse">
+            <a:avLst/>
+          </a:prstGeom>
+          <a:noFill/>
+          <a:ln w="9525">
+            <a:solidFill>
+              <a:srgbClr val="FF0000"/>
+            </a:solidFill>
+            <a:prstDash val="sysDot"/>
+          </a:ln>
+        </p:spPr>
+        <p:style>
+          <a:lnRef idx="2">
+            <a:schemeClr val="accent1">
+              <a:shade val="15000"/>
+            </a:schemeClr>
+          </a:lnRef>
+          <a:fillRef idx="1">
+            <a:schemeClr val="accent1"/>
+          </a:fillRef>
+          <a:effectRef idx="0">
+            <a:schemeClr val="accent1"/>
+          </a:effectRef>
+          <a:fontRef idx="minor">
+            <a:schemeClr val="lt1"/>
+          </a:fontRef>
+        </p:style>
+        <p:txBody>
+          <a:bodyPr rtlCol="0" anchor="ctr"/>
+          <a:lstStyle/>
+          <a:p>
+            <a:pPr algn="ctr"/>
+            <a:endParaRPr lang="zh-CN" altLang="en-US"/>
+          </a:p>
+        </p:txBody>
+      </p:sp>
+      <p:cxnSp>
+        <p:nvCxnSpPr>
+          <p:cNvPr id="17" name="直接箭头连接符 16">
+            <a:extLst>
+              <a:ext uri="{FF2B5EF4-FFF2-40B4-BE49-F238E27FC236}">
+                <a16:creationId xmlns:a16="http://schemas.microsoft.com/office/drawing/2014/main" id="{6C4DDCEA-8A44-3292-867C-24C79B898BEF}"/>
+              </a:ext>
+            </a:extLst>
+          </p:cNvPr>
+          <p:cNvCxnSpPr>
+            <a:cxnSpLocks/>
+            <a:stCxn id="13" idx="6"/>
+            <a:endCxn id="18" idx="1"/>
+          </p:cNvCxnSpPr>
+          <p:nvPr/>
+        </p:nvCxnSpPr>
+        <p:spPr>
+          <a:xfrm>
+            <a:off x="3240397" y="4855670"/>
+            <a:ext cx="765375" cy="0"/>
+          </a:xfrm>
+          <a:prstGeom prst="straightConnector1">
+            <a:avLst/>
+          </a:prstGeom>
+          <a:ln w="9525">
+            <a:tailEnd type="triangle"/>
+          </a:ln>
+        </p:spPr>
+        <p:style>
+          <a:lnRef idx="2">
+            <a:schemeClr val="accent1"/>
+          </a:lnRef>
+          <a:fillRef idx="0">
+            <a:schemeClr val="accent1"/>
+          </a:fillRef>
+          <a:effectRef idx="1">
+            <a:schemeClr val="accent1"/>
+          </a:effectRef>
+          <a:fontRef idx="minor">
+            <a:schemeClr val="tx1"/>
+          </a:fontRef>
+        </p:style>
+      </p:cxnSp>
+      <p:sp>
+        <p:nvSpPr>
+          <p:cNvPr id="18" name="文本框 17">
+            <a:extLst>
+              <a:ext uri="{FF2B5EF4-FFF2-40B4-BE49-F238E27FC236}">
+                <a16:creationId xmlns:a16="http://schemas.microsoft.com/office/drawing/2014/main" id="{2819FE25-15A8-6365-983C-F370E2DCADC8}"/>
+              </a:ext>
+            </a:extLst>
+          </p:cNvPr>
+          <p:cNvSpPr txBox="1"/>
+          <p:nvPr/>
+        </p:nvSpPr>
+        <p:spPr>
+          <a:xfrm>
+            <a:off x="4005772" y="4717170"/>
+            <a:ext cx="492443" cy="276999"/>
+          </a:xfrm>
+          <a:prstGeom prst="rect">
+            <a:avLst/>
+          </a:prstGeom>
+          <a:noFill/>
+          <a:ln>
+            <a:solidFill>
+              <a:schemeClr val="tx1"/>
+            </a:solidFill>
+          </a:ln>
+        </p:spPr>
+        <p:txBody>
+          <a:bodyPr wrap="none" rtlCol="0">
+            <a:spAutoFit/>
+          </a:bodyPr>
+          <a:lstStyle/>
+          <a:p>
+            <a:r>
+              <a:rPr lang="ja-JP" altLang="en-US" sz="1200" dirty="0"/>
+              <a:t>母点</a:t>
+            </a:r>
+            <a:endParaRPr lang="zh-CN" altLang="en-US" sz="1200" dirty="0"/>
+          </a:p>
+        </p:txBody>
+      </p:sp>
+      <p:pic>
+        <p:nvPicPr>
+          <p:cNvPr id="21" name="图片 20">
+            <a:extLst>
+              <a:ext uri="{FF2B5EF4-FFF2-40B4-BE49-F238E27FC236}">
+                <a16:creationId xmlns:a16="http://schemas.microsoft.com/office/drawing/2014/main" id="{62859971-EB3A-7E53-E131-031513A73BAE}"/>
+              </a:ext>
+            </a:extLst>
+          </p:cNvPr>
+          <p:cNvPicPr>
+            <a:picLocks noChangeAspect="1"/>
+          </p:cNvPicPr>
+          <p:nvPr/>
+        </p:nvPicPr>
+        <p:blipFill rotWithShape="1">
+          <a:blip r:embed="rId2">
+            <a:extLst>
+              <a:ext uri="{28A0092B-C50C-407E-A947-70E740481C1C}">
+                <a14:useLocalDpi xmlns:a14="http://schemas.microsoft.com/office/drawing/2010/main" val="0"/>
+              </a:ext>
+            </a:extLst>
+          </a:blip>
+          <a:srcRect l="569" t="1406" r="684" b="733"/>
+          <a:stretch/>
+        </p:blipFill>
+        <p:spPr>
+          <a:xfrm>
+            <a:off x="6547698" y="3046733"/>
+            <a:ext cx="3232150" cy="2402413"/>
+          </a:xfrm>
+          <a:prstGeom prst="rect">
+            <a:avLst/>
+          </a:prstGeom>
+        </p:spPr>
+      </p:pic>
     </p:spTree>
     <p:extLst>
       <p:ext uri="{BB962C8B-B14F-4D97-AF65-F5344CB8AC3E}">
